--- a/教學簡報/Bootstrap 4.pptx
+++ b/教學簡報/Bootstrap 4.pptx
@@ -1310,298 +1310,6 @@
               <a:t>"&gt;</a:t>
             </a:r>
           </a:p>
-          <a:p>
-            <a:r>
-              <a:rPr lang="en" altLang="zh-TW" sz="1200" b="0" kern="1200" dirty="0">
-                <a:solidFill>
-                  <a:schemeClr val="tx1"/>
-                </a:solidFill>
-                <a:effectLst/>
-                <a:latin typeface="+mn-lt"/>
-                <a:ea typeface="微軟正黑體" panose="020B0604030504040204" pitchFamily="34" charset="-120"/>
-                <a:cs typeface="+mn-cs"/>
-              </a:rPr>
-              <a:t>&lt;script </a:t>
-            </a:r>
-            <a:r>
-              <a:rPr lang="en" altLang="zh-TW" sz="1200" b="0" kern="1200" dirty="0" err="1">
-                <a:solidFill>
-                  <a:schemeClr val="tx1"/>
-                </a:solidFill>
-                <a:effectLst/>
-                <a:latin typeface="+mn-lt"/>
-                <a:ea typeface="微軟正黑體" panose="020B0604030504040204" pitchFamily="34" charset="-120"/>
-                <a:cs typeface="+mn-cs"/>
-              </a:rPr>
-              <a:t>src</a:t>
-            </a:r>
-            <a:r>
-              <a:rPr lang="en" altLang="zh-TW" sz="1200" b="0" kern="1200" dirty="0">
-                <a:solidFill>
-                  <a:schemeClr val="tx1"/>
-                </a:solidFill>
-                <a:effectLst/>
-                <a:latin typeface="+mn-lt"/>
-                <a:ea typeface="微軟正黑體" panose="020B0604030504040204" pitchFamily="34" charset="-120"/>
-                <a:cs typeface="+mn-cs"/>
-              </a:rPr>
-              <a:t>="https://</a:t>
-            </a:r>
-            <a:r>
-              <a:rPr lang="en" altLang="zh-TW" sz="1200" b="0" kern="1200" dirty="0" err="1">
-                <a:solidFill>
-                  <a:schemeClr val="tx1"/>
-                </a:solidFill>
-                <a:effectLst/>
-                <a:latin typeface="+mn-lt"/>
-                <a:ea typeface="微軟正黑體" panose="020B0604030504040204" pitchFamily="34" charset="-120"/>
-                <a:cs typeface="+mn-cs"/>
-              </a:rPr>
-              <a:t>code.jquery.com</a:t>
-            </a:r>
-            <a:r>
-              <a:rPr lang="en" altLang="zh-TW" sz="1200" b="0" kern="1200" dirty="0">
-                <a:solidFill>
-                  <a:schemeClr val="tx1"/>
-                </a:solidFill>
-                <a:effectLst/>
-                <a:latin typeface="+mn-lt"/>
-                <a:ea typeface="微軟正黑體" panose="020B0604030504040204" pitchFamily="34" charset="-120"/>
-                <a:cs typeface="+mn-cs"/>
-              </a:rPr>
-              <a:t>/jquery-3.5.1.slim.min.js"</a:t>
-            </a:r>
-            <a:r>
-              <a:rPr lang="zh-TW" altLang="en-US" sz="1200" b="0" kern="1200" dirty="0">
-                <a:solidFill>
-                  <a:schemeClr val="tx1"/>
-                </a:solidFill>
-                <a:effectLst/>
-                <a:latin typeface="+mn-lt"/>
-                <a:ea typeface="微軟正黑體" panose="020B0604030504040204" pitchFamily="34" charset="-120"/>
-                <a:cs typeface="+mn-cs"/>
-              </a:rPr>
-              <a:t> </a:t>
-            </a:r>
-            <a:r>
-              <a:rPr lang="en" altLang="zh-TW" sz="1200" b="0" kern="1200" dirty="0">
-                <a:solidFill>
-                  <a:schemeClr val="tx1"/>
-                </a:solidFill>
-                <a:effectLst/>
-                <a:latin typeface="+mn-lt"/>
-                <a:ea typeface="微軟正黑體" panose="020B0604030504040204" pitchFamily="34" charset="-120"/>
-                <a:cs typeface="+mn-cs"/>
-              </a:rPr>
-              <a:t>integrity="sha384-DfXdz2htPH0lsSSs5nCTpuj/zy4C+OGpamoFVy38MVBnE+IbbVYUew+OrCXaRkfj"</a:t>
-            </a:r>
-            <a:r>
-              <a:rPr lang="zh-TW" altLang="en-US" sz="1200" b="0" kern="1200" dirty="0">
-                <a:solidFill>
-                  <a:schemeClr val="tx1"/>
-                </a:solidFill>
-                <a:effectLst/>
-                <a:latin typeface="+mn-lt"/>
-                <a:ea typeface="微軟正黑體" panose="020B0604030504040204" pitchFamily="34" charset="-120"/>
-                <a:cs typeface="+mn-cs"/>
-              </a:rPr>
-              <a:t> </a:t>
-            </a:r>
-            <a:r>
-              <a:rPr lang="en" altLang="zh-TW" sz="1200" b="0" kern="1200" dirty="0" err="1">
-                <a:solidFill>
-                  <a:schemeClr val="tx1"/>
-                </a:solidFill>
-                <a:effectLst/>
-                <a:latin typeface="+mn-lt"/>
-                <a:ea typeface="微軟正黑體" panose="020B0604030504040204" pitchFamily="34" charset="-120"/>
-                <a:cs typeface="+mn-cs"/>
-              </a:rPr>
-              <a:t>crossorigin</a:t>
-            </a:r>
-            <a:r>
-              <a:rPr lang="en" altLang="zh-TW" sz="1200" b="0" kern="1200" dirty="0">
-                <a:solidFill>
-                  <a:schemeClr val="tx1"/>
-                </a:solidFill>
-                <a:effectLst/>
-                <a:latin typeface="+mn-lt"/>
-                <a:ea typeface="微軟正黑體" panose="020B0604030504040204" pitchFamily="34" charset="-120"/>
-                <a:cs typeface="+mn-cs"/>
-              </a:rPr>
-              <a:t>="anonymous"&gt;&lt;/script&gt;</a:t>
-            </a:r>
-          </a:p>
-          <a:p>
-            <a:r>
-              <a:rPr lang="en" altLang="zh-TW" sz="1200" b="0" kern="1200" dirty="0">
-                <a:solidFill>
-                  <a:schemeClr val="tx1"/>
-                </a:solidFill>
-                <a:effectLst/>
-                <a:latin typeface="+mn-lt"/>
-                <a:ea typeface="微軟正黑體" panose="020B0604030504040204" pitchFamily="34" charset="-120"/>
-                <a:cs typeface="+mn-cs"/>
-              </a:rPr>
-              <a:t>&lt;script </a:t>
-            </a:r>
-            <a:r>
-              <a:rPr lang="en" altLang="zh-TW" sz="1200" b="0" kern="1200" dirty="0" err="1">
-                <a:solidFill>
-                  <a:schemeClr val="tx1"/>
-                </a:solidFill>
-                <a:effectLst/>
-                <a:latin typeface="+mn-lt"/>
-                <a:ea typeface="微軟正黑體" panose="020B0604030504040204" pitchFamily="34" charset="-120"/>
-                <a:cs typeface="+mn-cs"/>
-              </a:rPr>
-              <a:t>src</a:t>
-            </a:r>
-            <a:r>
-              <a:rPr lang="en" altLang="zh-TW" sz="1200" b="0" kern="1200" dirty="0">
-                <a:solidFill>
-                  <a:schemeClr val="tx1"/>
-                </a:solidFill>
-                <a:effectLst/>
-                <a:latin typeface="+mn-lt"/>
-                <a:ea typeface="微軟正黑體" panose="020B0604030504040204" pitchFamily="34" charset="-120"/>
-                <a:cs typeface="+mn-cs"/>
-              </a:rPr>
-              <a:t>="https://</a:t>
-            </a:r>
-            <a:r>
-              <a:rPr lang="en" altLang="zh-TW" sz="1200" b="0" kern="1200" dirty="0" err="1">
-                <a:solidFill>
-                  <a:schemeClr val="tx1"/>
-                </a:solidFill>
-                <a:effectLst/>
-                <a:latin typeface="+mn-lt"/>
-                <a:ea typeface="微軟正黑體" panose="020B0604030504040204" pitchFamily="34" charset="-120"/>
-                <a:cs typeface="+mn-cs"/>
-              </a:rPr>
-              <a:t>stackpath.bootstrapcdn.com</a:t>
-            </a:r>
-            <a:r>
-              <a:rPr lang="en" altLang="zh-TW" sz="1200" b="0" kern="1200" dirty="0">
-                <a:solidFill>
-                  <a:schemeClr val="tx1"/>
-                </a:solidFill>
-                <a:effectLst/>
-                <a:latin typeface="+mn-lt"/>
-                <a:ea typeface="微軟正黑體" panose="020B0604030504040204" pitchFamily="34" charset="-120"/>
-                <a:cs typeface="+mn-cs"/>
-              </a:rPr>
-              <a:t>/bootstrap/4.5.0/</a:t>
-            </a:r>
-            <a:r>
-              <a:rPr lang="en" altLang="zh-TW" sz="1200" b="0" kern="1200" dirty="0" err="1">
-                <a:solidFill>
-                  <a:schemeClr val="tx1"/>
-                </a:solidFill>
-                <a:effectLst/>
-                <a:latin typeface="+mn-lt"/>
-                <a:ea typeface="微軟正黑體" panose="020B0604030504040204" pitchFamily="34" charset="-120"/>
-                <a:cs typeface="+mn-cs"/>
-              </a:rPr>
-              <a:t>js</a:t>
-            </a:r>
-            <a:r>
-              <a:rPr lang="en" altLang="zh-TW" sz="1200" b="0" kern="1200" dirty="0">
-                <a:solidFill>
-                  <a:schemeClr val="tx1"/>
-                </a:solidFill>
-                <a:effectLst/>
-                <a:latin typeface="+mn-lt"/>
-                <a:ea typeface="微軟正黑體" panose="020B0604030504040204" pitchFamily="34" charset="-120"/>
-                <a:cs typeface="+mn-cs"/>
-              </a:rPr>
-              <a:t>/</a:t>
-            </a:r>
-            <a:r>
-              <a:rPr lang="en" altLang="zh-TW" sz="1200" b="0" kern="1200" dirty="0" err="1">
-                <a:solidFill>
-                  <a:schemeClr val="tx1"/>
-                </a:solidFill>
-                <a:effectLst/>
-                <a:latin typeface="+mn-lt"/>
-                <a:ea typeface="微軟正黑體" panose="020B0604030504040204" pitchFamily="34" charset="-120"/>
-                <a:cs typeface="+mn-cs"/>
-              </a:rPr>
-              <a:t>bootstrap.min.js</a:t>
-            </a:r>
-            <a:r>
-              <a:rPr lang="en" altLang="zh-TW" sz="1200" b="0" kern="1200" dirty="0">
-                <a:solidFill>
-                  <a:schemeClr val="tx1"/>
-                </a:solidFill>
-                <a:effectLst/>
-                <a:latin typeface="+mn-lt"/>
-                <a:ea typeface="微軟正黑體" panose="020B0604030504040204" pitchFamily="34" charset="-120"/>
-                <a:cs typeface="+mn-cs"/>
-              </a:rPr>
-              <a:t>"</a:t>
-            </a:r>
-            <a:r>
-              <a:rPr lang="zh-TW" altLang="en-US" sz="1200" b="0" kern="1200" dirty="0">
-                <a:solidFill>
-                  <a:schemeClr val="tx1"/>
-                </a:solidFill>
-                <a:effectLst/>
-                <a:latin typeface="+mn-lt"/>
-                <a:ea typeface="微軟正黑體" panose="020B0604030504040204" pitchFamily="34" charset="-120"/>
-                <a:cs typeface="+mn-cs"/>
-              </a:rPr>
-              <a:t> </a:t>
-            </a:r>
-            <a:r>
-              <a:rPr lang="en" altLang="zh-TW" sz="1200" b="0" kern="1200" dirty="0">
-                <a:solidFill>
-                  <a:schemeClr val="tx1"/>
-                </a:solidFill>
-                <a:effectLst/>
-                <a:latin typeface="+mn-lt"/>
-                <a:ea typeface="微軟正黑體" panose="020B0604030504040204" pitchFamily="34" charset="-120"/>
-                <a:cs typeface="+mn-cs"/>
-              </a:rPr>
-              <a:t>integrity="sha384-OgVRvuATP1z7JjHLkuOU7Xw704+h835Lr+6QL9UvYjZE3Ipu6Tp75j7Bh/kR0JKI"</a:t>
-            </a:r>
-            <a:r>
-              <a:rPr lang="zh-TW" altLang="en-US" sz="1200" b="0" kern="1200" dirty="0">
-                <a:solidFill>
-                  <a:schemeClr val="tx1"/>
-                </a:solidFill>
-                <a:effectLst/>
-                <a:latin typeface="+mn-lt"/>
-                <a:ea typeface="微軟正黑體" panose="020B0604030504040204" pitchFamily="34" charset="-120"/>
-                <a:cs typeface="+mn-cs"/>
-              </a:rPr>
-              <a:t> </a:t>
-            </a:r>
-            <a:r>
-              <a:rPr lang="en" altLang="zh-TW" sz="1200" b="0" kern="1200" dirty="0" err="1">
-                <a:solidFill>
-                  <a:schemeClr val="tx1"/>
-                </a:solidFill>
-                <a:effectLst/>
-                <a:latin typeface="+mn-lt"/>
-                <a:ea typeface="微軟正黑體" panose="020B0604030504040204" pitchFamily="34" charset="-120"/>
-                <a:cs typeface="+mn-cs"/>
-              </a:rPr>
-              <a:t>crossorigin</a:t>
-            </a:r>
-            <a:r>
-              <a:rPr lang="en" altLang="zh-TW" sz="1200" b="0" kern="1200" dirty="0">
-                <a:solidFill>
-                  <a:schemeClr val="tx1"/>
-                </a:solidFill>
-                <a:effectLst/>
-                <a:latin typeface="+mn-lt"/>
-                <a:ea typeface="微軟正黑體" panose="020B0604030504040204" pitchFamily="34" charset="-120"/>
-                <a:cs typeface="+mn-cs"/>
-              </a:rPr>
-              <a:t>="anonymous"&gt;&lt;/script&gt;</a:t>
-            </a:r>
-          </a:p>
         </p:txBody>
       </p:sp>
       <p:sp>
@@ -1683,138 +1391,6 @@
         <p:txBody>
           <a:bodyPr/>
           <a:lstStyle/>
-          <a:p>
-            <a:pPr marL="0" indent="0">
-              <a:lnSpc>
-                <a:spcPct val="100000"/>
-              </a:lnSpc>
-              <a:buNone/>
-            </a:pPr>
-            <a:r>
-              <a:rPr lang="en-US" altLang="zh-TW" sz="1200" dirty="0">
-                <a:latin typeface="Consolas" panose="020B0609020204030204" pitchFamily="49" charset="0"/>
-              </a:rPr>
-              <a:t>&lt;</a:t>
-            </a:r>
-            <a:r>
-              <a:rPr lang="en-US" altLang="zh-TW" sz="1200" dirty="0">
-                <a:solidFill>
-                  <a:schemeClr val="accent2"/>
-                </a:solidFill>
-                <a:latin typeface="Consolas" panose="020B0609020204030204" pitchFamily="49" charset="0"/>
-              </a:rPr>
-              <a:t>link</a:t>
-            </a:r>
-            <a:r>
-              <a:rPr lang="en-US" altLang="zh-TW" sz="1200" dirty="0">
-                <a:latin typeface="Consolas" panose="020B0609020204030204" pitchFamily="49" charset="0"/>
-              </a:rPr>
-              <a:t> </a:t>
-            </a:r>
-            <a:r>
-              <a:rPr lang="en-US" altLang="zh-TW" sz="1200" dirty="0" err="1">
-                <a:latin typeface="Consolas" panose="020B0609020204030204" pitchFamily="49" charset="0"/>
-              </a:rPr>
-              <a:t>rel</a:t>
-            </a:r>
-            <a:r>
-              <a:rPr lang="en-US" altLang="zh-TW" sz="1200" dirty="0">
-                <a:latin typeface="Consolas" panose="020B0609020204030204" pitchFamily="49" charset="0"/>
-              </a:rPr>
-              <a:t>="</a:t>
-            </a:r>
-            <a:r>
-              <a:rPr lang="en-US" altLang="zh-TW" sz="1200" dirty="0">
-                <a:solidFill>
-                  <a:srgbClr val="00B050"/>
-                </a:solidFill>
-                <a:latin typeface="Consolas" panose="020B0609020204030204" pitchFamily="49" charset="0"/>
-              </a:rPr>
-              <a:t>stylesheet</a:t>
-            </a:r>
-            <a:r>
-              <a:rPr lang="en-US" altLang="zh-TW" sz="1200" dirty="0">
-                <a:latin typeface="Consolas" panose="020B0609020204030204" pitchFamily="49" charset="0"/>
-              </a:rPr>
-              <a:t>" </a:t>
-            </a:r>
-            <a:r>
-              <a:rPr lang="en-US" altLang="zh-TW" sz="1200" dirty="0" err="1">
-                <a:latin typeface="Consolas" panose="020B0609020204030204" pitchFamily="49" charset="0"/>
-              </a:rPr>
-              <a:t>href</a:t>
-            </a:r>
-            <a:r>
-              <a:rPr lang="en-US" altLang="zh-TW" sz="1200" dirty="0">
-                <a:latin typeface="Consolas" panose="020B0609020204030204" pitchFamily="49" charset="0"/>
-              </a:rPr>
-              <a:t>="</a:t>
-            </a:r>
-            <a:r>
-              <a:rPr lang="en-US" altLang="zh-TW" sz="1200" dirty="0">
-                <a:solidFill>
-                  <a:srgbClr val="00B050"/>
-                </a:solidFill>
-                <a:latin typeface="Consolas" panose="020B0609020204030204" pitchFamily="49" charset="0"/>
-                <a:hlinkClick r:id="rId3">
-                  <a:extLst>
-                    <a:ext uri="{A12FA001-AC4F-418D-AE19-62706E023703}">
-                      <ahyp:hlinkClr xmlns:ahyp="http://schemas.microsoft.com/office/drawing/2018/hyperlinkcolor" val="tx"/>
-                    </a:ext>
-                  </a:extLst>
-                </a:hlinkClick>
-              </a:rPr>
-              <a:t>https://stackpath.bootstrapcdn.com/bootstrap/4.5.0/css/bootstrap.min.css</a:t>
-            </a:r>
-            <a:r>
-              <a:rPr lang="en-US" altLang="zh-TW" sz="1200" dirty="0">
-                <a:latin typeface="Consolas" panose="020B0609020204030204" pitchFamily="49" charset="0"/>
-              </a:rPr>
-              <a:t>" integrity="</a:t>
-            </a:r>
-            <a:r>
-              <a:rPr lang="en-US" altLang="zh-TW" sz="1200" dirty="0">
-                <a:solidFill>
-                  <a:srgbClr val="00B050"/>
-                </a:solidFill>
-                <a:latin typeface="Consolas" panose="020B0609020204030204" pitchFamily="49" charset="0"/>
-              </a:rPr>
-              <a:t>sha384-9aIt2nRpC12Uk9gS9baDl411NQApFmC26EwAOH8WgZl5MYYxFfc+NcPb1dKGj7Sk</a:t>
-            </a:r>
-            <a:r>
-              <a:rPr lang="en-US" altLang="zh-TW" sz="1200" dirty="0">
-                <a:latin typeface="Consolas" panose="020B0609020204030204" pitchFamily="49" charset="0"/>
-              </a:rPr>
-              <a:t>" </a:t>
-            </a:r>
-            <a:r>
-              <a:rPr lang="en-US" altLang="zh-TW" sz="1200" dirty="0" err="1">
-                <a:latin typeface="Consolas" panose="020B0609020204030204" pitchFamily="49" charset="0"/>
-              </a:rPr>
-              <a:t>crossorigin</a:t>
-            </a:r>
-            <a:r>
-              <a:rPr lang="en-US" altLang="zh-TW" sz="1200" dirty="0">
-                <a:latin typeface="Consolas" panose="020B0609020204030204" pitchFamily="49" charset="0"/>
-              </a:rPr>
-              <a:t>="</a:t>
-            </a:r>
-            <a:r>
-              <a:rPr lang="en-US" altLang="zh-TW" sz="1200" dirty="0">
-                <a:solidFill>
-                  <a:srgbClr val="00B050"/>
-                </a:solidFill>
-                <a:latin typeface="Consolas" panose="020B0609020204030204" pitchFamily="49" charset="0"/>
-              </a:rPr>
-              <a:t>anonymous</a:t>
-            </a:r>
-            <a:r>
-              <a:rPr lang="en-US" altLang="zh-TW" sz="1200" dirty="0">
-                <a:latin typeface="Consolas" panose="020B0609020204030204" pitchFamily="49" charset="0"/>
-              </a:rPr>
-              <a:t>"&gt;</a:t>
-            </a:r>
-          </a:p>
           <a:p>
             <a:r>
               <a:rPr lang="en" altLang="zh-TW" sz="1200" b="0" kern="1200" dirty="0">
@@ -4195,7 +3771,7 @@
           </a:ln>
           <a:extLst>
             <a:ext uri="{C572A759-6A51-4108-AA02-DFA0A04FC94B}">
-              <ma14:wrappingTextBoxFlag xmlns:ma14="http://schemas.microsoft.com/office/mac/drawingml/2011/main" xmlns:a14="http://schemas.microsoft.com/office/drawing/2010/main" xmlns:m="http://schemas.openxmlformats.org/officeDocument/2006/math" xmlns="" val="1"/>
+              <ma14:wrappingTextBoxFlag xmlns="" xmlns:m="http://schemas.openxmlformats.org/officeDocument/2006/math" xmlns:a14="http://schemas.microsoft.com/office/drawing/2010/main" xmlns:ma14="http://schemas.microsoft.com/office/mac/drawingml/2011/main" val="1"/>
             </a:ext>
           </a:extLst>
         </p:spPr>
@@ -4234,7 +3810,7 @@
           </a:ln>
           <a:extLst>
             <a:ext uri="{C572A759-6A51-4108-AA02-DFA0A04FC94B}">
-              <ma14:wrappingTextBoxFlag xmlns:ma14="http://schemas.microsoft.com/office/mac/drawingml/2011/main" xmlns:a14="http://schemas.microsoft.com/office/drawing/2010/main" xmlns:m="http://schemas.openxmlformats.org/officeDocument/2006/math" xmlns="" val="1"/>
+              <ma14:wrappingTextBoxFlag xmlns="" xmlns:m="http://schemas.openxmlformats.org/officeDocument/2006/math" xmlns:a14="http://schemas.microsoft.com/office/drawing/2010/main" xmlns:ma14="http://schemas.microsoft.com/office/mac/drawingml/2011/main" val="1"/>
             </a:ext>
           </a:extLst>
         </p:spPr>
@@ -5206,7 +4782,7 @@
           </a:prstGeom>
           <a:extLst>
             <a:ext uri="{C572A759-6A51-4108-AA02-DFA0A04FC94B}">
-              <ma14:wrappingTextBoxFlag xmlns:ma14="http://schemas.microsoft.com/office/mac/drawingml/2011/main" xmlns:a14="http://schemas.microsoft.com/office/drawing/2010/main" xmlns:m="http://schemas.openxmlformats.org/officeDocument/2006/math" xmlns="" val="1"/>
+              <ma14:wrappingTextBoxFlag xmlns="" xmlns:m="http://schemas.openxmlformats.org/officeDocument/2006/math" xmlns:a14="http://schemas.microsoft.com/office/drawing/2010/main" xmlns:ma14="http://schemas.microsoft.com/office/mac/drawingml/2011/main" val="1"/>
             </a:ext>
           </a:extLst>
         </p:spPr>
@@ -5284,7 +4860,7 @@
           </a:ln>
           <a:extLst>
             <a:ext uri="{C572A759-6A51-4108-AA02-DFA0A04FC94B}">
-              <ma14:wrappingTextBoxFlag xmlns:ma14="http://schemas.microsoft.com/office/mac/drawingml/2011/main" xmlns:a14="http://schemas.microsoft.com/office/drawing/2010/main" xmlns:m="http://schemas.openxmlformats.org/officeDocument/2006/math" xmlns="" val="1"/>
+              <ma14:wrappingTextBoxFlag xmlns="" xmlns:m="http://schemas.openxmlformats.org/officeDocument/2006/math" xmlns:a14="http://schemas.microsoft.com/office/drawing/2010/main" xmlns:ma14="http://schemas.microsoft.com/office/mac/drawingml/2011/main" val="1"/>
             </a:ext>
           </a:extLst>
         </p:spPr>
@@ -6381,7 +5957,7 @@
           </a:prstGeom>
           <a:extLst>
             <a:ext uri="{C572A759-6A51-4108-AA02-DFA0A04FC94B}">
-              <ma14:wrappingTextBoxFlag xmlns:ma14="http://schemas.microsoft.com/office/mac/drawingml/2011/main" xmlns:a14="http://schemas.microsoft.com/office/drawing/2010/main" xmlns:m="http://schemas.openxmlformats.org/officeDocument/2006/math" xmlns="" val="1"/>
+              <ma14:wrappingTextBoxFlag xmlns="" xmlns:m="http://schemas.openxmlformats.org/officeDocument/2006/math" xmlns:a14="http://schemas.microsoft.com/office/drawing/2010/main" xmlns:ma14="http://schemas.microsoft.com/office/mac/drawingml/2011/main" val="1"/>
             </a:ext>
           </a:extLst>
         </p:spPr>
@@ -6456,7 +6032,7 @@
           </a:ln>
           <a:extLst>
             <a:ext uri="{C572A759-6A51-4108-AA02-DFA0A04FC94B}">
-              <ma14:wrappingTextBoxFlag xmlns:ma14="http://schemas.microsoft.com/office/mac/drawingml/2011/main" xmlns:a14="http://schemas.microsoft.com/office/drawing/2010/main" xmlns:m="http://schemas.openxmlformats.org/officeDocument/2006/math" xmlns="" val="1"/>
+              <ma14:wrappingTextBoxFlag xmlns="" xmlns:m="http://schemas.openxmlformats.org/officeDocument/2006/math" xmlns:a14="http://schemas.microsoft.com/office/drawing/2010/main" xmlns:ma14="http://schemas.microsoft.com/office/mac/drawingml/2011/main" val="1"/>
             </a:ext>
           </a:extLst>
         </p:spPr>
@@ -6551,7 +6127,7 @@
           </a:prstGeom>
           <a:extLst>
             <a:ext uri="{C572A759-6A51-4108-AA02-DFA0A04FC94B}">
-              <ma14:wrappingTextBoxFlag xmlns:ma14="http://schemas.microsoft.com/office/mac/drawingml/2011/main" xmlns:a14="http://schemas.microsoft.com/office/drawing/2010/main" xmlns:m="http://schemas.openxmlformats.org/officeDocument/2006/math" xmlns="" val="1"/>
+              <ma14:wrappingTextBoxFlag xmlns="" xmlns:m="http://schemas.openxmlformats.org/officeDocument/2006/math" xmlns:a14="http://schemas.microsoft.com/office/drawing/2010/main" xmlns:ma14="http://schemas.microsoft.com/office/mac/drawingml/2011/main" val="1"/>
             </a:ext>
           </a:extLst>
         </p:spPr>
@@ -6628,7 +6204,7 @@
           </a:ln>
           <a:extLst>
             <a:ext uri="{C572A759-6A51-4108-AA02-DFA0A04FC94B}">
-              <ma14:wrappingTextBoxFlag xmlns:ma14="http://schemas.microsoft.com/office/mac/drawingml/2011/main" xmlns:a14="http://schemas.microsoft.com/office/drawing/2010/main" xmlns:m="http://schemas.openxmlformats.org/officeDocument/2006/math" xmlns="" val="1"/>
+              <ma14:wrappingTextBoxFlag xmlns="" xmlns:m="http://schemas.openxmlformats.org/officeDocument/2006/math" xmlns:a14="http://schemas.microsoft.com/office/drawing/2010/main" xmlns:ma14="http://schemas.microsoft.com/office/mac/drawingml/2011/main" val="1"/>
             </a:ext>
           </a:extLst>
         </p:spPr>
@@ -6770,7 +6346,7 @@
           </a:prstGeom>
           <a:extLst>
             <a:ext uri="{C572A759-6A51-4108-AA02-DFA0A04FC94B}">
-              <ma14:wrappingTextBoxFlag xmlns:ma14="http://schemas.microsoft.com/office/mac/drawingml/2011/main" xmlns:a14="http://schemas.microsoft.com/office/drawing/2010/main" xmlns:m="http://schemas.openxmlformats.org/officeDocument/2006/math" xmlns="" val="1"/>
+              <ma14:wrappingTextBoxFlag xmlns="" xmlns:m="http://schemas.openxmlformats.org/officeDocument/2006/math" xmlns:a14="http://schemas.microsoft.com/office/drawing/2010/main" xmlns:ma14="http://schemas.microsoft.com/office/mac/drawingml/2011/main" val="1"/>
             </a:ext>
           </a:extLst>
         </p:spPr>
@@ -8623,7 +8199,7 @@
           </a:prstGeom>
           <a:extLst>
             <a:ext uri="{C572A759-6A51-4108-AA02-DFA0A04FC94B}">
-              <ma14:wrappingTextBoxFlag xmlns:ma14="http://schemas.microsoft.com/office/mac/drawingml/2011/main" xmlns:a14="http://schemas.microsoft.com/office/drawing/2010/main" xmlns:m="http://schemas.openxmlformats.org/officeDocument/2006/math" xmlns="" val="1"/>
+              <ma14:wrappingTextBoxFlag xmlns="" xmlns:m="http://schemas.openxmlformats.org/officeDocument/2006/math" xmlns:a14="http://schemas.microsoft.com/office/drawing/2010/main" xmlns:ma14="http://schemas.microsoft.com/office/mac/drawingml/2011/main" val="1"/>
             </a:ext>
           </a:extLst>
         </p:spPr>
@@ -8772,7 +8348,7 @@
           </a:prstGeom>
           <a:extLst>
             <a:ext uri="{C572A759-6A51-4108-AA02-DFA0A04FC94B}">
-              <ma14:wrappingTextBoxFlag xmlns:ma14="http://schemas.microsoft.com/office/mac/drawingml/2011/main" xmlns:a14="http://schemas.microsoft.com/office/drawing/2010/main" xmlns:m="http://schemas.openxmlformats.org/officeDocument/2006/math" xmlns="" val="1"/>
+              <ma14:wrappingTextBoxFlag xmlns="" xmlns:m="http://schemas.openxmlformats.org/officeDocument/2006/math" xmlns:a14="http://schemas.microsoft.com/office/drawing/2010/main" xmlns:ma14="http://schemas.microsoft.com/office/mac/drawingml/2011/main" val="1"/>
             </a:ext>
           </a:extLst>
         </p:spPr>
@@ -8964,7 +8540,7 @@
           </a:ln>
           <a:extLst>
             <a:ext uri="{C572A759-6A51-4108-AA02-DFA0A04FC94B}">
-              <ma14:wrappingTextBoxFlag xmlns:ma14="http://schemas.microsoft.com/office/mac/drawingml/2011/main" xmlns:a14="http://schemas.microsoft.com/office/drawing/2010/main" xmlns:m="http://schemas.openxmlformats.org/officeDocument/2006/math" xmlns="" val="1"/>
+              <ma14:wrappingTextBoxFlag xmlns="" xmlns:m="http://schemas.openxmlformats.org/officeDocument/2006/math" xmlns:a14="http://schemas.microsoft.com/office/drawing/2010/main" xmlns:ma14="http://schemas.microsoft.com/office/mac/drawingml/2011/main" val="1"/>
             </a:ext>
           </a:extLst>
         </p:spPr>

--- a/教學簡報/Bootstrap 4.pptx
+++ b/教學簡報/Bootstrap 4.pptx
@@ -1265,49 +1265,7 @@
               <a:rPr lang="en-US" altLang="zh-TW" sz="1200" dirty="0">
                 <a:latin typeface="Consolas" panose="020B0609020204030204" pitchFamily="49" charset="0"/>
               </a:rPr>
-              <a:t>" integrity="</a:t>
-            </a:r>
-            <a:r>
-              <a:rPr lang="en-US" altLang="zh-TW" sz="1200" dirty="0">
-                <a:solidFill>
-                  <a:srgbClr val="00B050"/>
-                </a:solidFill>
-                <a:latin typeface="Consolas" panose="020B0609020204030204" pitchFamily="49" charset="0"/>
-              </a:rPr>
-              <a:t>sha384-9aIt2nRpC12Uk9gS9baDl411NQApFmC26EwAOH8WgZl5MYYxFfc+NcPb1dKGj7Sk</a:t>
-            </a:r>
-            <a:r>
-              <a:rPr lang="en-US" altLang="zh-TW" sz="1200" dirty="0">
-                <a:latin typeface="Consolas" panose="020B0609020204030204" pitchFamily="49" charset="0"/>
-              </a:rPr>
-              <a:t>" </a:t>
-            </a:r>
-            <a:r>
-              <a:rPr lang="en-US" altLang="zh-TW" sz="1200" dirty="0" err="1">
-                <a:latin typeface="Consolas" panose="020B0609020204030204" pitchFamily="49" charset="0"/>
-              </a:rPr>
-              <a:t>crossorigin</a:t>
-            </a:r>
-            <a:r>
-              <a:rPr lang="en-US" altLang="zh-TW" sz="1200" dirty="0">
-                <a:latin typeface="Consolas" panose="020B0609020204030204" pitchFamily="49" charset="0"/>
-              </a:rPr>
-              <a:t>="</a:t>
-            </a:r>
-            <a:r>
-              <a:rPr lang="en-US" altLang="zh-TW" sz="1200" dirty="0">
-                <a:solidFill>
-                  <a:srgbClr val="00B050"/>
-                </a:solidFill>
-                <a:latin typeface="Consolas" panose="020B0609020204030204" pitchFamily="49" charset="0"/>
-              </a:rPr>
-              <a:t>anonymous</a:t>
-            </a:r>
-            <a:r>
-              <a:rPr lang="en-US" altLang="zh-TW" sz="1200" dirty="0">
-                <a:latin typeface="Consolas" panose="020B0609020204030204" pitchFamily="49" charset="0"/>
-              </a:rPr>
-              <a:t>"&gt;</a:t>
+              <a:t>&gt;</a:t>
             </a:r>
           </a:p>
         </p:txBody>
@@ -1402,115 +1360,7 @@
                 <a:ea typeface="微軟正黑體" panose="020B0604030504040204" pitchFamily="34" charset="-120"/>
                 <a:cs typeface="+mn-cs"/>
               </a:rPr>
-              <a:t>&lt;script </a:t>
-            </a:r>
-            <a:r>
-              <a:rPr lang="en" altLang="zh-TW" sz="1200" b="0" kern="1200" dirty="0" err="1">
-                <a:solidFill>
-                  <a:schemeClr val="tx1"/>
-                </a:solidFill>
-                <a:effectLst/>
-                <a:latin typeface="+mn-lt"/>
-                <a:ea typeface="微軟正黑體" panose="020B0604030504040204" pitchFamily="34" charset="-120"/>
-                <a:cs typeface="+mn-cs"/>
-              </a:rPr>
-              <a:t>src</a:t>
-            </a:r>
-            <a:r>
-              <a:rPr lang="en" altLang="zh-TW" sz="1200" b="0" kern="1200" dirty="0">
-                <a:solidFill>
-                  <a:schemeClr val="tx1"/>
-                </a:solidFill>
-                <a:effectLst/>
-                <a:latin typeface="+mn-lt"/>
-                <a:ea typeface="微軟正黑體" panose="020B0604030504040204" pitchFamily="34" charset="-120"/>
-                <a:cs typeface="+mn-cs"/>
-              </a:rPr>
-              <a:t>="https://</a:t>
-            </a:r>
-            <a:r>
-              <a:rPr lang="en" altLang="zh-TW" sz="1200" b="0" kern="1200" dirty="0" err="1">
-                <a:solidFill>
-                  <a:schemeClr val="tx1"/>
-                </a:solidFill>
-                <a:effectLst/>
-                <a:latin typeface="+mn-lt"/>
-                <a:ea typeface="微軟正黑體" panose="020B0604030504040204" pitchFamily="34" charset="-120"/>
-                <a:cs typeface="+mn-cs"/>
-              </a:rPr>
-              <a:t>code.jquery.com</a:t>
-            </a:r>
-            <a:r>
-              <a:rPr lang="en" altLang="zh-TW" sz="1200" b="0" kern="1200" dirty="0">
-                <a:solidFill>
-                  <a:schemeClr val="tx1"/>
-                </a:solidFill>
-                <a:effectLst/>
-                <a:latin typeface="+mn-lt"/>
-                <a:ea typeface="微軟正黑體" panose="020B0604030504040204" pitchFamily="34" charset="-120"/>
-                <a:cs typeface="+mn-cs"/>
-              </a:rPr>
-              <a:t>/jquery-3.5.1.slim.min.js"</a:t>
-            </a:r>
-            <a:r>
-              <a:rPr lang="zh-TW" altLang="en-US" sz="1200" b="0" kern="1200" dirty="0">
-                <a:solidFill>
-                  <a:schemeClr val="tx1"/>
-                </a:solidFill>
-                <a:effectLst/>
-                <a:latin typeface="+mn-lt"/>
-                <a:ea typeface="微軟正黑體" panose="020B0604030504040204" pitchFamily="34" charset="-120"/>
-                <a:cs typeface="+mn-cs"/>
-              </a:rPr>
-              <a:t> </a:t>
-            </a:r>
-            <a:r>
-              <a:rPr lang="en" altLang="zh-TW" sz="1200" b="0" kern="1200" dirty="0">
-                <a:solidFill>
-                  <a:schemeClr val="tx1"/>
-                </a:solidFill>
-                <a:effectLst/>
-                <a:latin typeface="+mn-lt"/>
-                <a:ea typeface="微軟正黑體" panose="020B0604030504040204" pitchFamily="34" charset="-120"/>
-                <a:cs typeface="+mn-cs"/>
-              </a:rPr>
-              <a:t>integrity="sha384-DfXdz2htPH0lsSSs5nCTpuj/zy4C+OGpamoFVy38MVBnE+IbbVYUew+OrCXaRkfj"</a:t>
-            </a:r>
-            <a:r>
-              <a:rPr lang="zh-TW" altLang="en-US" sz="1200" b="0" kern="1200" dirty="0">
-                <a:solidFill>
-                  <a:schemeClr val="tx1"/>
-                </a:solidFill>
-                <a:effectLst/>
-                <a:latin typeface="+mn-lt"/>
-                <a:ea typeface="微軟正黑體" panose="020B0604030504040204" pitchFamily="34" charset="-120"/>
-                <a:cs typeface="+mn-cs"/>
-              </a:rPr>
-              <a:t> </a:t>
-            </a:r>
-            <a:r>
-              <a:rPr lang="en" altLang="zh-TW" sz="1200" b="0" kern="1200" dirty="0" err="1">
-                <a:solidFill>
-                  <a:schemeClr val="tx1"/>
-                </a:solidFill>
-                <a:effectLst/>
-                <a:latin typeface="+mn-lt"/>
-                <a:ea typeface="微軟正黑體" panose="020B0604030504040204" pitchFamily="34" charset="-120"/>
-                <a:cs typeface="+mn-cs"/>
-              </a:rPr>
-              <a:t>crossorigin</a:t>
-            </a:r>
-            <a:r>
-              <a:rPr lang="en" altLang="zh-TW" sz="1200" b="0" kern="1200" dirty="0">
-                <a:solidFill>
-                  <a:schemeClr val="tx1"/>
-                </a:solidFill>
-                <a:effectLst/>
-                <a:latin typeface="+mn-lt"/>
-                <a:ea typeface="微軟正黑體" panose="020B0604030504040204" pitchFamily="34" charset="-120"/>
-                <a:cs typeface="+mn-cs"/>
-              </a:rPr>
-              <a:t>="anonymous"&gt;&lt;/script&gt;</a:t>
+              <a:t>&lt;script src="https://code.jquery.com/jquery-3.5.1.slim.min.js&gt;&lt;/script&gt;</a:t>
             </a:r>
           </a:p>
           <a:p>
@@ -1522,147 +1372,7 @@
                 <a:cs typeface="+mj-cs"/>
                 <a:sym typeface="Calibri"/>
               </a:rPr>
-              <a:t>&lt;script </a:t>
-            </a:r>
-            <a:r>
-              <a:rPr lang="en" altLang="zh-TW" sz="1200" b="0" dirty="0" err="1">
-                <a:effectLst/>
-                <a:latin typeface="+mj-lt"/>
-                <a:ea typeface="+mj-ea"/>
-                <a:cs typeface="+mj-cs"/>
-                <a:sym typeface="Calibri"/>
-              </a:rPr>
-              <a:t>src</a:t>
-            </a:r>
-            <a:r>
-              <a:rPr lang="en" altLang="zh-TW" sz="1200" b="0" dirty="0">
-                <a:effectLst/>
-                <a:latin typeface="+mj-lt"/>
-                <a:ea typeface="+mj-ea"/>
-                <a:cs typeface="+mj-cs"/>
-                <a:sym typeface="Calibri"/>
-              </a:rPr>
-              <a:t>="https://</a:t>
-            </a:r>
-            <a:r>
-              <a:rPr lang="en" altLang="zh-TW" sz="1200" b="0" dirty="0" err="1">
-                <a:effectLst/>
-                <a:latin typeface="+mj-lt"/>
-                <a:ea typeface="+mj-ea"/>
-                <a:cs typeface="+mj-cs"/>
-                <a:sym typeface="Calibri"/>
-              </a:rPr>
-              <a:t>cdn.jsdelivr.net</a:t>
-            </a:r>
-            <a:r>
-              <a:rPr lang="en" altLang="zh-TW" sz="1200" b="0" dirty="0">
-                <a:effectLst/>
-                <a:latin typeface="+mj-lt"/>
-                <a:ea typeface="+mj-ea"/>
-                <a:cs typeface="+mj-cs"/>
-                <a:sym typeface="Calibri"/>
-              </a:rPr>
-              <a:t>/</a:t>
-            </a:r>
-            <a:r>
-              <a:rPr lang="en" altLang="zh-TW" sz="1200" b="0" dirty="0" err="1">
-                <a:effectLst/>
-                <a:latin typeface="+mj-lt"/>
-                <a:ea typeface="+mj-ea"/>
-                <a:cs typeface="+mj-cs"/>
-                <a:sym typeface="Calibri"/>
-              </a:rPr>
-              <a:t>npm</a:t>
-            </a:r>
-            <a:r>
-              <a:rPr lang="en" altLang="zh-TW" sz="1200" b="0" dirty="0">
-                <a:effectLst/>
-                <a:latin typeface="+mj-lt"/>
-                <a:ea typeface="+mj-ea"/>
-                <a:cs typeface="+mj-cs"/>
-                <a:sym typeface="Calibri"/>
-              </a:rPr>
-              <a:t>/popper.js@1.16.0/</a:t>
-            </a:r>
-            <a:r>
-              <a:rPr lang="en" altLang="zh-TW" sz="1200" b="0" dirty="0" err="1">
-                <a:effectLst/>
-                <a:latin typeface="+mj-lt"/>
-                <a:ea typeface="+mj-ea"/>
-                <a:cs typeface="+mj-cs"/>
-                <a:sym typeface="Calibri"/>
-              </a:rPr>
-              <a:t>dist</a:t>
-            </a:r>
-            <a:r>
-              <a:rPr lang="en" altLang="zh-TW" sz="1200" b="0" dirty="0">
-                <a:effectLst/>
-                <a:latin typeface="+mj-lt"/>
-                <a:ea typeface="+mj-ea"/>
-                <a:cs typeface="+mj-cs"/>
-                <a:sym typeface="Calibri"/>
-              </a:rPr>
-              <a:t>/</a:t>
-            </a:r>
-            <a:r>
-              <a:rPr lang="en" altLang="zh-TW" sz="1200" b="0" dirty="0" err="1">
-                <a:effectLst/>
-                <a:latin typeface="+mj-lt"/>
-                <a:ea typeface="+mj-ea"/>
-                <a:cs typeface="+mj-cs"/>
-                <a:sym typeface="Calibri"/>
-              </a:rPr>
-              <a:t>umd</a:t>
-            </a:r>
-            <a:r>
-              <a:rPr lang="en" altLang="zh-TW" sz="1200" b="0" dirty="0">
-                <a:effectLst/>
-                <a:latin typeface="+mj-lt"/>
-                <a:ea typeface="+mj-ea"/>
-                <a:cs typeface="+mj-cs"/>
-                <a:sym typeface="Calibri"/>
-              </a:rPr>
-              <a:t>/</a:t>
-            </a:r>
-            <a:r>
-              <a:rPr lang="en" altLang="zh-TW" sz="1200" b="0" dirty="0" err="1">
-                <a:effectLst/>
-                <a:latin typeface="+mj-lt"/>
-                <a:ea typeface="+mj-ea"/>
-                <a:cs typeface="+mj-cs"/>
-                <a:sym typeface="Calibri"/>
-              </a:rPr>
-              <a:t>popper.min.js</a:t>
-            </a:r>
-            <a:r>
-              <a:rPr lang="en" altLang="zh-TW" sz="1200" b="0" dirty="0">
-                <a:effectLst/>
-                <a:latin typeface="+mj-lt"/>
-                <a:ea typeface="+mj-ea"/>
-                <a:cs typeface="+mj-cs"/>
-                <a:sym typeface="Calibri"/>
-              </a:rPr>
-              <a:t>" integrity="sha384-Q6E9RHvbIyZFJoft+2mJbHaEWldlvI9IOYy5n3zV9zzTtmI3UksdQRVvoxMfooAo" </a:t>
-            </a:r>
-            <a:r>
-              <a:rPr lang="en" altLang="zh-TW" sz="1200" b="0" dirty="0" err="1">
-                <a:effectLst/>
-                <a:latin typeface="+mj-lt"/>
-                <a:ea typeface="+mj-ea"/>
-                <a:cs typeface="+mj-cs"/>
-                <a:sym typeface="Calibri"/>
-              </a:rPr>
-              <a:t>crossorigin</a:t>
-            </a:r>
-            <a:r>
-              <a:rPr lang="en" altLang="zh-TW" sz="1200" b="0" dirty="0">
-                <a:effectLst/>
-                <a:latin typeface="+mj-lt"/>
-                <a:ea typeface="+mj-ea"/>
-                <a:cs typeface="+mj-cs"/>
-                <a:sym typeface="Calibri"/>
-              </a:rPr>
-              <a:t>="anonymous"&gt;&lt;/script&gt;</a:t>
+              <a:t>&lt;script src="https://cdn.jsdelivr.net/npm/popper.js@1.16.0/dist/umd/popper.min.js&gt;&lt;/script&gt;</a:t>
             </a:r>
             <a:endParaRPr lang="en" altLang="zh-TW" sz="1200" b="0" kern="1200" dirty="0">
               <a:solidFill>
@@ -1685,163 +1395,7 @@
                 <a:ea typeface="微軟正黑體" panose="020B0604030504040204" pitchFamily="34" charset="-120"/>
                 <a:cs typeface="+mn-cs"/>
               </a:rPr>
-              <a:t>&lt;script </a:t>
-            </a:r>
-            <a:r>
-              <a:rPr lang="en" altLang="zh-TW" sz="1200" b="0" kern="1200" dirty="0" err="1">
-                <a:solidFill>
-                  <a:schemeClr val="tx1"/>
-                </a:solidFill>
-                <a:effectLst/>
-                <a:latin typeface="+mn-lt"/>
-                <a:ea typeface="微軟正黑體" panose="020B0604030504040204" pitchFamily="34" charset="-120"/>
-                <a:cs typeface="+mn-cs"/>
-              </a:rPr>
-              <a:t>src</a:t>
-            </a:r>
-            <a:r>
-              <a:rPr lang="en" altLang="zh-TW" sz="1200" b="0" kern="1200" dirty="0">
-                <a:solidFill>
-                  <a:schemeClr val="tx1"/>
-                </a:solidFill>
-                <a:effectLst/>
-                <a:latin typeface="+mn-lt"/>
-                <a:ea typeface="微軟正黑體" panose="020B0604030504040204" pitchFamily="34" charset="-120"/>
-                <a:cs typeface="+mn-cs"/>
-              </a:rPr>
-              <a:t>="https://</a:t>
-            </a:r>
-            <a:r>
-              <a:rPr lang="en" altLang="zh-TW" sz="1200" b="0" kern="1200" dirty="0" err="1">
-                <a:solidFill>
-                  <a:schemeClr val="tx1"/>
-                </a:solidFill>
-                <a:effectLst/>
-                <a:latin typeface="+mn-lt"/>
-                <a:ea typeface="微軟正黑體" panose="020B0604030504040204" pitchFamily="34" charset="-120"/>
-                <a:cs typeface="+mn-cs"/>
-              </a:rPr>
-              <a:t>stackpath.bootstrapcdn.com</a:t>
-            </a:r>
-            <a:r>
-              <a:rPr lang="en" altLang="zh-TW" sz="1200" b="0" kern="1200" dirty="0">
-                <a:solidFill>
-                  <a:schemeClr val="tx1"/>
-                </a:solidFill>
-                <a:effectLst/>
-                <a:latin typeface="+mn-lt"/>
-                <a:ea typeface="微軟正黑體" panose="020B0604030504040204" pitchFamily="34" charset="-120"/>
-                <a:cs typeface="+mn-cs"/>
-              </a:rPr>
-              <a:t>/bootstrap/4.5.0/</a:t>
-            </a:r>
-            <a:r>
-              <a:rPr lang="en" altLang="zh-TW" sz="1200" b="0" kern="1200" dirty="0" err="1">
-                <a:solidFill>
-                  <a:schemeClr val="tx1"/>
-                </a:solidFill>
-                <a:effectLst/>
-                <a:latin typeface="+mn-lt"/>
-                <a:ea typeface="微軟正黑體" panose="020B0604030504040204" pitchFamily="34" charset="-120"/>
-                <a:cs typeface="+mn-cs"/>
-              </a:rPr>
-              <a:t>js</a:t>
-            </a:r>
-            <a:r>
-              <a:rPr lang="en" altLang="zh-TW" sz="1200" b="0" kern="1200" dirty="0">
-                <a:solidFill>
-                  <a:schemeClr val="tx1"/>
-                </a:solidFill>
-                <a:effectLst/>
-                <a:latin typeface="+mn-lt"/>
-                <a:ea typeface="微軟正黑體" panose="020B0604030504040204" pitchFamily="34" charset="-120"/>
-                <a:cs typeface="+mn-cs"/>
-              </a:rPr>
-              <a:t>/</a:t>
-            </a:r>
-            <a:r>
-              <a:rPr lang="en" altLang="zh-TW" sz="1200" b="0" kern="1200" dirty="0" err="1">
-                <a:solidFill>
-                  <a:schemeClr val="tx1"/>
-                </a:solidFill>
-                <a:effectLst/>
-                <a:latin typeface="+mn-lt"/>
-                <a:ea typeface="微軟正黑體" panose="020B0604030504040204" pitchFamily="34" charset="-120"/>
-                <a:cs typeface="+mn-cs"/>
-              </a:rPr>
-              <a:t>bootstrap.min.js</a:t>
-            </a:r>
-            <a:r>
-              <a:rPr lang="en" altLang="zh-TW" sz="1200" b="0" kern="1200" dirty="0">
-                <a:solidFill>
-                  <a:schemeClr val="tx1"/>
-                </a:solidFill>
-                <a:effectLst/>
-                <a:latin typeface="+mn-lt"/>
-                <a:ea typeface="微軟正黑體" panose="020B0604030504040204" pitchFamily="34" charset="-120"/>
-                <a:cs typeface="+mn-cs"/>
-              </a:rPr>
-              <a:t>"</a:t>
-            </a:r>
-            <a:r>
-              <a:rPr lang="zh-TW" altLang="en-US" sz="1200" b="0" kern="1200" dirty="0">
-                <a:solidFill>
-                  <a:schemeClr val="tx1"/>
-                </a:solidFill>
-                <a:effectLst/>
-                <a:latin typeface="+mn-lt"/>
-                <a:ea typeface="微軟正黑體" panose="020B0604030504040204" pitchFamily="34" charset="-120"/>
-                <a:cs typeface="+mn-cs"/>
-              </a:rPr>
-              <a:t> </a:t>
-            </a:r>
-            <a:r>
-              <a:rPr lang="en" altLang="zh-TW" sz="1200" b="0" kern="1200" dirty="0">
-                <a:solidFill>
-                  <a:schemeClr val="tx1"/>
-                </a:solidFill>
-                <a:effectLst/>
-                <a:latin typeface="+mn-lt"/>
-                <a:ea typeface="微軟正黑體" panose="020B0604030504040204" pitchFamily="34" charset="-120"/>
-                <a:cs typeface="+mn-cs"/>
-              </a:rPr>
-              <a:t>integrity="sha384-OgVRvuATP1z7JjHLkuOU7Xw704+h835Lr+6QL9UvYjZE3Ipu6Tp75j7Bh/kR0JKI"</a:t>
-            </a:r>
-            <a:r>
-              <a:rPr lang="zh-TW" altLang="en-US" sz="1200" b="0" kern="1200" dirty="0">
-                <a:solidFill>
-                  <a:schemeClr val="tx1"/>
-                </a:solidFill>
-                <a:effectLst/>
-                <a:latin typeface="+mn-lt"/>
-                <a:ea typeface="微軟正黑體" panose="020B0604030504040204" pitchFamily="34" charset="-120"/>
-                <a:cs typeface="+mn-cs"/>
-              </a:rPr>
-              <a:t> </a:t>
-            </a:r>
-            <a:r>
-              <a:rPr lang="en" altLang="zh-TW" sz="1200" b="0" kern="1200" dirty="0" err="1">
-                <a:solidFill>
-                  <a:schemeClr val="tx1"/>
-                </a:solidFill>
-                <a:effectLst/>
-                <a:latin typeface="+mn-lt"/>
-                <a:ea typeface="微軟正黑體" panose="020B0604030504040204" pitchFamily="34" charset="-120"/>
-                <a:cs typeface="+mn-cs"/>
-              </a:rPr>
-              <a:t>crossorigin</a:t>
-            </a:r>
-            <a:r>
-              <a:rPr lang="en" altLang="zh-TW" sz="1200" b="0" kern="1200" dirty="0">
-                <a:solidFill>
-                  <a:schemeClr val="tx1"/>
-                </a:solidFill>
-                <a:effectLst/>
-                <a:latin typeface="+mn-lt"/>
-                <a:ea typeface="微軟正黑體" panose="020B0604030504040204" pitchFamily="34" charset="-120"/>
-                <a:cs typeface="+mn-cs"/>
-              </a:rPr>
-              <a:t>="anonymous"&gt;&lt;/script&gt;</a:t>
+              <a:t>&lt;script src="https://stackpath.bootstrapcdn.com/bootstrap/4.5.0/js/bootstrap.min.js&gt;&lt;/script&gt;</a:t>
             </a:r>
           </a:p>
         </p:txBody>
@@ -3771,7 +3325,7 @@
           </a:ln>
           <a:extLst>
             <a:ext uri="{C572A759-6A51-4108-AA02-DFA0A04FC94B}">
-              <ma14:wrappingTextBoxFlag xmlns="" xmlns:m="http://schemas.openxmlformats.org/officeDocument/2006/math" xmlns:a14="http://schemas.microsoft.com/office/drawing/2010/main" xmlns:ma14="http://schemas.microsoft.com/office/mac/drawingml/2011/main" val="1"/>
+              <ma14:wrappingTextBoxFlag xmlns:ma14="http://schemas.microsoft.com/office/mac/drawingml/2011/main" xmlns:a14="http://schemas.microsoft.com/office/drawing/2010/main" xmlns:m="http://schemas.openxmlformats.org/officeDocument/2006/math" xmlns="" val="1"/>
             </a:ext>
           </a:extLst>
         </p:spPr>
@@ -3810,7 +3364,7 @@
           </a:ln>
           <a:extLst>
             <a:ext uri="{C572A759-6A51-4108-AA02-DFA0A04FC94B}">
-              <ma14:wrappingTextBoxFlag xmlns="" xmlns:m="http://schemas.openxmlformats.org/officeDocument/2006/math" xmlns:a14="http://schemas.microsoft.com/office/drawing/2010/main" xmlns:ma14="http://schemas.microsoft.com/office/mac/drawingml/2011/main" val="1"/>
+              <ma14:wrappingTextBoxFlag xmlns:ma14="http://schemas.microsoft.com/office/mac/drawingml/2011/main" xmlns:a14="http://schemas.microsoft.com/office/drawing/2010/main" xmlns:m="http://schemas.openxmlformats.org/officeDocument/2006/math" xmlns="" val="1"/>
             </a:ext>
           </a:extLst>
         </p:spPr>
@@ -4782,7 +4336,7 @@
           </a:prstGeom>
           <a:extLst>
             <a:ext uri="{C572A759-6A51-4108-AA02-DFA0A04FC94B}">
-              <ma14:wrappingTextBoxFlag xmlns="" xmlns:m="http://schemas.openxmlformats.org/officeDocument/2006/math" xmlns:a14="http://schemas.microsoft.com/office/drawing/2010/main" xmlns:ma14="http://schemas.microsoft.com/office/mac/drawingml/2011/main" val="1"/>
+              <ma14:wrappingTextBoxFlag xmlns:ma14="http://schemas.microsoft.com/office/mac/drawingml/2011/main" xmlns:a14="http://schemas.microsoft.com/office/drawing/2010/main" xmlns:m="http://schemas.openxmlformats.org/officeDocument/2006/math" xmlns="" val="1"/>
             </a:ext>
           </a:extLst>
         </p:spPr>
@@ -4860,7 +4414,7 @@
           </a:ln>
           <a:extLst>
             <a:ext uri="{C572A759-6A51-4108-AA02-DFA0A04FC94B}">
-              <ma14:wrappingTextBoxFlag xmlns="" xmlns:m="http://schemas.openxmlformats.org/officeDocument/2006/math" xmlns:a14="http://schemas.microsoft.com/office/drawing/2010/main" xmlns:ma14="http://schemas.microsoft.com/office/mac/drawingml/2011/main" val="1"/>
+              <ma14:wrappingTextBoxFlag xmlns:ma14="http://schemas.microsoft.com/office/mac/drawingml/2011/main" xmlns:a14="http://schemas.microsoft.com/office/drawing/2010/main" xmlns:m="http://schemas.openxmlformats.org/officeDocument/2006/math" xmlns="" val="1"/>
             </a:ext>
           </a:extLst>
         </p:spPr>
@@ -5805,7 +5359,7 @@
           <p:nvPr/>
         </p:nvPicPr>
         <p:blipFill>
-          <a:blip r:embed="rId3">
+          <a:blip r:embed="rId3" cstate="print">
             <a:extLst>
               <a:ext uri="{28A0092B-C50C-407E-A947-70E740481C1C}">
                 <a14:useLocalDpi xmlns:a14="http://schemas.microsoft.com/office/drawing/2010/main" val="0"/>
@@ -5841,7 +5395,7 @@
           <p:nvPr/>
         </p:nvPicPr>
         <p:blipFill>
-          <a:blip r:embed="rId4">
+          <a:blip r:embed="rId4" cstate="print">
             <a:extLst>
               <a:ext uri="{28A0092B-C50C-407E-A947-70E740481C1C}">
                 <a14:useLocalDpi xmlns:a14="http://schemas.microsoft.com/office/drawing/2010/main" val="0"/>
@@ -5957,7 +5511,7 @@
           </a:prstGeom>
           <a:extLst>
             <a:ext uri="{C572A759-6A51-4108-AA02-DFA0A04FC94B}">
-              <ma14:wrappingTextBoxFlag xmlns="" xmlns:m="http://schemas.openxmlformats.org/officeDocument/2006/math" xmlns:a14="http://schemas.microsoft.com/office/drawing/2010/main" xmlns:ma14="http://schemas.microsoft.com/office/mac/drawingml/2011/main" val="1"/>
+              <ma14:wrappingTextBoxFlag xmlns:ma14="http://schemas.microsoft.com/office/mac/drawingml/2011/main" xmlns:a14="http://schemas.microsoft.com/office/drawing/2010/main" xmlns:m="http://schemas.openxmlformats.org/officeDocument/2006/math" xmlns="" val="1"/>
             </a:ext>
           </a:extLst>
         </p:spPr>
@@ -6032,7 +5586,7 @@
           </a:ln>
           <a:extLst>
             <a:ext uri="{C572A759-6A51-4108-AA02-DFA0A04FC94B}">
-              <ma14:wrappingTextBoxFlag xmlns="" xmlns:m="http://schemas.openxmlformats.org/officeDocument/2006/math" xmlns:a14="http://schemas.microsoft.com/office/drawing/2010/main" xmlns:ma14="http://schemas.microsoft.com/office/mac/drawingml/2011/main" val="1"/>
+              <ma14:wrappingTextBoxFlag xmlns:ma14="http://schemas.microsoft.com/office/mac/drawingml/2011/main" xmlns:a14="http://schemas.microsoft.com/office/drawing/2010/main" xmlns:m="http://schemas.openxmlformats.org/officeDocument/2006/math" xmlns="" val="1"/>
             </a:ext>
           </a:extLst>
         </p:spPr>
@@ -6127,7 +5681,7 @@
           </a:prstGeom>
           <a:extLst>
             <a:ext uri="{C572A759-6A51-4108-AA02-DFA0A04FC94B}">
-              <ma14:wrappingTextBoxFlag xmlns="" xmlns:m="http://schemas.openxmlformats.org/officeDocument/2006/math" xmlns:a14="http://schemas.microsoft.com/office/drawing/2010/main" xmlns:ma14="http://schemas.microsoft.com/office/mac/drawingml/2011/main" val="1"/>
+              <ma14:wrappingTextBoxFlag xmlns:ma14="http://schemas.microsoft.com/office/mac/drawingml/2011/main" xmlns:a14="http://schemas.microsoft.com/office/drawing/2010/main" xmlns:m="http://schemas.openxmlformats.org/officeDocument/2006/math" xmlns="" val="1"/>
             </a:ext>
           </a:extLst>
         </p:spPr>
@@ -6204,7 +5758,7 @@
           </a:ln>
           <a:extLst>
             <a:ext uri="{C572A759-6A51-4108-AA02-DFA0A04FC94B}">
-              <ma14:wrappingTextBoxFlag xmlns="" xmlns:m="http://schemas.openxmlformats.org/officeDocument/2006/math" xmlns:a14="http://schemas.microsoft.com/office/drawing/2010/main" xmlns:ma14="http://schemas.microsoft.com/office/mac/drawingml/2011/main" val="1"/>
+              <ma14:wrappingTextBoxFlag xmlns:ma14="http://schemas.microsoft.com/office/mac/drawingml/2011/main" xmlns:a14="http://schemas.microsoft.com/office/drawing/2010/main" xmlns:m="http://schemas.openxmlformats.org/officeDocument/2006/math" xmlns="" val="1"/>
             </a:ext>
           </a:extLst>
         </p:spPr>
@@ -6346,7 +5900,7 @@
           </a:prstGeom>
           <a:extLst>
             <a:ext uri="{C572A759-6A51-4108-AA02-DFA0A04FC94B}">
-              <ma14:wrappingTextBoxFlag xmlns="" xmlns:m="http://schemas.openxmlformats.org/officeDocument/2006/math" xmlns:a14="http://schemas.microsoft.com/office/drawing/2010/main" xmlns:ma14="http://schemas.microsoft.com/office/mac/drawingml/2011/main" val="1"/>
+              <ma14:wrappingTextBoxFlag xmlns:ma14="http://schemas.microsoft.com/office/mac/drawingml/2011/main" xmlns:a14="http://schemas.microsoft.com/office/drawing/2010/main" xmlns:m="http://schemas.openxmlformats.org/officeDocument/2006/math" xmlns="" val="1"/>
             </a:ext>
           </a:extLst>
         </p:spPr>
@@ -7321,106 +6875,7 @@
               <a:rPr lang="en-US" altLang="zh-TW" sz="1900" dirty="0">
                 <a:latin typeface="Consolas" panose="020B0609020204030204" pitchFamily="49" charset="0"/>
               </a:rPr>
-              <a:t>" integrity="</a:t>
-            </a:r>
-            <a:r>
-              <a:rPr lang="en-US" altLang="zh-TW" sz="1900" dirty="0">
-                <a:solidFill>
-                  <a:schemeClr val="bg1">
-                    <a:lumMod val="65000"/>
-                  </a:schemeClr>
-                </a:solidFill>
-                <a:latin typeface="Consolas" panose="020B0609020204030204" pitchFamily="49" charset="0"/>
-              </a:rPr>
-              <a:t>sha384-9aIt2nRpC12Uk9gS9baDl411NQApFmC26EwAOH8WgZl5MYYxFfc+NcPb1dKGj7Sk</a:t>
-            </a:r>
-            <a:r>
-              <a:rPr lang="en-US" altLang="zh-TW" sz="1900" dirty="0">
-                <a:latin typeface="Consolas" panose="020B0609020204030204" pitchFamily="49" charset="0"/>
-              </a:rPr>
-              <a:t>" </a:t>
-            </a:r>
-            <a:r>
-              <a:rPr lang="en-US" altLang="zh-TW" sz="1900" dirty="0" err="1">
-                <a:latin typeface="Consolas" panose="020B0609020204030204" pitchFamily="49" charset="0"/>
-              </a:rPr>
-              <a:t>crossorigin</a:t>
-            </a:r>
-            <a:r>
-              <a:rPr lang="en-US" altLang="zh-TW" sz="1900" dirty="0">
-                <a:latin typeface="Consolas" panose="020B0609020204030204" pitchFamily="49" charset="0"/>
-              </a:rPr>
-              <a:t>="</a:t>
-            </a:r>
-            <a:r>
-              <a:rPr lang="en-US" altLang="zh-TW" sz="1900" dirty="0">
-                <a:solidFill>
-                  <a:srgbClr val="00B050"/>
-                </a:solidFill>
-                <a:latin typeface="Consolas" panose="020B0609020204030204" pitchFamily="49" charset="0"/>
-              </a:rPr>
-              <a:t>anonymous</a:t>
-            </a:r>
-            <a:r>
-              <a:rPr lang="en-US" altLang="zh-TW" sz="1900" dirty="0">
-                <a:latin typeface="Consolas" panose="020B0609020204030204" pitchFamily="49" charset="0"/>
-              </a:rPr>
-              <a:t>"&gt;</a:t>
-            </a:r>
-          </a:p>
-        </p:txBody>
-      </p:sp>
-      <p:sp>
-        <p:nvSpPr>
-          <p:cNvPr id="4" name="文字方塊 3">
-            <a:extLst>
-              <a:ext uri="{FF2B5EF4-FFF2-40B4-BE49-F238E27FC236}">
-                <a16:creationId xmlns:a16="http://schemas.microsoft.com/office/drawing/2014/main" id="{38B49C9A-EF86-4346-889E-897A362A42DF}"/>
-              </a:ext>
-            </a:extLst>
-          </p:cNvPr>
-          <p:cNvSpPr txBox="1"/>
-          <p:nvPr/>
-        </p:nvSpPr>
-        <p:spPr>
-          <a:xfrm>
-            <a:off x="0" y="6565611"/>
-            <a:ext cx="6679580" cy="292388"/>
-          </a:xfrm>
-          <a:prstGeom prst="rect">
-            <a:avLst/>
-          </a:prstGeom>
-          <a:noFill/>
-        </p:spPr>
-        <p:txBody>
-          <a:bodyPr wrap="square" rtlCol="0">
-            <a:spAutoFit/>
-          </a:bodyPr>
-          <a:lstStyle/>
-          <a:p>
-            <a:r>
-              <a:rPr kumimoji="1" lang="en-US" altLang="zh-TW" sz="1300" dirty="0">
-                <a:solidFill>
-                  <a:srgbClr val="FF0000"/>
-                </a:solidFill>
-              </a:rPr>
-              <a:t>Integrity</a:t>
-            </a:r>
-            <a:r>
-              <a:rPr kumimoji="1" lang="zh-TW" altLang="en-US" sz="1300" dirty="0"/>
-              <a:t>：確保第三方資源未被惡意竄改   </a:t>
-            </a:r>
-            <a:r>
-              <a:rPr kumimoji="1" lang="en" altLang="zh-TW" sz="1300" dirty="0" err="1">
-                <a:solidFill>
-                  <a:srgbClr val="FF0000"/>
-                </a:solidFill>
-              </a:rPr>
-              <a:t>crossorigin</a:t>
-            </a:r>
-            <a:r>
-              <a:rPr kumimoji="1" lang="zh-TW" altLang="en-US" sz="1300" dirty="0"/>
-              <a:t>：使用跨域的形式載入指定檔案</a:t>
+              <a:t>" &gt;</a:t>
             </a:r>
           </a:p>
         </p:txBody>
@@ -7536,7 +6991,7 @@
         </p:spPr>
         <p:txBody>
           <a:bodyPr anchor="ctr">
-            <a:normAutofit fontScale="70000" lnSpcReduction="20000"/>
+            <a:normAutofit fontScale="85000" lnSpcReduction="10000"/>
           </a:bodyPr>
           <a:lstStyle/>
           <a:p>
@@ -7609,69 +7064,7 @@
                 </a:solidFill>
                 <a:latin typeface="Consolas" panose="020B0609020204030204" pitchFamily="49" charset="0"/>
               </a:rPr>
-              <a:t>https://</a:t>
-            </a:r>
-            <a:r>
-              <a:rPr lang="en-US" altLang="zh-TW" sz="2000" dirty="0" err="1">
-                <a:solidFill>
-                  <a:srgbClr val="00B050"/>
-                </a:solidFill>
-                <a:latin typeface="Consolas" panose="020B0609020204030204" pitchFamily="49" charset="0"/>
-              </a:rPr>
-              <a:t>code.jquery.com</a:t>
-            </a:r>
-            <a:r>
-              <a:rPr lang="en-US" altLang="zh-TW" sz="2000" dirty="0">
-                <a:solidFill>
-                  <a:srgbClr val="00B050"/>
-                </a:solidFill>
-                <a:latin typeface="Consolas" panose="020B0609020204030204" pitchFamily="49" charset="0"/>
-              </a:rPr>
-              <a:t>/jquery-3.5.1.slim.min.js</a:t>
-            </a:r>
-            <a:r>
-              <a:rPr lang="en-US" altLang="zh-TW" sz="2000" dirty="0">
-                <a:latin typeface="Consolas" panose="020B0609020204030204" pitchFamily="49" charset="0"/>
-              </a:rPr>
-              <a:t>" integrity="</a:t>
-            </a:r>
-            <a:r>
-              <a:rPr lang="en-US" altLang="zh-TW" sz="2000" dirty="0">
-                <a:solidFill>
-                  <a:schemeClr val="bg1">
-                    <a:lumMod val="65000"/>
-                  </a:schemeClr>
-                </a:solidFill>
-                <a:latin typeface="Consolas" panose="020B0609020204030204" pitchFamily="49" charset="0"/>
-              </a:rPr>
-              <a:t>sha384-DfXdz2htPH0lsSSs5nCTpuj/zy4C+OGpamoFVy38MVBnE+IbbVYUew+OrCXaRkfj</a:t>
-            </a:r>
-            <a:r>
-              <a:rPr lang="en-US" altLang="zh-TW" sz="2000" dirty="0">
-                <a:latin typeface="Consolas" panose="020B0609020204030204" pitchFamily="49" charset="0"/>
-              </a:rPr>
-              <a:t>" </a:t>
-            </a:r>
-            <a:r>
-              <a:rPr lang="en-US" altLang="zh-TW" sz="2000" dirty="0" err="1">
-                <a:latin typeface="Consolas" panose="020B0609020204030204" pitchFamily="49" charset="0"/>
-              </a:rPr>
-              <a:t>crossorigin</a:t>
-            </a:r>
-            <a:r>
-              <a:rPr lang="en-US" altLang="zh-TW" sz="2000" dirty="0">
-                <a:latin typeface="Consolas" panose="020B0609020204030204" pitchFamily="49" charset="0"/>
-              </a:rPr>
-              <a:t>="</a:t>
-            </a:r>
-            <a:r>
-              <a:rPr lang="en-US" altLang="zh-TW" sz="2000" dirty="0">
-                <a:solidFill>
-                  <a:srgbClr val="00B050"/>
-                </a:solidFill>
-                <a:latin typeface="Consolas" panose="020B0609020204030204" pitchFamily="49" charset="0"/>
-              </a:rPr>
-              <a:t>anonymous</a:t>
+              <a:t>https://code.jquery.com/jquery-3.5.1.slim.min.js</a:t>
             </a:r>
             <a:r>
               <a:rPr lang="en-US" altLang="zh-TW" sz="2000" dirty="0">
@@ -7759,7 +7152,7 @@
                 </a:solidFill>
                 <a:latin typeface="Consolas" panose="020B0609020204030204" pitchFamily="49" charset="0"/>
               </a:rPr>
-              <a:t>https://</a:t>
+              <a:t>https://cdn.jsdelivr.net/</a:t>
             </a:r>
             <a:r>
               <a:rPr lang="en-US" altLang="zh-TW" sz="2000" dirty="0" err="1">
@@ -7768,7 +7161,7 @@
                 </a:solidFill>
                 <a:latin typeface="Consolas" panose="020B0609020204030204" pitchFamily="49" charset="0"/>
               </a:rPr>
-              <a:t>cdn.jsdelivr.net</a:t>
+              <a:t>npm</a:t>
             </a:r>
             <a:r>
               <a:rPr lang="en-US" altLang="zh-TW" sz="2000" dirty="0">
@@ -7777,7 +7170,7 @@
                 </a:solidFill>
                 <a:latin typeface="Consolas" panose="020B0609020204030204" pitchFamily="49" charset="0"/>
               </a:rPr>
-              <a:t>/</a:t>
+              <a:t>/popper.js@1.16.0/</a:t>
             </a:r>
             <a:r>
               <a:rPr lang="en-US" altLang="zh-TW" sz="2000" dirty="0" err="1">
@@ -7786,7 +7179,7 @@
                 </a:solidFill>
                 <a:latin typeface="Consolas" panose="020B0609020204030204" pitchFamily="49" charset="0"/>
               </a:rPr>
-              <a:t>npm</a:t>
+              <a:t>dist</a:t>
             </a:r>
             <a:r>
               <a:rPr lang="en-US" altLang="zh-TW" sz="2000" dirty="0">
@@ -7795,7 +7188,7 @@
                 </a:solidFill>
                 <a:latin typeface="Consolas" panose="020B0609020204030204" pitchFamily="49" charset="0"/>
               </a:rPr>
-              <a:t>/popper.js@1.16.0/</a:t>
+              <a:t>/</a:t>
             </a:r>
             <a:r>
               <a:rPr lang="en-US" altLang="zh-TW" sz="2000" dirty="0" err="1">
@@ -7804,7 +7197,7 @@
                 </a:solidFill>
                 <a:latin typeface="Consolas" panose="020B0609020204030204" pitchFamily="49" charset="0"/>
               </a:rPr>
-              <a:t>dist</a:t>
+              <a:t>umd</a:t>
             </a:r>
             <a:r>
               <a:rPr lang="en-US" altLang="zh-TW" sz="2000" dirty="0">
@@ -7813,78 +7206,7 @@
                 </a:solidFill>
                 <a:latin typeface="Consolas" panose="020B0609020204030204" pitchFamily="49" charset="0"/>
               </a:rPr>
-              <a:t>/</a:t>
-            </a:r>
-            <a:r>
-              <a:rPr lang="en-US" altLang="zh-TW" sz="2000" dirty="0" err="1">
-                <a:solidFill>
-                  <a:srgbClr val="00B050"/>
-                </a:solidFill>
-                <a:latin typeface="Consolas" panose="020B0609020204030204" pitchFamily="49" charset="0"/>
-              </a:rPr>
-              <a:t>umd</a:t>
-            </a:r>
-            <a:r>
-              <a:rPr lang="en-US" altLang="zh-TW" sz="2000" dirty="0">
-                <a:solidFill>
-                  <a:srgbClr val="00B050"/>
-                </a:solidFill>
-                <a:latin typeface="Consolas" panose="020B0609020204030204" pitchFamily="49" charset="0"/>
-              </a:rPr>
-              <a:t>/</a:t>
-            </a:r>
-            <a:r>
-              <a:rPr lang="en-US" altLang="zh-TW" sz="2000" dirty="0" err="1">
-                <a:solidFill>
-                  <a:srgbClr val="00B050"/>
-                </a:solidFill>
-                <a:latin typeface="Consolas" panose="020B0609020204030204" pitchFamily="49" charset="0"/>
-              </a:rPr>
-              <a:t>popper.min.js</a:t>
-            </a:r>
-            <a:r>
-              <a:rPr lang="en-US" altLang="zh-TW" sz="2000" dirty="0">
-                <a:latin typeface="Consolas" panose="020B0609020204030204" pitchFamily="49" charset="0"/>
-              </a:rPr>
-              <a:t>" integrity="</a:t>
-            </a:r>
-            <a:r>
-              <a:rPr lang="en-US" altLang="zh-TW" sz="2000" dirty="0">
-                <a:solidFill>
-                  <a:schemeClr val="bg1">
-                    <a:lumMod val="65000"/>
-                  </a:schemeClr>
-                </a:solidFill>
-                <a:latin typeface="Consolas" panose="020B0609020204030204" pitchFamily="49" charset="0"/>
-              </a:rPr>
-              <a:t>sha384-Q6E9RHvbIyZFJoft+2mJbHaEWldlvI9IOYy5n3zV9zzTtmI3UksdQRVvoxMfooAo</a:t>
-            </a:r>
-            <a:r>
-              <a:rPr lang="en-US" altLang="zh-TW" sz="2000" dirty="0">
-                <a:latin typeface="Consolas" panose="020B0609020204030204" pitchFamily="49" charset="0"/>
-              </a:rPr>
-              <a:t>" </a:t>
-            </a:r>
-            <a:r>
-              <a:rPr lang="en-US" altLang="zh-TW" sz="2000" dirty="0" err="1">
-                <a:latin typeface="Consolas" panose="020B0609020204030204" pitchFamily="49" charset="0"/>
-              </a:rPr>
-              <a:t>crossorigin</a:t>
-            </a:r>
-            <a:r>
-              <a:rPr lang="en-US" altLang="zh-TW" sz="2000" dirty="0">
-                <a:latin typeface="Consolas" panose="020B0609020204030204" pitchFamily="49" charset="0"/>
-              </a:rPr>
-              <a:t>="</a:t>
-            </a:r>
-            <a:r>
-              <a:rPr lang="en-US" altLang="zh-TW" sz="2000" dirty="0">
-                <a:solidFill>
-                  <a:srgbClr val="00B050"/>
-                </a:solidFill>
-                <a:latin typeface="Consolas" panose="020B0609020204030204" pitchFamily="49" charset="0"/>
-              </a:rPr>
-              <a:t>anonymous</a:t>
+              <a:t>/popper.min.js</a:t>
             </a:r>
             <a:r>
               <a:rPr lang="en-US" altLang="zh-TW" sz="2000" dirty="0">
@@ -7978,7 +7300,7 @@
                 </a:solidFill>
                 <a:latin typeface="Consolas" panose="020B0609020204030204" pitchFamily="49" charset="0"/>
               </a:rPr>
-              <a:t>https://</a:t>
+              <a:t>https://stackpath.bootstrapcdn.com/bootstrap/4.5.0/</a:t>
             </a:r>
             <a:r>
               <a:rPr lang="en-US" altLang="zh-TW" sz="2000" dirty="0" err="1">
@@ -7987,7 +7309,7 @@
                 </a:solidFill>
                 <a:latin typeface="Consolas" panose="020B0609020204030204" pitchFamily="49" charset="0"/>
               </a:rPr>
-              <a:t>stackpath.bootstrapcdn.com</a:t>
+              <a:t>js</a:t>
             </a:r>
             <a:r>
               <a:rPr lang="en-US" altLang="zh-TW" sz="2000" dirty="0">
@@ -7996,78 +7318,7 @@
                 </a:solidFill>
                 <a:latin typeface="Consolas" panose="020B0609020204030204" pitchFamily="49" charset="0"/>
               </a:rPr>
-              <a:t>/bootstrap/4.5.0/</a:t>
-            </a:r>
-            <a:r>
-              <a:rPr lang="en-US" altLang="zh-TW" sz="2000" dirty="0" err="1">
-                <a:solidFill>
-                  <a:srgbClr val="00B050"/>
-                </a:solidFill>
-                <a:latin typeface="Consolas" panose="020B0609020204030204" pitchFamily="49" charset="0"/>
-              </a:rPr>
-              <a:t>js</a:t>
-            </a:r>
-            <a:r>
-              <a:rPr lang="en-US" altLang="zh-TW" sz="2000" dirty="0">
-                <a:solidFill>
-                  <a:srgbClr val="00B050"/>
-                </a:solidFill>
-                <a:latin typeface="Consolas" panose="020B0609020204030204" pitchFamily="49" charset="0"/>
-              </a:rPr>
-              <a:t>/</a:t>
-            </a:r>
-            <a:r>
-              <a:rPr lang="en-US" altLang="zh-TW" sz="2000" dirty="0" err="1">
-                <a:solidFill>
-                  <a:srgbClr val="00B050"/>
-                </a:solidFill>
-                <a:latin typeface="Consolas" panose="020B0609020204030204" pitchFamily="49" charset="0"/>
-              </a:rPr>
-              <a:t>bootstrap.min.js</a:t>
-            </a:r>
-            <a:r>
-              <a:rPr lang="en-US" altLang="zh-TW" sz="2000" dirty="0">
-                <a:latin typeface="Consolas" panose="020B0609020204030204" pitchFamily="49" charset="0"/>
-              </a:rPr>
-              <a:t>" integrity="</a:t>
-            </a:r>
-            <a:r>
-              <a:rPr lang="en-US" altLang="zh-TW" sz="2000" dirty="0">
-                <a:solidFill>
-                  <a:schemeClr val="bg1">
-                    <a:lumMod val="65000"/>
-                  </a:schemeClr>
-                </a:solidFill>
-                <a:latin typeface="Consolas" panose="020B0609020204030204" pitchFamily="49" charset="0"/>
-              </a:rPr>
-              <a:t>sha384-OgVRvuATP1z7JjHLkuOU7Xw704+h835Lr+6QL9UvYjZE3Ipu6Tp75j7Bh/kR0JKI</a:t>
-            </a:r>
-            <a:r>
-              <a:rPr lang="en-US" altLang="zh-TW" sz="2000" dirty="0">
-                <a:latin typeface="Consolas" panose="020B0609020204030204" pitchFamily="49" charset="0"/>
-              </a:rPr>
-              <a:t>" </a:t>
-            </a:r>
-            <a:r>
-              <a:rPr lang="en-US" altLang="zh-TW" sz="2000" dirty="0" err="1">
-                <a:latin typeface="Consolas" panose="020B0609020204030204" pitchFamily="49" charset="0"/>
-              </a:rPr>
-              <a:t>crossorigin</a:t>
-            </a:r>
-            <a:r>
-              <a:rPr lang="en-US" altLang="zh-TW" sz="2000" dirty="0">
-                <a:latin typeface="Consolas" panose="020B0609020204030204" pitchFamily="49" charset="0"/>
-              </a:rPr>
-              <a:t>="</a:t>
-            </a:r>
-            <a:r>
-              <a:rPr lang="en-US" altLang="zh-TW" sz="2000" dirty="0">
-                <a:solidFill>
-                  <a:srgbClr val="00B050"/>
-                </a:solidFill>
-                <a:latin typeface="Consolas" panose="020B0609020204030204" pitchFamily="49" charset="0"/>
-              </a:rPr>
-              <a:t>anonymous</a:t>
+              <a:t>/bootstrap.min.js</a:t>
             </a:r>
             <a:r>
               <a:rPr lang="en-US" altLang="zh-TW" sz="2000" dirty="0">
@@ -8089,61 +7340,6 @@
                 <a:latin typeface="Consolas" panose="020B0609020204030204" pitchFamily="49" charset="0"/>
               </a:rPr>
               <a:t>&gt;</a:t>
-            </a:r>
-          </a:p>
-        </p:txBody>
-      </p:sp>
-      <p:sp>
-        <p:nvSpPr>
-          <p:cNvPr id="4" name="文字方塊 3">
-            <a:extLst>
-              <a:ext uri="{FF2B5EF4-FFF2-40B4-BE49-F238E27FC236}">
-                <a16:creationId xmlns:a16="http://schemas.microsoft.com/office/drawing/2014/main" id="{38B49C9A-EF86-4346-889E-897A362A42DF}"/>
-              </a:ext>
-            </a:extLst>
-          </p:cNvPr>
-          <p:cNvSpPr txBox="1"/>
-          <p:nvPr/>
-        </p:nvSpPr>
-        <p:spPr>
-          <a:xfrm>
-            <a:off x="0" y="6565611"/>
-            <a:ext cx="6679580" cy="292388"/>
-          </a:xfrm>
-          <a:prstGeom prst="rect">
-            <a:avLst/>
-          </a:prstGeom>
-          <a:noFill/>
-        </p:spPr>
-        <p:txBody>
-          <a:bodyPr wrap="square" rtlCol="0">
-            <a:spAutoFit/>
-          </a:bodyPr>
-          <a:lstStyle/>
-          <a:p>
-            <a:r>
-              <a:rPr kumimoji="1" lang="en-US" altLang="zh-TW" sz="1300" dirty="0">
-                <a:solidFill>
-                  <a:srgbClr val="FF0000"/>
-                </a:solidFill>
-              </a:rPr>
-              <a:t>Integrity</a:t>
-            </a:r>
-            <a:r>
-              <a:rPr kumimoji="1" lang="zh-TW" altLang="en-US" sz="1300" dirty="0"/>
-              <a:t>：確保第三方資源未被惡意竄改   </a:t>
-            </a:r>
-            <a:r>
-              <a:rPr kumimoji="1" lang="en" altLang="zh-TW" sz="1300" dirty="0" err="1">
-                <a:solidFill>
-                  <a:srgbClr val="FF0000"/>
-                </a:solidFill>
-              </a:rPr>
-              <a:t>crossorigin</a:t>
-            </a:r>
-            <a:r>
-              <a:rPr kumimoji="1" lang="zh-TW" altLang="en-US" sz="1300" dirty="0"/>
-              <a:t>：使用跨域的形式載入指定檔案</a:t>
             </a:r>
           </a:p>
         </p:txBody>
@@ -8199,7 +7395,7 @@
           </a:prstGeom>
           <a:extLst>
             <a:ext uri="{C572A759-6A51-4108-AA02-DFA0A04FC94B}">
-              <ma14:wrappingTextBoxFlag xmlns="" xmlns:m="http://schemas.openxmlformats.org/officeDocument/2006/math" xmlns:a14="http://schemas.microsoft.com/office/drawing/2010/main" xmlns:ma14="http://schemas.microsoft.com/office/mac/drawingml/2011/main" val="1"/>
+              <ma14:wrappingTextBoxFlag xmlns:ma14="http://schemas.microsoft.com/office/mac/drawingml/2011/main" xmlns:a14="http://schemas.microsoft.com/office/drawing/2010/main" xmlns:m="http://schemas.openxmlformats.org/officeDocument/2006/math" xmlns="" val="1"/>
             </a:ext>
           </a:extLst>
         </p:spPr>
@@ -8348,7 +7544,7 @@
           </a:prstGeom>
           <a:extLst>
             <a:ext uri="{C572A759-6A51-4108-AA02-DFA0A04FC94B}">
-              <ma14:wrappingTextBoxFlag xmlns="" xmlns:m="http://schemas.openxmlformats.org/officeDocument/2006/math" xmlns:a14="http://schemas.microsoft.com/office/drawing/2010/main" xmlns:ma14="http://schemas.microsoft.com/office/mac/drawingml/2011/main" val="1"/>
+              <ma14:wrappingTextBoxFlag xmlns:ma14="http://schemas.microsoft.com/office/mac/drawingml/2011/main" xmlns:a14="http://schemas.microsoft.com/office/drawing/2010/main" xmlns:m="http://schemas.openxmlformats.org/officeDocument/2006/math" xmlns="" val="1"/>
             </a:ext>
           </a:extLst>
         </p:spPr>
@@ -8540,7 +7736,7 @@
           </a:ln>
           <a:extLst>
             <a:ext uri="{C572A759-6A51-4108-AA02-DFA0A04FC94B}">
-              <ma14:wrappingTextBoxFlag xmlns="" xmlns:m="http://schemas.openxmlformats.org/officeDocument/2006/math" xmlns:a14="http://schemas.microsoft.com/office/drawing/2010/main" xmlns:ma14="http://schemas.microsoft.com/office/mac/drawingml/2011/main" val="1"/>
+              <ma14:wrappingTextBoxFlag xmlns:ma14="http://schemas.microsoft.com/office/mac/drawingml/2011/main" xmlns:a14="http://schemas.microsoft.com/office/drawing/2010/main" xmlns:m="http://schemas.openxmlformats.org/officeDocument/2006/math" xmlns="" val="1"/>
             </a:ext>
           </a:extLst>
         </p:spPr>

--- a/教學簡報/Bootstrap 4.pptx
+++ b/教學簡報/Bootstrap 4.pptx
@@ -1263,6 +1263,15 @@
             </a:r>
             <a:r>
               <a:rPr lang="en-US" altLang="zh-TW" sz="1200" dirty="0">
+                <a:solidFill>
+                  <a:srgbClr val="00B050"/>
+                </a:solidFill>
+                <a:latin typeface="Consolas" panose="020B0609020204030204" pitchFamily="49" charset="0"/>
+              </a:rPr>
+              <a:t>"</a:t>
+            </a:r>
+            <a:r>
+              <a:rPr lang="en-US" altLang="zh-TW" sz="1200" dirty="0">
                 <a:latin typeface="Consolas" panose="020B0609020204030204" pitchFamily="49" charset="0"/>
               </a:rPr>
               <a:t>&gt;</a:t>
@@ -1360,7 +1369,31 @@
                 <a:ea typeface="微軟正黑體" panose="020B0604030504040204" pitchFamily="34" charset="-120"/>
                 <a:cs typeface="+mn-cs"/>
               </a:rPr>
-              <a:t>&lt;script src="https://code.jquery.com/jquery-3.5.1.slim.min.js&gt;&lt;/script&gt;</a:t>
+              <a:t>&lt;script src="https://code.jquery.com/jquery-3.5.1.slim.min.js</a:t>
+            </a:r>
+            <a:r>
+              <a:rPr lang="en-US" altLang="zh-TW" sz="1200" b="0" kern="1200" dirty="0">
+                <a:solidFill>
+                  <a:schemeClr val="tx1"/>
+                </a:solidFill>
+                <a:effectLst/>
+                <a:latin typeface="+mn-lt"/>
+                <a:ea typeface="微軟正黑體" panose="020B0604030504040204" pitchFamily="34" charset="-120"/>
+                <a:cs typeface="+mn-cs"/>
+              </a:rPr>
+              <a:t>"</a:t>
+            </a:r>
+            <a:r>
+              <a:rPr lang="en" altLang="zh-TW" sz="1200" b="0" kern="1200" dirty="0">
+                <a:solidFill>
+                  <a:schemeClr val="tx1"/>
+                </a:solidFill>
+                <a:effectLst/>
+                <a:latin typeface="+mn-lt"/>
+                <a:ea typeface="微軟正黑體" panose="020B0604030504040204" pitchFamily="34" charset="-120"/>
+                <a:cs typeface="+mn-cs"/>
+              </a:rPr>
+              <a:t>&gt;&lt;/script&gt;</a:t>
             </a:r>
           </a:p>
           <a:p>
@@ -1372,7 +1405,30 @@
                 <a:cs typeface="+mj-cs"/>
                 <a:sym typeface="Calibri"/>
               </a:rPr>
-              <a:t>&lt;script src="https://cdn.jsdelivr.net/npm/popper.js@1.16.0/dist/umd/popper.min.js&gt;&lt;/script&gt;</a:t>
+              <a:t>&lt;script src="https://cdn.jsdelivr.net/npm/popper.js@1.16.0/dist/umd/popper.min.js</a:t>
+            </a:r>
+            <a:r>
+              <a:rPr lang="en-US" altLang="zh-TW" sz="1200" b="0" kern="1200" dirty="0">
+                <a:solidFill>
+                  <a:schemeClr val="tx1"/>
+                </a:solidFill>
+                <a:effectLst/>
+                <a:latin typeface="+mj-lt"/>
+                <a:ea typeface="微軟正黑體" panose="020B0604030504040204" pitchFamily="34" charset="-120"/>
+                <a:cs typeface="+mj-cs"/>
+                <a:sym typeface="Calibri"/>
+              </a:rPr>
+              <a:t>"</a:t>
+            </a:r>
+            <a:r>
+              <a:rPr lang="en" altLang="zh-TW" sz="1200" b="0" dirty="0">
+                <a:effectLst/>
+                <a:latin typeface="+mj-lt"/>
+                <a:ea typeface="+mj-ea"/>
+                <a:cs typeface="+mj-cs"/>
+                <a:sym typeface="Calibri"/>
+              </a:rPr>
+              <a:t>&gt;&lt;/script&gt;</a:t>
             </a:r>
             <a:endParaRPr lang="en" altLang="zh-TW" sz="1200" b="0" kern="1200" dirty="0">
               <a:solidFill>
@@ -1395,7 +1451,44 @@
                 <a:ea typeface="微軟正黑體" panose="020B0604030504040204" pitchFamily="34" charset="-120"/>
                 <a:cs typeface="+mn-cs"/>
               </a:rPr>
-              <a:t>&lt;script src="https://stackpath.bootstrapcdn.com/bootstrap/4.5.0/js/bootstrap.min.js&gt;&lt;/script&gt;</a:t>
+              <a:t>&lt;script src="https://stackpath.bootstrapcdn.com/bootstrap/4.5.0/js/bootstrap.min.js</a:t>
+            </a:r>
+            <a:r>
+              <a:rPr lang="en-US" altLang="zh-TW" sz="1200" b="0" kern="1200" dirty="0">
+                <a:solidFill>
+                  <a:schemeClr val="tx1"/>
+                </a:solidFill>
+                <a:effectLst/>
+                <a:latin typeface="+mj-lt"/>
+                <a:ea typeface="微軟正黑體" panose="020B0604030504040204" pitchFamily="34" charset="-120"/>
+                <a:cs typeface="+mj-cs"/>
+                <a:sym typeface="Calibri"/>
+              </a:rPr>
+              <a:t>"</a:t>
+            </a:r>
+            <a:r>
+              <a:rPr lang="en" altLang="zh-TW" sz="1200" b="0" kern="1200">
+                <a:solidFill>
+                  <a:schemeClr val="tx1"/>
+                </a:solidFill>
+                <a:effectLst/>
+                <a:latin typeface="+mn-lt"/>
+                <a:ea typeface="微軟正黑體" panose="020B0604030504040204" pitchFamily="34" charset="-120"/>
+                <a:cs typeface="+mn-cs"/>
+              </a:rPr>
+              <a:t>&gt;&lt;/</a:t>
+            </a:r>
+            <a:r>
+              <a:rPr lang="en" altLang="zh-TW" sz="1200" b="0" kern="1200" dirty="0">
+                <a:solidFill>
+                  <a:schemeClr val="tx1"/>
+                </a:solidFill>
+                <a:effectLst/>
+                <a:latin typeface="+mn-lt"/>
+                <a:ea typeface="微軟正黑體" panose="020B0604030504040204" pitchFamily="34" charset="-120"/>
+                <a:cs typeface="+mn-cs"/>
+              </a:rPr>
+              <a:t>script&gt;</a:t>
             </a:r>
           </a:p>
         </p:txBody>
@@ -3325,7 +3418,7 @@
           </a:ln>
           <a:extLst>
             <a:ext uri="{C572A759-6A51-4108-AA02-DFA0A04FC94B}">
-              <ma14:wrappingTextBoxFlag xmlns:ma14="http://schemas.microsoft.com/office/mac/drawingml/2011/main" xmlns:a14="http://schemas.microsoft.com/office/drawing/2010/main" xmlns:m="http://schemas.openxmlformats.org/officeDocument/2006/math" xmlns="" val="1"/>
+              <ma14:wrappingTextBoxFlag xmlns="" xmlns:m="http://schemas.openxmlformats.org/officeDocument/2006/math" xmlns:a14="http://schemas.microsoft.com/office/drawing/2010/main" xmlns:ma14="http://schemas.microsoft.com/office/mac/drawingml/2011/main" val="1"/>
             </a:ext>
           </a:extLst>
         </p:spPr>
@@ -3364,7 +3457,7 @@
           </a:ln>
           <a:extLst>
             <a:ext uri="{C572A759-6A51-4108-AA02-DFA0A04FC94B}">
-              <ma14:wrappingTextBoxFlag xmlns:ma14="http://schemas.microsoft.com/office/mac/drawingml/2011/main" xmlns:a14="http://schemas.microsoft.com/office/drawing/2010/main" xmlns:m="http://schemas.openxmlformats.org/officeDocument/2006/math" xmlns="" val="1"/>
+              <ma14:wrappingTextBoxFlag xmlns="" xmlns:m="http://schemas.openxmlformats.org/officeDocument/2006/math" xmlns:a14="http://schemas.microsoft.com/office/drawing/2010/main" xmlns:ma14="http://schemas.microsoft.com/office/mac/drawingml/2011/main" val="1"/>
             </a:ext>
           </a:extLst>
         </p:spPr>
@@ -4336,7 +4429,7 @@
           </a:prstGeom>
           <a:extLst>
             <a:ext uri="{C572A759-6A51-4108-AA02-DFA0A04FC94B}">
-              <ma14:wrappingTextBoxFlag xmlns:ma14="http://schemas.microsoft.com/office/mac/drawingml/2011/main" xmlns:a14="http://schemas.microsoft.com/office/drawing/2010/main" xmlns:m="http://schemas.openxmlformats.org/officeDocument/2006/math" xmlns="" val="1"/>
+              <ma14:wrappingTextBoxFlag xmlns="" xmlns:m="http://schemas.openxmlformats.org/officeDocument/2006/math" xmlns:a14="http://schemas.microsoft.com/office/drawing/2010/main" xmlns:ma14="http://schemas.microsoft.com/office/mac/drawingml/2011/main" val="1"/>
             </a:ext>
           </a:extLst>
         </p:spPr>
@@ -4414,7 +4507,7 @@
           </a:ln>
           <a:extLst>
             <a:ext uri="{C572A759-6A51-4108-AA02-DFA0A04FC94B}">
-              <ma14:wrappingTextBoxFlag xmlns:ma14="http://schemas.microsoft.com/office/mac/drawingml/2011/main" xmlns:a14="http://schemas.microsoft.com/office/drawing/2010/main" xmlns:m="http://schemas.openxmlformats.org/officeDocument/2006/math" xmlns="" val="1"/>
+              <ma14:wrappingTextBoxFlag xmlns="" xmlns:m="http://schemas.openxmlformats.org/officeDocument/2006/math" xmlns:a14="http://schemas.microsoft.com/office/drawing/2010/main" xmlns:ma14="http://schemas.microsoft.com/office/mac/drawingml/2011/main" val="1"/>
             </a:ext>
           </a:extLst>
         </p:spPr>
@@ -5511,7 +5604,7 @@
           </a:prstGeom>
           <a:extLst>
             <a:ext uri="{C572A759-6A51-4108-AA02-DFA0A04FC94B}">
-              <ma14:wrappingTextBoxFlag xmlns:ma14="http://schemas.microsoft.com/office/mac/drawingml/2011/main" xmlns:a14="http://schemas.microsoft.com/office/drawing/2010/main" xmlns:m="http://schemas.openxmlformats.org/officeDocument/2006/math" xmlns="" val="1"/>
+              <ma14:wrappingTextBoxFlag xmlns="" xmlns:m="http://schemas.openxmlformats.org/officeDocument/2006/math" xmlns:a14="http://schemas.microsoft.com/office/drawing/2010/main" xmlns:ma14="http://schemas.microsoft.com/office/mac/drawingml/2011/main" val="1"/>
             </a:ext>
           </a:extLst>
         </p:spPr>
@@ -5586,7 +5679,7 @@
           </a:ln>
           <a:extLst>
             <a:ext uri="{C572A759-6A51-4108-AA02-DFA0A04FC94B}">
-              <ma14:wrappingTextBoxFlag xmlns:ma14="http://schemas.microsoft.com/office/mac/drawingml/2011/main" xmlns:a14="http://schemas.microsoft.com/office/drawing/2010/main" xmlns:m="http://schemas.openxmlformats.org/officeDocument/2006/math" xmlns="" val="1"/>
+              <ma14:wrappingTextBoxFlag xmlns="" xmlns:m="http://schemas.openxmlformats.org/officeDocument/2006/math" xmlns:a14="http://schemas.microsoft.com/office/drawing/2010/main" xmlns:ma14="http://schemas.microsoft.com/office/mac/drawingml/2011/main" val="1"/>
             </a:ext>
           </a:extLst>
         </p:spPr>
@@ -5681,7 +5774,7 @@
           </a:prstGeom>
           <a:extLst>
             <a:ext uri="{C572A759-6A51-4108-AA02-DFA0A04FC94B}">
-              <ma14:wrappingTextBoxFlag xmlns:ma14="http://schemas.microsoft.com/office/mac/drawingml/2011/main" xmlns:a14="http://schemas.microsoft.com/office/drawing/2010/main" xmlns:m="http://schemas.openxmlformats.org/officeDocument/2006/math" xmlns="" val="1"/>
+              <ma14:wrappingTextBoxFlag xmlns="" xmlns:m="http://schemas.openxmlformats.org/officeDocument/2006/math" xmlns:a14="http://schemas.microsoft.com/office/drawing/2010/main" xmlns:ma14="http://schemas.microsoft.com/office/mac/drawingml/2011/main" val="1"/>
             </a:ext>
           </a:extLst>
         </p:spPr>
@@ -5758,7 +5851,7 @@
           </a:ln>
           <a:extLst>
             <a:ext uri="{C572A759-6A51-4108-AA02-DFA0A04FC94B}">
-              <ma14:wrappingTextBoxFlag xmlns:ma14="http://schemas.microsoft.com/office/mac/drawingml/2011/main" xmlns:a14="http://schemas.microsoft.com/office/drawing/2010/main" xmlns:m="http://schemas.openxmlformats.org/officeDocument/2006/math" xmlns="" val="1"/>
+              <ma14:wrappingTextBoxFlag xmlns="" xmlns:m="http://schemas.openxmlformats.org/officeDocument/2006/math" xmlns:a14="http://schemas.microsoft.com/office/drawing/2010/main" xmlns:ma14="http://schemas.microsoft.com/office/mac/drawingml/2011/main" val="1"/>
             </a:ext>
           </a:extLst>
         </p:spPr>
@@ -5900,7 +5993,7 @@
           </a:prstGeom>
           <a:extLst>
             <a:ext uri="{C572A759-6A51-4108-AA02-DFA0A04FC94B}">
-              <ma14:wrappingTextBoxFlag xmlns:ma14="http://schemas.microsoft.com/office/mac/drawingml/2011/main" xmlns:a14="http://schemas.microsoft.com/office/drawing/2010/main" xmlns:m="http://schemas.openxmlformats.org/officeDocument/2006/math" xmlns="" val="1"/>
+              <ma14:wrappingTextBoxFlag xmlns="" xmlns:m="http://schemas.openxmlformats.org/officeDocument/2006/math" xmlns:a14="http://schemas.microsoft.com/office/drawing/2010/main" xmlns:ma14="http://schemas.microsoft.com/office/mac/drawingml/2011/main" val="1"/>
             </a:ext>
           </a:extLst>
         </p:spPr>
@@ -7395,7 +7488,7 @@
           </a:prstGeom>
           <a:extLst>
             <a:ext uri="{C572A759-6A51-4108-AA02-DFA0A04FC94B}">
-              <ma14:wrappingTextBoxFlag xmlns:ma14="http://schemas.microsoft.com/office/mac/drawingml/2011/main" xmlns:a14="http://schemas.microsoft.com/office/drawing/2010/main" xmlns:m="http://schemas.openxmlformats.org/officeDocument/2006/math" xmlns="" val="1"/>
+              <ma14:wrappingTextBoxFlag xmlns="" xmlns:m="http://schemas.openxmlformats.org/officeDocument/2006/math" xmlns:a14="http://schemas.microsoft.com/office/drawing/2010/main" xmlns:ma14="http://schemas.microsoft.com/office/mac/drawingml/2011/main" val="1"/>
             </a:ext>
           </a:extLst>
         </p:spPr>
@@ -7544,7 +7637,7 @@
           </a:prstGeom>
           <a:extLst>
             <a:ext uri="{C572A759-6A51-4108-AA02-DFA0A04FC94B}">
-              <ma14:wrappingTextBoxFlag xmlns:ma14="http://schemas.microsoft.com/office/mac/drawingml/2011/main" xmlns:a14="http://schemas.microsoft.com/office/drawing/2010/main" xmlns:m="http://schemas.openxmlformats.org/officeDocument/2006/math" xmlns="" val="1"/>
+              <ma14:wrappingTextBoxFlag xmlns="" xmlns:m="http://schemas.openxmlformats.org/officeDocument/2006/math" xmlns:a14="http://schemas.microsoft.com/office/drawing/2010/main" xmlns:ma14="http://schemas.microsoft.com/office/mac/drawingml/2011/main" val="1"/>
             </a:ext>
           </a:extLst>
         </p:spPr>
@@ -7736,7 +7829,7 @@
           </a:ln>
           <a:extLst>
             <a:ext uri="{C572A759-6A51-4108-AA02-DFA0A04FC94B}">
-              <ma14:wrappingTextBoxFlag xmlns:ma14="http://schemas.microsoft.com/office/mac/drawingml/2011/main" xmlns:a14="http://schemas.microsoft.com/office/drawing/2010/main" xmlns:m="http://schemas.openxmlformats.org/officeDocument/2006/math" xmlns="" val="1"/>
+              <ma14:wrappingTextBoxFlag xmlns="" xmlns:m="http://schemas.openxmlformats.org/officeDocument/2006/math" xmlns:a14="http://schemas.microsoft.com/office/drawing/2010/main" xmlns:ma14="http://schemas.microsoft.com/office/mac/drawingml/2011/main" val="1"/>
             </a:ext>
           </a:extLst>
         </p:spPr>

--- a/教學簡報/Bootstrap 4.pptx
+++ b/教學簡報/Bootstrap 4.pptx
@@ -5,7 +5,7 @@
     <p:sldMasterId id="2147483648" r:id="rId1"/>
   </p:sldMasterIdLst>
   <p:notesMasterIdLst>
-    <p:notesMasterId r:id="rId16"/>
+    <p:notesMasterId r:id="rId17"/>
   </p:notesMasterIdLst>
   <p:sldIdLst>
     <p:sldId id="256" r:id="rId2"/>
@@ -21,7 +21,8 @@
     <p:sldId id="300" r:id="rId12"/>
     <p:sldId id="286" r:id="rId13"/>
     <p:sldId id="299" r:id="rId14"/>
-    <p:sldId id="266" r:id="rId15"/>
+    <p:sldId id="354" r:id="rId15"/>
+    <p:sldId id="266" r:id="rId16"/>
   </p:sldIdLst>
   <p:sldSz cx="9144000" cy="6858000" type="screen4x3"/>
   <p:notesSz cx="6858000" cy="9144000"/>
@@ -869,6 +870,90 @@
           </a:p>
         </p:txBody>
       </p:sp>
+      <p:sp>
+        <p:nvSpPr>
+          <p:cNvPr id="4" name="投影片編號版面配置區 3"/>
+          <p:cNvSpPr>
+            <a:spLocks noGrp="1"/>
+          </p:cNvSpPr>
+          <p:nvPr>
+            <p:ph type="sldNum" sz="quarter" idx="10"/>
+          </p:nvPr>
+        </p:nvSpPr>
+        <p:spPr/>
+        <p:txBody>
+          <a:bodyPr/>
+          <a:lstStyle/>
+          <a:p>
+            <a:fld id="{288A6225-17E4-4F1A-9B1B-5D6F54C0EC31}" type="slidenum">
+              <a:rPr lang="zh-TW" altLang="en-US" smtClean="0"/>
+              <a:t>14</a:t>
+            </a:fld>
+            <a:endParaRPr lang="zh-TW" altLang="en-US"/>
+          </a:p>
+        </p:txBody>
+      </p:sp>
+    </p:spTree>
+    <p:extLst>
+      <p:ext uri="{BB962C8B-B14F-4D97-AF65-F5344CB8AC3E}">
+        <p14:creationId xmlns:p14="http://schemas.microsoft.com/office/powerpoint/2010/main" val="2777034489"/>
+      </p:ext>
+    </p:extLst>
+  </p:cSld>
+  <p:clrMapOvr>
+    <a:masterClrMapping/>
+  </p:clrMapOvr>
+</p:notes>
+</file>
+
+<file path=ppt/notesSlides/notesSlide14.xml><?xml version="1.0" encoding="utf-8"?>
+<p:notes xmlns:a="http://schemas.openxmlformats.org/drawingml/2006/main" xmlns:r="http://schemas.openxmlformats.org/officeDocument/2006/relationships" xmlns:p="http://schemas.openxmlformats.org/presentationml/2006/main">
+  <p:cSld>
+    <p:spTree>
+      <p:nvGrpSpPr>
+        <p:cNvPr id="1" name=""/>
+        <p:cNvGrpSpPr/>
+        <p:nvPr/>
+      </p:nvGrpSpPr>
+      <p:grpSpPr>
+        <a:xfrm>
+          <a:off x="0" y="0"/>
+          <a:ext cx="0" cy="0"/>
+          <a:chOff x="0" y="0"/>
+          <a:chExt cx="0" cy="0"/>
+        </a:xfrm>
+      </p:grpSpPr>
+      <p:sp>
+        <p:nvSpPr>
+          <p:cNvPr id="2" name="投影片圖像版面配置區 1"/>
+          <p:cNvSpPr>
+            <a:spLocks noGrp="1" noRot="1" noChangeAspect="1"/>
+          </p:cNvSpPr>
+          <p:nvPr>
+            <p:ph type="sldImg"/>
+          </p:nvPr>
+        </p:nvSpPr>
+        <p:spPr/>
+      </p:sp>
+      <p:sp>
+        <p:nvSpPr>
+          <p:cNvPr id="3" name="備忘稿版面配置區 2"/>
+          <p:cNvSpPr>
+            <a:spLocks noGrp="1"/>
+          </p:cNvSpPr>
+          <p:nvPr>
+            <p:ph type="body" idx="1"/>
+          </p:nvPr>
+        </p:nvSpPr>
+        <p:spPr/>
+        <p:txBody>
+          <a:bodyPr/>
+          <a:lstStyle/>
+          <a:p>
+            <a:endParaRPr lang="zh-TW" altLang="en-US" dirty="0"/>
+          </a:p>
+        </p:txBody>
+      </p:sp>
     </p:spTree>
     <p:extLst>
       <p:ext uri="{BB962C8B-B14F-4D97-AF65-F5344CB8AC3E}">
@@ -3418,7 +3503,7 @@
           </a:ln>
           <a:extLst>
             <a:ext uri="{C572A759-6A51-4108-AA02-DFA0A04FC94B}">
-              <ma14:wrappingTextBoxFlag xmlns="" xmlns:m="http://schemas.openxmlformats.org/officeDocument/2006/math" xmlns:a14="http://schemas.microsoft.com/office/drawing/2010/main" xmlns:ma14="http://schemas.microsoft.com/office/mac/drawingml/2011/main" val="1"/>
+              <ma14:wrappingTextBoxFlag xmlns:ma14="http://schemas.microsoft.com/office/mac/drawingml/2011/main" xmlns:a14="http://schemas.microsoft.com/office/drawing/2010/main" xmlns:m="http://schemas.openxmlformats.org/officeDocument/2006/math" xmlns="" val="1"/>
             </a:ext>
           </a:extLst>
         </p:spPr>
@@ -3457,7 +3542,7 @@
           </a:ln>
           <a:extLst>
             <a:ext uri="{C572A759-6A51-4108-AA02-DFA0A04FC94B}">
-              <ma14:wrappingTextBoxFlag xmlns="" xmlns:m="http://schemas.openxmlformats.org/officeDocument/2006/math" xmlns:a14="http://schemas.microsoft.com/office/drawing/2010/main" xmlns:ma14="http://schemas.microsoft.com/office/mac/drawingml/2011/main" val="1"/>
+              <ma14:wrappingTextBoxFlag xmlns:ma14="http://schemas.microsoft.com/office/mac/drawingml/2011/main" xmlns:a14="http://schemas.microsoft.com/office/drawing/2010/main" xmlns:m="http://schemas.openxmlformats.org/officeDocument/2006/math" xmlns="" val="1"/>
             </a:ext>
           </a:extLst>
         </p:spPr>
@@ -4429,7 +4514,7 @@
           </a:prstGeom>
           <a:extLst>
             <a:ext uri="{C572A759-6A51-4108-AA02-DFA0A04FC94B}">
-              <ma14:wrappingTextBoxFlag xmlns="" xmlns:m="http://schemas.openxmlformats.org/officeDocument/2006/math" xmlns:a14="http://schemas.microsoft.com/office/drawing/2010/main" xmlns:ma14="http://schemas.microsoft.com/office/mac/drawingml/2011/main" val="1"/>
+              <ma14:wrappingTextBoxFlag xmlns:ma14="http://schemas.microsoft.com/office/mac/drawingml/2011/main" xmlns:a14="http://schemas.microsoft.com/office/drawing/2010/main" xmlns:m="http://schemas.openxmlformats.org/officeDocument/2006/math" xmlns="" val="1"/>
             </a:ext>
           </a:extLst>
         </p:spPr>
@@ -4472,7 +4557,7 @@
         </p:blipFill>
         <p:spPr>
           <a:xfrm>
-            <a:off x="376052" y="921954"/>
+            <a:off x="223652" y="921954"/>
             <a:ext cx="5523836" cy="5389576"/>
           </a:xfrm>
           <a:prstGeom prst="rect">
@@ -4507,7 +4592,7 @@
           </a:ln>
           <a:extLst>
             <a:ext uri="{C572A759-6A51-4108-AA02-DFA0A04FC94B}">
-              <ma14:wrappingTextBoxFlag xmlns="" xmlns:m="http://schemas.openxmlformats.org/officeDocument/2006/math" xmlns:a14="http://schemas.microsoft.com/office/drawing/2010/main" xmlns:ma14="http://schemas.microsoft.com/office/mac/drawingml/2011/main" val="1"/>
+              <ma14:wrappingTextBoxFlag xmlns:ma14="http://schemas.microsoft.com/office/mac/drawingml/2011/main" xmlns:a14="http://schemas.microsoft.com/office/drawing/2010/main" xmlns:m="http://schemas.openxmlformats.org/officeDocument/2006/math" xmlns="" val="1"/>
             </a:ext>
           </a:extLst>
         </p:spPr>
@@ -4795,6 +4880,622 @@
               </a:solidFill>
               <a:latin typeface="微軟正黑體" panose="020B0604030504040204" pitchFamily="34" charset="-120"/>
               <a:ea typeface="微軟正黑體" panose="020B0604030504040204" pitchFamily="34" charset="-120"/>
+            </a:endParaRPr>
+          </a:p>
+        </p:txBody>
+      </p:sp>
+      <p:sp>
+        <p:nvSpPr>
+          <p:cNvPr id="2" name="矩形: 圓角 1">
+            <a:extLst>
+              <a:ext uri="{FF2B5EF4-FFF2-40B4-BE49-F238E27FC236}">
+                <a16:creationId xmlns:a16="http://schemas.microsoft.com/office/drawing/2014/main" id="{08D86A20-AE08-4948-A2DC-97364E6A9E06}"/>
+              </a:ext>
+            </a:extLst>
+          </p:cNvPr>
+          <p:cNvSpPr/>
+          <p:nvPr/>
+        </p:nvSpPr>
+        <p:spPr>
+          <a:xfrm>
+            <a:off x="2007996" y="2481943"/>
+            <a:ext cx="1276140" cy="190919"/>
+          </a:xfrm>
+          <a:prstGeom prst="roundRect">
+            <a:avLst/>
+          </a:prstGeom>
+          <a:noFill/>
+          <a:ln w="28575" cap="flat">
+            <a:solidFill>
+              <a:srgbClr val="C00000"/>
+            </a:solidFill>
+            <a:prstDash val="solid"/>
+            <a:miter lim="800000"/>
+          </a:ln>
+          <a:effectLst/>
+          <a:sp3d/>
+        </p:spPr>
+        <p:style>
+          <a:lnRef idx="0">
+            <a:scrgbClr r="0" g="0" b="0"/>
+          </a:lnRef>
+          <a:fillRef idx="0">
+            <a:scrgbClr r="0" g="0" b="0"/>
+          </a:fillRef>
+          <a:effectRef idx="0">
+            <a:scrgbClr r="0" g="0" b="0"/>
+          </a:effectRef>
+          <a:fontRef idx="none"/>
+        </p:style>
+        <p:txBody>
+          <a:bodyPr rot="0" spcFirstLastPara="1" vertOverflow="overflow" horzOverflow="overflow" vert="horz" wrap="square" lIns="45719" tIns="45719" rIns="45719" bIns="45719" numCol="1" spcCol="38100" rtlCol="0" anchor="ctr">
+            <a:spAutoFit/>
+          </a:bodyPr>
+          <a:lstStyle/>
+          <a:p>
+            <a:pPr marL="0" marR="0" indent="0" algn="l" defTabSz="914400" rtl="0" fontAlgn="auto" latinLnBrk="0" hangingPunct="0">
+              <a:lnSpc>
+                <a:spcPct val="100000"/>
+              </a:lnSpc>
+              <a:spcBef>
+                <a:spcPts val="0"/>
+              </a:spcBef>
+              <a:spcAft>
+                <a:spcPts val="0"/>
+              </a:spcAft>
+              <a:buClrTx/>
+              <a:buSzTx/>
+              <a:buFontTx/>
+              <a:buNone/>
+              <a:tabLst/>
+            </a:pPr>
+            <a:endParaRPr kumimoji="0" lang="zh-TW" altLang="en-US" sz="1800" b="0" i="0" u="none" strike="noStrike" cap="none" spc="0" normalizeH="0" baseline="0">
+              <a:ln>
+                <a:noFill/>
+              </a:ln>
+              <a:solidFill>
+                <a:srgbClr val="000000"/>
+              </a:solidFill>
+              <a:effectLst/>
+              <a:uFillTx/>
+              <a:latin typeface="+mj-lt"/>
+              <a:ea typeface="+mj-ea"/>
+              <a:cs typeface="+mj-cs"/>
+              <a:sym typeface="Calibri"/>
+            </a:endParaRPr>
+          </a:p>
+        </p:txBody>
+      </p:sp>
+      <p:cxnSp>
+        <p:nvCxnSpPr>
+          <p:cNvPr id="8" name="接點: 肘形 7">
+            <a:extLst>
+              <a:ext uri="{FF2B5EF4-FFF2-40B4-BE49-F238E27FC236}">
+                <a16:creationId xmlns:a16="http://schemas.microsoft.com/office/drawing/2014/main" id="{155FD973-0416-45DB-A91C-BE8217251763}"/>
+              </a:ext>
+            </a:extLst>
+          </p:cNvPr>
+          <p:cNvCxnSpPr>
+            <a:cxnSpLocks/>
+          </p:cNvCxnSpPr>
+          <p:nvPr/>
+        </p:nvCxnSpPr>
+        <p:spPr>
+          <a:xfrm flipV="1">
+            <a:off x="3048000" y="1637881"/>
+            <a:ext cx="2699488" cy="805282"/>
+          </a:xfrm>
+          <a:prstGeom prst="bentConnector3">
+            <a:avLst>
+              <a:gd name="adj1" fmla="val 1131"/>
+            </a:avLst>
+          </a:prstGeom>
+          <a:noFill/>
+          <a:ln w="57150" cap="flat">
+            <a:solidFill>
+              <a:srgbClr val="FF0000"/>
+            </a:solidFill>
+            <a:prstDash val="solid"/>
+            <a:miter lim="800000"/>
+            <a:tailEnd type="triangle"/>
+          </a:ln>
+          <a:effectLst/>
+          <a:sp3d/>
+        </p:spPr>
+        <p:style>
+          <a:lnRef idx="0">
+            <a:scrgbClr r="0" g="0" b="0"/>
+          </a:lnRef>
+          <a:fillRef idx="0">
+            <a:scrgbClr r="0" g="0" b="0"/>
+          </a:fillRef>
+          <a:effectRef idx="0">
+            <a:scrgbClr r="0" g="0" b="0"/>
+          </a:effectRef>
+          <a:fontRef idx="none"/>
+        </p:style>
+      </p:cxnSp>
+      <p:sp>
+        <p:nvSpPr>
+          <p:cNvPr id="16" name="文字方塊 15">
+            <a:extLst>
+              <a:ext uri="{FF2B5EF4-FFF2-40B4-BE49-F238E27FC236}">
+                <a16:creationId xmlns:a16="http://schemas.microsoft.com/office/drawing/2014/main" id="{5561465D-90B1-420F-BF1D-9E47DA5C8ABE}"/>
+              </a:ext>
+            </a:extLst>
+          </p:cNvPr>
+          <p:cNvSpPr txBox="1"/>
+          <p:nvPr/>
+        </p:nvSpPr>
+        <p:spPr>
+          <a:xfrm>
+            <a:off x="5859866" y="1391743"/>
+            <a:ext cx="3284134" cy="2308322"/>
+          </a:xfrm>
+          <a:prstGeom prst="rect">
+            <a:avLst/>
+          </a:prstGeom>
+          <a:noFill/>
+          <a:ln w="12700" cap="flat">
+            <a:noFill/>
+            <a:miter lim="400000"/>
+          </a:ln>
+          <a:effectLst/>
+          <a:sp3d/>
+        </p:spPr>
+        <p:style>
+          <a:lnRef idx="0">
+            <a:scrgbClr r="0" g="0" b="0"/>
+          </a:lnRef>
+          <a:fillRef idx="0">
+            <a:scrgbClr r="0" g="0" b="0"/>
+          </a:fillRef>
+          <a:effectRef idx="0">
+            <a:scrgbClr r="0" g="0" b="0"/>
+          </a:effectRef>
+          <a:fontRef idx="none"/>
+        </p:style>
+        <p:txBody>
+          <a:bodyPr rot="0" spcFirstLastPara="1" vertOverflow="overflow" horzOverflow="overflow" vert="horz" wrap="square" lIns="45719" tIns="45719" rIns="45719" bIns="45719" numCol="1" spcCol="38100" rtlCol="0" anchor="t">
+            <a:spAutoFit/>
+          </a:bodyPr>
+          <a:lstStyle/>
+          <a:p>
+            <a:pPr>
+              <a:lnSpc>
+                <a:spcPct val="150000"/>
+              </a:lnSpc>
+            </a:pPr>
+            <a:r>
+              <a:rPr lang="en-US" altLang="zh-TW" sz="1600" dirty="0">
+                <a:solidFill>
+                  <a:schemeClr val="accent5"/>
+                </a:solidFill>
+                <a:latin typeface="微軟正黑體" panose="020B0604030504040204" pitchFamily="34" charset="-120"/>
+                <a:ea typeface="微軟正黑體" panose="020B0604030504040204" pitchFamily="34" charset="-120"/>
+              </a:rPr>
+              <a:t>navbar-expand-</a:t>
+            </a:r>
+            <a:r>
+              <a:rPr lang="en-US" altLang="zh-TW" sz="1600" dirty="0">
+                <a:solidFill>
+                  <a:schemeClr val="accent2"/>
+                </a:solidFill>
+                <a:latin typeface="微軟正黑體" panose="020B0604030504040204" pitchFamily="34" charset="-120"/>
+                <a:ea typeface="微軟正黑體" panose="020B0604030504040204" pitchFamily="34" charset="-120"/>
+              </a:rPr>
+              <a:t>xl</a:t>
+            </a:r>
+            <a:r>
+              <a:rPr lang="en-US" altLang="zh-TW" sz="1600" dirty="0">
+                <a:solidFill>
+                  <a:schemeClr val="accent5"/>
+                </a:solidFill>
+                <a:latin typeface="微軟正黑體" panose="020B0604030504040204" pitchFamily="34" charset="-120"/>
+                <a:ea typeface="微軟正黑體" panose="020B0604030504040204" pitchFamily="34" charset="-120"/>
+              </a:rPr>
+              <a:t> | </a:t>
+            </a:r>
+            <a:r>
+              <a:rPr lang="en-US" altLang="zh-TW" sz="1600" dirty="0">
+                <a:solidFill>
+                  <a:schemeClr val="accent2"/>
+                </a:solidFill>
+                <a:latin typeface="微軟正黑體" panose="020B0604030504040204" pitchFamily="34" charset="-120"/>
+                <a:ea typeface="微軟正黑體" panose="020B0604030504040204" pitchFamily="34" charset="-120"/>
+              </a:rPr>
+              <a:t>lg</a:t>
+            </a:r>
+            <a:r>
+              <a:rPr lang="en-US" altLang="zh-TW" sz="1600" dirty="0">
+                <a:solidFill>
+                  <a:schemeClr val="accent5"/>
+                </a:solidFill>
+                <a:latin typeface="微軟正黑體" panose="020B0604030504040204" pitchFamily="34" charset="-120"/>
+                <a:ea typeface="微軟正黑體" panose="020B0604030504040204" pitchFamily="34" charset="-120"/>
+              </a:rPr>
+              <a:t> | </a:t>
+            </a:r>
+            <a:r>
+              <a:rPr lang="en-US" altLang="zh-TW" sz="1600" dirty="0">
+                <a:solidFill>
+                  <a:schemeClr val="accent2"/>
+                </a:solidFill>
+                <a:latin typeface="微軟正黑體" panose="020B0604030504040204" pitchFamily="34" charset="-120"/>
+                <a:ea typeface="微軟正黑體" panose="020B0604030504040204" pitchFamily="34" charset="-120"/>
+              </a:rPr>
+              <a:t>md</a:t>
+            </a:r>
+            <a:r>
+              <a:rPr lang="en-US" altLang="zh-TW" sz="1600" dirty="0">
+                <a:solidFill>
+                  <a:schemeClr val="accent5"/>
+                </a:solidFill>
+                <a:latin typeface="微軟正黑體" panose="020B0604030504040204" pitchFamily="34" charset="-120"/>
+                <a:ea typeface="微軟正黑體" panose="020B0604030504040204" pitchFamily="34" charset="-120"/>
+              </a:rPr>
+              <a:t> | </a:t>
+            </a:r>
+            <a:r>
+              <a:rPr lang="en-US" altLang="zh-TW" sz="1600" dirty="0" err="1">
+                <a:solidFill>
+                  <a:schemeClr val="accent2"/>
+                </a:solidFill>
+                <a:latin typeface="微軟正黑體" panose="020B0604030504040204" pitchFamily="34" charset="-120"/>
+                <a:ea typeface="微軟正黑體" panose="020B0604030504040204" pitchFamily="34" charset="-120"/>
+              </a:rPr>
+              <a:t>sm</a:t>
+            </a:r>
+            <a:br>
+              <a:rPr lang="en-US" altLang="zh-TW" sz="1600" dirty="0">
+                <a:latin typeface="微軟正黑體" panose="020B0604030504040204" pitchFamily="34" charset="-120"/>
+                <a:ea typeface="微軟正黑體" panose="020B0604030504040204" pitchFamily="34" charset="-120"/>
+              </a:rPr>
+            </a:br>
+            <a:r>
+              <a:rPr lang="zh-TW" altLang="en-US" sz="1600" dirty="0">
+                <a:solidFill>
+                  <a:schemeClr val="accent5"/>
+                </a:solidFill>
+                <a:latin typeface="微軟正黑體" panose="020B0604030504040204" pitchFamily="34" charset="-120"/>
+                <a:ea typeface="微軟正黑體" panose="020B0604030504040204" pitchFamily="34" charset="-120"/>
+              </a:rPr>
+              <a:t>根據畫面大小做響應式的排列</a:t>
+            </a:r>
+            <a:endParaRPr lang="en-US" altLang="zh-TW" sz="1600" dirty="0">
+              <a:solidFill>
+                <a:schemeClr val="accent5"/>
+              </a:solidFill>
+              <a:latin typeface="微軟正黑體" panose="020B0604030504040204" pitchFamily="34" charset="-120"/>
+              <a:ea typeface="微軟正黑體" panose="020B0604030504040204" pitchFamily="34" charset="-120"/>
+            </a:endParaRPr>
+          </a:p>
+          <a:p>
+            <a:pPr>
+              <a:lnSpc>
+                <a:spcPct val="150000"/>
+              </a:lnSpc>
+            </a:pPr>
+            <a:r>
+              <a:rPr kumimoji="0" lang="en-US" altLang="zh-TW" sz="1600" b="0" i="0" u="none" strike="noStrike" cap="none" spc="0" normalizeH="0" baseline="0" dirty="0" err="1">
+                <a:ln>
+                  <a:noFill/>
+                </a:ln>
+                <a:solidFill>
+                  <a:schemeClr val="accent5"/>
+                </a:solidFill>
+                <a:effectLst/>
+                <a:uFillTx/>
+                <a:latin typeface="微軟正黑體" panose="020B0604030504040204" pitchFamily="34" charset="-120"/>
+                <a:ea typeface="微軟正黑體" panose="020B0604030504040204" pitchFamily="34" charset="-120"/>
+                <a:sym typeface="Calibri"/>
+              </a:rPr>
+              <a:t>sm</a:t>
+            </a:r>
+            <a:r>
+              <a:rPr lang="zh-TW" altLang="en-US" sz="1600" dirty="0">
+                <a:solidFill>
+                  <a:schemeClr val="accent5"/>
+                </a:solidFill>
+                <a:latin typeface="微軟正黑體" panose="020B0604030504040204" pitchFamily="34" charset="-120"/>
+                <a:ea typeface="微軟正黑體" panose="020B0604030504040204" pitchFamily="34" charset="-120"/>
+              </a:rPr>
+              <a:t>： ≥ </a:t>
+            </a:r>
+            <a:r>
+              <a:rPr kumimoji="0" lang="en-US" altLang="zh-TW" sz="1600" b="0" i="0" u="none" strike="noStrike" cap="none" spc="0" normalizeH="0" baseline="0" dirty="0">
+                <a:ln>
+                  <a:noFill/>
+                </a:ln>
+                <a:solidFill>
+                  <a:schemeClr val="accent5"/>
+                </a:solidFill>
+                <a:effectLst/>
+                <a:uFillTx/>
+                <a:latin typeface="微軟正黑體" panose="020B0604030504040204" pitchFamily="34" charset="-120"/>
+                <a:ea typeface="微軟正黑體" panose="020B0604030504040204" pitchFamily="34" charset="-120"/>
+                <a:sym typeface="Calibri"/>
+              </a:rPr>
+              <a:t>576px</a:t>
+            </a:r>
+            <a:r>
+              <a:rPr kumimoji="0" lang="zh-TW" altLang="en-US" sz="1600" b="0" i="0" u="none" strike="noStrike" cap="none" spc="0" normalizeH="0" baseline="0" dirty="0">
+                <a:ln>
+                  <a:noFill/>
+                </a:ln>
+                <a:solidFill>
+                  <a:schemeClr val="accent5"/>
+                </a:solidFill>
+                <a:effectLst/>
+                <a:uFillTx/>
+                <a:latin typeface="微軟正黑體" panose="020B0604030504040204" pitchFamily="34" charset="-120"/>
+                <a:ea typeface="微軟正黑體" panose="020B0604030504040204" pitchFamily="34" charset="-120"/>
+                <a:sym typeface="Calibri"/>
+              </a:rPr>
+              <a:t>（</a:t>
+            </a:r>
+            <a:r>
+              <a:rPr lang="zh-TW" altLang="en-US" sz="1600" dirty="0">
+                <a:solidFill>
+                  <a:schemeClr val="accent5"/>
+                </a:solidFill>
+                <a:latin typeface="微軟正黑體" panose="020B0604030504040204" pitchFamily="34" charset="-120"/>
+                <a:ea typeface="微軟正黑體" panose="020B0604030504040204" pitchFamily="34" charset="-120"/>
+              </a:rPr>
+              <a:t>平板）</a:t>
+            </a:r>
+            <a:endParaRPr kumimoji="0" lang="en-US" altLang="zh-TW" sz="1600" b="0" i="0" u="none" strike="noStrike" cap="none" spc="0" normalizeH="0" baseline="0" dirty="0">
+              <a:ln>
+                <a:noFill/>
+              </a:ln>
+              <a:solidFill>
+                <a:schemeClr val="accent5"/>
+              </a:solidFill>
+              <a:effectLst/>
+              <a:uFillTx/>
+              <a:latin typeface="微軟正黑體" panose="020B0604030504040204" pitchFamily="34" charset="-120"/>
+              <a:ea typeface="微軟正黑體" panose="020B0604030504040204" pitchFamily="34" charset="-120"/>
+              <a:sym typeface="Calibri"/>
+            </a:endParaRPr>
+          </a:p>
+          <a:p>
+            <a:pPr>
+              <a:lnSpc>
+                <a:spcPct val="150000"/>
+              </a:lnSpc>
+            </a:pPr>
+            <a:r>
+              <a:rPr lang="en-US" altLang="zh-TW" sz="1600" dirty="0">
+                <a:solidFill>
+                  <a:schemeClr val="accent5"/>
+                </a:solidFill>
+                <a:latin typeface="微軟正黑體" panose="020B0604030504040204" pitchFamily="34" charset="-120"/>
+                <a:ea typeface="微軟正黑體" panose="020B0604030504040204" pitchFamily="34" charset="-120"/>
+              </a:rPr>
+              <a:t>md</a:t>
+            </a:r>
+            <a:r>
+              <a:rPr lang="zh-TW" altLang="en-US" sz="1600" dirty="0">
+                <a:solidFill>
+                  <a:schemeClr val="accent5"/>
+                </a:solidFill>
+                <a:latin typeface="微軟正黑體" panose="020B0604030504040204" pitchFamily="34" charset="-120"/>
+                <a:ea typeface="微軟正黑體" panose="020B0604030504040204" pitchFamily="34" charset="-120"/>
+              </a:rPr>
+              <a:t>：</a:t>
+            </a:r>
+            <a:r>
+              <a:rPr lang="en-US" altLang="zh-TW" sz="1600" dirty="0">
+                <a:solidFill>
+                  <a:schemeClr val="accent5"/>
+                </a:solidFill>
+                <a:latin typeface="微軟正黑體" panose="020B0604030504040204" pitchFamily="34" charset="-120"/>
+                <a:ea typeface="微軟正黑體" panose="020B0604030504040204" pitchFamily="34" charset="-120"/>
+              </a:rPr>
+              <a:t>≥</a:t>
+            </a:r>
+            <a:r>
+              <a:rPr lang="zh-TW" altLang="en-US" sz="1600" dirty="0">
+                <a:solidFill>
+                  <a:schemeClr val="accent5"/>
+                </a:solidFill>
+                <a:latin typeface="微軟正黑體" panose="020B0604030504040204" pitchFamily="34" charset="-120"/>
+                <a:ea typeface="微軟正黑體" panose="020B0604030504040204" pitchFamily="34" charset="-120"/>
+              </a:rPr>
+              <a:t> </a:t>
+            </a:r>
+            <a:r>
+              <a:rPr lang="en-US" altLang="zh-TW" sz="1600" dirty="0">
+                <a:solidFill>
+                  <a:schemeClr val="accent5"/>
+                </a:solidFill>
+                <a:latin typeface="微軟正黑體" panose="020B0604030504040204" pitchFamily="34" charset="-120"/>
+                <a:ea typeface="微軟正黑體" panose="020B0604030504040204" pitchFamily="34" charset="-120"/>
+              </a:rPr>
+              <a:t>768px </a:t>
+            </a:r>
+            <a:r>
+              <a:rPr lang="zh-TW" altLang="en-US" sz="1600" dirty="0">
+                <a:solidFill>
+                  <a:schemeClr val="accent5"/>
+                </a:solidFill>
+                <a:latin typeface="微軟正黑體" panose="020B0604030504040204" pitchFamily="34" charset="-120"/>
+                <a:ea typeface="微軟正黑體" panose="020B0604030504040204" pitchFamily="34" charset="-120"/>
+              </a:rPr>
+              <a:t>（桌面顯示器）</a:t>
+            </a:r>
+            <a:endParaRPr lang="en-US" altLang="zh-TW" sz="1600" dirty="0">
+              <a:solidFill>
+                <a:schemeClr val="accent5"/>
+              </a:solidFill>
+              <a:latin typeface="微軟正黑體" panose="020B0604030504040204" pitchFamily="34" charset="-120"/>
+              <a:ea typeface="微軟正黑體" panose="020B0604030504040204" pitchFamily="34" charset="-120"/>
+            </a:endParaRPr>
+          </a:p>
+          <a:p>
+            <a:pPr>
+              <a:lnSpc>
+                <a:spcPct val="150000"/>
+              </a:lnSpc>
+            </a:pPr>
+            <a:r>
+              <a:rPr lang="en-US" altLang="zh-TW" sz="1600" dirty="0">
+                <a:solidFill>
+                  <a:schemeClr val="accent5"/>
+                </a:solidFill>
+                <a:latin typeface="微軟正黑體" panose="020B0604030504040204" pitchFamily="34" charset="-120"/>
+                <a:ea typeface="微軟正黑體" panose="020B0604030504040204" pitchFamily="34" charset="-120"/>
+              </a:rPr>
+              <a:t>lg</a:t>
+            </a:r>
+            <a:r>
+              <a:rPr lang="zh-TW" altLang="en-US" sz="1600" dirty="0">
+                <a:solidFill>
+                  <a:schemeClr val="accent5"/>
+                </a:solidFill>
+                <a:latin typeface="微軟正黑體" panose="020B0604030504040204" pitchFamily="34" charset="-120"/>
+                <a:ea typeface="微軟正黑體" panose="020B0604030504040204" pitchFamily="34" charset="-120"/>
+              </a:rPr>
+              <a:t>：</a:t>
+            </a:r>
+            <a:r>
+              <a:rPr lang="en-US" altLang="zh-TW" sz="1600" dirty="0">
+                <a:solidFill>
+                  <a:schemeClr val="accent5"/>
+                </a:solidFill>
+                <a:latin typeface="微軟正黑體" panose="020B0604030504040204" pitchFamily="34" charset="-120"/>
+                <a:ea typeface="微軟正黑體" panose="020B0604030504040204" pitchFamily="34" charset="-120"/>
+              </a:rPr>
+              <a:t>≥</a:t>
+            </a:r>
+            <a:r>
+              <a:rPr lang="zh-TW" altLang="en-US" sz="1600" dirty="0">
+                <a:solidFill>
+                  <a:schemeClr val="accent5"/>
+                </a:solidFill>
+                <a:latin typeface="微軟正黑體" panose="020B0604030504040204" pitchFamily="34" charset="-120"/>
+                <a:ea typeface="微軟正黑體" panose="020B0604030504040204" pitchFamily="34" charset="-120"/>
+              </a:rPr>
+              <a:t> </a:t>
+            </a:r>
+            <a:r>
+              <a:rPr lang="en-US" altLang="zh-TW" sz="1600" dirty="0">
+                <a:solidFill>
+                  <a:schemeClr val="accent5"/>
+                </a:solidFill>
+                <a:latin typeface="微軟正黑體" panose="020B0604030504040204" pitchFamily="34" charset="-120"/>
+                <a:ea typeface="微軟正黑體" panose="020B0604030504040204" pitchFamily="34" charset="-120"/>
+              </a:rPr>
+              <a:t>992px </a:t>
+            </a:r>
+            <a:r>
+              <a:rPr lang="zh-TW" altLang="en-US" sz="1600" dirty="0">
+                <a:solidFill>
+                  <a:schemeClr val="accent5"/>
+                </a:solidFill>
+                <a:latin typeface="微軟正黑體" panose="020B0604030504040204" pitchFamily="34" charset="-120"/>
+                <a:ea typeface="微軟正黑體" panose="020B0604030504040204" pitchFamily="34" charset="-120"/>
+              </a:rPr>
+              <a:t>（大桌面顯示器）</a:t>
+            </a:r>
+            <a:endParaRPr lang="en-US" altLang="zh-TW" sz="1600" dirty="0">
+              <a:solidFill>
+                <a:schemeClr val="accent5"/>
+              </a:solidFill>
+              <a:latin typeface="微軟正黑體" panose="020B0604030504040204" pitchFamily="34" charset="-120"/>
+              <a:ea typeface="微軟正黑體" panose="020B0604030504040204" pitchFamily="34" charset="-120"/>
+            </a:endParaRPr>
+          </a:p>
+          <a:p>
+            <a:pPr>
+              <a:lnSpc>
+                <a:spcPct val="150000"/>
+              </a:lnSpc>
+            </a:pPr>
+            <a:r>
+              <a:rPr kumimoji="0" lang="en-US" altLang="zh-TW" sz="1600" b="0" i="0" u="none" strike="noStrike" cap="none" spc="0" normalizeH="0" baseline="0" dirty="0">
+                <a:ln>
+                  <a:noFill/>
+                </a:ln>
+                <a:solidFill>
+                  <a:schemeClr val="accent5"/>
+                </a:solidFill>
+                <a:effectLst/>
+                <a:uFillTx/>
+                <a:latin typeface="微軟正黑體" panose="020B0604030504040204" pitchFamily="34" charset="-120"/>
+                <a:ea typeface="微軟正黑體" panose="020B0604030504040204" pitchFamily="34" charset="-120"/>
+                <a:sym typeface="Calibri"/>
+              </a:rPr>
+              <a:t>xl</a:t>
+            </a:r>
+            <a:r>
+              <a:rPr kumimoji="0" lang="zh-TW" altLang="en-US" sz="1600" b="0" i="0" u="none" strike="noStrike" cap="none" spc="0" normalizeH="0" baseline="0" dirty="0">
+                <a:ln>
+                  <a:noFill/>
+                </a:ln>
+                <a:solidFill>
+                  <a:schemeClr val="accent5"/>
+                </a:solidFill>
+                <a:effectLst/>
+                <a:uFillTx/>
+                <a:latin typeface="微軟正黑體" panose="020B0604030504040204" pitchFamily="34" charset="-120"/>
+                <a:ea typeface="微軟正黑體" panose="020B0604030504040204" pitchFamily="34" charset="-120"/>
+                <a:sym typeface="Calibri"/>
+              </a:rPr>
+              <a:t>：</a:t>
+            </a:r>
+            <a:r>
+              <a:rPr lang="en-US" altLang="zh-TW" sz="1600" dirty="0">
+                <a:solidFill>
+                  <a:schemeClr val="accent5"/>
+                </a:solidFill>
+                <a:latin typeface="微軟正黑體" panose="020B0604030504040204" pitchFamily="34" charset="-120"/>
+                <a:ea typeface="微軟正黑體" panose="020B0604030504040204" pitchFamily="34" charset="-120"/>
+              </a:rPr>
+              <a:t>≥</a:t>
+            </a:r>
+            <a:r>
+              <a:rPr lang="zh-TW" altLang="en-US" sz="1600" dirty="0">
+                <a:solidFill>
+                  <a:schemeClr val="accent5"/>
+                </a:solidFill>
+                <a:latin typeface="微軟正黑體" panose="020B0604030504040204" pitchFamily="34" charset="-120"/>
+                <a:ea typeface="微軟正黑體" panose="020B0604030504040204" pitchFamily="34" charset="-120"/>
+              </a:rPr>
+              <a:t> </a:t>
+            </a:r>
+            <a:r>
+              <a:rPr lang="en-US" altLang="zh-TW" sz="1600" dirty="0">
+                <a:solidFill>
+                  <a:schemeClr val="accent5"/>
+                </a:solidFill>
+                <a:latin typeface="微軟正黑體" panose="020B0604030504040204" pitchFamily="34" charset="-120"/>
+                <a:ea typeface="微軟正黑體" panose="020B0604030504040204" pitchFamily="34" charset="-120"/>
+              </a:rPr>
+              <a:t>1200px </a:t>
+            </a:r>
+            <a:r>
+              <a:rPr lang="zh-TW" altLang="en-US" sz="1600" dirty="0">
+                <a:solidFill>
+                  <a:schemeClr val="accent5"/>
+                </a:solidFill>
+                <a:latin typeface="微軟正黑體" panose="020B0604030504040204" pitchFamily="34" charset="-120"/>
+                <a:ea typeface="微軟正黑體" panose="020B0604030504040204" pitchFamily="34" charset="-120"/>
+              </a:rPr>
+              <a:t>（超大桌面顯示器）</a:t>
+            </a:r>
+            <a:endParaRPr kumimoji="0" lang="zh-TW" altLang="en-US" sz="1600" b="0" i="0" u="none" strike="noStrike" cap="none" spc="0" normalizeH="0" baseline="0" dirty="0">
+              <a:ln>
+                <a:noFill/>
+              </a:ln>
+              <a:solidFill>
+                <a:schemeClr val="accent5"/>
+              </a:solidFill>
+              <a:effectLst/>
+              <a:uFillTx/>
+              <a:latin typeface="微軟正黑體" panose="020B0604030504040204" pitchFamily="34" charset="-120"/>
+              <a:ea typeface="微軟正黑體" panose="020B0604030504040204" pitchFamily="34" charset="-120"/>
+              <a:sym typeface="Calibri"/>
             </a:endParaRPr>
           </a:p>
         </p:txBody>
@@ -5131,10 +5832,10 @@
       </p:cxnSp>
       <p:pic>
         <p:nvPicPr>
-          <p:cNvPr id="16" name="圖片 15" descr="一張含有 螢幕, 膝上型電腦, 桌, 電腦 的圖片&#10;&#10;自動產生的描述">
+          <p:cNvPr id="4" name="圖片 3">
             <a:extLst>
               <a:ext uri="{FF2B5EF4-FFF2-40B4-BE49-F238E27FC236}">
-                <a16:creationId xmlns:a16="http://schemas.microsoft.com/office/drawing/2014/main" id="{2E87E85A-5C53-B84F-BEDD-DDF7D4D65A5B}"/>
+                <a16:creationId xmlns:a16="http://schemas.microsoft.com/office/drawing/2014/main" id="{E03BF9B0-8621-D64D-8243-EC8B7D18EAC1}"/>
               </a:ext>
             </a:extLst>
           </p:cNvPr>
@@ -5157,8 +5858,8 @@
         </p:blipFill>
         <p:spPr>
           <a:xfrm>
-            <a:off x="4403462" y="1730424"/>
-            <a:ext cx="3962400" cy="3340100"/>
+            <a:off x="539552" y="1730424"/>
+            <a:ext cx="3684839" cy="4074840"/>
           </a:xfrm>
           <a:prstGeom prst="rect">
             <a:avLst/>
@@ -5167,10 +5868,10 @@
       </p:pic>
       <p:pic>
         <p:nvPicPr>
-          <p:cNvPr id="4" name="圖片 3">
+          <p:cNvPr id="3" name="圖片 2">
             <a:extLst>
               <a:ext uri="{FF2B5EF4-FFF2-40B4-BE49-F238E27FC236}">
-                <a16:creationId xmlns:a16="http://schemas.microsoft.com/office/drawing/2014/main" id="{E03BF9B0-8621-D64D-8243-EC8B7D18EAC1}"/>
+                <a16:creationId xmlns:a16="http://schemas.microsoft.com/office/drawing/2014/main" id="{CCC4D8A9-DDC6-439A-819D-101A7E5E22F5}"/>
               </a:ext>
             </a:extLst>
           </p:cNvPr>
@@ -5180,21 +5881,15 @@
           <p:nvPr/>
         </p:nvPicPr>
         <p:blipFill>
-          <a:blip r:embed="rId4">
-            <a:extLst>
-              <a:ext uri="{28A0092B-C50C-407E-A947-70E740481C1C}">
-                <a14:useLocalDpi xmlns:a14="http://schemas.microsoft.com/office/drawing/2010/main" val="0"/>
-              </a:ext>
-            </a:extLst>
-          </a:blip>
+          <a:blip r:embed="rId4"/>
           <a:stretch>
             <a:fillRect/>
           </a:stretch>
         </p:blipFill>
         <p:spPr>
           <a:xfrm>
-            <a:off x="539552" y="1730424"/>
-            <a:ext cx="3684839" cy="4074840"/>
+            <a:off x="4403462" y="1730424"/>
+            <a:ext cx="4554564" cy="1190064"/>
           </a:xfrm>
           <a:prstGeom prst="rect">
             <a:avLst/>
@@ -5540,6 +6235,179 @@
           <a:chExt cx="0" cy="0"/>
         </a:xfrm>
       </p:grpSpPr>
+      <p:sp>
+        <p:nvSpPr>
+          <p:cNvPr id="2" name="標題 1"/>
+          <p:cNvSpPr>
+            <a:spLocks noGrp="1"/>
+          </p:cNvSpPr>
+          <p:nvPr>
+            <p:ph type="title"/>
+          </p:nvPr>
+        </p:nvSpPr>
+        <p:spPr>
+          <a:xfrm>
+            <a:off x="0" y="1"/>
+            <a:ext cx="9144000" cy="836712"/>
+          </a:xfrm>
+        </p:spPr>
+        <p:txBody>
+          <a:bodyPr anchor="b">
+            <a:normAutofit/>
+          </a:bodyPr>
+          <a:lstStyle/>
+          <a:p>
+            <a:pPr algn="ctr"/>
+            <a:r>
+              <a:rPr lang="zh-TW" altLang="en-US" sz="4000" dirty="0">
+                <a:solidFill>
+                  <a:srgbClr val="0070C0"/>
+                </a:solidFill>
+                <a:latin typeface="微軟正黑體" panose="020B0604030504040204" pitchFamily="34" charset="-120"/>
+                <a:ea typeface="微軟正黑體" panose="020B0604030504040204" pitchFamily="34" charset="-120"/>
+              </a:rPr>
+              <a:t>回家作業</a:t>
+            </a:r>
+          </a:p>
+        </p:txBody>
+      </p:sp>
+      <p:sp>
+        <p:nvSpPr>
+          <p:cNvPr id="3" name="內容版面配置區 2"/>
+          <p:cNvSpPr>
+            <a:spLocks noGrp="1"/>
+          </p:cNvSpPr>
+          <p:nvPr>
+            <p:ph idx="1"/>
+          </p:nvPr>
+        </p:nvSpPr>
+        <p:spPr>
+          <a:xfrm>
+            <a:off x="476089" y="1196752"/>
+            <a:ext cx="8191822" cy="4351338"/>
+          </a:xfrm>
+        </p:spPr>
+        <p:txBody>
+          <a:bodyPr/>
+          <a:lstStyle/>
+          <a:p>
+            <a:r>
+              <a:rPr lang="zh-TW" altLang="en-US" dirty="0"/>
+              <a:t>目標：使用 </a:t>
+            </a:r>
+            <a:r>
+              <a:rPr lang="en-US" altLang="zh-TW" dirty="0">
+                <a:solidFill>
+                  <a:schemeClr val="accent5"/>
+                </a:solidFill>
+              </a:rPr>
+              <a:t>Bootstrap</a:t>
+            </a:r>
+            <a:r>
+              <a:rPr lang="zh-TW" altLang="en-US" dirty="0">
+                <a:solidFill>
+                  <a:schemeClr val="accent5"/>
+                </a:solidFill>
+              </a:rPr>
+              <a:t> </a:t>
+            </a:r>
+            <a:r>
+              <a:rPr lang="en-US" altLang="zh-TW" dirty="0">
+                <a:solidFill>
+                  <a:schemeClr val="accent5"/>
+                </a:solidFill>
+              </a:rPr>
+              <a:t>4</a:t>
+            </a:r>
+            <a:r>
+              <a:rPr lang="zh-TW" altLang="en-US" dirty="0"/>
+              <a:t> 美化 課表。</a:t>
+            </a:r>
+            <a:endParaRPr lang="en-US" altLang="zh-TW" dirty="0"/>
+          </a:p>
+          <a:p>
+            <a:r>
+              <a:rPr lang="zh-TW" altLang="en-US" dirty="0"/>
+              <a:t>所需 </a:t>
+            </a:r>
+            <a:r>
+              <a:rPr lang="en-US" altLang="zh-TW" dirty="0">
+                <a:solidFill>
+                  <a:schemeClr val="accent5"/>
+                </a:solidFill>
+              </a:rPr>
+              <a:t>bootstrap 4</a:t>
+            </a:r>
+            <a:r>
+              <a:rPr lang="en-US" altLang="zh-TW" dirty="0"/>
+              <a:t> </a:t>
+            </a:r>
+            <a:r>
+              <a:rPr lang="en-US" altLang="zh-TW" dirty="0">
+                <a:solidFill>
+                  <a:schemeClr val="accent2"/>
+                </a:solidFill>
+              </a:rPr>
+              <a:t>class</a:t>
+            </a:r>
+            <a:r>
+              <a:rPr lang="zh-TW" altLang="en-US" dirty="0"/>
+              <a:t>：</a:t>
+            </a:r>
+            <a:r>
+              <a:rPr lang="en-US" altLang="zh-TW" dirty="0"/>
+              <a:t>container</a:t>
+            </a:r>
+            <a:r>
+              <a:rPr lang="zh-TW" altLang="en-US" dirty="0"/>
+              <a:t>、</a:t>
+            </a:r>
+            <a:r>
+              <a:rPr lang="en-US" altLang="zh-TW" dirty="0"/>
+              <a:t>text-center</a:t>
+            </a:r>
+            <a:r>
+              <a:rPr lang="zh-TW" altLang="en-US" dirty="0"/>
+              <a:t>、</a:t>
+            </a:r>
+            <a:r>
+              <a:rPr lang="en-US" altLang="zh-TW" dirty="0"/>
+              <a:t>table</a:t>
+            </a:r>
+          </a:p>
+        </p:txBody>
+      </p:sp>
+    </p:spTree>
+    <p:extLst>
+      <p:ext uri="{BB962C8B-B14F-4D97-AF65-F5344CB8AC3E}">
+        <p14:creationId xmlns:p14="http://schemas.microsoft.com/office/powerpoint/2010/main" val="1594041963"/>
+      </p:ext>
+    </p:extLst>
+  </p:cSld>
+  <p:clrMapOvr>
+    <a:masterClrMapping/>
+  </p:clrMapOvr>
+  <p:transition spd="med"/>
+</p:sld>
+</file>
+
+<file path=ppt/slides/slide15.xml><?xml version="1.0" encoding="utf-8"?>
+<p:sld xmlns:a="http://schemas.openxmlformats.org/drawingml/2006/main" xmlns:r="http://schemas.openxmlformats.org/officeDocument/2006/relationships" xmlns:p="http://schemas.openxmlformats.org/presentationml/2006/main">
+  <p:cSld>
+    <p:spTree>
+      <p:nvGrpSpPr>
+        <p:cNvPr id="1" name=""/>
+        <p:cNvGrpSpPr/>
+        <p:nvPr/>
+      </p:nvGrpSpPr>
+      <p:grpSpPr>
+        <a:xfrm>
+          <a:off x="0" y="0"/>
+          <a:ext cx="0" cy="0"/>
+          <a:chOff x="0" y="0"/>
+          <a:chExt cx="0" cy="0"/>
+        </a:xfrm>
+      </p:grpSpPr>
       <p:pic>
         <p:nvPicPr>
           <p:cNvPr id="2050" name="Picture 2" descr="http://s04.calm9.com/qrcode/2019-10/PNJ99KQ866.png"/>
@@ -5604,7 +6472,7 @@
           </a:prstGeom>
           <a:extLst>
             <a:ext uri="{C572A759-6A51-4108-AA02-DFA0A04FC94B}">
-              <ma14:wrappingTextBoxFlag xmlns="" xmlns:m="http://schemas.openxmlformats.org/officeDocument/2006/math" xmlns:a14="http://schemas.microsoft.com/office/drawing/2010/main" xmlns:ma14="http://schemas.microsoft.com/office/mac/drawingml/2011/main" val="1"/>
+              <ma14:wrappingTextBoxFlag xmlns:ma14="http://schemas.microsoft.com/office/mac/drawingml/2011/main" xmlns:a14="http://schemas.microsoft.com/office/drawing/2010/main" xmlns:m="http://schemas.openxmlformats.org/officeDocument/2006/math" xmlns="" val="1"/>
             </a:ext>
           </a:extLst>
         </p:spPr>
@@ -5613,7 +6481,7 @@
           <a:lstStyle/>
           <a:p>
             <a:fld id="{86CB4B4D-7CA3-9044-876B-883B54F8677D}" type="slidenum">
-              <a:t>14</a:t>
+              <a:t>15</a:t>
             </a:fld>
             <a:endParaRPr/>
           </a:p>
@@ -5679,7 +6547,7 @@
           </a:ln>
           <a:extLst>
             <a:ext uri="{C572A759-6A51-4108-AA02-DFA0A04FC94B}">
-              <ma14:wrappingTextBoxFlag xmlns="" xmlns:m="http://schemas.openxmlformats.org/officeDocument/2006/math" xmlns:a14="http://schemas.microsoft.com/office/drawing/2010/main" xmlns:ma14="http://schemas.microsoft.com/office/mac/drawingml/2011/main" val="1"/>
+              <ma14:wrappingTextBoxFlag xmlns:ma14="http://schemas.microsoft.com/office/mac/drawingml/2011/main" xmlns:a14="http://schemas.microsoft.com/office/drawing/2010/main" xmlns:m="http://schemas.openxmlformats.org/officeDocument/2006/math" xmlns="" val="1"/>
             </a:ext>
           </a:extLst>
         </p:spPr>
@@ -5774,7 +6642,7 @@
           </a:prstGeom>
           <a:extLst>
             <a:ext uri="{C572A759-6A51-4108-AA02-DFA0A04FC94B}">
-              <ma14:wrappingTextBoxFlag xmlns="" xmlns:m="http://schemas.openxmlformats.org/officeDocument/2006/math" xmlns:a14="http://schemas.microsoft.com/office/drawing/2010/main" xmlns:ma14="http://schemas.microsoft.com/office/mac/drawingml/2011/main" val="1"/>
+              <ma14:wrappingTextBoxFlag xmlns:ma14="http://schemas.microsoft.com/office/mac/drawingml/2011/main" xmlns:a14="http://schemas.microsoft.com/office/drawing/2010/main" xmlns:m="http://schemas.openxmlformats.org/officeDocument/2006/math" xmlns="" val="1"/>
             </a:ext>
           </a:extLst>
         </p:spPr>
@@ -5851,7 +6719,7 @@
           </a:ln>
           <a:extLst>
             <a:ext uri="{C572A759-6A51-4108-AA02-DFA0A04FC94B}">
-              <ma14:wrappingTextBoxFlag xmlns="" xmlns:m="http://schemas.openxmlformats.org/officeDocument/2006/math" xmlns:a14="http://schemas.microsoft.com/office/drawing/2010/main" xmlns:ma14="http://schemas.microsoft.com/office/mac/drawingml/2011/main" val="1"/>
+              <ma14:wrappingTextBoxFlag xmlns:ma14="http://schemas.microsoft.com/office/mac/drawingml/2011/main" xmlns:a14="http://schemas.microsoft.com/office/drawing/2010/main" xmlns:m="http://schemas.openxmlformats.org/officeDocument/2006/math" xmlns="" val="1"/>
             </a:ext>
           </a:extLst>
         </p:spPr>
@@ -5993,7 +6861,7 @@
           </a:prstGeom>
           <a:extLst>
             <a:ext uri="{C572A759-6A51-4108-AA02-DFA0A04FC94B}">
-              <ma14:wrappingTextBoxFlag xmlns="" xmlns:m="http://schemas.openxmlformats.org/officeDocument/2006/math" xmlns:a14="http://schemas.microsoft.com/office/drawing/2010/main" xmlns:ma14="http://schemas.microsoft.com/office/mac/drawingml/2011/main" val="1"/>
+              <ma14:wrappingTextBoxFlag xmlns:ma14="http://schemas.microsoft.com/office/mac/drawingml/2011/main" xmlns:a14="http://schemas.microsoft.com/office/drawing/2010/main" xmlns:m="http://schemas.openxmlformats.org/officeDocument/2006/math" xmlns="" val="1"/>
             </a:ext>
           </a:extLst>
         </p:spPr>
@@ -7488,7 +8356,7 @@
           </a:prstGeom>
           <a:extLst>
             <a:ext uri="{C572A759-6A51-4108-AA02-DFA0A04FC94B}">
-              <ma14:wrappingTextBoxFlag xmlns="" xmlns:m="http://schemas.openxmlformats.org/officeDocument/2006/math" xmlns:a14="http://schemas.microsoft.com/office/drawing/2010/main" xmlns:ma14="http://schemas.microsoft.com/office/mac/drawingml/2011/main" val="1"/>
+              <ma14:wrappingTextBoxFlag xmlns:ma14="http://schemas.microsoft.com/office/mac/drawingml/2011/main" xmlns:a14="http://schemas.microsoft.com/office/drawing/2010/main" xmlns:m="http://schemas.openxmlformats.org/officeDocument/2006/math" xmlns="" val="1"/>
             </a:ext>
           </a:extLst>
         </p:spPr>
@@ -7637,7 +8505,7 @@
           </a:prstGeom>
           <a:extLst>
             <a:ext uri="{C572A759-6A51-4108-AA02-DFA0A04FC94B}">
-              <ma14:wrappingTextBoxFlag xmlns="" xmlns:m="http://schemas.openxmlformats.org/officeDocument/2006/math" xmlns:a14="http://schemas.microsoft.com/office/drawing/2010/main" xmlns:ma14="http://schemas.microsoft.com/office/mac/drawingml/2011/main" val="1"/>
+              <ma14:wrappingTextBoxFlag xmlns:ma14="http://schemas.microsoft.com/office/mac/drawingml/2011/main" xmlns:a14="http://schemas.microsoft.com/office/drawing/2010/main" xmlns:m="http://schemas.openxmlformats.org/officeDocument/2006/math" xmlns="" val="1"/>
             </a:ext>
           </a:extLst>
         </p:spPr>
@@ -7829,7 +8697,7 @@
           </a:ln>
           <a:extLst>
             <a:ext uri="{C572A759-6A51-4108-AA02-DFA0A04FC94B}">
-              <ma14:wrappingTextBoxFlag xmlns="" xmlns:m="http://schemas.openxmlformats.org/officeDocument/2006/math" xmlns:a14="http://schemas.microsoft.com/office/drawing/2010/main" xmlns:ma14="http://schemas.microsoft.com/office/mac/drawingml/2011/main" val="1"/>
+              <ma14:wrappingTextBoxFlag xmlns:ma14="http://schemas.microsoft.com/office/mac/drawingml/2011/main" xmlns:a14="http://schemas.microsoft.com/office/drawing/2010/main" xmlns:m="http://schemas.openxmlformats.org/officeDocument/2006/math" xmlns="" val="1"/>
             </a:ext>
           </a:extLst>
         </p:spPr>

--- a/教學簡報/Bootstrap 4.pptx
+++ b/教學簡報/Bootstrap 4.pptx
@@ -3503,7 +3503,7 @@
           </a:ln>
           <a:extLst>
             <a:ext uri="{C572A759-6A51-4108-AA02-DFA0A04FC94B}">
-              <ma14:wrappingTextBoxFlag xmlns:ma14="http://schemas.microsoft.com/office/mac/drawingml/2011/main" xmlns:a14="http://schemas.microsoft.com/office/drawing/2010/main" xmlns:m="http://schemas.openxmlformats.org/officeDocument/2006/math" xmlns="" val="1"/>
+              <ma14:wrappingTextBoxFlag xmlns="" xmlns:m="http://schemas.openxmlformats.org/officeDocument/2006/math" xmlns:a14="http://schemas.microsoft.com/office/drawing/2010/main" xmlns:ma14="http://schemas.microsoft.com/office/mac/drawingml/2011/main" val="1"/>
             </a:ext>
           </a:extLst>
         </p:spPr>
@@ -3542,7 +3542,7 @@
           </a:ln>
           <a:extLst>
             <a:ext uri="{C572A759-6A51-4108-AA02-DFA0A04FC94B}">
-              <ma14:wrappingTextBoxFlag xmlns:ma14="http://schemas.microsoft.com/office/mac/drawingml/2011/main" xmlns:a14="http://schemas.microsoft.com/office/drawing/2010/main" xmlns:m="http://schemas.openxmlformats.org/officeDocument/2006/math" xmlns="" val="1"/>
+              <ma14:wrappingTextBoxFlag xmlns="" xmlns:m="http://schemas.openxmlformats.org/officeDocument/2006/math" xmlns:a14="http://schemas.microsoft.com/office/drawing/2010/main" xmlns:ma14="http://schemas.microsoft.com/office/mac/drawingml/2011/main" val="1"/>
             </a:ext>
           </a:extLst>
         </p:spPr>
@@ -4514,7 +4514,7 @@
           </a:prstGeom>
           <a:extLst>
             <a:ext uri="{C572A759-6A51-4108-AA02-DFA0A04FC94B}">
-              <ma14:wrappingTextBoxFlag xmlns:ma14="http://schemas.microsoft.com/office/mac/drawingml/2011/main" xmlns:a14="http://schemas.microsoft.com/office/drawing/2010/main" xmlns:m="http://schemas.openxmlformats.org/officeDocument/2006/math" xmlns="" val="1"/>
+              <ma14:wrappingTextBoxFlag xmlns="" xmlns:m="http://schemas.openxmlformats.org/officeDocument/2006/math" xmlns:a14="http://schemas.microsoft.com/office/drawing/2010/main" xmlns:ma14="http://schemas.microsoft.com/office/mac/drawingml/2011/main" val="1"/>
             </a:ext>
           </a:extLst>
         </p:spPr>
@@ -4592,7 +4592,7 @@
           </a:ln>
           <a:extLst>
             <a:ext uri="{C572A759-6A51-4108-AA02-DFA0A04FC94B}">
-              <ma14:wrappingTextBoxFlag xmlns:ma14="http://schemas.microsoft.com/office/mac/drawingml/2011/main" xmlns:a14="http://schemas.microsoft.com/office/drawing/2010/main" xmlns:m="http://schemas.openxmlformats.org/officeDocument/2006/math" xmlns="" val="1"/>
+              <ma14:wrappingTextBoxFlag xmlns="" xmlns:m="http://schemas.openxmlformats.org/officeDocument/2006/math" xmlns:a14="http://schemas.microsoft.com/office/drawing/2010/main" xmlns:ma14="http://schemas.microsoft.com/office/mac/drawingml/2011/main" val="1"/>
             </a:ext>
           </a:extLst>
         </p:spPr>
@@ -6259,15 +6259,22 @@
           <a:p>
             <a:pPr algn="ctr"/>
             <a:r>
-              <a:rPr lang="zh-TW" altLang="en-US" sz="4000" dirty="0">
+              <a:rPr lang="zh-TW" altLang="en-US" sz="4000">
                 <a:solidFill>
                   <a:srgbClr val="0070C0"/>
                 </a:solidFill>
                 <a:latin typeface="微軟正黑體" panose="020B0604030504040204" pitchFamily="34" charset="-120"/>
                 <a:ea typeface="微軟正黑體" panose="020B0604030504040204" pitchFamily="34" charset="-120"/>
               </a:rPr>
-              <a:t>回家作業</a:t>
-            </a:r>
+              <a:t>作業</a:t>
+            </a:r>
+            <a:endParaRPr lang="zh-TW" altLang="en-US" sz="4000" dirty="0">
+              <a:solidFill>
+                <a:srgbClr val="0070C0"/>
+              </a:solidFill>
+              <a:latin typeface="微軟正黑體" panose="020B0604030504040204" pitchFamily="34" charset="-120"/>
+              <a:ea typeface="微軟正黑體" panose="020B0604030504040204" pitchFamily="34" charset="-120"/>
+            </a:endParaRPr>
           </a:p>
         </p:txBody>
       </p:sp>
@@ -6472,7 +6479,7 @@
           </a:prstGeom>
           <a:extLst>
             <a:ext uri="{C572A759-6A51-4108-AA02-DFA0A04FC94B}">
-              <ma14:wrappingTextBoxFlag xmlns:ma14="http://schemas.microsoft.com/office/mac/drawingml/2011/main" xmlns:a14="http://schemas.microsoft.com/office/drawing/2010/main" xmlns:m="http://schemas.openxmlformats.org/officeDocument/2006/math" xmlns="" val="1"/>
+              <ma14:wrappingTextBoxFlag xmlns="" xmlns:m="http://schemas.openxmlformats.org/officeDocument/2006/math" xmlns:a14="http://schemas.microsoft.com/office/drawing/2010/main" xmlns:ma14="http://schemas.microsoft.com/office/mac/drawingml/2011/main" val="1"/>
             </a:ext>
           </a:extLst>
         </p:spPr>
@@ -6547,7 +6554,7 @@
           </a:ln>
           <a:extLst>
             <a:ext uri="{C572A759-6A51-4108-AA02-DFA0A04FC94B}">
-              <ma14:wrappingTextBoxFlag xmlns:ma14="http://schemas.microsoft.com/office/mac/drawingml/2011/main" xmlns:a14="http://schemas.microsoft.com/office/drawing/2010/main" xmlns:m="http://schemas.openxmlformats.org/officeDocument/2006/math" xmlns="" val="1"/>
+              <ma14:wrappingTextBoxFlag xmlns="" xmlns:m="http://schemas.openxmlformats.org/officeDocument/2006/math" xmlns:a14="http://schemas.microsoft.com/office/drawing/2010/main" xmlns:ma14="http://schemas.microsoft.com/office/mac/drawingml/2011/main" val="1"/>
             </a:ext>
           </a:extLst>
         </p:spPr>
@@ -6642,7 +6649,7 @@
           </a:prstGeom>
           <a:extLst>
             <a:ext uri="{C572A759-6A51-4108-AA02-DFA0A04FC94B}">
-              <ma14:wrappingTextBoxFlag xmlns:ma14="http://schemas.microsoft.com/office/mac/drawingml/2011/main" xmlns:a14="http://schemas.microsoft.com/office/drawing/2010/main" xmlns:m="http://schemas.openxmlformats.org/officeDocument/2006/math" xmlns="" val="1"/>
+              <ma14:wrappingTextBoxFlag xmlns="" xmlns:m="http://schemas.openxmlformats.org/officeDocument/2006/math" xmlns:a14="http://schemas.microsoft.com/office/drawing/2010/main" xmlns:ma14="http://schemas.microsoft.com/office/mac/drawingml/2011/main" val="1"/>
             </a:ext>
           </a:extLst>
         </p:spPr>
@@ -6719,7 +6726,7 @@
           </a:ln>
           <a:extLst>
             <a:ext uri="{C572A759-6A51-4108-AA02-DFA0A04FC94B}">
-              <ma14:wrappingTextBoxFlag xmlns:ma14="http://schemas.microsoft.com/office/mac/drawingml/2011/main" xmlns:a14="http://schemas.microsoft.com/office/drawing/2010/main" xmlns:m="http://schemas.openxmlformats.org/officeDocument/2006/math" xmlns="" val="1"/>
+              <ma14:wrappingTextBoxFlag xmlns="" xmlns:m="http://schemas.openxmlformats.org/officeDocument/2006/math" xmlns:a14="http://schemas.microsoft.com/office/drawing/2010/main" xmlns:ma14="http://schemas.microsoft.com/office/mac/drawingml/2011/main" val="1"/>
             </a:ext>
           </a:extLst>
         </p:spPr>
@@ -6861,7 +6868,7 @@
           </a:prstGeom>
           <a:extLst>
             <a:ext uri="{C572A759-6A51-4108-AA02-DFA0A04FC94B}">
-              <ma14:wrappingTextBoxFlag xmlns:ma14="http://schemas.microsoft.com/office/mac/drawingml/2011/main" xmlns:a14="http://schemas.microsoft.com/office/drawing/2010/main" xmlns:m="http://schemas.openxmlformats.org/officeDocument/2006/math" xmlns="" val="1"/>
+              <ma14:wrappingTextBoxFlag xmlns="" xmlns:m="http://schemas.openxmlformats.org/officeDocument/2006/math" xmlns:a14="http://schemas.microsoft.com/office/drawing/2010/main" xmlns:ma14="http://schemas.microsoft.com/office/mac/drawingml/2011/main" val="1"/>
             </a:ext>
           </a:extLst>
         </p:spPr>
@@ -8356,7 +8363,7 @@
           </a:prstGeom>
           <a:extLst>
             <a:ext uri="{C572A759-6A51-4108-AA02-DFA0A04FC94B}">
-              <ma14:wrappingTextBoxFlag xmlns:ma14="http://schemas.microsoft.com/office/mac/drawingml/2011/main" xmlns:a14="http://schemas.microsoft.com/office/drawing/2010/main" xmlns:m="http://schemas.openxmlformats.org/officeDocument/2006/math" xmlns="" val="1"/>
+              <ma14:wrappingTextBoxFlag xmlns="" xmlns:m="http://schemas.openxmlformats.org/officeDocument/2006/math" xmlns:a14="http://schemas.microsoft.com/office/drawing/2010/main" xmlns:ma14="http://schemas.microsoft.com/office/mac/drawingml/2011/main" val="1"/>
             </a:ext>
           </a:extLst>
         </p:spPr>
@@ -8505,7 +8512,7 @@
           </a:prstGeom>
           <a:extLst>
             <a:ext uri="{C572A759-6A51-4108-AA02-DFA0A04FC94B}">
-              <ma14:wrappingTextBoxFlag xmlns:ma14="http://schemas.microsoft.com/office/mac/drawingml/2011/main" xmlns:a14="http://schemas.microsoft.com/office/drawing/2010/main" xmlns:m="http://schemas.openxmlformats.org/officeDocument/2006/math" xmlns="" val="1"/>
+              <ma14:wrappingTextBoxFlag xmlns="" xmlns:m="http://schemas.openxmlformats.org/officeDocument/2006/math" xmlns:a14="http://schemas.microsoft.com/office/drawing/2010/main" xmlns:ma14="http://schemas.microsoft.com/office/mac/drawingml/2011/main" val="1"/>
             </a:ext>
           </a:extLst>
         </p:spPr>
@@ -8697,7 +8704,7 @@
           </a:ln>
           <a:extLst>
             <a:ext uri="{C572A759-6A51-4108-AA02-DFA0A04FC94B}">
-              <ma14:wrappingTextBoxFlag xmlns:ma14="http://schemas.microsoft.com/office/mac/drawingml/2011/main" xmlns:a14="http://schemas.microsoft.com/office/drawing/2010/main" xmlns:m="http://schemas.openxmlformats.org/officeDocument/2006/math" xmlns="" val="1"/>
+              <ma14:wrappingTextBoxFlag xmlns="" xmlns:m="http://schemas.openxmlformats.org/officeDocument/2006/math" xmlns:a14="http://schemas.microsoft.com/office/drawing/2010/main" xmlns:ma14="http://schemas.microsoft.com/office/mac/drawingml/2011/main" val="1"/>
             </a:ext>
           </a:extLst>
         </p:spPr>

--- a/教學簡報/Bootstrap 4.pptx
+++ b/教學簡報/Bootstrap 4.pptx
@@ -5,7 +5,7 @@
     <p:sldMasterId id="2147483648" r:id="rId1"/>
   </p:sldMasterIdLst>
   <p:notesMasterIdLst>
-    <p:notesMasterId r:id="rId17"/>
+    <p:notesMasterId r:id="rId23"/>
   </p:notesMasterIdLst>
   <p:sldIdLst>
     <p:sldId id="256" r:id="rId2"/>
@@ -15,14 +15,20 @@
     <p:sldId id="280" r:id="rId6"/>
     <p:sldId id="303" r:id="rId7"/>
     <p:sldId id="302" r:id="rId8"/>
-    <p:sldId id="304" r:id="rId9"/>
-    <p:sldId id="301" r:id="rId10"/>
-    <p:sldId id="262" r:id="rId11"/>
-    <p:sldId id="300" r:id="rId12"/>
-    <p:sldId id="286" r:id="rId13"/>
-    <p:sldId id="299" r:id="rId14"/>
-    <p:sldId id="354" r:id="rId15"/>
-    <p:sldId id="266" r:id="rId16"/>
+    <p:sldId id="355" r:id="rId9"/>
+    <p:sldId id="304" r:id="rId10"/>
+    <p:sldId id="301" r:id="rId11"/>
+    <p:sldId id="262" r:id="rId12"/>
+    <p:sldId id="356" r:id="rId13"/>
+    <p:sldId id="357" r:id="rId14"/>
+    <p:sldId id="360" r:id="rId15"/>
+    <p:sldId id="358" r:id="rId16"/>
+    <p:sldId id="359" r:id="rId17"/>
+    <p:sldId id="300" r:id="rId18"/>
+    <p:sldId id="286" r:id="rId19"/>
+    <p:sldId id="299" r:id="rId20"/>
+    <p:sldId id="354" r:id="rId21"/>
+    <p:sldId id="266" r:id="rId22"/>
   </p:sldIdLst>
   <p:sldSz cx="9144000" cy="6858000" type="screen4x3"/>
   <p:notesSz cx="6858000" cy="9144000"/>
@@ -589,7 +595,7 @@
       </p:grpSpPr>
       <p:sp>
         <p:nvSpPr>
-          <p:cNvPr id="2" name="投影片圖像版面配置區 1"/>
+          <p:cNvPr id="142" name="Shape 142"/>
           <p:cNvSpPr>
             <a:spLocks noGrp="1" noRot="1" noChangeAspect="1"/>
           </p:cNvSpPr>
@@ -597,54 +603,161 @@
             <p:ph type="sldImg"/>
           </p:nvPr>
         </p:nvSpPr>
-        <p:spPr/>
+        <p:spPr>
+          <a:prstGeom prst="rect">
+            <a:avLst/>
+          </a:prstGeom>
+        </p:spPr>
+        <p:txBody>
+          <a:bodyPr/>
+          <a:lstStyle/>
+          <a:p>
+            <a:endParaRPr/>
+          </a:p>
+        </p:txBody>
       </p:sp>
       <p:sp>
         <p:nvSpPr>
-          <p:cNvPr id="3" name="備忘稿版面配置區 2"/>
+          <p:cNvPr id="143" name="Shape 143"/>
           <p:cNvSpPr>
             <a:spLocks noGrp="1"/>
           </p:cNvSpPr>
           <p:nvPr>
-            <p:ph type="body" idx="1"/>
+            <p:ph type="body" sz="quarter" idx="1"/>
           </p:nvPr>
         </p:nvSpPr>
-        <p:spPr/>
+        <p:spPr>
+          <a:prstGeom prst="rect">
+            <a:avLst/>
+          </a:prstGeom>
+        </p:spPr>
+        <p:txBody>
+          <a:bodyPr/>
+          <a:lstStyle>
+            <a:lvl1pPr>
+              <a:defRPr>
+                <a:latin typeface="微軟正黑體"/>
+                <a:ea typeface="微軟正黑體"/>
+                <a:cs typeface="微軟正黑體"/>
+                <a:sym typeface="微軟正黑體"/>
+              </a:defRPr>
+            </a:lvl1pPr>
+          </a:lstStyle>
+          <a:p>
+            <a:pPr>
+              <a:defRPr>
+                <a:latin typeface="+mj-lt"/>
+                <a:ea typeface="+mj-ea"/>
+                <a:cs typeface="+mj-cs"/>
+                <a:sym typeface="Calibri"/>
+              </a:defRPr>
+            </a:pPr>
+            <a:endParaRPr dirty="0">
+              <a:latin typeface="微軟正黑體"/>
+              <a:ea typeface="微軟正黑體"/>
+              <a:cs typeface="微軟正黑體"/>
+              <a:sym typeface="微軟正黑體"/>
+            </a:endParaRPr>
+          </a:p>
+        </p:txBody>
+      </p:sp>
+    </p:spTree>
+  </p:cSld>
+  <p:clrMapOvr>
+    <a:masterClrMapping/>
+  </p:clrMapOvr>
+</p:notes>
+</file>
+
+<file path=ppt/notesSlides/notesSlide11.xml><?xml version="1.0" encoding="utf-8"?>
+<p:notes xmlns:a="http://schemas.openxmlformats.org/drawingml/2006/main" xmlns:r="http://schemas.openxmlformats.org/officeDocument/2006/relationships" xmlns:p="http://schemas.openxmlformats.org/presentationml/2006/main">
+  <p:cSld>
+    <p:spTree>
+      <p:nvGrpSpPr>
+        <p:cNvPr id="1" name=""/>
+        <p:cNvGrpSpPr/>
+        <p:nvPr/>
+      </p:nvGrpSpPr>
+      <p:grpSpPr>
+        <a:xfrm>
+          <a:off x="0" y="0"/>
+          <a:ext cx="0" cy="0"/>
+          <a:chOff x="0" y="0"/>
+          <a:chExt cx="0" cy="0"/>
+        </a:xfrm>
+      </p:grpSpPr>
+      <p:sp>
+        <p:nvSpPr>
+          <p:cNvPr id="142" name="Shape 142"/>
+          <p:cNvSpPr>
+            <a:spLocks noGrp="1" noRot="1" noChangeAspect="1"/>
+          </p:cNvSpPr>
+          <p:nvPr>
+            <p:ph type="sldImg"/>
+          </p:nvPr>
+        </p:nvSpPr>
+        <p:spPr>
+          <a:prstGeom prst="rect">
+            <a:avLst/>
+          </a:prstGeom>
+        </p:spPr>
         <p:txBody>
           <a:bodyPr/>
           <a:lstStyle/>
           <a:p>
-            <a:endParaRPr lang="zh-TW" altLang="en-US" dirty="0"/>
+            <a:endParaRPr/>
           </a:p>
         </p:txBody>
       </p:sp>
       <p:sp>
         <p:nvSpPr>
-          <p:cNvPr id="4" name="投影片編號版面配置區 3"/>
+          <p:cNvPr id="143" name="Shape 143"/>
           <p:cNvSpPr>
             <a:spLocks noGrp="1"/>
           </p:cNvSpPr>
           <p:nvPr>
-            <p:ph type="sldNum" sz="quarter" idx="10"/>
+            <p:ph type="body" sz="quarter" idx="1"/>
           </p:nvPr>
         </p:nvSpPr>
-        <p:spPr/>
+        <p:spPr>
+          <a:prstGeom prst="rect">
+            <a:avLst/>
+          </a:prstGeom>
+        </p:spPr>
         <p:txBody>
           <a:bodyPr/>
-          <a:lstStyle/>
-          <a:p>
-            <a:fld id="{288A6225-17E4-4F1A-9B1B-5D6F54C0EC31}" type="slidenum">
-              <a:rPr lang="zh-TW" altLang="en-US" smtClean="0"/>
-              <a:t>11</a:t>
-            </a:fld>
-            <a:endParaRPr lang="zh-TW" altLang="en-US"/>
+          <a:lstStyle>
+            <a:lvl1pPr>
+              <a:defRPr>
+                <a:latin typeface="微軟正黑體"/>
+                <a:ea typeface="微軟正黑體"/>
+                <a:cs typeface="微軟正黑體"/>
+                <a:sym typeface="微軟正黑體"/>
+              </a:defRPr>
+            </a:lvl1pPr>
+          </a:lstStyle>
+          <a:p>
+            <a:pPr>
+              <a:defRPr>
+                <a:latin typeface="+mj-lt"/>
+                <a:ea typeface="+mj-ea"/>
+                <a:cs typeface="+mj-cs"/>
+                <a:sym typeface="Calibri"/>
+              </a:defRPr>
+            </a:pPr>
+            <a:endParaRPr dirty="0">
+              <a:latin typeface="微軟正黑體"/>
+              <a:ea typeface="微軟正黑體"/>
+              <a:cs typeface="微軟正黑體"/>
+              <a:sym typeface="微軟正黑體"/>
+            </a:endParaRPr>
           </a:p>
         </p:txBody>
       </p:sp>
     </p:spTree>
     <p:extLst>
       <p:ext uri="{BB962C8B-B14F-4D97-AF65-F5344CB8AC3E}">
-        <p14:creationId xmlns:p14="http://schemas.microsoft.com/office/powerpoint/2010/main" val="4160195133"/>
+        <p14:creationId xmlns:p14="http://schemas.microsoft.com/office/powerpoint/2010/main" val="3402667186"/>
       </p:ext>
     </p:extLst>
   </p:cSld>
@@ -654,7 +767,399 @@
 </p:notes>
 </file>
 
-<file path=ppt/notesSlides/notesSlide11.xml><?xml version="1.0" encoding="utf-8"?>
+<file path=ppt/notesSlides/notesSlide12.xml><?xml version="1.0" encoding="utf-8"?>
+<p:notes xmlns:a="http://schemas.openxmlformats.org/drawingml/2006/main" xmlns:r="http://schemas.openxmlformats.org/officeDocument/2006/relationships" xmlns:p="http://schemas.openxmlformats.org/presentationml/2006/main">
+  <p:cSld>
+    <p:spTree>
+      <p:nvGrpSpPr>
+        <p:cNvPr id="1" name=""/>
+        <p:cNvGrpSpPr/>
+        <p:nvPr/>
+      </p:nvGrpSpPr>
+      <p:grpSpPr>
+        <a:xfrm>
+          <a:off x="0" y="0"/>
+          <a:ext cx="0" cy="0"/>
+          <a:chOff x="0" y="0"/>
+          <a:chExt cx="0" cy="0"/>
+        </a:xfrm>
+      </p:grpSpPr>
+      <p:sp>
+        <p:nvSpPr>
+          <p:cNvPr id="142" name="Shape 142"/>
+          <p:cNvSpPr>
+            <a:spLocks noGrp="1" noRot="1" noChangeAspect="1"/>
+          </p:cNvSpPr>
+          <p:nvPr>
+            <p:ph type="sldImg"/>
+          </p:nvPr>
+        </p:nvSpPr>
+        <p:spPr>
+          <a:prstGeom prst="rect">
+            <a:avLst/>
+          </a:prstGeom>
+        </p:spPr>
+        <p:txBody>
+          <a:bodyPr/>
+          <a:lstStyle/>
+          <a:p>
+            <a:endParaRPr/>
+          </a:p>
+        </p:txBody>
+      </p:sp>
+      <p:sp>
+        <p:nvSpPr>
+          <p:cNvPr id="143" name="Shape 143"/>
+          <p:cNvSpPr>
+            <a:spLocks noGrp="1"/>
+          </p:cNvSpPr>
+          <p:nvPr>
+            <p:ph type="body" sz="quarter" idx="1"/>
+          </p:nvPr>
+        </p:nvSpPr>
+        <p:spPr>
+          <a:prstGeom prst="rect">
+            <a:avLst/>
+          </a:prstGeom>
+        </p:spPr>
+        <p:txBody>
+          <a:bodyPr/>
+          <a:lstStyle>
+            <a:lvl1pPr>
+              <a:defRPr>
+                <a:latin typeface="微軟正黑體"/>
+                <a:ea typeface="微軟正黑體"/>
+                <a:cs typeface="微軟正黑體"/>
+                <a:sym typeface="微軟正黑體"/>
+              </a:defRPr>
+            </a:lvl1pPr>
+          </a:lstStyle>
+          <a:p>
+            <a:pPr>
+              <a:defRPr>
+                <a:latin typeface="+mj-lt"/>
+                <a:ea typeface="+mj-ea"/>
+                <a:cs typeface="+mj-cs"/>
+                <a:sym typeface="Calibri"/>
+              </a:defRPr>
+            </a:pPr>
+            <a:endParaRPr dirty="0">
+              <a:latin typeface="微軟正黑體"/>
+              <a:ea typeface="微軟正黑體"/>
+              <a:cs typeface="微軟正黑體"/>
+              <a:sym typeface="微軟正黑體"/>
+            </a:endParaRPr>
+          </a:p>
+        </p:txBody>
+      </p:sp>
+    </p:spTree>
+    <p:extLst>
+      <p:ext uri="{BB962C8B-B14F-4D97-AF65-F5344CB8AC3E}">
+        <p14:creationId xmlns:p14="http://schemas.microsoft.com/office/powerpoint/2010/main" val="3223711337"/>
+      </p:ext>
+    </p:extLst>
+  </p:cSld>
+  <p:clrMapOvr>
+    <a:masterClrMapping/>
+  </p:clrMapOvr>
+</p:notes>
+</file>
+
+<file path=ppt/notesSlides/notesSlide13.xml><?xml version="1.0" encoding="utf-8"?>
+<p:notes xmlns:a="http://schemas.openxmlformats.org/drawingml/2006/main" xmlns:r="http://schemas.openxmlformats.org/officeDocument/2006/relationships" xmlns:p="http://schemas.openxmlformats.org/presentationml/2006/main">
+  <p:cSld>
+    <p:spTree>
+      <p:nvGrpSpPr>
+        <p:cNvPr id="1" name=""/>
+        <p:cNvGrpSpPr/>
+        <p:nvPr/>
+      </p:nvGrpSpPr>
+      <p:grpSpPr>
+        <a:xfrm>
+          <a:off x="0" y="0"/>
+          <a:ext cx="0" cy="0"/>
+          <a:chOff x="0" y="0"/>
+          <a:chExt cx="0" cy="0"/>
+        </a:xfrm>
+      </p:grpSpPr>
+      <p:sp>
+        <p:nvSpPr>
+          <p:cNvPr id="142" name="Shape 142"/>
+          <p:cNvSpPr>
+            <a:spLocks noGrp="1" noRot="1" noChangeAspect="1"/>
+          </p:cNvSpPr>
+          <p:nvPr>
+            <p:ph type="sldImg"/>
+          </p:nvPr>
+        </p:nvSpPr>
+        <p:spPr>
+          <a:prstGeom prst="rect">
+            <a:avLst/>
+          </a:prstGeom>
+        </p:spPr>
+        <p:txBody>
+          <a:bodyPr/>
+          <a:lstStyle/>
+          <a:p>
+            <a:endParaRPr/>
+          </a:p>
+        </p:txBody>
+      </p:sp>
+      <p:sp>
+        <p:nvSpPr>
+          <p:cNvPr id="143" name="Shape 143"/>
+          <p:cNvSpPr>
+            <a:spLocks noGrp="1"/>
+          </p:cNvSpPr>
+          <p:nvPr>
+            <p:ph type="body" sz="quarter" idx="1"/>
+          </p:nvPr>
+        </p:nvSpPr>
+        <p:spPr>
+          <a:prstGeom prst="rect">
+            <a:avLst/>
+          </a:prstGeom>
+        </p:spPr>
+        <p:txBody>
+          <a:bodyPr/>
+          <a:lstStyle>
+            <a:lvl1pPr>
+              <a:defRPr>
+                <a:latin typeface="微軟正黑體"/>
+                <a:ea typeface="微軟正黑體"/>
+                <a:cs typeface="微軟正黑體"/>
+                <a:sym typeface="微軟正黑體"/>
+              </a:defRPr>
+            </a:lvl1pPr>
+          </a:lstStyle>
+          <a:p>
+            <a:pPr>
+              <a:defRPr>
+                <a:latin typeface="+mj-lt"/>
+                <a:ea typeface="+mj-ea"/>
+                <a:cs typeface="+mj-cs"/>
+                <a:sym typeface="Calibri"/>
+              </a:defRPr>
+            </a:pPr>
+            <a:endParaRPr dirty="0">
+              <a:latin typeface="微軟正黑體"/>
+              <a:ea typeface="微軟正黑體"/>
+              <a:cs typeface="微軟正黑體"/>
+              <a:sym typeface="微軟正黑體"/>
+            </a:endParaRPr>
+          </a:p>
+        </p:txBody>
+      </p:sp>
+    </p:spTree>
+    <p:extLst>
+      <p:ext uri="{BB962C8B-B14F-4D97-AF65-F5344CB8AC3E}">
+        <p14:creationId xmlns:p14="http://schemas.microsoft.com/office/powerpoint/2010/main" val="2038359349"/>
+      </p:ext>
+    </p:extLst>
+  </p:cSld>
+  <p:clrMapOvr>
+    <a:masterClrMapping/>
+  </p:clrMapOvr>
+</p:notes>
+</file>
+
+<file path=ppt/notesSlides/notesSlide14.xml><?xml version="1.0" encoding="utf-8"?>
+<p:notes xmlns:a="http://schemas.openxmlformats.org/drawingml/2006/main" xmlns:r="http://schemas.openxmlformats.org/officeDocument/2006/relationships" xmlns:p="http://schemas.openxmlformats.org/presentationml/2006/main">
+  <p:cSld>
+    <p:spTree>
+      <p:nvGrpSpPr>
+        <p:cNvPr id="1" name=""/>
+        <p:cNvGrpSpPr/>
+        <p:nvPr/>
+      </p:nvGrpSpPr>
+      <p:grpSpPr>
+        <a:xfrm>
+          <a:off x="0" y="0"/>
+          <a:ext cx="0" cy="0"/>
+          <a:chOff x="0" y="0"/>
+          <a:chExt cx="0" cy="0"/>
+        </a:xfrm>
+      </p:grpSpPr>
+      <p:sp>
+        <p:nvSpPr>
+          <p:cNvPr id="142" name="Shape 142"/>
+          <p:cNvSpPr>
+            <a:spLocks noGrp="1" noRot="1" noChangeAspect="1"/>
+          </p:cNvSpPr>
+          <p:nvPr>
+            <p:ph type="sldImg"/>
+          </p:nvPr>
+        </p:nvSpPr>
+        <p:spPr>
+          <a:prstGeom prst="rect">
+            <a:avLst/>
+          </a:prstGeom>
+        </p:spPr>
+        <p:txBody>
+          <a:bodyPr/>
+          <a:lstStyle/>
+          <a:p>
+            <a:endParaRPr/>
+          </a:p>
+        </p:txBody>
+      </p:sp>
+      <p:sp>
+        <p:nvSpPr>
+          <p:cNvPr id="143" name="Shape 143"/>
+          <p:cNvSpPr>
+            <a:spLocks noGrp="1"/>
+          </p:cNvSpPr>
+          <p:nvPr>
+            <p:ph type="body" sz="quarter" idx="1"/>
+          </p:nvPr>
+        </p:nvSpPr>
+        <p:spPr>
+          <a:prstGeom prst="rect">
+            <a:avLst/>
+          </a:prstGeom>
+        </p:spPr>
+        <p:txBody>
+          <a:bodyPr/>
+          <a:lstStyle>
+            <a:lvl1pPr>
+              <a:defRPr>
+                <a:latin typeface="微軟正黑體"/>
+                <a:ea typeface="微軟正黑體"/>
+                <a:cs typeface="微軟正黑體"/>
+                <a:sym typeface="微軟正黑體"/>
+              </a:defRPr>
+            </a:lvl1pPr>
+          </a:lstStyle>
+          <a:p>
+            <a:pPr>
+              <a:defRPr>
+                <a:latin typeface="+mj-lt"/>
+                <a:ea typeface="+mj-ea"/>
+                <a:cs typeface="+mj-cs"/>
+                <a:sym typeface="Calibri"/>
+              </a:defRPr>
+            </a:pPr>
+            <a:endParaRPr dirty="0">
+              <a:latin typeface="微軟正黑體"/>
+              <a:ea typeface="微軟正黑體"/>
+              <a:cs typeface="微軟正黑體"/>
+              <a:sym typeface="微軟正黑體"/>
+            </a:endParaRPr>
+          </a:p>
+        </p:txBody>
+      </p:sp>
+    </p:spTree>
+    <p:extLst>
+      <p:ext uri="{BB962C8B-B14F-4D97-AF65-F5344CB8AC3E}">
+        <p14:creationId xmlns:p14="http://schemas.microsoft.com/office/powerpoint/2010/main" val="1854174001"/>
+      </p:ext>
+    </p:extLst>
+  </p:cSld>
+  <p:clrMapOvr>
+    <a:masterClrMapping/>
+  </p:clrMapOvr>
+</p:notes>
+</file>
+
+<file path=ppt/notesSlides/notesSlide15.xml><?xml version="1.0" encoding="utf-8"?>
+<p:notes xmlns:a="http://schemas.openxmlformats.org/drawingml/2006/main" xmlns:r="http://schemas.openxmlformats.org/officeDocument/2006/relationships" xmlns:p="http://schemas.openxmlformats.org/presentationml/2006/main">
+  <p:cSld>
+    <p:spTree>
+      <p:nvGrpSpPr>
+        <p:cNvPr id="1" name=""/>
+        <p:cNvGrpSpPr/>
+        <p:nvPr/>
+      </p:nvGrpSpPr>
+      <p:grpSpPr>
+        <a:xfrm>
+          <a:off x="0" y="0"/>
+          <a:ext cx="0" cy="0"/>
+          <a:chOff x="0" y="0"/>
+          <a:chExt cx="0" cy="0"/>
+        </a:xfrm>
+      </p:grpSpPr>
+      <p:sp>
+        <p:nvSpPr>
+          <p:cNvPr id="142" name="Shape 142"/>
+          <p:cNvSpPr>
+            <a:spLocks noGrp="1" noRot="1" noChangeAspect="1"/>
+          </p:cNvSpPr>
+          <p:nvPr>
+            <p:ph type="sldImg"/>
+          </p:nvPr>
+        </p:nvSpPr>
+        <p:spPr>
+          <a:prstGeom prst="rect">
+            <a:avLst/>
+          </a:prstGeom>
+        </p:spPr>
+        <p:txBody>
+          <a:bodyPr/>
+          <a:lstStyle/>
+          <a:p>
+            <a:endParaRPr/>
+          </a:p>
+        </p:txBody>
+      </p:sp>
+      <p:sp>
+        <p:nvSpPr>
+          <p:cNvPr id="143" name="Shape 143"/>
+          <p:cNvSpPr>
+            <a:spLocks noGrp="1"/>
+          </p:cNvSpPr>
+          <p:nvPr>
+            <p:ph type="body" sz="quarter" idx="1"/>
+          </p:nvPr>
+        </p:nvSpPr>
+        <p:spPr>
+          <a:prstGeom prst="rect">
+            <a:avLst/>
+          </a:prstGeom>
+        </p:spPr>
+        <p:txBody>
+          <a:bodyPr/>
+          <a:lstStyle>
+            <a:lvl1pPr>
+              <a:defRPr>
+                <a:latin typeface="微軟正黑體"/>
+                <a:ea typeface="微軟正黑體"/>
+                <a:cs typeface="微軟正黑體"/>
+                <a:sym typeface="微軟正黑體"/>
+              </a:defRPr>
+            </a:lvl1pPr>
+          </a:lstStyle>
+          <a:p>
+            <a:pPr>
+              <a:defRPr>
+                <a:latin typeface="+mj-lt"/>
+                <a:ea typeface="+mj-ea"/>
+                <a:cs typeface="+mj-cs"/>
+                <a:sym typeface="Calibri"/>
+              </a:defRPr>
+            </a:pPr>
+            <a:endParaRPr dirty="0">
+              <a:latin typeface="微軟正黑體"/>
+              <a:ea typeface="微軟正黑體"/>
+              <a:cs typeface="微軟正黑體"/>
+              <a:sym typeface="微軟正黑體"/>
+            </a:endParaRPr>
+          </a:p>
+        </p:txBody>
+      </p:sp>
+    </p:spTree>
+    <p:extLst>
+      <p:ext uri="{BB962C8B-B14F-4D97-AF65-F5344CB8AC3E}">
+        <p14:creationId xmlns:p14="http://schemas.microsoft.com/office/powerpoint/2010/main" val="3419812881"/>
+      </p:ext>
+    </p:extLst>
+  </p:cSld>
+  <p:clrMapOvr>
+    <a:masterClrMapping/>
+  </p:clrMapOvr>
+</p:notes>
+</file>
+
+<file path=ppt/notesSlides/notesSlide16.xml><?xml version="1.0" encoding="utf-8"?>
 <p:notes xmlns:a="http://schemas.openxmlformats.org/drawingml/2006/main" xmlns:r="http://schemas.openxmlformats.org/officeDocument/2006/relationships" xmlns:p="http://schemas.openxmlformats.org/presentationml/2006/main">
   <p:cSld>
     <p:spTree>
@@ -719,7 +1224,7 @@
           <a:p>
             <a:fld id="{288A6225-17E4-4F1A-9B1B-5D6F54C0EC31}" type="slidenum">
               <a:rPr lang="zh-TW" altLang="en-US" smtClean="0"/>
-              <a:t>12</a:t>
+              <a:t>17</a:t>
             </a:fld>
             <a:endParaRPr lang="zh-TW" altLang="en-US"/>
           </a:p>
@@ -728,7 +1233,7 @@
     </p:spTree>
     <p:extLst>
       <p:ext uri="{BB962C8B-B14F-4D97-AF65-F5344CB8AC3E}">
-        <p14:creationId xmlns:p14="http://schemas.microsoft.com/office/powerpoint/2010/main" val="140719533"/>
+        <p14:creationId xmlns:p14="http://schemas.microsoft.com/office/powerpoint/2010/main" val="4160195133"/>
       </p:ext>
     </p:extLst>
   </p:cSld>
@@ -738,7 +1243,7 @@
 </p:notes>
 </file>
 
-<file path=ppt/notesSlides/notesSlide12.xml><?xml version="1.0" encoding="utf-8"?>
+<file path=ppt/notesSlides/notesSlide17.xml><?xml version="1.0" encoding="utf-8"?>
 <p:notes xmlns:a="http://schemas.openxmlformats.org/drawingml/2006/main" xmlns:r="http://schemas.openxmlformats.org/officeDocument/2006/relationships" xmlns:p="http://schemas.openxmlformats.org/presentationml/2006/main">
   <p:cSld>
     <p:spTree>
@@ -803,7 +1308,7 @@
           <a:p>
             <a:fld id="{288A6225-17E4-4F1A-9B1B-5D6F54C0EC31}" type="slidenum">
               <a:rPr lang="zh-TW" altLang="en-US" smtClean="0"/>
-              <a:t>13</a:t>
+              <a:t>18</a:t>
             </a:fld>
             <a:endParaRPr lang="zh-TW" altLang="en-US"/>
           </a:p>
@@ -812,7 +1317,7 @@
     </p:spTree>
     <p:extLst>
       <p:ext uri="{BB962C8B-B14F-4D97-AF65-F5344CB8AC3E}">
-        <p14:creationId xmlns:p14="http://schemas.microsoft.com/office/powerpoint/2010/main" val="575362123"/>
+        <p14:creationId xmlns:p14="http://schemas.microsoft.com/office/powerpoint/2010/main" val="140719533"/>
       </p:ext>
     </p:extLst>
   </p:cSld>
@@ -822,7 +1327,7 @@
 </p:notes>
 </file>
 
-<file path=ppt/notesSlides/notesSlide13.xml><?xml version="1.0" encoding="utf-8"?>
+<file path=ppt/notesSlides/notesSlide18.xml><?xml version="1.0" encoding="utf-8"?>
 <p:notes xmlns:a="http://schemas.openxmlformats.org/drawingml/2006/main" xmlns:r="http://schemas.openxmlformats.org/officeDocument/2006/relationships" xmlns:p="http://schemas.openxmlformats.org/presentationml/2006/main">
   <p:cSld>
     <p:spTree>
@@ -887,7 +1392,7 @@
           <a:p>
             <a:fld id="{288A6225-17E4-4F1A-9B1B-5D6F54C0EC31}" type="slidenum">
               <a:rPr lang="zh-TW" altLang="en-US" smtClean="0"/>
-              <a:t>14</a:t>
+              <a:t>19</a:t>
             </a:fld>
             <a:endParaRPr lang="zh-TW" altLang="en-US"/>
           </a:p>
@@ -896,7 +1401,7 @@
     </p:spTree>
     <p:extLst>
       <p:ext uri="{BB962C8B-B14F-4D97-AF65-F5344CB8AC3E}">
-        <p14:creationId xmlns:p14="http://schemas.microsoft.com/office/powerpoint/2010/main" val="2777034489"/>
+        <p14:creationId xmlns:p14="http://schemas.microsoft.com/office/powerpoint/2010/main" val="575362123"/>
       </p:ext>
     </p:extLst>
   </p:cSld>
@@ -906,7 +1411,7 @@
 </p:notes>
 </file>
 
-<file path=ppt/notesSlides/notesSlide14.xml><?xml version="1.0" encoding="utf-8"?>
+<file path=ppt/notesSlides/notesSlide19.xml><?xml version="1.0" encoding="utf-8"?>
 <p:notes xmlns:a="http://schemas.openxmlformats.org/drawingml/2006/main" xmlns:r="http://schemas.openxmlformats.org/officeDocument/2006/relationships" xmlns:p="http://schemas.openxmlformats.org/presentationml/2006/main">
   <p:cSld>
     <p:spTree>
@@ -954,10 +1459,33 @@
           </a:p>
         </p:txBody>
       </p:sp>
+      <p:sp>
+        <p:nvSpPr>
+          <p:cNvPr id="4" name="投影片編號版面配置區 3"/>
+          <p:cNvSpPr>
+            <a:spLocks noGrp="1"/>
+          </p:cNvSpPr>
+          <p:nvPr>
+            <p:ph type="sldNum" sz="quarter" idx="10"/>
+          </p:nvPr>
+        </p:nvSpPr>
+        <p:spPr/>
+        <p:txBody>
+          <a:bodyPr/>
+          <a:lstStyle/>
+          <a:p>
+            <a:fld id="{288A6225-17E4-4F1A-9B1B-5D6F54C0EC31}" type="slidenum">
+              <a:rPr lang="zh-TW" altLang="en-US" smtClean="0"/>
+              <a:t>20</a:t>
+            </a:fld>
+            <a:endParaRPr lang="zh-TW" altLang="en-US"/>
+          </a:p>
+        </p:txBody>
+      </p:sp>
     </p:spTree>
     <p:extLst>
       <p:ext uri="{BB962C8B-B14F-4D97-AF65-F5344CB8AC3E}">
-        <p14:creationId xmlns:p14="http://schemas.microsoft.com/office/powerpoint/2010/main" val="3374632939"/>
+        <p14:creationId xmlns:p14="http://schemas.microsoft.com/office/powerpoint/2010/main" val="2777034489"/>
       </p:ext>
     </p:extLst>
   </p:cSld>
@@ -1053,6 +1581,67 @@
         </p:txBody>
       </p:sp>
     </p:spTree>
+  </p:cSld>
+  <p:clrMapOvr>
+    <a:masterClrMapping/>
+  </p:clrMapOvr>
+</p:notes>
+</file>
+
+<file path=ppt/notesSlides/notesSlide20.xml><?xml version="1.0" encoding="utf-8"?>
+<p:notes xmlns:a="http://schemas.openxmlformats.org/drawingml/2006/main" xmlns:r="http://schemas.openxmlformats.org/officeDocument/2006/relationships" xmlns:p="http://schemas.openxmlformats.org/presentationml/2006/main">
+  <p:cSld>
+    <p:spTree>
+      <p:nvGrpSpPr>
+        <p:cNvPr id="1" name=""/>
+        <p:cNvGrpSpPr/>
+        <p:nvPr/>
+      </p:nvGrpSpPr>
+      <p:grpSpPr>
+        <a:xfrm>
+          <a:off x="0" y="0"/>
+          <a:ext cx="0" cy="0"/>
+          <a:chOff x="0" y="0"/>
+          <a:chExt cx="0" cy="0"/>
+        </a:xfrm>
+      </p:grpSpPr>
+      <p:sp>
+        <p:nvSpPr>
+          <p:cNvPr id="2" name="投影片圖像版面配置區 1"/>
+          <p:cNvSpPr>
+            <a:spLocks noGrp="1" noRot="1" noChangeAspect="1"/>
+          </p:cNvSpPr>
+          <p:nvPr>
+            <p:ph type="sldImg"/>
+          </p:nvPr>
+        </p:nvSpPr>
+        <p:spPr/>
+      </p:sp>
+      <p:sp>
+        <p:nvSpPr>
+          <p:cNvPr id="3" name="備忘稿版面配置區 2"/>
+          <p:cNvSpPr>
+            <a:spLocks noGrp="1"/>
+          </p:cNvSpPr>
+          <p:nvPr>
+            <p:ph type="body" idx="1"/>
+          </p:nvPr>
+        </p:nvSpPr>
+        <p:spPr/>
+        <p:txBody>
+          <a:bodyPr/>
+          <a:lstStyle/>
+          <a:p>
+            <a:endParaRPr lang="zh-TW" altLang="en-US" dirty="0"/>
+          </a:p>
+        </p:txBody>
+      </p:sp>
+    </p:spTree>
+    <p:extLst>
+      <p:ext uri="{BB962C8B-B14F-4D97-AF65-F5344CB8AC3E}">
+        <p14:creationId xmlns:p14="http://schemas.microsoft.com/office/powerpoint/2010/main" val="3374632939"/>
+      </p:ext>
+    </p:extLst>
   </p:cSld>
   <p:clrMapOvr>
     <a:masterClrMapping/>
@@ -1552,7 +2141,7 @@
               <a:t>"</a:t>
             </a:r>
             <a:r>
-              <a:rPr lang="en" altLang="zh-TW" sz="1200" b="0" kern="1200">
+              <a:rPr lang="en" altLang="zh-TW" sz="1200" b="0" kern="1200" dirty="0">
                 <a:solidFill>
                   <a:schemeClr val="tx1"/>
                 </a:solidFill>
@@ -1561,19 +2150,7 @@
                 <a:ea typeface="微軟正黑體" panose="020B0604030504040204" pitchFamily="34" charset="-120"/>
                 <a:cs typeface="+mn-cs"/>
               </a:rPr>
-              <a:t>&gt;&lt;/</a:t>
-            </a:r>
-            <a:r>
-              <a:rPr lang="en" altLang="zh-TW" sz="1200" b="0" kern="1200" dirty="0">
-                <a:solidFill>
-                  <a:schemeClr val="tx1"/>
-                </a:solidFill>
-                <a:effectLst/>
-                <a:latin typeface="+mn-lt"/>
-                <a:ea typeface="微軟正黑體" panose="020B0604030504040204" pitchFamily="34" charset="-120"/>
-                <a:cs typeface="+mn-cs"/>
-              </a:rPr>
-              <a:t>script&gt;</a:t>
+              <a:t>&gt;&lt;/script&gt;</a:t>
             </a:r>
           </a:p>
         </p:txBody>
@@ -1800,7 +2377,7 @@
     </p:spTree>
     <p:extLst>
       <p:ext uri="{BB962C8B-B14F-4D97-AF65-F5344CB8AC3E}">
-        <p14:creationId xmlns:p14="http://schemas.microsoft.com/office/powerpoint/2010/main" val="229164645"/>
+        <p14:creationId xmlns:p14="http://schemas.microsoft.com/office/powerpoint/2010/main" val="2197846010"/>
       </p:ext>
     </p:extLst>
   </p:cSld>
@@ -1896,6 +2473,11 @@
         </p:txBody>
       </p:sp>
     </p:spTree>
+    <p:extLst>
+      <p:ext uri="{BB962C8B-B14F-4D97-AF65-F5344CB8AC3E}">
+        <p14:creationId xmlns:p14="http://schemas.microsoft.com/office/powerpoint/2010/main" val="229164645"/>
+      </p:ext>
+    </p:extLst>
   </p:cSld>
   <p:clrMapOvr>
     <a:masterClrMapping/>
@@ -3503,7 +4085,7 @@
           </a:ln>
           <a:extLst>
             <a:ext uri="{C572A759-6A51-4108-AA02-DFA0A04FC94B}">
-              <ma14:wrappingTextBoxFlag xmlns="" xmlns:m="http://schemas.openxmlformats.org/officeDocument/2006/math" xmlns:a14="http://schemas.microsoft.com/office/drawing/2010/main" xmlns:ma14="http://schemas.microsoft.com/office/mac/drawingml/2011/main" val="1"/>
+              <ma14:wrappingTextBoxFlag xmlns:ma14="http://schemas.microsoft.com/office/mac/drawingml/2011/main" xmlns:a14="http://schemas.microsoft.com/office/drawing/2010/main" xmlns:m="http://schemas.openxmlformats.org/officeDocument/2006/math" xmlns="" val="1"/>
             </a:ext>
           </a:extLst>
         </p:spPr>
@@ -3542,7 +4124,7 @@
           </a:ln>
           <a:extLst>
             <a:ext uri="{C572A759-6A51-4108-AA02-DFA0A04FC94B}">
-              <ma14:wrappingTextBoxFlag xmlns="" xmlns:m="http://schemas.openxmlformats.org/officeDocument/2006/math" xmlns:a14="http://schemas.microsoft.com/office/drawing/2010/main" xmlns:ma14="http://schemas.microsoft.com/office/mac/drawingml/2011/main" val="1"/>
+              <ma14:wrappingTextBoxFlag xmlns:ma14="http://schemas.microsoft.com/office/mac/drawingml/2011/main" xmlns:a14="http://schemas.microsoft.com/office/drawing/2010/main" xmlns:m="http://schemas.openxmlformats.org/officeDocument/2006/math" xmlns="" val="1"/>
             </a:ext>
           </a:extLst>
         </p:spPr>
@@ -4494,6 +5076,392 @@
           <a:chExt cx="0" cy="0"/>
         </a:xfrm>
       </p:grpSpPr>
+      <p:pic>
+        <p:nvPicPr>
+          <p:cNvPr id="4" name="圖片 3">
+            <a:extLst>
+              <a:ext uri="{FF2B5EF4-FFF2-40B4-BE49-F238E27FC236}">
+                <a16:creationId xmlns:a16="http://schemas.microsoft.com/office/drawing/2014/main" id="{79BFE227-0310-444E-8B42-847DB7C2C47C}"/>
+              </a:ext>
+            </a:extLst>
+          </p:cNvPr>
+          <p:cNvPicPr>
+            <a:picLocks noChangeAspect="1"/>
+          </p:cNvPicPr>
+          <p:nvPr/>
+        </p:nvPicPr>
+        <p:blipFill>
+          <a:blip r:embed="rId2">
+            <a:extLst>
+              <a:ext uri="{28A0092B-C50C-407E-A947-70E740481C1C}">
+                <a14:useLocalDpi xmlns:a14="http://schemas.microsoft.com/office/drawing/2010/main" val="0"/>
+              </a:ext>
+            </a:extLst>
+          </a:blip>
+          <a:stretch>
+            <a:fillRect/>
+          </a:stretch>
+        </p:blipFill>
+        <p:spPr>
+          <a:xfrm>
+            <a:off x="-9939" y="3200400"/>
+            <a:ext cx="17172880" cy="858644"/>
+          </a:xfrm>
+          <a:prstGeom prst="rect">
+            <a:avLst/>
+          </a:prstGeom>
+        </p:spPr>
+      </p:pic>
+      <p:sp>
+        <p:nvSpPr>
+          <p:cNvPr id="7" name="標題 1">
+            <a:extLst>
+              <a:ext uri="{FF2B5EF4-FFF2-40B4-BE49-F238E27FC236}">
+                <a16:creationId xmlns:a16="http://schemas.microsoft.com/office/drawing/2014/main" id="{79571BCD-F4E7-424E-B68F-13305C2E5E54}"/>
+              </a:ext>
+            </a:extLst>
+          </p:cNvPr>
+          <p:cNvSpPr txBox="1">
+            <a:spLocks/>
+          </p:cNvSpPr>
+          <p:nvPr/>
+        </p:nvSpPr>
+        <p:spPr>
+          <a:xfrm>
+            <a:off x="0" y="1"/>
+            <a:ext cx="9144000" cy="836712"/>
+          </a:xfrm>
+          <a:prstGeom prst="rect">
+            <a:avLst/>
+          </a:prstGeom>
+          <a:ln w="12700">
+            <a:miter lim="400000"/>
+          </a:ln>
+          <a:extLst>
+            <a:ext uri="{C572A759-6A51-4108-AA02-DFA0A04FC94B}">
+              <ma14:wrappingTextBoxFlag xmlns:ma14="http://schemas.microsoft.com/office/mac/drawingml/2011/main" xmlns:a14="http://schemas.microsoft.com/office/drawing/2010/main" xmlns:m="http://schemas.openxmlformats.org/officeDocument/2006/math" xmlns="" val="1"/>
+            </a:ext>
+          </a:extLst>
+        </p:spPr>
+        <p:txBody>
+          <a:bodyPr lIns="45719" rIns="45719" anchor="b">
+            <a:normAutofit/>
+          </a:bodyPr>
+          <a:lstStyle>
+            <a:lvl1pPr marL="0" marR="0" indent="0" algn="l" defTabSz="685800" rtl="0" latinLnBrk="0">
+              <a:lnSpc>
+                <a:spcPct val="90000"/>
+              </a:lnSpc>
+              <a:spcBef>
+                <a:spcPts val="0"/>
+              </a:spcBef>
+              <a:spcAft>
+                <a:spcPts val="0"/>
+              </a:spcAft>
+              <a:buClrTx/>
+              <a:buSzTx/>
+              <a:buFontTx/>
+              <a:buNone/>
+              <a:tabLst/>
+              <a:defRPr sz="3300" b="0" i="0" u="none" strike="noStrike" cap="none" spc="0" baseline="0">
+                <a:solidFill>
+                  <a:srgbClr val="000000"/>
+                </a:solidFill>
+                <a:uFillTx/>
+                <a:latin typeface="Calibri Light"/>
+                <a:ea typeface="Calibri Light"/>
+                <a:cs typeface="Calibri Light"/>
+                <a:sym typeface="Calibri Light"/>
+              </a:defRPr>
+            </a:lvl1pPr>
+            <a:lvl2pPr marL="0" marR="0" indent="0" algn="l" defTabSz="685800" rtl="0" latinLnBrk="0">
+              <a:lnSpc>
+                <a:spcPct val="90000"/>
+              </a:lnSpc>
+              <a:spcBef>
+                <a:spcPts val="0"/>
+              </a:spcBef>
+              <a:spcAft>
+                <a:spcPts val="0"/>
+              </a:spcAft>
+              <a:buClrTx/>
+              <a:buSzTx/>
+              <a:buFontTx/>
+              <a:buNone/>
+              <a:tabLst/>
+              <a:defRPr sz="3300" b="0" i="0" u="none" strike="noStrike" cap="none" spc="0" baseline="0">
+                <a:solidFill>
+                  <a:srgbClr val="000000"/>
+                </a:solidFill>
+                <a:uFillTx/>
+                <a:latin typeface="Calibri Light"/>
+                <a:ea typeface="Calibri Light"/>
+                <a:cs typeface="Calibri Light"/>
+                <a:sym typeface="Calibri Light"/>
+              </a:defRPr>
+            </a:lvl2pPr>
+            <a:lvl3pPr marL="0" marR="0" indent="0" algn="l" defTabSz="685800" rtl="0" latinLnBrk="0">
+              <a:lnSpc>
+                <a:spcPct val="90000"/>
+              </a:lnSpc>
+              <a:spcBef>
+                <a:spcPts val="0"/>
+              </a:spcBef>
+              <a:spcAft>
+                <a:spcPts val="0"/>
+              </a:spcAft>
+              <a:buClrTx/>
+              <a:buSzTx/>
+              <a:buFontTx/>
+              <a:buNone/>
+              <a:tabLst/>
+              <a:defRPr sz="3300" b="0" i="0" u="none" strike="noStrike" cap="none" spc="0" baseline="0">
+                <a:solidFill>
+                  <a:srgbClr val="000000"/>
+                </a:solidFill>
+                <a:uFillTx/>
+                <a:latin typeface="Calibri Light"/>
+                <a:ea typeface="Calibri Light"/>
+                <a:cs typeface="Calibri Light"/>
+                <a:sym typeface="Calibri Light"/>
+              </a:defRPr>
+            </a:lvl3pPr>
+            <a:lvl4pPr marL="0" marR="0" indent="0" algn="l" defTabSz="685800" rtl="0" latinLnBrk="0">
+              <a:lnSpc>
+                <a:spcPct val="90000"/>
+              </a:lnSpc>
+              <a:spcBef>
+                <a:spcPts val="0"/>
+              </a:spcBef>
+              <a:spcAft>
+                <a:spcPts val="0"/>
+              </a:spcAft>
+              <a:buClrTx/>
+              <a:buSzTx/>
+              <a:buFontTx/>
+              <a:buNone/>
+              <a:tabLst/>
+              <a:defRPr sz="3300" b="0" i="0" u="none" strike="noStrike" cap="none" spc="0" baseline="0">
+                <a:solidFill>
+                  <a:srgbClr val="000000"/>
+                </a:solidFill>
+                <a:uFillTx/>
+                <a:latin typeface="Calibri Light"/>
+                <a:ea typeface="Calibri Light"/>
+                <a:cs typeface="Calibri Light"/>
+                <a:sym typeface="Calibri Light"/>
+              </a:defRPr>
+            </a:lvl4pPr>
+            <a:lvl5pPr marL="0" marR="0" indent="0" algn="l" defTabSz="685800" rtl="0" latinLnBrk="0">
+              <a:lnSpc>
+                <a:spcPct val="90000"/>
+              </a:lnSpc>
+              <a:spcBef>
+                <a:spcPts val="0"/>
+              </a:spcBef>
+              <a:spcAft>
+                <a:spcPts val="0"/>
+              </a:spcAft>
+              <a:buClrTx/>
+              <a:buSzTx/>
+              <a:buFontTx/>
+              <a:buNone/>
+              <a:tabLst/>
+              <a:defRPr sz="3300" b="0" i="0" u="none" strike="noStrike" cap="none" spc="0" baseline="0">
+                <a:solidFill>
+                  <a:srgbClr val="000000"/>
+                </a:solidFill>
+                <a:uFillTx/>
+                <a:latin typeface="Calibri Light"/>
+                <a:ea typeface="Calibri Light"/>
+                <a:cs typeface="Calibri Light"/>
+                <a:sym typeface="Calibri Light"/>
+              </a:defRPr>
+            </a:lvl5pPr>
+            <a:lvl6pPr marL="0" marR="0" indent="0" algn="l" defTabSz="685800" rtl="0" latinLnBrk="0">
+              <a:lnSpc>
+                <a:spcPct val="90000"/>
+              </a:lnSpc>
+              <a:spcBef>
+                <a:spcPts val="0"/>
+              </a:spcBef>
+              <a:spcAft>
+                <a:spcPts val="0"/>
+              </a:spcAft>
+              <a:buClrTx/>
+              <a:buSzTx/>
+              <a:buFontTx/>
+              <a:buNone/>
+              <a:tabLst/>
+              <a:defRPr sz="3300" b="0" i="0" u="none" strike="noStrike" cap="none" spc="0" baseline="0">
+                <a:solidFill>
+                  <a:srgbClr val="000000"/>
+                </a:solidFill>
+                <a:uFillTx/>
+                <a:latin typeface="Calibri Light"/>
+                <a:ea typeface="Calibri Light"/>
+                <a:cs typeface="Calibri Light"/>
+                <a:sym typeface="Calibri Light"/>
+              </a:defRPr>
+            </a:lvl6pPr>
+            <a:lvl7pPr marL="0" marR="0" indent="0" algn="l" defTabSz="685800" rtl="0" latinLnBrk="0">
+              <a:lnSpc>
+                <a:spcPct val="90000"/>
+              </a:lnSpc>
+              <a:spcBef>
+                <a:spcPts val="0"/>
+              </a:spcBef>
+              <a:spcAft>
+                <a:spcPts val="0"/>
+              </a:spcAft>
+              <a:buClrTx/>
+              <a:buSzTx/>
+              <a:buFontTx/>
+              <a:buNone/>
+              <a:tabLst/>
+              <a:defRPr sz="3300" b="0" i="0" u="none" strike="noStrike" cap="none" spc="0" baseline="0">
+                <a:solidFill>
+                  <a:srgbClr val="000000"/>
+                </a:solidFill>
+                <a:uFillTx/>
+                <a:latin typeface="Calibri Light"/>
+                <a:ea typeface="Calibri Light"/>
+                <a:cs typeface="Calibri Light"/>
+                <a:sym typeface="Calibri Light"/>
+              </a:defRPr>
+            </a:lvl7pPr>
+            <a:lvl8pPr marL="0" marR="0" indent="0" algn="l" defTabSz="685800" rtl="0" latinLnBrk="0">
+              <a:lnSpc>
+                <a:spcPct val="90000"/>
+              </a:lnSpc>
+              <a:spcBef>
+                <a:spcPts val="0"/>
+              </a:spcBef>
+              <a:spcAft>
+                <a:spcPts val="0"/>
+              </a:spcAft>
+              <a:buClrTx/>
+              <a:buSzTx/>
+              <a:buFontTx/>
+              <a:buNone/>
+              <a:tabLst/>
+              <a:defRPr sz="3300" b="0" i="0" u="none" strike="noStrike" cap="none" spc="0" baseline="0">
+                <a:solidFill>
+                  <a:srgbClr val="000000"/>
+                </a:solidFill>
+                <a:uFillTx/>
+                <a:latin typeface="Calibri Light"/>
+                <a:ea typeface="Calibri Light"/>
+                <a:cs typeface="Calibri Light"/>
+                <a:sym typeface="Calibri Light"/>
+              </a:defRPr>
+            </a:lvl8pPr>
+            <a:lvl9pPr marL="0" marR="0" indent="0" algn="l" defTabSz="685800" rtl="0" latinLnBrk="0">
+              <a:lnSpc>
+                <a:spcPct val="90000"/>
+              </a:lnSpc>
+              <a:spcBef>
+                <a:spcPts val="0"/>
+              </a:spcBef>
+              <a:spcAft>
+                <a:spcPts val="0"/>
+              </a:spcAft>
+              <a:buClrTx/>
+              <a:buSzTx/>
+              <a:buFontTx/>
+              <a:buNone/>
+              <a:tabLst/>
+              <a:defRPr sz="3300" b="0" i="0" u="none" strike="noStrike" cap="none" spc="0" baseline="0">
+                <a:solidFill>
+                  <a:srgbClr val="000000"/>
+                </a:solidFill>
+                <a:uFillTx/>
+                <a:latin typeface="Calibri Light"/>
+                <a:ea typeface="Calibri Light"/>
+                <a:cs typeface="Calibri Light"/>
+                <a:sym typeface="Calibri Light"/>
+              </a:defRPr>
+            </a:lvl9pPr>
+          </a:lstStyle>
+          <a:p>
+            <a:pPr algn="ctr" hangingPunct="1"/>
+            <a:r>
+              <a:rPr lang="en-US" altLang="zh-TW" sz="4000" dirty="0">
+                <a:solidFill>
+                  <a:srgbClr val="0070C0"/>
+                </a:solidFill>
+                <a:latin typeface="微軟正黑體" panose="020B0604030504040204" pitchFamily="34" charset="-120"/>
+              </a:rPr>
+              <a:t>Bootstrap </a:t>
+            </a:r>
+            <a:r>
+              <a:rPr lang="zh-TW" altLang="en-US" sz="4000" dirty="0">
+                <a:solidFill>
+                  <a:srgbClr val="0070C0"/>
+                </a:solidFill>
+                <a:latin typeface="微軟正黑體" panose="020B0604030504040204" pitchFamily="34" charset="-120"/>
+              </a:rPr>
+              <a:t>導航列（</a:t>
+            </a:r>
+            <a:r>
+              <a:rPr lang="en-US" altLang="zh-TW" sz="4000" dirty="0">
+                <a:solidFill>
+                  <a:srgbClr val="0070C0"/>
+                </a:solidFill>
+                <a:latin typeface="微軟正黑體" panose="020B0604030504040204" pitchFamily="34" charset="-120"/>
+              </a:rPr>
+              <a:t>Navbar</a:t>
+            </a:r>
+            <a:r>
+              <a:rPr lang="zh-TW" altLang="en-US" sz="4000" dirty="0">
+                <a:solidFill>
+                  <a:srgbClr val="0070C0"/>
+                </a:solidFill>
+                <a:latin typeface="微軟正黑體" panose="020B0604030504040204" pitchFamily="34" charset="-120"/>
+              </a:rPr>
+              <a:t>）</a:t>
+            </a:r>
+            <a:endParaRPr lang="zh-TW" altLang="en-US" sz="4000" dirty="0">
+              <a:solidFill>
+                <a:srgbClr val="0070C0"/>
+              </a:solidFill>
+              <a:latin typeface="微軟正黑體" panose="020B0604030504040204" pitchFamily="34" charset="-120"/>
+              <a:ea typeface="微軟正黑體" panose="020B0604030504040204" pitchFamily="34" charset="-120"/>
+            </a:endParaRPr>
+          </a:p>
+        </p:txBody>
+      </p:sp>
+    </p:spTree>
+    <p:extLst>
+      <p:ext uri="{BB962C8B-B14F-4D97-AF65-F5344CB8AC3E}">
+        <p14:creationId xmlns:p14="http://schemas.microsoft.com/office/powerpoint/2010/main" val="812190110"/>
+      </p:ext>
+    </p:extLst>
+  </p:cSld>
+  <p:clrMapOvr>
+    <a:masterClrMapping/>
+  </p:clrMapOvr>
+  <p:transition spd="med"/>
+</p:sld>
+</file>
+
+<file path=ppt/slides/slide11.xml><?xml version="1.0" encoding="utf-8"?>
+<p:sld xmlns:a="http://schemas.openxmlformats.org/drawingml/2006/main" xmlns:r="http://schemas.openxmlformats.org/officeDocument/2006/relationships" xmlns:p="http://schemas.openxmlformats.org/presentationml/2006/main">
+  <p:cSld>
+    <p:spTree>
+      <p:nvGrpSpPr>
+        <p:cNvPr id="1" name=""/>
+        <p:cNvGrpSpPr/>
+        <p:nvPr/>
+      </p:nvGrpSpPr>
+      <p:grpSpPr>
+        <a:xfrm>
+          <a:off x="0" y="0"/>
+          <a:ext cx="0" cy="0"/>
+          <a:chOff x="0" y="0"/>
+          <a:chExt cx="0" cy="0"/>
+        </a:xfrm>
+      </p:grpSpPr>
       <p:sp>
         <p:nvSpPr>
           <p:cNvPr id="138" name="Slide Number Placeholder 5"/>
@@ -4514,7 +5482,7 @@
           </a:prstGeom>
           <a:extLst>
             <a:ext uri="{C572A759-6A51-4108-AA02-DFA0A04FC94B}">
-              <ma14:wrappingTextBoxFlag xmlns="" xmlns:m="http://schemas.openxmlformats.org/officeDocument/2006/math" xmlns:a14="http://schemas.microsoft.com/office/drawing/2010/main" xmlns:ma14="http://schemas.microsoft.com/office/mac/drawingml/2011/main" val="1"/>
+              <ma14:wrappingTextBoxFlag xmlns:ma14="http://schemas.microsoft.com/office/mac/drawingml/2011/main" xmlns:a14="http://schemas.microsoft.com/office/drawing/2010/main" xmlns:m="http://schemas.openxmlformats.org/officeDocument/2006/math" xmlns="" val="1"/>
             </a:ext>
           </a:extLst>
         </p:spPr>
@@ -4523,7 +5491,7 @@
           <a:lstStyle/>
           <a:p>
             <a:fld id="{86CB4B4D-7CA3-9044-876B-883B54F8677D}" type="slidenum">
-              <a:t>10</a:t>
+              <a:t>11</a:t>
             </a:fld>
             <a:endParaRPr/>
           </a:p>
@@ -4592,7 +5560,7 @@
           </a:ln>
           <a:extLst>
             <a:ext uri="{C572A759-6A51-4108-AA02-DFA0A04FC94B}">
-              <ma14:wrappingTextBoxFlag xmlns="" xmlns:m="http://schemas.openxmlformats.org/officeDocument/2006/math" xmlns:a14="http://schemas.microsoft.com/office/drawing/2010/main" xmlns:ma14="http://schemas.microsoft.com/office/mac/drawingml/2011/main" val="1"/>
+              <ma14:wrappingTextBoxFlag xmlns:ma14="http://schemas.microsoft.com/office/mac/drawingml/2011/main" xmlns:a14="http://schemas.microsoft.com/office/drawing/2010/main" xmlns:m="http://schemas.openxmlformats.org/officeDocument/2006/math" xmlns="" val="1"/>
             </a:ext>
           </a:extLst>
         </p:spPr>
@@ -5509,7 +6477,4014 @@
 </p:sld>
 </file>
 
-<file path=ppt/slides/slide11.xml><?xml version="1.0" encoding="utf-8"?>
+<file path=ppt/slides/slide12.xml><?xml version="1.0" encoding="utf-8"?>
+<p:sld xmlns:a="http://schemas.openxmlformats.org/drawingml/2006/main" xmlns:r="http://schemas.openxmlformats.org/officeDocument/2006/relationships" xmlns:p="http://schemas.openxmlformats.org/presentationml/2006/main">
+  <p:cSld>
+    <p:spTree>
+      <p:nvGrpSpPr>
+        <p:cNvPr id="1" name=""/>
+        <p:cNvGrpSpPr/>
+        <p:nvPr/>
+      </p:nvGrpSpPr>
+      <p:grpSpPr>
+        <a:xfrm>
+          <a:off x="0" y="0"/>
+          <a:ext cx="0" cy="0"/>
+          <a:chOff x="0" y="0"/>
+          <a:chExt cx="0" cy="0"/>
+        </a:xfrm>
+      </p:grpSpPr>
+      <p:sp>
+        <p:nvSpPr>
+          <p:cNvPr id="138" name="Slide Number Placeholder 5"/>
+          <p:cNvSpPr txBox="1">
+            <a:spLocks noGrp="1"/>
+          </p:cNvSpPr>
+          <p:nvPr>
+            <p:ph type="sldNum" sz="quarter" idx="2"/>
+          </p:nvPr>
+        </p:nvSpPr>
+        <p:spPr>
+          <a:xfrm>
+            <a:off x="4466957" y="6356351"/>
+            <a:ext cx="210088" cy="320041"/>
+          </a:xfrm>
+          <a:prstGeom prst="rect">
+            <a:avLst/>
+          </a:prstGeom>
+          <a:extLst>
+            <a:ext uri="{C572A759-6A51-4108-AA02-DFA0A04FC94B}">
+              <ma14:wrappingTextBoxFlag xmlns:ma14="http://schemas.microsoft.com/office/mac/drawingml/2011/main" xmlns:a14="http://schemas.microsoft.com/office/drawing/2010/main" xmlns:m="http://schemas.openxmlformats.org/officeDocument/2006/math" xmlns="" val="1"/>
+            </a:ext>
+          </a:extLst>
+        </p:spPr>
+        <p:txBody>
+          <a:bodyPr/>
+          <a:lstStyle/>
+          <a:p>
+            <a:fld id="{86CB4B4D-7CA3-9044-876B-883B54F8677D}" type="slidenum">
+              <a:t>12</a:t>
+            </a:fld>
+            <a:endParaRPr/>
+          </a:p>
+        </p:txBody>
+      </p:sp>
+      <p:sp>
+        <p:nvSpPr>
+          <p:cNvPr id="10" name="標題 1">
+            <a:extLst>
+              <a:ext uri="{FF2B5EF4-FFF2-40B4-BE49-F238E27FC236}">
+                <a16:creationId xmlns:a16="http://schemas.microsoft.com/office/drawing/2014/main" id="{3E825FEB-6A13-5B4F-B6E7-D371204EDFAC}"/>
+              </a:ext>
+            </a:extLst>
+          </p:cNvPr>
+          <p:cNvSpPr txBox="1">
+            <a:spLocks/>
+          </p:cNvSpPr>
+          <p:nvPr/>
+        </p:nvSpPr>
+        <p:spPr>
+          <a:xfrm>
+            <a:off x="0" y="1"/>
+            <a:ext cx="9144000" cy="836712"/>
+          </a:xfrm>
+          <a:prstGeom prst="rect">
+            <a:avLst/>
+          </a:prstGeom>
+          <a:ln w="12700">
+            <a:miter lim="400000"/>
+          </a:ln>
+          <a:extLst>
+            <a:ext uri="{C572A759-6A51-4108-AA02-DFA0A04FC94B}">
+              <ma14:wrappingTextBoxFlag xmlns:ma14="http://schemas.microsoft.com/office/mac/drawingml/2011/main" xmlns:a14="http://schemas.microsoft.com/office/drawing/2010/main" xmlns:m="http://schemas.openxmlformats.org/officeDocument/2006/math" xmlns="" val="1"/>
+            </a:ext>
+          </a:extLst>
+        </p:spPr>
+        <p:txBody>
+          <a:bodyPr lIns="45719" rIns="45719" anchor="b">
+            <a:normAutofit/>
+          </a:bodyPr>
+          <a:lstStyle>
+            <a:lvl1pPr marL="0" marR="0" indent="0" algn="l" defTabSz="685800" rtl="0" latinLnBrk="0">
+              <a:lnSpc>
+                <a:spcPct val="90000"/>
+              </a:lnSpc>
+              <a:spcBef>
+                <a:spcPts val="0"/>
+              </a:spcBef>
+              <a:spcAft>
+                <a:spcPts val="0"/>
+              </a:spcAft>
+              <a:buClrTx/>
+              <a:buSzTx/>
+              <a:buFontTx/>
+              <a:buNone/>
+              <a:tabLst/>
+              <a:defRPr sz="3300" b="0" i="0" u="none" strike="noStrike" cap="none" spc="0" baseline="0">
+                <a:solidFill>
+                  <a:srgbClr val="000000"/>
+                </a:solidFill>
+                <a:uFillTx/>
+                <a:latin typeface="Calibri Light"/>
+                <a:ea typeface="Calibri Light"/>
+                <a:cs typeface="Calibri Light"/>
+                <a:sym typeface="Calibri Light"/>
+              </a:defRPr>
+            </a:lvl1pPr>
+            <a:lvl2pPr marL="0" marR="0" indent="0" algn="l" defTabSz="685800" rtl="0" latinLnBrk="0">
+              <a:lnSpc>
+                <a:spcPct val="90000"/>
+              </a:lnSpc>
+              <a:spcBef>
+                <a:spcPts val="0"/>
+              </a:spcBef>
+              <a:spcAft>
+                <a:spcPts val="0"/>
+              </a:spcAft>
+              <a:buClrTx/>
+              <a:buSzTx/>
+              <a:buFontTx/>
+              <a:buNone/>
+              <a:tabLst/>
+              <a:defRPr sz="3300" b="0" i="0" u="none" strike="noStrike" cap="none" spc="0" baseline="0">
+                <a:solidFill>
+                  <a:srgbClr val="000000"/>
+                </a:solidFill>
+                <a:uFillTx/>
+                <a:latin typeface="Calibri Light"/>
+                <a:ea typeface="Calibri Light"/>
+                <a:cs typeface="Calibri Light"/>
+                <a:sym typeface="Calibri Light"/>
+              </a:defRPr>
+            </a:lvl2pPr>
+            <a:lvl3pPr marL="0" marR="0" indent="0" algn="l" defTabSz="685800" rtl="0" latinLnBrk="0">
+              <a:lnSpc>
+                <a:spcPct val="90000"/>
+              </a:lnSpc>
+              <a:spcBef>
+                <a:spcPts val="0"/>
+              </a:spcBef>
+              <a:spcAft>
+                <a:spcPts val="0"/>
+              </a:spcAft>
+              <a:buClrTx/>
+              <a:buSzTx/>
+              <a:buFontTx/>
+              <a:buNone/>
+              <a:tabLst/>
+              <a:defRPr sz="3300" b="0" i="0" u="none" strike="noStrike" cap="none" spc="0" baseline="0">
+                <a:solidFill>
+                  <a:srgbClr val="000000"/>
+                </a:solidFill>
+                <a:uFillTx/>
+                <a:latin typeface="Calibri Light"/>
+                <a:ea typeface="Calibri Light"/>
+                <a:cs typeface="Calibri Light"/>
+                <a:sym typeface="Calibri Light"/>
+              </a:defRPr>
+            </a:lvl3pPr>
+            <a:lvl4pPr marL="0" marR="0" indent="0" algn="l" defTabSz="685800" rtl="0" latinLnBrk="0">
+              <a:lnSpc>
+                <a:spcPct val="90000"/>
+              </a:lnSpc>
+              <a:spcBef>
+                <a:spcPts val="0"/>
+              </a:spcBef>
+              <a:spcAft>
+                <a:spcPts val="0"/>
+              </a:spcAft>
+              <a:buClrTx/>
+              <a:buSzTx/>
+              <a:buFontTx/>
+              <a:buNone/>
+              <a:tabLst/>
+              <a:defRPr sz="3300" b="0" i="0" u="none" strike="noStrike" cap="none" spc="0" baseline="0">
+                <a:solidFill>
+                  <a:srgbClr val="000000"/>
+                </a:solidFill>
+                <a:uFillTx/>
+                <a:latin typeface="Calibri Light"/>
+                <a:ea typeface="Calibri Light"/>
+                <a:cs typeface="Calibri Light"/>
+                <a:sym typeface="Calibri Light"/>
+              </a:defRPr>
+            </a:lvl4pPr>
+            <a:lvl5pPr marL="0" marR="0" indent="0" algn="l" defTabSz="685800" rtl="0" latinLnBrk="0">
+              <a:lnSpc>
+                <a:spcPct val="90000"/>
+              </a:lnSpc>
+              <a:spcBef>
+                <a:spcPts val="0"/>
+              </a:spcBef>
+              <a:spcAft>
+                <a:spcPts val="0"/>
+              </a:spcAft>
+              <a:buClrTx/>
+              <a:buSzTx/>
+              <a:buFontTx/>
+              <a:buNone/>
+              <a:tabLst/>
+              <a:defRPr sz="3300" b="0" i="0" u="none" strike="noStrike" cap="none" spc="0" baseline="0">
+                <a:solidFill>
+                  <a:srgbClr val="000000"/>
+                </a:solidFill>
+                <a:uFillTx/>
+                <a:latin typeface="Calibri Light"/>
+                <a:ea typeface="Calibri Light"/>
+                <a:cs typeface="Calibri Light"/>
+                <a:sym typeface="Calibri Light"/>
+              </a:defRPr>
+            </a:lvl5pPr>
+            <a:lvl6pPr marL="0" marR="0" indent="0" algn="l" defTabSz="685800" rtl="0" latinLnBrk="0">
+              <a:lnSpc>
+                <a:spcPct val="90000"/>
+              </a:lnSpc>
+              <a:spcBef>
+                <a:spcPts val="0"/>
+              </a:spcBef>
+              <a:spcAft>
+                <a:spcPts val="0"/>
+              </a:spcAft>
+              <a:buClrTx/>
+              <a:buSzTx/>
+              <a:buFontTx/>
+              <a:buNone/>
+              <a:tabLst/>
+              <a:defRPr sz="3300" b="0" i="0" u="none" strike="noStrike" cap="none" spc="0" baseline="0">
+                <a:solidFill>
+                  <a:srgbClr val="000000"/>
+                </a:solidFill>
+                <a:uFillTx/>
+                <a:latin typeface="Calibri Light"/>
+                <a:ea typeface="Calibri Light"/>
+                <a:cs typeface="Calibri Light"/>
+                <a:sym typeface="Calibri Light"/>
+              </a:defRPr>
+            </a:lvl6pPr>
+            <a:lvl7pPr marL="0" marR="0" indent="0" algn="l" defTabSz="685800" rtl="0" latinLnBrk="0">
+              <a:lnSpc>
+                <a:spcPct val="90000"/>
+              </a:lnSpc>
+              <a:spcBef>
+                <a:spcPts val="0"/>
+              </a:spcBef>
+              <a:spcAft>
+                <a:spcPts val="0"/>
+              </a:spcAft>
+              <a:buClrTx/>
+              <a:buSzTx/>
+              <a:buFontTx/>
+              <a:buNone/>
+              <a:tabLst/>
+              <a:defRPr sz="3300" b="0" i="0" u="none" strike="noStrike" cap="none" spc="0" baseline="0">
+                <a:solidFill>
+                  <a:srgbClr val="000000"/>
+                </a:solidFill>
+                <a:uFillTx/>
+                <a:latin typeface="Calibri Light"/>
+                <a:ea typeface="Calibri Light"/>
+                <a:cs typeface="Calibri Light"/>
+                <a:sym typeface="Calibri Light"/>
+              </a:defRPr>
+            </a:lvl7pPr>
+            <a:lvl8pPr marL="0" marR="0" indent="0" algn="l" defTabSz="685800" rtl="0" latinLnBrk="0">
+              <a:lnSpc>
+                <a:spcPct val="90000"/>
+              </a:lnSpc>
+              <a:spcBef>
+                <a:spcPts val="0"/>
+              </a:spcBef>
+              <a:spcAft>
+                <a:spcPts val="0"/>
+              </a:spcAft>
+              <a:buClrTx/>
+              <a:buSzTx/>
+              <a:buFontTx/>
+              <a:buNone/>
+              <a:tabLst/>
+              <a:defRPr sz="3300" b="0" i="0" u="none" strike="noStrike" cap="none" spc="0" baseline="0">
+                <a:solidFill>
+                  <a:srgbClr val="000000"/>
+                </a:solidFill>
+                <a:uFillTx/>
+                <a:latin typeface="Calibri Light"/>
+                <a:ea typeface="Calibri Light"/>
+                <a:cs typeface="Calibri Light"/>
+                <a:sym typeface="Calibri Light"/>
+              </a:defRPr>
+            </a:lvl8pPr>
+            <a:lvl9pPr marL="0" marR="0" indent="0" algn="l" defTabSz="685800" rtl="0" latinLnBrk="0">
+              <a:lnSpc>
+                <a:spcPct val="90000"/>
+              </a:lnSpc>
+              <a:spcBef>
+                <a:spcPts val="0"/>
+              </a:spcBef>
+              <a:spcAft>
+                <a:spcPts val="0"/>
+              </a:spcAft>
+              <a:buClrTx/>
+              <a:buSzTx/>
+              <a:buFontTx/>
+              <a:buNone/>
+              <a:tabLst/>
+              <a:defRPr sz="3300" b="0" i="0" u="none" strike="noStrike" cap="none" spc="0" baseline="0">
+                <a:solidFill>
+                  <a:srgbClr val="000000"/>
+                </a:solidFill>
+                <a:uFillTx/>
+                <a:latin typeface="Calibri Light"/>
+                <a:ea typeface="Calibri Light"/>
+                <a:cs typeface="Calibri Light"/>
+                <a:sym typeface="Calibri Light"/>
+              </a:defRPr>
+            </a:lvl9pPr>
+          </a:lstStyle>
+          <a:p>
+            <a:pPr algn="ctr" hangingPunct="1"/>
+            <a:r>
+              <a:rPr lang="en-US" altLang="zh-TW" sz="4000" dirty="0">
+                <a:solidFill>
+                  <a:srgbClr val="0070C0"/>
+                </a:solidFill>
+                <a:latin typeface="微軟正黑體" panose="020B0604030504040204" pitchFamily="34" charset="-120"/>
+              </a:rPr>
+              <a:t>Bootstrap </a:t>
+            </a:r>
+            <a:r>
+              <a:rPr lang="zh-TW" altLang="en-US" sz="4000" dirty="0">
+                <a:solidFill>
+                  <a:srgbClr val="0070C0"/>
+                </a:solidFill>
+                <a:latin typeface="微軟正黑體" panose="020B0604030504040204" pitchFamily="34" charset="-120"/>
+              </a:rPr>
+              <a:t>圖片輪播（</a:t>
+            </a:r>
+            <a:r>
+              <a:rPr lang="en-US" altLang="zh-TW" sz="4000" dirty="0">
+                <a:solidFill>
+                  <a:srgbClr val="0070C0"/>
+                </a:solidFill>
+                <a:latin typeface="微軟正黑體" panose="020B0604030504040204" pitchFamily="34" charset="-120"/>
+              </a:rPr>
+              <a:t>Carousel</a:t>
+            </a:r>
+            <a:r>
+              <a:rPr lang="zh-TW" altLang="en-US" sz="4000" dirty="0">
+                <a:solidFill>
+                  <a:srgbClr val="0070C0"/>
+                </a:solidFill>
+                <a:latin typeface="微軟正黑體" panose="020B0604030504040204" pitchFamily="34" charset="-120"/>
+              </a:rPr>
+              <a:t>）</a:t>
+            </a:r>
+            <a:endParaRPr lang="zh-TW" altLang="en-US" sz="4000" dirty="0">
+              <a:solidFill>
+                <a:srgbClr val="0070C0"/>
+              </a:solidFill>
+              <a:latin typeface="微軟正黑體" panose="020B0604030504040204" pitchFamily="34" charset="-120"/>
+              <a:ea typeface="微軟正黑體" panose="020B0604030504040204" pitchFamily="34" charset="-120"/>
+            </a:endParaRPr>
+          </a:p>
+        </p:txBody>
+      </p:sp>
+      <p:pic>
+        <p:nvPicPr>
+          <p:cNvPr id="3" name="圖片 2">
+            <a:extLst>
+              <a:ext uri="{FF2B5EF4-FFF2-40B4-BE49-F238E27FC236}">
+                <a16:creationId xmlns:a16="http://schemas.microsoft.com/office/drawing/2014/main" id="{98B19DAC-D49D-437E-A08C-2CE837023945}"/>
+              </a:ext>
+            </a:extLst>
+          </p:cNvPr>
+          <p:cNvPicPr>
+            <a:picLocks noChangeAspect="1"/>
+          </p:cNvPicPr>
+          <p:nvPr/>
+        </p:nvPicPr>
+        <p:blipFill rotWithShape="1">
+          <a:blip r:embed="rId3"/>
+          <a:srcRect t="-349"/>
+          <a:stretch/>
+        </p:blipFill>
+        <p:spPr>
+          <a:xfrm>
+            <a:off x="215900" y="1081204"/>
+            <a:ext cx="8509000" cy="4807819"/>
+          </a:xfrm>
+          <a:prstGeom prst="rect">
+            <a:avLst/>
+          </a:prstGeom>
+          <a:ln w="76200">
+            <a:solidFill>
+              <a:srgbClr val="FFC000"/>
+            </a:solidFill>
+          </a:ln>
+        </p:spPr>
+      </p:pic>
+      <p:sp>
+        <p:nvSpPr>
+          <p:cNvPr id="9" name="矩形: 圓角 8">
+            <a:extLst>
+              <a:ext uri="{FF2B5EF4-FFF2-40B4-BE49-F238E27FC236}">
+                <a16:creationId xmlns:a16="http://schemas.microsoft.com/office/drawing/2014/main" id="{23E6375D-11AF-44FD-94D3-55AEDABF47D2}"/>
+              </a:ext>
+            </a:extLst>
+          </p:cNvPr>
+          <p:cNvSpPr/>
+          <p:nvPr/>
+        </p:nvSpPr>
+        <p:spPr>
+          <a:xfrm>
+            <a:off x="3453813" y="5554159"/>
+            <a:ext cx="2026287" cy="303146"/>
+          </a:xfrm>
+          <a:prstGeom prst="roundRect">
+            <a:avLst/>
+          </a:prstGeom>
+          <a:noFill/>
+          <a:ln w="38100" cap="flat">
+            <a:solidFill>
+              <a:srgbClr val="FFFF00"/>
+            </a:solidFill>
+            <a:prstDash val="solid"/>
+            <a:miter lim="800000"/>
+          </a:ln>
+          <a:effectLst/>
+          <a:sp3d/>
+        </p:spPr>
+        <p:style>
+          <a:lnRef idx="0">
+            <a:scrgbClr r="0" g="0" b="0"/>
+          </a:lnRef>
+          <a:fillRef idx="0">
+            <a:scrgbClr r="0" g="0" b="0"/>
+          </a:fillRef>
+          <a:effectRef idx="0">
+            <a:scrgbClr r="0" g="0" b="0"/>
+          </a:effectRef>
+          <a:fontRef idx="none"/>
+        </p:style>
+        <p:txBody>
+          <a:bodyPr rot="0" spcFirstLastPara="1" vertOverflow="overflow" horzOverflow="overflow" vert="horz" wrap="square" lIns="45719" tIns="45719" rIns="45719" bIns="45719" numCol="1" spcCol="38100" rtlCol="0" anchor="ctr">
+            <a:spAutoFit/>
+          </a:bodyPr>
+          <a:lstStyle/>
+          <a:p>
+            <a:pPr marL="0" marR="0" indent="0" algn="l" defTabSz="914400" rtl="0" fontAlgn="auto" latinLnBrk="0" hangingPunct="0">
+              <a:lnSpc>
+                <a:spcPct val="100000"/>
+              </a:lnSpc>
+              <a:spcBef>
+                <a:spcPts val="0"/>
+              </a:spcBef>
+              <a:spcAft>
+                <a:spcPts val="0"/>
+              </a:spcAft>
+              <a:buClrTx/>
+              <a:buSzTx/>
+              <a:buFontTx/>
+              <a:buNone/>
+              <a:tabLst/>
+            </a:pPr>
+            <a:endParaRPr kumimoji="0" lang="zh-TW" altLang="en-US" sz="1800" b="0" i="0" u="none" strike="noStrike" cap="none" spc="0" normalizeH="0" baseline="0">
+              <a:ln>
+                <a:noFill/>
+              </a:ln>
+              <a:solidFill>
+                <a:srgbClr val="000000"/>
+              </a:solidFill>
+              <a:effectLst/>
+              <a:uFillTx/>
+              <a:latin typeface="+mj-lt"/>
+              <a:ea typeface="+mj-ea"/>
+              <a:cs typeface="+mj-cs"/>
+              <a:sym typeface="Calibri"/>
+            </a:endParaRPr>
+          </a:p>
+        </p:txBody>
+      </p:sp>
+      <p:sp>
+        <p:nvSpPr>
+          <p:cNvPr id="11" name="矩形: 圓角 10">
+            <a:extLst>
+              <a:ext uri="{FF2B5EF4-FFF2-40B4-BE49-F238E27FC236}">
+                <a16:creationId xmlns:a16="http://schemas.microsoft.com/office/drawing/2014/main" id="{8AC24DD4-A5CE-4F2C-B484-FCDDCEABF355}"/>
+              </a:ext>
+            </a:extLst>
+          </p:cNvPr>
+          <p:cNvSpPr/>
+          <p:nvPr/>
+        </p:nvSpPr>
+        <p:spPr>
+          <a:xfrm>
+            <a:off x="504826" y="3305175"/>
+            <a:ext cx="514349" cy="388661"/>
+          </a:xfrm>
+          <a:prstGeom prst="roundRect">
+            <a:avLst/>
+          </a:prstGeom>
+          <a:noFill/>
+          <a:ln w="38100" cap="flat">
+            <a:solidFill>
+              <a:srgbClr val="FFFF00"/>
+            </a:solidFill>
+            <a:prstDash val="solid"/>
+            <a:miter lim="800000"/>
+          </a:ln>
+          <a:effectLst/>
+          <a:sp3d/>
+        </p:spPr>
+        <p:style>
+          <a:lnRef idx="0">
+            <a:scrgbClr r="0" g="0" b="0"/>
+          </a:lnRef>
+          <a:fillRef idx="0">
+            <a:scrgbClr r="0" g="0" b="0"/>
+          </a:fillRef>
+          <a:effectRef idx="0">
+            <a:scrgbClr r="0" g="0" b="0"/>
+          </a:effectRef>
+          <a:fontRef idx="none"/>
+        </p:style>
+        <p:txBody>
+          <a:bodyPr rot="0" spcFirstLastPara="1" vertOverflow="overflow" horzOverflow="overflow" vert="horz" wrap="square" lIns="45719" tIns="45719" rIns="45719" bIns="45719" numCol="1" spcCol="38100" rtlCol="0" anchor="ctr">
+            <a:spAutoFit/>
+          </a:bodyPr>
+          <a:lstStyle/>
+          <a:p>
+            <a:pPr marL="0" marR="0" indent="0" algn="l" defTabSz="914400" rtl="0" fontAlgn="auto" latinLnBrk="0" hangingPunct="0">
+              <a:lnSpc>
+                <a:spcPct val="100000"/>
+              </a:lnSpc>
+              <a:spcBef>
+                <a:spcPts val="0"/>
+              </a:spcBef>
+              <a:spcAft>
+                <a:spcPts val="0"/>
+              </a:spcAft>
+              <a:buClrTx/>
+              <a:buSzTx/>
+              <a:buFontTx/>
+              <a:buNone/>
+              <a:tabLst/>
+            </a:pPr>
+            <a:endParaRPr kumimoji="0" lang="zh-TW" altLang="en-US" sz="1800" b="0" i="0" u="none" strike="noStrike" cap="none" spc="0" normalizeH="0" baseline="0">
+              <a:ln>
+                <a:noFill/>
+              </a:ln>
+              <a:solidFill>
+                <a:srgbClr val="000000"/>
+              </a:solidFill>
+              <a:effectLst/>
+              <a:uFillTx/>
+              <a:latin typeface="+mj-lt"/>
+              <a:ea typeface="+mj-ea"/>
+              <a:cs typeface="+mj-cs"/>
+              <a:sym typeface="Calibri"/>
+            </a:endParaRPr>
+          </a:p>
+        </p:txBody>
+      </p:sp>
+      <p:sp>
+        <p:nvSpPr>
+          <p:cNvPr id="12" name="矩形: 圓角 11">
+            <a:extLst>
+              <a:ext uri="{FF2B5EF4-FFF2-40B4-BE49-F238E27FC236}">
+                <a16:creationId xmlns:a16="http://schemas.microsoft.com/office/drawing/2014/main" id="{9248BE8A-51FB-4799-ABE6-62F33F03AAB5}"/>
+              </a:ext>
+            </a:extLst>
+          </p:cNvPr>
+          <p:cNvSpPr/>
+          <p:nvPr/>
+        </p:nvSpPr>
+        <p:spPr>
+          <a:xfrm>
+            <a:off x="7934326" y="3305175"/>
+            <a:ext cx="514349" cy="388661"/>
+          </a:xfrm>
+          <a:prstGeom prst="roundRect">
+            <a:avLst/>
+          </a:prstGeom>
+          <a:noFill/>
+          <a:ln w="38100" cap="flat">
+            <a:solidFill>
+              <a:srgbClr val="FFFF00"/>
+            </a:solidFill>
+            <a:prstDash val="solid"/>
+            <a:miter lim="800000"/>
+          </a:ln>
+          <a:effectLst/>
+          <a:sp3d/>
+        </p:spPr>
+        <p:style>
+          <a:lnRef idx="0">
+            <a:scrgbClr r="0" g="0" b="0"/>
+          </a:lnRef>
+          <a:fillRef idx="0">
+            <a:scrgbClr r="0" g="0" b="0"/>
+          </a:fillRef>
+          <a:effectRef idx="0">
+            <a:scrgbClr r="0" g="0" b="0"/>
+          </a:effectRef>
+          <a:fontRef idx="none"/>
+        </p:style>
+        <p:txBody>
+          <a:bodyPr rot="0" spcFirstLastPara="1" vertOverflow="overflow" horzOverflow="overflow" vert="horz" wrap="square" lIns="45719" tIns="45719" rIns="45719" bIns="45719" numCol="1" spcCol="38100" rtlCol="0" anchor="ctr">
+            <a:spAutoFit/>
+          </a:bodyPr>
+          <a:lstStyle/>
+          <a:p>
+            <a:pPr marL="0" marR="0" indent="0" algn="l" defTabSz="914400" rtl="0" fontAlgn="auto" latinLnBrk="0" hangingPunct="0">
+              <a:lnSpc>
+                <a:spcPct val="100000"/>
+              </a:lnSpc>
+              <a:spcBef>
+                <a:spcPts val="0"/>
+              </a:spcBef>
+              <a:spcAft>
+                <a:spcPts val="0"/>
+              </a:spcAft>
+              <a:buClrTx/>
+              <a:buSzTx/>
+              <a:buFontTx/>
+              <a:buNone/>
+              <a:tabLst/>
+            </a:pPr>
+            <a:endParaRPr kumimoji="0" lang="zh-TW" altLang="en-US" sz="1800" b="0" i="0" u="none" strike="noStrike" cap="none" spc="0" normalizeH="0" baseline="0">
+              <a:ln>
+                <a:noFill/>
+              </a:ln>
+              <a:solidFill>
+                <a:srgbClr val="000000"/>
+              </a:solidFill>
+              <a:effectLst/>
+              <a:uFillTx/>
+              <a:latin typeface="+mj-lt"/>
+              <a:ea typeface="+mj-ea"/>
+              <a:cs typeface="+mj-cs"/>
+              <a:sym typeface="Calibri"/>
+            </a:endParaRPr>
+          </a:p>
+        </p:txBody>
+      </p:sp>
+      <p:sp>
+        <p:nvSpPr>
+          <p:cNvPr id="14" name="文字方塊 13">
+            <a:extLst>
+              <a:ext uri="{FF2B5EF4-FFF2-40B4-BE49-F238E27FC236}">
+                <a16:creationId xmlns:a16="http://schemas.microsoft.com/office/drawing/2014/main" id="{5E1BE631-C774-4D4A-B65B-C95CE10DA186}"/>
+              </a:ext>
+            </a:extLst>
+          </p:cNvPr>
+          <p:cNvSpPr txBox="1"/>
+          <p:nvPr/>
+        </p:nvSpPr>
+        <p:spPr>
+          <a:xfrm>
+            <a:off x="3605181" y="3222506"/>
+            <a:ext cx="1723549" cy="553998"/>
+          </a:xfrm>
+          <a:prstGeom prst="rect">
+            <a:avLst/>
+          </a:prstGeom>
+          <a:noFill/>
+        </p:spPr>
+        <p:txBody>
+          <a:bodyPr wrap="none" rtlCol="0">
+            <a:spAutoFit/>
+          </a:bodyPr>
+          <a:lstStyle/>
+          <a:p>
+            <a:pPr algn="ctr"/>
+            <a:r>
+              <a:rPr lang="zh-TW" altLang="en-US" sz="3000" b="1" dirty="0">
+                <a:solidFill>
+                  <a:srgbClr val="FFFF00"/>
+                </a:solidFill>
+                <a:latin typeface="微軟正黑體" panose="020B0604030504040204" pitchFamily="34" charset="-120"/>
+                <a:ea typeface="微軟正黑體" panose="020B0604030504040204" pitchFamily="34" charset="-120"/>
+              </a:rPr>
+              <a:t>切換按鈕</a:t>
+            </a:r>
+          </a:p>
+        </p:txBody>
+      </p:sp>
+      <p:sp>
+        <p:nvSpPr>
+          <p:cNvPr id="18" name="箭號: 向右 17">
+            <a:extLst>
+              <a:ext uri="{FF2B5EF4-FFF2-40B4-BE49-F238E27FC236}">
+                <a16:creationId xmlns:a16="http://schemas.microsoft.com/office/drawing/2014/main" id="{973E9491-340B-43D1-83ED-85BF5C12B0F1}"/>
+              </a:ext>
+            </a:extLst>
+          </p:cNvPr>
+          <p:cNvSpPr/>
+          <p:nvPr/>
+        </p:nvSpPr>
+        <p:spPr>
+          <a:xfrm>
+            <a:off x="5822275" y="3305175"/>
+            <a:ext cx="1723549" cy="388661"/>
+          </a:xfrm>
+          <a:prstGeom prst="rightArrow">
+            <a:avLst/>
+          </a:prstGeom>
+          <a:solidFill>
+            <a:srgbClr val="FFFFFF"/>
+          </a:solidFill>
+          <a:ln w="12700" cap="flat">
+            <a:solidFill>
+              <a:schemeClr val="accent1"/>
+            </a:solidFill>
+            <a:prstDash val="solid"/>
+            <a:miter lim="800000"/>
+          </a:ln>
+          <a:effectLst/>
+          <a:sp3d/>
+        </p:spPr>
+        <p:style>
+          <a:lnRef idx="0">
+            <a:scrgbClr r="0" g="0" b="0"/>
+          </a:lnRef>
+          <a:fillRef idx="0">
+            <a:scrgbClr r="0" g="0" b="0"/>
+          </a:fillRef>
+          <a:effectRef idx="0">
+            <a:scrgbClr r="0" g="0" b="0"/>
+          </a:effectRef>
+          <a:fontRef idx="none"/>
+        </p:style>
+        <p:txBody>
+          <a:bodyPr rot="0" spcFirstLastPara="1" vertOverflow="overflow" horzOverflow="overflow" vert="horz" wrap="square" lIns="45719" tIns="45719" rIns="45719" bIns="45719" numCol="1" spcCol="38100" rtlCol="0" anchor="ctr">
+            <a:spAutoFit/>
+          </a:bodyPr>
+          <a:lstStyle/>
+          <a:p>
+            <a:pPr marL="0" marR="0" indent="0" algn="l" defTabSz="914400" rtl="0" fontAlgn="auto" latinLnBrk="0" hangingPunct="0">
+              <a:lnSpc>
+                <a:spcPct val="100000"/>
+              </a:lnSpc>
+              <a:spcBef>
+                <a:spcPts val="0"/>
+              </a:spcBef>
+              <a:spcAft>
+                <a:spcPts val="0"/>
+              </a:spcAft>
+              <a:buClrTx/>
+              <a:buSzTx/>
+              <a:buFontTx/>
+              <a:buNone/>
+              <a:tabLst/>
+            </a:pPr>
+            <a:endParaRPr kumimoji="0" lang="zh-TW" altLang="en-US" sz="1800" b="0" i="0" u="none" strike="noStrike" cap="none" spc="0" normalizeH="0" baseline="0">
+              <a:ln>
+                <a:noFill/>
+              </a:ln>
+              <a:solidFill>
+                <a:srgbClr val="000000"/>
+              </a:solidFill>
+              <a:effectLst/>
+              <a:uFillTx/>
+              <a:latin typeface="+mj-lt"/>
+              <a:ea typeface="+mj-ea"/>
+              <a:cs typeface="+mj-cs"/>
+              <a:sym typeface="Calibri"/>
+            </a:endParaRPr>
+          </a:p>
+        </p:txBody>
+      </p:sp>
+      <p:sp>
+        <p:nvSpPr>
+          <p:cNvPr id="20" name="箭號: 向右 19">
+            <a:extLst>
+              <a:ext uri="{FF2B5EF4-FFF2-40B4-BE49-F238E27FC236}">
+                <a16:creationId xmlns:a16="http://schemas.microsoft.com/office/drawing/2014/main" id="{BFC3F772-49A4-4F60-8987-2870A63B0975}"/>
+              </a:ext>
+            </a:extLst>
+          </p:cNvPr>
+          <p:cNvSpPr/>
+          <p:nvPr/>
+        </p:nvSpPr>
+        <p:spPr>
+          <a:xfrm rot="10800000">
+            <a:off x="1407677" y="3305175"/>
+            <a:ext cx="1723549" cy="388661"/>
+          </a:xfrm>
+          <a:prstGeom prst="rightArrow">
+            <a:avLst/>
+          </a:prstGeom>
+          <a:solidFill>
+            <a:srgbClr val="FFFFFF"/>
+          </a:solidFill>
+          <a:ln w="12700" cap="flat">
+            <a:solidFill>
+              <a:schemeClr val="accent1"/>
+            </a:solidFill>
+            <a:prstDash val="solid"/>
+            <a:miter lim="800000"/>
+          </a:ln>
+          <a:effectLst/>
+          <a:sp3d/>
+        </p:spPr>
+        <p:style>
+          <a:lnRef idx="0">
+            <a:scrgbClr r="0" g="0" b="0"/>
+          </a:lnRef>
+          <a:fillRef idx="0">
+            <a:scrgbClr r="0" g="0" b="0"/>
+          </a:fillRef>
+          <a:effectRef idx="0">
+            <a:scrgbClr r="0" g="0" b="0"/>
+          </a:effectRef>
+          <a:fontRef idx="none"/>
+        </p:style>
+        <p:txBody>
+          <a:bodyPr rot="0" spcFirstLastPara="1" vertOverflow="overflow" horzOverflow="overflow" vert="horz" wrap="square" lIns="45719" tIns="45719" rIns="45719" bIns="45719" numCol="1" spcCol="38100" rtlCol="0" anchor="ctr">
+            <a:spAutoFit/>
+          </a:bodyPr>
+          <a:lstStyle/>
+          <a:p>
+            <a:pPr marL="0" marR="0" indent="0" algn="l" defTabSz="914400" rtl="0" fontAlgn="auto" latinLnBrk="0" hangingPunct="0">
+              <a:lnSpc>
+                <a:spcPct val="100000"/>
+              </a:lnSpc>
+              <a:spcBef>
+                <a:spcPts val="0"/>
+              </a:spcBef>
+              <a:spcAft>
+                <a:spcPts val="0"/>
+              </a:spcAft>
+              <a:buClrTx/>
+              <a:buSzTx/>
+              <a:buFontTx/>
+              <a:buNone/>
+              <a:tabLst/>
+            </a:pPr>
+            <a:endParaRPr kumimoji="0" lang="zh-TW" altLang="en-US" sz="1800" b="0" i="0" u="none" strike="noStrike" cap="none" spc="0" normalizeH="0" baseline="0">
+              <a:ln>
+                <a:noFill/>
+              </a:ln>
+              <a:solidFill>
+                <a:srgbClr val="000000"/>
+              </a:solidFill>
+              <a:effectLst/>
+              <a:uFillTx/>
+              <a:latin typeface="+mj-lt"/>
+              <a:ea typeface="+mj-ea"/>
+              <a:cs typeface="+mj-cs"/>
+              <a:sym typeface="Calibri"/>
+            </a:endParaRPr>
+          </a:p>
+        </p:txBody>
+      </p:sp>
+      <p:sp>
+        <p:nvSpPr>
+          <p:cNvPr id="21" name="文字方塊 20">
+            <a:extLst>
+              <a:ext uri="{FF2B5EF4-FFF2-40B4-BE49-F238E27FC236}">
+                <a16:creationId xmlns:a16="http://schemas.microsoft.com/office/drawing/2014/main" id="{A31AA3BE-EB46-4528-A629-C9D4B2CE1C3D}"/>
+              </a:ext>
+            </a:extLst>
+          </p:cNvPr>
+          <p:cNvSpPr txBox="1"/>
+          <p:nvPr/>
+        </p:nvSpPr>
+        <p:spPr>
+          <a:xfrm>
+            <a:off x="3605180" y="4877916"/>
+            <a:ext cx="1723549" cy="553998"/>
+          </a:xfrm>
+          <a:prstGeom prst="rect">
+            <a:avLst/>
+          </a:prstGeom>
+          <a:noFill/>
+        </p:spPr>
+        <p:txBody>
+          <a:bodyPr wrap="none" rtlCol="0">
+            <a:spAutoFit/>
+          </a:bodyPr>
+          <a:lstStyle/>
+          <a:p>
+            <a:pPr algn="ctr"/>
+            <a:r>
+              <a:rPr lang="zh-TW" altLang="en-US" sz="3000" b="1" dirty="0">
+                <a:solidFill>
+                  <a:srgbClr val="FFFF00"/>
+                </a:solidFill>
+                <a:latin typeface="微軟正黑體" panose="020B0604030504040204" pitchFamily="34" charset="-120"/>
+                <a:ea typeface="微軟正黑體" panose="020B0604030504040204" pitchFamily="34" charset="-120"/>
+              </a:rPr>
+              <a:t>下方指標</a:t>
+            </a:r>
+          </a:p>
+        </p:txBody>
+      </p:sp>
+      <p:sp>
+        <p:nvSpPr>
+          <p:cNvPr id="22" name="文字方塊 21">
+            <a:extLst>
+              <a:ext uri="{FF2B5EF4-FFF2-40B4-BE49-F238E27FC236}">
+                <a16:creationId xmlns:a16="http://schemas.microsoft.com/office/drawing/2014/main" id="{7AE1A732-6A42-43FD-B587-E471A64F68EC}"/>
+              </a:ext>
+            </a:extLst>
+          </p:cNvPr>
+          <p:cNvSpPr txBox="1"/>
+          <p:nvPr/>
+        </p:nvSpPr>
+        <p:spPr>
+          <a:xfrm>
+            <a:off x="3989900" y="1047151"/>
+            <a:ext cx="954107" cy="553998"/>
+          </a:xfrm>
+          <a:prstGeom prst="rect">
+            <a:avLst/>
+          </a:prstGeom>
+          <a:noFill/>
+        </p:spPr>
+        <p:txBody>
+          <a:bodyPr wrap="none" rtlCol="0">
+            <a:spAutoFit/>
+          </a:bodyPr>
+          <a:lstStyle/>
+          <a:p>
+            <a:pPr algn="ctr"/>
+            <a:r>
+              <a:rPr lang="zh-TW" altLang="en-US" sz="3000" b="1" dirty="0">
+                <a:solidFill>
+                  <a:srgbClr val="FFC000"/>
+                </a:solidFill>
+                <a:latin typeface="微軟正黑體" panose="020B0604030504040204" pitchFamily="34" charset="-120"/>
+                <a:ea typeface="微軟正黑體" panose="020B0604030504040204" pitchFamily="34" charset="-120"/>
+              </a:rPr>
+              <a:t>圖片</a:t>
+            </a:r>
+          </a:p>
+        </p:txBody>
+      </p:sp>
+    </p:spTree>
+    <p:extLst>
+      <p:ext uri="{BB962C8B-B14F-4D97-AF65-F5344CB8AC3E}">
+        <p14:creationId xmlns:p14="http://schemas.microsoft.com/office/powerpoint/2010/main" val="82895130"/>
+      </p:ext>
+    </p:extLst>
+  </p:cSld>
+  <p:clrMapOvr>
+    <a:masterClrMapping/>
+  </p:clrMapOvr>
+  <p:transition spd="med"/>
+</p:sld>
+</file>
+
+<file path=ppt/slides/slide13.xml><?xml version="1.0" encoding="utf-8"?>
+<p:sld xmlns:a="http://schemas.openxmlformats.org/drawingml/2006/main" xmlns:r="http://schemas.openxmlformats.org/officeDocument/2006/relationships" xmlns:p="http://schemas.openxmlformats.org/presentationml/2006/main">
+  <p:cSld>
+    <p:spTree>
+      <p:nvGrpSpPr>
+        <p:cNvPr id="1" name=""/>
+        <p:cNvGrpSpPr/>
+        <p:nvPr/>
+      </p:nvGrpSpPr>
+      <p:grpSpPr>
+        <a:xfrm>
+          <a:off x="0" y="0"/>
+          <a:ext cx="0" cy="0"/>
+          <a:chOff x="0" y="0"/>
+          <a:chExt cx="0" cy="0"/>
+        </a:xfrm>
+      </p:grpSpPr>
+      <p:sp>
+        <p:nvSpPr>
+          <p:cNvPr id="138" name="Slide Number Placeholder 5"/>
+          <p:cNvSpPr txBox="1">
+            <a:spLocks noGrp="1"/>
+          </p:cNvSpPr>
+          <p:nvPr>
+            <p:ph type="sldNum" sz="quarter" idx="2"/>
+          </p:nvPr>
+        </p:nvSpPr>
+        <p:spPr>
+          <a:xfrm>
+            <a:off x="4466957" y="6356351"/>
+            <a:ext cx="210088" cy="320041"/>
+          </a:xfrm>
+          <a:prstGeom prst="rect">
+            <a:avLst/>
+          </a:prstGeom>
+          <a:extLst>
+            <a:ext uri="{C572A759-6A51-4108-AA02-DFA0A04FC94B}">
+              <ma14:wrappingTextBoxFlag xmlns:ma14="http://schemas.microsoft.com/office/mac/drawingml/2011/main" xmlns:a14="http://schemas.microsoft.com/office/drawing/2010/main" xmlns:m="http://schemas.openxmlformats.org/officeDocument/2006/math" xmlns="" val="1"/>
+            </a:ext>
+          </a:extLst>
+        </p:spPr>
+        <p:txBody>
+          <a:bodyPr/>
+          <a:lstStyle/>
+          <a:p>
+            <a:fld id="{86CB4B4D-7CA3-9044-876B-883B54F8677D}" type="slidenum">
+              <a:t>13</a:t>
+            </a:fld>
+            <a:endParaRPr/>
+          </a:p>
+        </p:txBody>
+      </p:sp>
+      <p:sp>
+        <p:nvSpPr>
+          <p:cNvPr id="10" name="標題 1">
+            <a:extLst>
+              <a:ext uri="{FF2B5EF4-FFF2-40B4-BE49-F238E27FC236}">
+                <a16:creationId xmlns:a16="http://schemas.microsoft.com/office/drawing/2014/main" id="{3E825FEB-6A13-5B4F-B6E7-D371204EDFAC}"/>
+              </a:ext>
+            </a:extLst>
+          </p:cNvPr>
+          <p:cNvSpPr txBox="1">
+            <a:spLocks/>
+          </p:cNvSpPr>
+          <p:nvPr/>
+        </p:nvSpPr>
+        <p:spPr>
+          <a:xfrm>
+            <a:off x="0" y="1"/>
+            <a:ext cx="9144000" cy="836712"/>
+          </a:xfrm>
+          <a:prstGeom prst="rect">
+            <a:avLst/>
+          </a:prstGeom>
+          <a:ln w="12700">
+            <a:miter lim="400000"/>
+          </a:ln>
+          <a:extLst>
+            <a:ext uri="{C572A759-6A51-4108-AA02-DFA0A04FC94B}">
+              <ma14:wrappingTextBoxFlag xmlns:ma14="http://schemas.microsoft.com/office/mac/drawingml/2011/main" xmlns:a14="http://schemas.microsoft.com/office/drawing/2010/main" xmlns:m="http://schemas.openxmlformats.org/officeDocument/2006/math" xmlns="" val="1"/>
+            </a:ext>
+          </a:extLst>
+        </p:spPr>
+        <p:txBody>
+          <a:bodyPr lIns="45719" rIns="45719" anchor="b">
+            <a:normAutofit/>
+          </a:bodyPr>
+          <a:lstStyle>
+            <a:lvl1pPr marL="0" marR="0" indent="0" algn="l" defTabSz="685800" rtl="0" latinLnBrk="0">
+              <a:lnSpc>
+                <a:spcPct val="90000"/>
+              </a:lnSpc>
+              <a:spcBef>
+                <a:spcPts val="0"/>
+              </a:spcBef>
+              <a:spcAft>
+                <a:spcPts val="0"/>
+              </a:spcAft>
+              <a:buClrTx/>
+              <a:buSzTx/>
+              <a:buFontTx/>
+              <a:buNone/>
+              <a:tabLst/>
+              <a:defRPr sz="3300" b="0" i="0" u="none" strike="noStrike" cap="none" spc="0" baseline="0">
+                <a:solidFill>
+                  <a:srgbClr val="000000"/>
+                </a:solidFill>
+                <a:uFillTx/>
+                <a:latin typeface="Calibri Light"/>
+                <a:ea typeface="Calibri Light"/>
+                <a:cs typeface="Calibri Light"/>
+                <a:sym typeface="Calibri Light"/>
+              </a:defRPr>
+            </a:lvl1pPr>
+            <a:lvl2pPr marL="0" marR="0" indent="0" algn="l" defTabSz="685800" rtl="0" latinLnBrk="0">
+              <a:lnSpc>
+                <a:spcPct val="90000"/>
+              </a:lnSpc>
+              <a:spcBef>
+                <a:spcPts val="0"/>
+              </a:spcBef>
+              <a:spcAft>
+                <a:spcPts val="0"/>
+              </a:spcAft>
+              <a:buClrTx/>
+              <a:buSzTx/>
+              <a:buFontTx/>
+              <a:buNone/>
+              <a:tabLst/>
+              <a:defRPr sz="3300" b="0" i="0" u="none" strike="noStrike" cap="none" spc="0" baseline="0">
+                <a:solidFill>
+                  <a:srgbClr val="000000"/>
+                </a:solidFill>
+                <a:uFillTx/>
+                <a:latin typeface="Calibri Light"/>
+                <a:ea typeface="Calibri Light"/>
+                <a:cs typeface="Calibri Light"/>
+                <a:sym typeface="Calibri Light"/>
+              </a:defRPr>
+            </a:lvl2pPr>
+            <a:lvl3pPr marL="0" marR="0" indent="0" algn="l" defTabSz="685800" rtl="0" latinLnBrk="0">
+              <a:lnSpc>
+                <a:spcPct val="90000"/>
+              </a:lnSpc>
+              <a:spcBef>
+                <a:spcPts val="0"/>
+              </a:spcBef>
+              <a:spcAft>
+                <a:spcPts val="0"/>
+              </a:spcAft>
+              <a:buClrTx/>
+              <a:buSzTx/>
+              <a:buFontTx/>
+              <a:buNone/>
+              <a:tabLst/>
+              <a:defRPr sz="3300" b="0" i="0" u="none" strike="noStrike" cap="none" spc="0" baseline="0">
+                <a:solidFill>
+                  <a:srgbClr val="000000"/>
+                </a:solidFill>
+                <a:uFillTx/>
+                <a:latin typeface="Calibri Light"/>
+                <a:ea typeface="Calibri Light"/>
+                <a:cs typeface="Calibri Light"/>
+                <a:sym typeface="Calibri Light"/>
+              </a:defRPr>
+            </a:lvl3pPr>
+            <a:lvl4pPr marL="0" marR="0" indent="0" algn="l" defTabSz="685800" rtl="0" latinLnBrk="0">
+              <a:lnSpc>
+                <a:spcPct val="90000"/>
+              </a:lnSpc>
+              <a:spcBef>
+                <a:spcPts val="0"/>
+              </a:spcBef>
+              <a:spcAft>
+                <a:spcPts val="0"/>
+              </a:spcAft>
+              <a:buClrTx/>
+              <a:buSzTx/>
+              <a:buFontTx/>
+              <a:buNone/>
+              <a:tabLst/>
+              <a:defRPr sz="3300" b="0" i="0" u="none" strike="noStrike" cap="none" spc="0" baseline="0">
+                <a:solidFill>
+                  <a:srgbClr val="000000"/>
+                </a:solidFill>
+                <a:uFillTx/>
+                <a:latin typeface="Calibri Light"/>
+                <a:ea typeface="Calibri Light"/>
+                <a:cs typeface="Calibri Light"/>
+                <a:sym typeface="Calibri Light"/>
+              </a:defRPr>
+            </a:lvl4pPr>
+            <a:lvl5pPr marL="0" marR="0" indent="0" algn="l" defTabSz="685800" rtl="0" latinLnBrk="0">
+              <a:lnSpc>
+                <a:spcPct val="90000"/>
+              </a:lnSpc>
+              <a:spcBef>
+                <a:spcPts val="0"/>
+              </a:spcBef>
+              <a:spcAft>
+                <a:spcPts val="0"/>
+              </a:spcAft>
+              <a:buClrTx/>
+              <a:buSzTx/>
+              <a:buFontTx/>
+              <a:buNone/>
+              <a:tabLst/>
+              <a:defRPr sz="3300" b="0" i="0" u="none" strike="noStrike" cap="none" spc="0" baseline="0">
+                <a:solidFill>
+                  <a:srgbClr val="000000"/>
+                </a:solidFill>
+                <a:uFillTx/>
+                <a:latin typeface="Calibri Light"/>
+                <a:ea typeface="Calibri Light"/>
+                <a:cs typeface="Calibri Light"/>
+                <a:sym typeface="Calibri Light"/>
+              </a:defRPr>
+            </a:lvl5pPr>
+            <a:lvl6pPr marL="0" marR="0" indent="0" algn="l" defTabSz="685800" rtl="0" latinLnBrk="0">
+              <a:lnSpc>
+                <a:spcPct val="90000"/>
+              </a:lnSpc>
+              <a:spcBef>
+                <a:spcPts val="0"/>
+              </a:spcBef>
+              <a:spcAft>
+                <a:spcPts val="0"/>
+              </a:spcAft>
+              <a:buClrTx/>
+              <a:buSzTx/>
+              <a:buFontTx/>
+              <a:buNone/>
+              <a:tabLst/>
+              <a:defRPr sz="3300" b="0" i="0" u="none" strike="noStrike" cap="none" spc="0" baseline="0">
+                <a:solidFill>
+                  <a:srgbClr val="000000"/>
+                </a:solidFill>
+                <a:uFillTx/>
+                <a:latin typeface="Calibri Light"/>
+                <a:ea typeface="Calibri Light"/>
+                <a:cs typeface="Calibri Light"/>
+                <a:sym typeface="Calibri Light"/>
+              </a:defRPr>
+            </a:lvl6pPr>
+            <a:lvl7pPr marL="0" marR="0" indent="0" algn="l" defTabSz="685800" rtl="0" latinLnBrk="0">
+              <a:lnSpc>
+                <a:spcPct val="90000"/>
+              </a:lnSpc>
+              <a:spcBef>
+                <a:spcPts val="0"/>
+              </a:spcBef>
+              <a:spcAft>
+                <a:spcPts val="0"/>
+              </a:spcAft>
+              <a:buClrTx/>
+              <a:buSzTx/>
+              <a:buFontTx/>
+              <a:buNone/>
+              <a:tabLst/>
+              <a:defRPr sz="3300" b="0" i="0" u="none" strike="noStrike" cap="none" spc="0" baseline="0">
+                <a:solidFill>
+                  <a:srgbClr val="000000"/>
+                </a:solidFill>
+                <a:uFillTx/>
+                <a:latin typeface="Calibri Light"/>
+                <a:ea typeface="Calibri Light"/>
+                <a:cs typeface="Calibri Light"/>
+                <a:sym typeface="Calibri Light"/>
+              </a:defRPr>
+            </a:lvl7pPr>
+            <a:lvl8pPr marL="0" marR="0" indent="0" algn="l" defTabSz="685800" rtl="0" latinLnBrk="0">
+              <a:lnSpc>
+                <a:spcPct val="90000"/>
+              </a:lnSpc>
+              <a:spcBef>
+                <a:spcPts val="0"/>
+              </a:spcBef>
+              <a:spcAft>
+                <a:spcPts val="0"/>
+              </a:spcAft>
+              <a:buClrTx/>
+              <a:buSzTx/>
+              <a:buFontTx/>
+              <a:buNone/>
+              <a:tabLst/>
+              <a:defRPr sz="3300" b="0" i="0" u="none" strike="noStrike" cap="none" spc="0" baseline="0">
+                <a:solidFill>
+                  <a:srgbClr val="000000"/>
+                </a:solidFill>
+                <a:uFillTx/>
+                <a:latin typeface="Calibri Light"/>
+                <a:ea typeface="Calibri Light"/>
+                <a:cs typeface="Calibri Light"/>
+                <a:sym typeface="Calibri Light"/>
+              </a:defRPr>
+            </a:lvl8pPr>
+            <a:lvl9pPr marL="0" marR="0" indent="0" algn="l" defTabSz="685800" rtl="0" latinLnBrk="0">
+              <a:lnSpc>
+                <a:spcPct val="90000"/>
+              </a:lnSpc>
+              <a:spcBef>
+                <a:spcPts val="0"/>
+              </a:spcBef>
+              <a:spcAft>
+                <a:spcPts val="0"/>
+              </a:spcAft>
+              <a:buClrTx/>
+              <a:buSzTx/>
+              <a:buFontTx/>
+              <a:buNone/>
+              <a:tabLst/>
+              <a:defRPr sz="3300" b="0" i="0" u="none" strike="noStrike" cap="none" spc="0" baseline="0">
+                <a:solidFill>
+                  <a:srgbClr val="000000"/>
+                </a:solidFill>
+                <a:uFillTx/>
+                <a:latin typeface="Calibri Light"/>
+                <a:ea typeface="Calibri Light"/>
+                <a:cs typeface="Calibri Light"/>
+                <a:sym typeface="Calibri Light"/>
+              </a:defRPr>
+            </a:lvl9pPr>
+          </a:lstStyle>
+          <a:p>
+            <a:pPr algn="ctr" hangingPunct="1"/>
+            <a:r>
+              <a:rPr lang="en-US" altLang="zh-TW" sz="4000" dirty="0">
+                <a:solidFill>
+                  <a:srgbClr val="0070C0"/>
+                </a:solidFill>
+                <a:latin typeface="微軟正黑體" panose="020B0604030504040204" pitchFamily="34" charset="-120"/>
+              </a:rPr>
+              <a:t>Bootstrap </a:t>
+            </a:r>
+            <a:r>
+              <a:rPr lang="zh-TW" altLang="en-US" sz="4000" dirty="0">
+                <a:solidFill>
+                  <a:srgbClr val="0070C0"/>
+                </a:solidFill>
+                <a:latin typeface="微軟正黑體" panose="020B0604030504040204" pitchFamily="34" charset="-120"/>
+              </a:rPr>
+              <a:t>圖片輪播（</a:t>
+            </a:r>
+            <a:r>
+              <a:rPr lang="en-US" altLang="zh-TW" sz="4000" dirty="0">
+                <a:solidFill>
+                  <a:srgbClr val="0070C0"/>
+                </a:solidFill>
+                <a:latin typeface="微軟正黑體" panose="020B0604030504040204" pitchFamily="34" charset="-120"/>
+              </a:rPr>
+              <a:t>Carousel</a:t>
+            </a:r>
+            <a:r>
+              <a:rPr lang="zh-TW" altLang="en-US" sz="4000" dirty="0">
+                <a:solidFill>
+                  <a:srgbClr val="0070C0"/>
+                </a:solidFill>
+                <a:latin typeface="微軟正黑體" panose="020B0604030504040204" pitchFamily="34" charset="-120"/>
+              </a:rPr>
+              <a:t>）</a:t>
+            </a:r>
+            <a:endParaRPr lang="zh-TW" altLang="en-US" sz="4000" dirty="0">
+              <a:solidFill>
+                <a:srgbClr val="0070C0"/>
+              </a:solidFill>
+              <a:latin typeface="微軟正黑體" panose="020B0604030504040204" pitchFamily="34" charset="-120"/>
+              <a:ea typeface="微軟正黑體" panose="020B0604030504040204" pitchFamily="34" charset="-120"/>
+            </a:endParaRPr>
+          </a:p>
+        </p:txBody>
+      </p:sp>
+      <p:pic>
+        <p:nvPicPr>
+          <p:cNvPr id="7" name="圖片 6">
+            <a:extLst>
+              <a:ext uri="{FF2B5EF4-FFF2-40B4-BE49-F238E27FC236}">
+                <a16:creationId xmlns:a16="http://schemas.microsoft.com/office/drawing/2014/main" id="{E381D048-6BF6-49F7-82CE-ECD6BA1ED61A}"/>
+              </a:ext>
+            </a:extLst>
+          </p:cNvPr>
+          <p:cNvPicPr>
+            <a:picLocks noChangeAspect="1"/>
+          </p:cNvPicPr>
+          <p:nvPr/>
+        </p:nvPicPr>
+        <p:blipFill>
+          <a:blip r:embed="rId3"/>
+          <a:stretch>
+            <a:fillRect/>
+          </a:stretch>
+        </p:blipFill>
+        <p:spPr>
+          <a:xfrm>
+            <a:off x="485338" y="2113330"/>
+            <a:ext cx="8173324" cy="2631340"/>
+          </a:xfrm>
+          <a:prstGeom prst="rect">
+            <a:avLst/>
+          </a:prstGeom>
+        </p:spPr>
+      </p:pic>
+      <p:sp>
+        <p:nvSpPr>
+          <p:cNvPr id="11" name="矩形: 圓角 10">
+            <a:extLst>
+              <a:ext uri="{FF2B5EF4-FFF2-40B4-BE49-F238E27FC236}">
+                <a16:creationId xmlns:a16="http://schemas.microsoft.com/office/drawing/2014/main" id="{D06F2765-71C9-4A53-BA04-B7FD573CF6E5}"/>
+              </a:ext>
+            </a:extLst>
+          </p:cNvPr>
+          <p:cNvSpPr/>
+          <p:nvPr/>
+        </p:nvSpPr>
+        <p:spPr>
+          <a:xfrm>
+            <a:off x="5372100" y="2205718"/>
+            <a:ext cx="628650" cy="251732"/>
+          </a:xfrm>
+          <a:prstGeom prst="roundRect">
+            <a:avLst/>
+          </a:prstGeom>
+          <a:noFill/>
+          <a:ln w="28575" cap="flat">
+            <a:solidFill>
+              <a:srgbClr val="C00000"/>
+            </a:solidFill>
+            <a:prstDash val="solid"/>
+            <a:miter lim="800000"/>
+          </a:ln>
+          <a:effectLst/>
+          <a:sp3d/>
+        </p:spPr>
+        <p:style>
+          <a:lnRef idx="0">
+            <a:scrgbClr r="0" g="0" b="0"/>
+          </a:lnRef>
+          <a:fillRef idx="0">
+            <a:scrgbClr r="0" g="0" b="0"/>
+          </a:fillRef>
+          <a:effectRef idx="0">
+            <a:scrgbClr r="0" g="0" b="0"/>
+          </a:effectRef>
+          <a:fontRef idx="none"/>
+        </p:style>
+        <p:txBody>
+          <a:bodyPr rot="0" spcFirstLastPara="1" vertOverflow="overflow" horzOverflow="overflow" vert="horz" wrap="square" lIns="45719" tIns="45719" rIns="45719" bIns="45719" numCol="1" spcCol="38100" rtlCol="0" anchor="ctr">
+            <a:spAutoFit/>
+          </a:bodyPr>
+          <a:lstStyle/>
+          <a:p>
+            <a:pPr marL="0" marR="0" indent="0" algn="l" defTabSz="914400" rtl="0" fontAlgn="auto" latinLnBrk="0" hangingPunct="0">
+              <a:lnSpc>
+                <a:spcPct val="100000"/>
+              </a:lnSpc>
+              <a:spcBef>
+                <a:spcPts val="0"/>
+              </a:spcBef>
+              <a:spcAft>
+                <a:spcPts val="0"/>
+              </a:spcAft>
+              <a:buClrTx/>
+              <a:buSzTx/>
+              <a:buFontTx/>
+              <a:buNone/>
+              <a:tabLst/>
+            </a:pPr>
+            <a:endParaRPr kumimoji="0" lang="zh-TW" altLang="en-US" sz="1800" b="0" i="0" u="none" strike="noStrike" cap="none" spc="0" normalizeH="0" baseline="0">
+              <a:ln>
+                <a:noFill/>
+              </a:ln>
+              <a:solidFill>
+                <a:srgbClr val="000000"/>
+              </a:solidFill>
+              <a:effectLst/>
+              <a:uFillTx/>
+              <a:latin typeface="+mj-lt"/>
+              <a:ea typeface="+mj-ea"/>
+              <a:cs typeface="+mj-cs"/>
+              <a:sym typeface="Calibri"/>
+            </a:endParaRPr>
+          </a:p>
+        </p:txBody>
+      </p:sp>
+      <p:sp>
+        <p:nvSpPr>
+          <p:cNvPr id="12" name="文字方塊 11">
+            <a:extLst>
+              <a:ext uri="{FF2B5EF4-FFF2-40B4-BE49-F238E27FC236}">
+                <a16:creationId xmlns:a16="http://schemas.microsoft.com/office/drawing/2014/main" id="{BE47E33C-F39B-4B8D-8B6C-144FA6204932}"/>
+              </a:ext>
+            </a:extLst>
+          </p:cNvPr>
+          <p:cNvSpPr txBox="1"/>
+          <p:nvPr/>
+        </p:nvSpPr>
+        <p:spPr>
+          <a:xfrm>
+            <a:off x="3991089" y="1121961"/>
+            <a:ext cx="3390672" cy="477054"/>
+          </a:xfrm>
+          <a:prstGeom prst="rect">
+            <a:avLst/>
+          </a:prstGeom>
+          <a:noFill/>
+        </p:spPr>
+        <p:txBody>
+          <a:bodyPr wrap="none" rtlCol="0">
+            <a:spAutoFit/>
+          </a:bodyPr>
+          <a:lstStyle/>
+          <a:p>
+            <a:pPr algn="ctr"/>
+            <a:r>
+              <a:rPr lang="zh-TW" altLang="en-US" sz="2500" b="1" dirty="0">
+                <a:solidFill>
+                  <a:srgbClr val="0070C0"/>
+                </a:solidFill>
+                <a:latin typeface="微軟正黑體" panose="020B0604030504040204" pitchFamily="34" charset="-120"/>
+                <a:ea typeface="微軟正黑體" panose="020B0604030504040204" pitchFamily="34" charset="-120"/>
+              </a:rPr>
+              <a:t>切換圖片時的過場效果</a:t>
+            </a:r>
+          </a:p>
+        </p:txBody>
+      </p:sp>
+      <p:sp>
+        <p:nvSpPr>
+          <p:cNvPr id="13" name="箭號: 向右 12">
+            <a:extLst>
+              <a:ext uri="{FF2B5EF4-FFF2-40B4-BE49-F238E27FC236}">
+                <a16:creationId xmlns:a16="http://schemas.microsoft.com/office/drawing/2014/main" id="{BC28612E-9D3F-4A1E-9A5D-2B01DCF9A028}"/>
+              </a:ext>
+            </a:extLst>
+          </p:cNvPr>
+          <p:cNvSpPr/>
+          <p:nvPr/>
+        </p:nvSpPr>
+        <p:spPr>
+          <a:xfrm rot="5400000">
+            <a:off x="5394979" y="1632377"/>
+            <a:ext cx="582890" cy="388661"/>
+          </a:xfrm>
+          <a:prstGeom prst="rightArrow">
+            <a:avLst/>
+          </a:prstGeom>
+          <a:solidFill>
+            <a:srgbClr val="FF0000"/>
+          </a:solidFill>
+          <a:ln w="12700" cap="flat">
+            <a:noFill/>
+            <a:prstDash val="solid"/>
+            <a:miter lim="800000"/>
+          </a:ln>
+          <a:effectLst/>
+          <a:sp3d/>
+        </p:spPr>
+        <p:style>
+          <a:lnRef idx="0">
+            <a:scrgbClr r="0" g="0" b="0"/>
+          </a:lnRef>
+          <a:fillRef idx="0">
+            <a:scrgbClr r="0" g="0" b="0"/>
+          </a:fillRef>
+          <a:effectRef idx="0">
+            <a:scrgbClr r="0" g="0" b="0"/>
+          </a:effectRef>
+          <a:fontRef idx="none"/>
+        </p:style>
+        <p:txBody>
+          <a:bodyPr rot="0" spcFirstLastPara="1" vertOverflow="overflow" horzOverflow="overflow" vert="horz" wrap="square" lIns="45719" tIns="45719" rIns="45719" bIns="45719" numCol="1" spcCol="38100" rtlCol="0" anchor="ctr">
+            <a:spAutoFit/>
+          </a:bodyPr>
+          <a:lstStyle/>
+          <a:p>
+            <a:pPr marL="0" marR="0" indent="0" algn="l" defTabSz="914400" rtl="0" fontAlgn="auto" latinLnBrk="0" hangingPunct="0">
+              <a:lnSpc>
+                <a:spcPct val="100000"/>
+              </a:lnSpc>
+              <a:spcBef>
+                <a:spcPts val="0"/>
+              </a:spcBef>
+              <a:spcAft>
+                <a:spcPts val="0"/>
+              </a:spcAft>
+              <a:buClrTx/>
+              <a:buSzTx/>
+              <a:buFontTx/>
+              <a:buNone/>
+              <a:tabLst/>
+            </a:pPr>
+            <a:endParaRPr kumimoji="0" lang="zh-TW" altLang="en-US" sz="1800" b="0" i="0" u="none" strike="noStrike" cap="none" spc="0" normalizeH="0" baseline="0">
+              <a:ln>
+                <a:noFill/>
+              </a:ln>
+              <a:solidFill>
+                <a:srgbClr val="000000"/>
+              </a:solidFill>
+              <a:effectLst/>
+              <a:uFillTx/>
+              <a:latin typeface="+mj-lt"/>
+              <a:ea typeface="+mj-ea"/>
+              <a:cs typeface="+mj-cs"/>
+              <a:sym typeface="Calibri"/>
+            </a:endParaRPr>
+          </a:p>
+        </p:txBody>
+      </p:sp>
+      <p:sp>
+        <p:nvSpPr>
+          <p:cNvPr id="14" name="矩形: 圓角 13">
+            <a:extLst>
+              <a:ext uri="{FF2B5EF4-FFF2-40B4-BE49-F238E27FC236}">
+                <a16:creationId xmlns:a16="http://schemas.microsoft.com/office/drawing/2014/main" id="{FEA8AB90-0AB3-45F6-A60A-695A23F65EC4}"/>
+              </a:ext>
+            </a:extLst>
+          </p:cNvPr>
+          <p:cNvSpPr/>
+          <p:nvPr/>
+        </p:nvSpPr>
+        <p:spPr>
+          <a:xfrm>
+            <a:off x="6143625" y="2205718"/>
+            <a:ext cx="2324100" cy="251732"/>
+          </a:xfrm>
+          <a:prstGeom prst="roundRect">
+            <a:avLst/>
+          </a:prstGeom>
+          <a:noFill/>
+          <a:ln w="28575" cap="flat">
+            <a:solidFill>
+              <a:srgbClr val="C00000"/>
+            </a:solidFill>
+            <a:prstDash val="solid"/>
+            <a:miter lim="800000"/>
+          </a:ln>
+          <a:effectLst/>
+          <a:sp3d/>
+        </p:spPr>
+        <p:style>
+          <a:lnRef idx="0">
+            <a:scrgbClr r="0" g="0" b="0"/>
+          </a:lnRef>
+          <a:fillRef idx="0">
+            <a:scrgbClr r="0" g="0" b="0"/>
+          </a:fillRef>
+          <a:effectRef idx="0">
+            <a:scrgbClr r="0" g="0" b="0"/>
+          </a:effectRef>
+          <a:fontRef idx="none"/>
+        </p:style>
+        <p:txBody>
+          <a:bodyPr rot="0" spcFirstLastPara="1" vertOverflow="overflow" horzOverflow="overflow" vert="horz" wrap="square" lIns="45719" tIns="45719" rIns="45719" bIns="45719" numCol="1" spcCol="38100" rtlCol="0" anchor="ctr">
+            <a:spAutoFit/>
+          </a:bodyPr>
+          <a:lstStyle/>
+          <a:p>
+            <a:pPr marL="0" marR="0" indent="0" algn="l" defTabSz="914400" rtl="0" fontAlgn="auto" latinLnBrk="0" hangingPunct="0">
+              <a:lnSpc>
+                <a:spcPct val="100000"/>
+              </a:lnSpc>
+              <a:spcBef>
+                <a:spcPts val="0"/>
+              </a:spcBef>
+              <a:spcAft>
+                <a:spcPts val="0"/>
+              </a:spcAft>
+              <a:buClrTx/>
+              <a:buSzTx/>
+              <a:buFontTx/>
+              <a:buNone/>
+              <a:tabLst/>
+            </a:pPr>
+            <a:endParaRPr kumimoji="0" lang="zh-TW" altLang="en-US" sz="1800" b="0" i="0" u="none" strike="noStrike" cap="none" spc="0" normalizeH="0" baseline="0">
+              <a:ln>
+                <a:noFill/>
+              </a:ln>
+              <a:solidFill>
+                <a:srgbClr val="000000"/>
+              </a:solidFill>
+              <a:effectLst/>
+              <a:uFillTx/>
+              <a:latin typeface="+mj-lt"/>
+              <a:ea typeface="+mj-ea"/>
+              <a:cs typeface="+mj-cs"/>
+              <a:sym typeface="Calibri"/>
+            </a:endParaRPr>
+          </a:p>
+        </p:txBody>
+      </p:sp>
+      <p:sp>
+        <p:nvSpPr>
+          <p:cNvPr id="15" name="文字方塊 14">
+            <a:extLst>
+              <a:ext uri="{FF2B5EF4-FFF2-40B4-BE49-F238E27FC236}">
+                <a16:creationId xmlns:a16="http://schemas.microsoft.com/office/drawing/2014/main" id="{1E2A4F18-CA75-4F1F-8FDF-F2B7CF607C03}"/>
+              </a:ext>
+            </a:extLst>
+          </p:cNvPr>
+          <p:cNvSpPr txBox="1"/>
+          <p:nvPr/>
+        </p:nvSpPr>
+        <p:spPr>
+          <a:xfrm>
+            <a:off x="6424612" y="1713220"/>
+            <a:ext cx="1762125" cy="400110"/>
+          </a:xfrm>
+          <a:prstGeom prst="rect">
+            <a:avLst/>
+          </a:prstGeom>
+          <a:noFill/>
+        </p:spPr>
+        <p:txBody>
+          <a:bodyPr wrap="square" rtlCol="0">
+            <a:spAutoFit/>
+          </a:bodyPr>
+          <a:lstStyle/>
+          <a:p>
+            <a:pPr algn="ctr"/>
+            <a:r>
+              <a:rPr lang="zh-TW" altLang="en-US" sz="2000" b="1" dirty="0">
+                <a:solidFill>
+                  <a:srgbClr val="0070C0"/>
+                </a:solidFill>
+                <a:latin typeface="微軟正黑體" panose="020B0604030504040204" pitchFamily="34" charset="-120"/>
+                <a:ea typeface="微軟正黑體" panose="020B0604030504040204" pitchFamily="34" charset="-120"/>
+              </a:rPr>
+              <a:t>自動輪播圖片</a:t>
+            </a:r>
+          </a:p>
+        </p:txBody>
+      </p:sp>
+      <p:sp>
+        <p:nvSpPr>
+          <p:cNvPr id="16" name="文字方塊 15">
+            <a:extLst>
+              <a:ext uri="{FF2B5EF4-FFF2-40B4-BE49-F238E27FC236}">
+                <a16:creationId xmlns:a16="http://schemas.microsoft.com/office/drawing/2014/main" id="{FFE5A744-DB25-4044-9844-50EDABDE31E6}"/>
+              </a:ext>
+            </a:extLst>
+          </p:cNvPr>
+          <p:cNvSpPr txBox="1"/>
+          <p:nvPr/>
+        </p:nvSpPr>
+        <p:spPr>
+          <a:xfrm>
+            <a:off x="1620659" y="1737726"/>
+            <a:ext cx="1316393" cy="400110"/>
+          </a:xfrm>
+          <a:prstGeom prst="rect">
+            <a:avLst/>
+          </a:prstGeom>
+          <a:noFill/>
+        </p:spPr>
+        <p:txBody>
+          <a:bodyPr wrap="square" rtlCol="0">
+            <a:spAutoFit/>
+          </a:bodyPr>
+          <a:lstStyle/>
+          <a:p>
+            <a:pPr algn="ctr"/>
+            <a:r>
+              <a:rPr lang="zh-TW" altLang="en-US" sz="2000" b="1" dirty="0">
+                <a:solidFill>
+                  <a:srgbClr val="0070C0"/>
+                </a:solidFill>
+                <a:latin typeface="微軟正黑體" panose="020B0604030504040204" pitchFamily="34" charset="-120"/>
+                <a:ea typeface="微軟正黑體" panose="020B0604030504040204" pitchFamily="34" charset="-120"/>
+              </a:rPr>
+              <a:t>任意名稱</a:t>
+            </a:r>
+          </a:p>
+        </p:txBody>
+      </p:sp>
+      <p:sp>
+        <p:nvSpPr>
+          <p:cNvPr id="17" name="矩形: 圓角 16">
+            <a:extLst>
+              <a:ext uri="{FF2B5EF4-FFF2-40B4-BE49-F238E27FC236}">
+                <a16:creationId xmlns:a16="http://schemas.microsoft.com/office/drawing/2014/main" id="{FCD0BD00-E7E8-44B7-8C7E-9742987E7586}"/>
+              </a:ext>
+            </a:extLst>
+          </p:cNvPr>
+          <p:cNvSpPr/>
+          <p:nvPr/>
+        </p:nvSpPr>
+        <p:spPr>
+          <a:xfrm>
+            <a:off x="1042987" y="2194938"/>
+            <a:ext cx="2471738" cy="251732"/>
+          </a:xfrm>
+          <a:prstGeom prst="roundRect">
+            <a:avLst/>
+          </a:prstGeom>
+          <a:noFill/>
+          <a:ln w="28575" cap="flat">
+            <a:solidFill>
+              <a:srgbClr val="C00000"/>
+            </a:solidFill>
+            <a:prstDash val="solid"/>
+            <a:miter lim="800000"/>
+          </a:ln>
+          <a:effectLst/>
+          <a:sp3d/>
+        </p:spPr>
+        <p:style>
+          <a:lnRef idx="0">
+            <a:scrgbClr r="0" g="0" b="0"/>
+          </a:lnRef>
+          <a:fillRef idx="0">
+            <a:scrgbClr r="0" g="0" b="0"/>
+          </a:fillRef>
+          <a:effectRef idx="0">
+            <a:scrgbClr r="0" g="0" b="0"/>
+          </a:effectRef>
+          <a:fontRef idx="none"/>
+        </p:style>
+        <p:txBody>
+          <a:bodyPr rot="0" spcFirstLastPara="1" vertOverflow="overflow" horzOverflow="overflow" vert="horz" wrap="square" lIns="45719" tIns="45719" rIns="45719" bIns="45719" numCol="1" spcCol="38100" rtlCol="0" anchor="ctr">
+            <a:spAutoFit/>
+          </a:bodyPr>
+          <a:lstStyle/>
+          <a:p>
+            <a:pPr marL="0" marR="0" indent="0" algn="l" defTabSz="914400" rtl="0" fontAlgn="auto" latinLnBrk="0" hangingPunct="0">
+              <a:lnSpc>
+                <a:spcPct val="100000"/>
+              </a:lnSpc>
+              <a:spcBef>
+                <a:spcPts val="0"/>
+              </a:spcBef>
+              <a:spcAft>
+                <a:spcPts val="0"/>
+              </a:spcAft>
+              <a:buClrTx/>
+              <a:buSzTx/>
+              <a:buFontTx/>
+              <a:buNone/>
+              <a:tabLst/>
+            </a:pPr>
+            <a:endParaRPr kumimoji="0" lang="zh-TW" altLang="en-US" sz="1800" b="0" i="0" u="none" strike="noStrike" cap="none" spc="0" normalizeH="0" baseline="0">
+              <a:ln>
+                <a:noFill/>
+              </a:ln>
+              <a:solidFill>
+                <a:srgbClr val="000000"/>
+              </a:solidFill>
+              <a:effectLst/>
+              <a:uFillTx/>
+              <a:latin typeface="+mj-lt"/>
+              <a:ea typeface="+mj-ea"/>
+              <a:cs typeface="+mj-cs"/>
+              <a:sym typeface="Calibri"/>
+            </a:endParaRPr>
+          </a:p>
+        </p:txBody>
+      </p:sp>
+    </p:spTree>
+    <p:extLst>
+      <p:ext uri="{BB962C8B-B14F-4D97-AF65-F5344CB8AC3E}">
+        <p14:creationId xmlns:p14="http://schemas.microsoft.com/office/powerpoint/2010/main" val="3622185364"/>
+      </p:ext>
+    </p:extLst>
+  </p:cSld>
+  <p:clrMapOvr>
+    <a:masterClrMapping/>
+  </p:clrMapOvr>
+  <p:transition spd="med"/>
+</p:sld>
+</file>
+
+<file path=ppt/slides/slide14.xml><?xml version="1.0" encoding="utf-8"?>
+<p:sld xmlns:a="http://schemas.openxmlformats.org/drawingml/2006/main" xmlns:r="http://schemas.openxmlformats.org/officeDocument/2006/relationships" xmlns:p="http://schemas.openxmlformats.org/presentationml/2006/main">
+  <p:cSld>
+    <p:spTree>
+      <p:nvGrpSpPr>
+        <p:cNvPr id="1" name=""/>
+        <p:cNvGrpSpPr/>
+        <p:nvPr/>
+      </p:nvGrpSpPr>
+      <p:grpSpPr>
+        <a:xfrm>
+          <a:off x="0" y="0"/>
+          <a:ext cx="0" cy="0"/>
+          <a:chOff x="0" y="0"/>
+          <a:chExt cx="0" cy="0"/>
+        </a:xfrm>
+      </p:grpSpPr>
+      <p:sp>
+        <p:nvSpPr>
+          <p:cNvPr id="138" name="Slide Number Placeholder 5"/>
+          <p:cNvSpPr txBox="1">
+            <a:spLocks noGrp="1"/>
+          </p:cNvSpPr>
+          <p:nvPr>
+            <p:ph type="sldNum" sz="quarter" idx="2"/>
+          </p:nvPr>
+        </p:nvSpPr>
+        <p:spPr>
+          <a:xfrm>
+            <a:off x="4466957" y="6356351"/>
+            <a:ext cx="210088" cy="320041"/>
+          </a:xfrm>
+          <a:prstGeom prst="rect">
+            <a:avLst/>
+          </a:prstGeom>
+          <a:extLst>
+            <a:ext uri="{C572A759-6A51-4108-AA02-DFA0A04FC94B}">
+              <ma14:wrappingTextBoxFlag xmlns:ma14="http://schemas.microsoft.com/office/mac/drawingml/2011/main" xmlns:a14="http://schemas.microsoft.com/office/drawing/2010/main" xmlns:m="http://schemas.openxmlformats.org/officeDocument/2006/math" xmlns="" val="1"/>
+            </a:ext>
+          </a:extLst>
+        </p:spPr>
+        <p:txBody>
+          <a:bodyPr/>
+          <a:lstStyle/>
+          <a:p>
+            <a:fld id="{86CB4B4D-7CA3-9044-876B-883B54F8677D}" type="slidenum">
+              <a:t>14</a:t>
+            </a:fld>
+            <a:endParaRPr/>
+          </a:p>
+        </p:txBody>
+      </p:sp>
+      <p:sp>
+        <p:nvSpPr>
+          <p:cNvPr id="10" name="標題 1">
+            <a:extLst>
+              <a:ext uri="{FF2B5EF4-FFF2-40B4-BE49-F238E27FC236}">
+                <a16:creationId xmlns:a16="http://schemas.microsoft.com/office/drawing/2014/main" id="{3E825FEB-6A13-5B4F-B6E7-D371204EDFAC}"/>
+              </a:ext>
+            </a:extLst>
+          </p:cNvPr>
+          <p:cNvSpPr txBox="1">
+            <a:spLocks/>
+          </p:cNvSpPr>
+          <p:nvPr/>
+        </p:nvSpPr>
+        <p:spPr>
+          <a:xfrm>
+            <a:off x="0" y="1"/>
+            <a:ext cx="9144000" cy="836712"/>
+          </a:xfrm>
+          <a:prstGeom prst="rect">
+            <a:avLst/>
+          </a:prstGeom>
+          <a:ln w="12700">
+            <a:miter lim="400000"/>
+          </a:ln>
+          <a:extLst>
+            <a:ext uri="{C572A759-6A51-4108-AA02-DFA0A04FC94B}">
+              <ma14:wrappingTextBoxFlag xmlns:ma14="http://schemas.microsoft.com/office/mac/drawingml/2011/main" xmlns:a14="http://schemas.microsoft.com/office/drawing/2010/main" xmlns:m="http://schemas.openxmlformats.org/officeDocument/2006/math" xmlns="" val="1"/>
+            </a:ext>
+          </a:extLst>
+        </p:spPr>
+        <p:txBody>
+          <a:bodyPr lIns="45719" rIns="45719" anchor="b">
+            <a:normAutofit/>
+          </a:bodyPr>
+          <a:lstStyle>
+            <a:lvl1pPr marL="0" marR="0" indent="0" algn="l" defTabSz="685800" rtl="0" latinLnBrk="0">
+              <a:lnSpc>
+                <a:spcPct val="90000"/>
+              </a:lnSpc>
+              <a:spcBef>
+                <a:spcPts val="0"/>
+              </a:spcBef>
+              <a:spcAft>
+                <a:spcPts val="0"/>
+              </a:spcAft>
+              <a:buClrTx/>
+              <a:buSzTx/>
+              <a:buFontTx/>
+              <a:buNone/>
+              <a:tabLst/>
+              <a:defRPr sz="3300" b="0" i="0" u="none" strike="noStrike" cap="none" spc="0" baseline="0">
+                <a:solidFill>
+                  <a:srgbClr val="000000"/>
+                </a:solidFill>
+                <a:uFillTx/>
+                <a:latin typeface="Calibri Light"/>
+                <a:ea typeface="Calibri Light"/>
+                <a:cs typeface="Calibri Light"/>
+                <a:sym typeface="Calibri Light"/>
+              </a:defRPr>
+            </a:lvl1pPr>
+            <a:lvl2pPr marL="0" marR="0" indent="0" algn="l" defTabSz="685800" rtl="0" latinLnBrk="0">
+              <a:lnSpc>
+                <a:spcPct val="90000"/>
+              </a:lnSpc>
+              <a:spcBef>
+                <a:spcPts val="0"/>
+              </a:spcBef>
+              <a:spcAft>
+                <a:spcPts val="0"/>
+              </a:spcAft>
+              <a:buClrTx/>
+              <a:buSzTx/>
+              <a:buFontTx/>
+              <a:buNone/>
+              <a:tabLst/>
+              <a:defRPr sz="3300" b="0" i="0" u="none" strike="noStrike" cap="none" spc="0" baseline="0">
+                <a:solidFill>
+                  <a:srgbClr val="000000"/>
+                </a:solidFill>
+                <a:uFillTx/>
+                <a:latin typeface="Calibri Light"/>
+                <a:ea typeface="Calibri Light"/>
+                <a:cs typeface="Calibri Light"/>
+                <a:sym typeface="Calibri Light"/>
+              </a:defRPr>
+            </a:lvl2pPr>
+            <a:lvl3pPr marL="0" marR="0" indent="0" algn="l" defTabSz="685800" rtl="0" latinLnBrk="0">
+              <a:lnSpc>
+                <a:spcPct val="90000"/>
+              </a:lnSpc>
+              <a:spcBef>
+                <a:spcPts val="0"/>
+              </a:spcBef>
+              <a:spcAft>
+                <a:spcPts val="0"/>
+              </a:spcAft>
+              <a:buClrTx/>
+              <a:buSzTx/>
+              <a:buFontTx/>
+              <a:buNone/>
+              <a:tabLst/>
+              <a:defRPr sz="3300" b="0" i="0" u="none" strike="noStrike" cap="none" spc="0" baseline="0">
+                <a:solidFill>
+                  <a:srgbClr val="000000"/>
+                </a:solidFill>
+                <a:uFillTx/>
+                <a:latin typeface="Calibri Light"/>
+                <a:ea typeface="Calibri Light"/>
+                <a:cs typeface="Calibri Light"/>
+                <a:sym typeface="Calibri Light"/>
+              </a:defRPr>
+            </a:lvl3pPr>
+            <a:lvl4pPr marL="0" marR="0" indent="0" algn="l" defTabSz="685800" rtl="0" latinLnBrk="0">
+              <a:lnSpc>
+                <a:spcPct val="90000"/>
+              </a:lnSpc>
+              <a:spcBef>
+                <a:spcPts val="0"/>
+              </a:spcBef>
+              <a:spcAft>
+                <a:spcPts val="0"/>
+              </a:spcAft>
+              <a:buClrTx/>
+              <a:buSzTx/>
+              <a:buFontTx/>
+              <a:buNone/>
+              <a:tabLst/>
+              <a:defRPr sz="3300" b="0" i="0" u="none" strike="noStrike" cap="none" spc="0" baseline="0">
+                <a:solidFill>
+                  <a:srgbClr val="000000"/>
+                </a:solidFill>
+                <a:uFillTx/>
+                <a:latin typeface="Calibri Light"/>
+                <a:ea typeface="Calibri Light"/>
+                <a:cs typeface="Calibri Light"/>
+                <a:sym typeface="Calibri Light"/>
+              </a:defRPr>
+            </a:lvl4pPr>
+            <a:lvl5pPr marL="0" marR="0" indent="0" algn="l" defTabSz="685800" rtl="0" latinLnBrk="0">
+              <a:lnSpc>
+                <a:spcPct val="90000"/>
+              </a:lnSpc>
+              <a:spcBef>
+                <a:spcPts val="0"/>
+              </a:spcBef>
+              <a:spcAft>
+                <a:spcPts val="0"/>
+              </a:spcAft>
+              <a:buClrTx/>
+              <a:buSzTx/>
+              <a:buFontTx/>
+              <a:buNone/>
+              <a:tabLst/>
+              <a:defRPr sz="3300" b="0" i="0" u="none" strike="noStrike" cap="none" spc="0" baseline="0">
+                <a:solidFill>
+                  <a:srgbClr val="000000"/>
+                </a:solidFill>
+                <a:uFillTx/>
+                <a:latin typeface="Calibri Light"/>
+                <a:ea typeface="Calibri Light"/>
+                <a:cs typeface="Calibri Light"/>
+                <a:sym typeface="Calibri Light"/>
+              </a:defRPr>
+            </a:lvl5pPr>
+            <a:lvl6pPr marL="0" marR="0" indent="0" algn="l" defTabSz="685800" rtl="0" latinLnBrk="0">
+              <a:lnSpc>
+                <a:spcPct val="90000"/>
+              </a:lnSpc>
+              <a:spcBef>
+                <a:spcPts val="0"/>
+              </a:spcBef>
+              <a:spcAft>
+                <a:spcPts val="0"/>
+              </a:spcAft>
+              <a:buClrTx/>
+              <a:buSzTx/>
+              <a:buFontTx/>
+              <a:buNone/>
+              <a:tabLst/>
+              <a:defRPr sz="3300" b="0" i="0" u="none" strike="noStrike" cap="none" spc="0" baseline="0">
+                <a:solidFill>
+                  <a:srgbClr val="000000"/>
+                </a:solidFill>
+                <a:uFillTx/>
+                <a:latin typeface="Calibri Light"/>
+                <a:ea typeface="Calibri Light"/>
+                <a:cs typeface="Calibri Light"/>
+                <a:sym typeface="Calibri Light"/>
+              </a:defRPr>
+            </a:lvl6pPr>
+            <a:lvl7pPr marL="0" marR="0" indent="0" algn="l" defTabSz="685800" rtl="0" latinLnBrk="0">
+              <a:lnSpc>
+                <a:spcPct val="90000"/>
+              </a:lnSpc>
+              <a:spcBef>
+                <a:spcPts val="0"/>
+              </a:spcBef>
+              <a:spcAft>
+                <a:spcPts val="0"/>
+              </a:spcAft>
+              <a:buClrTx/>
+              <a:buSzTx/>
+              <a:buFontTx/>
+              <a:buNone/>
+              <a:tabLst/>
+              <a:defRPr sz="3300" b="0" i="0" u="none" strike="noStrike" cap="none" spc="0" baseline="0">
+                <a:solidFill>
+                  <a:srgbClr val="000000"/>
+                </a:solidFill>
+                <a:uFillTx/>
+                <a:latin typeface="Calibri Light"/>
+                <a:ea typeface="Calibri Light"/>
+                <a:cs typeface="Calibri Light"/>
+                <a:sym typeface="Calibri Light"/>
+              </a:defRPr>
+            </a:lvl7pPr>
+            <a:lvl8pPr marL="0" marR="0" indent="0" algn="l" defTabSz="685800" rtl="0" latinLnBrk="0">
+              <a:lnSpc>
+                <a:spcPct val="90000"/>
+              </a:lnSpc>
+              <a:spcBef>
+                <a:spcPts val="0"/>
+              </a:spcBef>
+              <a:spcAft>
+                <a:spcPts val="0"/>
+              </a:spcAft>
+              <a:buClrTx/>
+              <a:buSzTx/>
+              <a:buFontTx/>
+              <a:buNone/>
+              <a:tabLst/>
+              <a:defRPr sz="3300" b="0" i="0" u="none" strike="noStrike" cap="none" spc="0" baseline="0">
+                <a:solidFill>
+                  <a:srgbClr val="000000"/>
+                </a:solidFill>
+                <a:uFillTx/>
+                <a:latin typeface="Calibri Light"/>
+                <a:ea typeface="Calibri Light"/>
+                <a:cs typeface="Calibri Light"/>
+                <a:sym typeface="Calibri Light"/>
+              </a:defRPr>
+            </a:lvl8pPr>
+            <a:lvl9pPr marL="0" marR="0" indent="0" algn="l" defTabSz="685800" rtl="0" latinLnBrk="0">
+              <a:lnSpc>
+                <a:spcPct val="90000"/>
+              </a:lnSpc>
+              <a:spcBef>
+                <a:spcPts val="0"/>
+              </a:spcBef>
+              <a:spcAft>
+                <a:spcPts val="0"/>
+              </a:spcAft>
+              <a:buClrTx/>
+              <a:buSzTx/>
+              <a:buFontTx/>
+              <a:buNone/>
+              <a:tabLst/>
+              <a:defRPr sz="3300" b="0" i="0" u="none" strike="noStrike" cap="none" spc="0" baseline="0">
+                <a:solidFill>
+                  <a:srgbClr val="000000"/>
+                </a:solidFill>
+                <a:uFillTx/>
+                <a:latin typeface="Calibri Light"/>
+                <a:ea typeface="Calibri Light"/>
+                <a:cs typeface="Calibri Light"/>
+                <a:sym typeface="Calibri Light"/>
+              </a:defRPr>
+            </a:lvl9pPr>
+          </a:lstStyle>
+          <a:p>
+            <a:pPr algn="ctr" hangingPunct="1"/>
+            <a:r>
+              <a:rPr lang="en-US" altLang="zh-TW" sz="4000" dirty="0">
+                <a:solidFill>
+                  <a:srgbClr val="0070C0"/>
+                </a:solidFill>
+                <a:latin typeface="微軟正黑體" panose="020B0604030504040204" pitchFamily="34" charset="-120"/>
+              </a:rPr>
+              <a:t>Bootstrap </a:t>
+            </a:r>
+            <a:r>
+              <a:rPr lang="zh-TW" altLang="en-US" sz="4000" dirty="0">
+                <a:solidFill>
+                  <a:srgbClr val="0070C0"/>
+                </a:solidFill>
+                <a:latin typeface="微軟正黑體" panose="020B0604030504040204" pitchFamily="34" charset="-120"/>
+              </a:rPr>
+              <a:t>圖片輪播（</a:t>
+            </a:r>
+            <a:r>
+              <a:rPr lang="en-US" altLang="zh-TW" sz="4000" dirty="0">
+                <a:solidFill>
+                  <a:srgbClr val="0070C0"/>
+                </a:solidFill>
+                <a:latin typeface="微軟正黑體" panose="020B0604030504040204" pitchFamily="34" charset="-120"/>
+              </a:rPr>
+              <a:t>Carousel</a:t>
+            </a:r>
+            <a:r>
+              <a:rPr lang="zh-TW" altLang="en-US" sz="4000" dirty="0">
+                <a:solidFill>
+                  <a:srgbClr val="0070C0"/>
+                </a:solidFill>
+                <a:latin typeface="微軟正黑體" panose="020B0604030504040204" pitchFamily="34" charset="-120"/>
+              </a:rPr>
+              <a:t>）</a:t>
+            </a:r>
+            <a:endParaRPr lang="zh-TW" altLang="en-US" sz="4000" dirty="0">
+              <a:solidFill>
+                <a:srgbClr val="0070C0"/>
+              </a:solidFill>
+              <a:latin typeface="微軟正黑體" panose="020B0604030504040204" pitchFamily="34" charset="-120"/>
+              <a:ea typeface="微軟正黑體" panose="020B0604030504040204" pitchFamily="34" charset="-120"/>
+            </a:endParaRPr>
+          </a:p>
+        </p:txBody>
+      </p:sp>
+      <p:pic>
+        <p:nvPicPr>
+          <p:cNvPr id="2" name="圖片 1">
+            <a:extLst>
+              <a:ext uri="{FF2B5EF4-FFF2-40B4-BE49-F238E27FC236}">
+                <a16:creationId xmlns:a16="http://schemas.microsoft.com/office/drawing/2014/main" id="{216BF373-573C-423A-95C4-2B1067B2B1EB}"/>
+              </a:ext>
+            </a:extLst>
+          </p:cNvPr>
+          <p:cNvPicPr>
+            <a:picLocks noChangeAspect="1"/>
+          </p:cNvPicPr>
+          <p:nvPr/>
+        </p:nvPicPr>
+        <p:blipFill>
+          <a:blip r:embed="rId3"/>
+          <a:stretch>
+            <a:fillRect/>
+          </a:stretch>
+        </p:blipFill>
+        <p:spPr>
+          <a:xfrm>
+            <a:off x="345890" y="2599120"/>
+            <a:ext cx="8452220" cy="1659759"/>
+          </a:xfrm>
+          <a:prstGeom prst="rect">
+            <a:avLst/>
+          </a:prstGeom>
+        </p:spPr>
+      </p:pic>
+      <p:sp>
+        <p:nvSpPr>
+          <p:cNvPr id="6" name="矩形: 圓角 5">
+            <a:extLst>
+              <a:ext uri="{FF2B5EF4-FFF2-40B4-BE49-F238E27FC236}">
+                <a16:creationId xmlns:a16="http://schemas.microsoft.com/office/drawing/2014/main" id="{B5B774DB-596C-4EF8-AD02-1B588C9704E1}"/>
+              </a:ext>
+            </a:extLst>
+          </p:cNvPr>
+          <p:cNvSpPr/>
+          <p:nvPr/>
+        </p:nvSpPr>
+        <p:spPr>
+          <a:xfrm>
+            <a:off x="776286" y="2909313"/>
+            <a:ext cx="2919413" cy="251732"/>
+          </a:xfrm>
+          <a:prstGeom prst="roundRect">
+            <a:avLst/>
+          </a:prstGeom>
+          <a:noFill/>
+          <a:ln w="28575" cap="flat">
+            <a:solidFill>
+              <a:srgbClr val="C00000"/>
+            </a:solidFill>
+            <a:prstDash val="solid"/>
+            <a:miter lim="800000"/>
+          </a:ln>
+          <a:effectLst/>
+          <a:sp3d/>
+        </p:spPr>
+        <p:style>
+          <a:lnRef idx="0">
+            <a:scrgbClr r="0" g="0" b="0"/>
+          </a:lnRef>
+          <a:fillRef idx="0">
+            <a:scrgbClr r="0" g="0" b="0"/>
+          </a:fillRef>
+          <a:effectRef idx="0">
+            <a:scrgbClr r="0" g="0" b="0"/>
+          </a:effectRef>
+          <a:fontRef idx="none"/>
+        </p:style>
+        <p:txBody>
+          <a:bodyPr rot="0" spcFirstLastPara="1" vertOverflow="overflow" horzOverflow="overflow" vert="horz" wrap="square" lIns="45719" tIns="45719" rIns="45719" bIns="45719" numCol="1" spcCol="38100" rtlCol="0" anchor="ctr">
+            <a:spAutoFit/>
+          </a:bodyPr>
+          <a:lstStyle/>
+          <a:p>
+            <a:pPr marL="0" marR="0" indent="0" algn="l" defTabSz="914400" rtl="0" fontAlgn="auto" latinLnBrk="0" hangingPunct="0">
+              <a:lnSpc>
+                <a:spcPct val="100000"/>
+              </a:lnSpc>
+              <a:spcBef>
+                <a:spcPts val="0"/>
+              </a:spcBef>
+              <a:spcAft>
+                <a:spcPts val="0"/>
+              </a:spcAft>
+              <a:buClrTx/>
+              <a:buSzTx/>
+              <a:buFontTx/>
+              <a:buNone/>
+              <a:tabLst/>
+            </a:pPr>
+            <a:endParaRPr kumimoji="0" lang="zh-TW" altLang="en-US" sz="1800" b="0" i="0" u="none" strike="noStrike" cap="none" spc="0" normalizeH="0" baseline="0">
+              <a:ln>
+                <a:noFill/>
+              </a:ln>
+              <a:solidFill>
+                <a:srgbClr val="000000"/>
+              </a:solidFill>
+              <a:effectLst/>
+              <a:uFillTx/>
+              <a:latin typeface="+mj-lt"/>
+              <a:ea typeface="+mj-ea"/>
+              <a:cs typeface="+mj-cs"/>
+              <a:sym typeface="Calibri"/>
+            </a:endParaRPr>
+          </a:p>
+        </p:txBody>
+      </p:sp>
+      <p:sp>
+        <p:nvSpPr>
+          <p:cNvPr id="8" name="文字方塊 7">
+            <a:extLst>
+              <a:ext uri="{FF2B5EF4-FFF2-40B4-BE49-F238E27FC236}">
+                <a16:creationId xmlns:a16="http://schemas.microsoft.com/office/drawing/2014/main" id="{71E1B7E7-6DB0-41B4-92D2-5A1470660794}"/>
+              </a:ext>
+            </a:extLst>
+          </p:cNvPr>
+          <p:cNvSpPr txBox="1"/>
+          <p:nvPr/>
+        </p:nvSpPr>
+        <p:spPr>
+          <a:xfrm>
+            <a:off x="730269" y="1874908"/>
+            <a:ext cx="4716497" cy="400110"/>
+          </a:xfrm>
+          <a:prstGeom prst="rect">
+            <a:avLst/>
+          </a:prstGeom>
+          <a:noFill/>
+        </p:spPr>
+        <p:txBody>
+          <a:bodyPr wrap="square" rtlCol="0">
+            <a:spAutoFit/>
+          </a:bodyPr>
+          <a:lstStyle/>
+          <a:p>
+            <a:pPr algn="ctr"/>
+            <a:r>
+              <a:rPr lang="zh-TW" altLang="en-US" sz="2000" b="1" dirty="0">
+                <a:solidFill>
+                  <a:srgbClr val="0070C0"/>
+                </a:solidFill>
+                <a:latin typeface="微軟正黑體" panose="020B0604030504040204" pitchFamily="34" charset="-120"/>
+                <a:ea typeface="微軟正黑體" panose="020B0604030504040204" pitchFamily="34" charset="-120"/>
+              </a:rPr>
+              <a:t>輪播下方指標，顯示目前為第幾張圖片</a:t>
+            </a:r>
+          </a:p>
+        </p:txBody>
+      </p:sp>
+      <p:sp>
+        <p:nvSpPr>
+          <p:cNvPr id="9" name="箭號: 向右 8">
+            <a:extLst>
+              <a:ext uri="{FF2B5EF4-FFF2-40B4-BE49-F238E27FC236}">
+                <a16:creationId xmlns:a16="http://schemas.microsoft.com/office/drawing/2014/main" id="{33BBCA68-419C-4D35-8ED2-5C3C802B2E1A}"/>
+              </a:ext>
+            </a:extLst>
+          </p:cNvPr>
+          <p:cNvSpPr/>
+          <p:nvPr/>
+        </p:nvSpPr>
+        <p:spPr>
+          <a:xfrm rot="5400000">
+            <a:off x="2797073" y="2404790"/>
+            <a:ext cx="582890" cy="388661"/>
+          </a:xfrm>
+          <a:prstGeom prst="rightArrow">
+            <a:avLst/>
+          </a:prstGeom>
+          <a:solidFill>
+            <a:srgbClr val="FF0000"/>
+          </a:solidFill>
+          <a:ln w="12700" cap="flat">
+            <a:noFill/>
+            <a:prstDash val="solid"/>
+            <a:miter lim="800000"/>
+          </a:ln>
+          <a:effectLst/>
+          <a:sp3d/>
+        </p:spPr>
+        <p:style>
+          <a:lnRef idx="0">
+            <a:scrgbClr r="0" g="0" b="0"/>
+          </a:lnRef>
+          <a:fillRef idx="0">
+            <a:scrgbClr r="0" g="0" b="0"/>
+          </a:fillRef>
+          <a:effectRef idx="0">
+            <a:scrgbClr r="0" g="0" b="0"/>
+          </a:effectRef>
+          <a:fontRef idx="none"/>
+        </p:style>
+        <p:txBody>
+          <a:bodyPr rot="0" spcFirstLastPara="1" vertOverflow="overflow" horzOverflow="overflow" vert="horz" wrap="square" lIns="45719" tIns="45719" rIns="45719" bIns="45719" numCol="1" spcCol="38100" rtlCol="0" anchor="ctr">
+            <a:spAutoFit/>
+          </a:bodyPr>
+          <a:lstStyle/>
+          <a:p>
+            <a:pPr marL="0" marR="0" indent="0" algn="l" defTabSz="914400" rtl="0" fontAlgn="auto" latinLnBrk="0" hangingPunct="0">
+              <a:lnSpc>
+                <a:spcPct val="100000"/>
+              </a:lnSpc>
+              <a:spcBef>
+                <a:spcPts val="0"/>
+              </a:spcBef>
+              <a:spcAft>
+                <a:spcPts val="0"/>
+              </a:spcAft>
+              <a:buClrTx/>
+              <a:buSzTx/>
+              <a:buFontTx/>
+              <a:buNone/>
+              <a:tabLst/>
+            </a:pPr>
+            <a:endParaRPr kumimoji="0" lang="zh-TW" altLang="en-US" sz="1800" b="0" i="0" u="none" strike="noStrike" cap="none" spc="0" normalizeH="0" baseline="0">
+              <a:ln>
+                <a:noFill/>
+              </a:ln>
+              <a:solidFill>
+                <a:srgbClr val="000000"/>
+              </a:solidFill>
+              <a:effectLst/>
+              <a:uFillTx/>
+              <a:latin typeface="+mj-lt"/>
+              <a:ea typeface="+mj-ea"/>
+              <a:cs typeface="+mj-cs"/>
+              <a:sym typeface="Calibri"/>
+            </a:endParaRPr>
+          </a:p>
+        </p:txBody>
+      </p:sp>
+      <p:sp>
+        <p:nvSpPr>
+          <p:cNvPr id="3" name="減號 2">
+            <a:extLst>
+              <a:ext uri="{FF2B5EF4-FFF2-40B4-BE49-F238E27FC236}">
+                <a16:creationId xmlns:a16="http://schemas.microsoft.com/office/drawing/2014/main" id="{40F3727C-A0AE-4947-B0B0-9637C020ADB6}"/>
+              </a:ext>
+            </a:extLst>
+          </p:cNvPr>
+          <p:cNvSpPr/>
+          <p:nvPr/>
+        </p:nvSpPr>
+        <p:spPr>
+          <a:xfrm>
+            <a:off x="4343670" y="3343274"/>
+            <a:ext cx="2019030" cy="171450"/>
+          </a:xfrm>
+          <a:prstGeom prst="mathMinus">
+            <a:avLst/>
+          </a:prstGeom>
+          <a:solidFill>
+            <a:srgbClr val="FF0000"/>
+          </a:solidFill>
+          <a:ln w="12700" cap="flat">
+            <a:noFill/>
+            <a:prstDash val="solid"/>
+            <a:miter lim="800000"/>
+          </a:ln>
+          <a:effectLst/>
+          <a:sp3d/>
+        </p:spPr>
+        <p:style>
+          <a:lnRef idx="0">
+            <a:scrgbClr r="0" g="0" b="0"/>
+          </a:lnRef>
+          <a:fillRef idx="0">
+            <a:scrgbClr r="0" g="0" b="0"/>
+          </a:fillRef>
+          <a:effectRef idx="0">
+            <a:scrgbClr r="0" g="0" b="0"/>
+          </a:effectRef>
+          <a:fontRef idx="none"/>
+        </p:style>
+        <p:txBody>
+          <a:bodyPr rot="0" spcFirstLastPara="1" vertOverflow="overflow" horzOverflow="overflow" vert="horz" wrap="square" lIns="45719" tIns="45719" rIns="45719" bIns="45719" numCol="1" spcCol="38100" rtlCol="0" anchor="ctr">
+            <a:spAutoFit/>
+          </a:bodyPr>
+          <a:lstStyle/>
+          <a:p>
+            <a:pPr marL="0" marR="0" indent="0" algn="l" defTabSz="914400" rtl="0" fontAlgn="auto" latinLnBrk="0" hangingPunct="0">
+              <a:lnSpc>
+                <a:spcPct val="100000"/>
+              </a:lnSpc>
+              <a:spcBef>
+                <a:spcPts val="0"/>
+              </a:spcBef>
+              <a:spcAft>
+                <a:spcPts val="0"/>
+              </a:spcAft>
+              <a:buClrTx/>
+              <a:buSzTx/>
+              <a:buFontTx/>
+              <a:buNone/>
+              <a:tabLst/>
+            </a:pPr>
+            <a:endParaRPr kumimoji="0" lang="zh-TW" altLang="en-US" sz="1800" b="0" i="0" u="none" strike="noStrike" cap="none" spc="0" normalizeH="0" baseline="0">
+              <a:ln>
+                <a:noFill/>
+              </a:ln>
+              <a:solidFill>
+                <a:srgbClr val="000000"/>
+              </a:solidFill>
+              <a:effectLst/>
+              <a:uFillTx/>
+              <a:latin typeface="+mj-lt"/>
+              <a:ea typeface="+mj-ea"/>
+              <a:cs typeface="+mj-cs"/>
+              <a:sym typeface="Calibri"/>
+            </a:endParaRPr>
+          </a:p>
+        </p:txBody>
+      </p:sp>
+      <p:sp>
+        <p:nvSpPr>
+          <p:cNvPr id="12" name="文字方塊 11">
+            <a:extLst>
+              <a:ext uri="{FF2B5EF4-FFF2-40B4-BE49-F238E27FC236}">
+                <a16:creationId xmlns:a16="http://schemas.microsoft.com/office/drawing/2014/main" id="{F146FEFC-9EEB-41E8-B1DF-0AFDB59B522A}"/>
+              </a:ext>
+            </a:extLst>
+          </p:cNvPr>
+          <p:cNvSpPr txBox="1"/>
+          <p:nvPr/>
+        </p:nvSpPr>
+        <p:spPr>
+          <a:xfrm>
+            <a:off x="4530744" y="2497702"/>
+            <a:ext cx="3019471" cy="785728"/>
+          </a:xfrm>
+          <a:prstGeom prst="rect">
+            <a:avLst/>
+          </a:prstGeom>
+          <a:noFill/>
+        </p:spPr>
+        <p:txBody>
+          <a:bodyPr wrap="square" rtlCol="0">
+            <a:spAutoFit/>
+          </a:bodyPr>
+          <a:lstStyle/>
+          <a:p>
+            <a:pPr>
+              <a:lnSpc>
+                <a:spcPct val="150000"/>
+              </a:lnSpc>
+            </a:pPr>
+            <a:r>
+              <a:rPr lang="zh-TW" altLang="en-US" sz="1600" b="1" dirty="0">
+                <a:solidFill>
+                  <a:srgbClr val="FF0000"/>
+                </a:solidFill>
+                <a:latin typeface="微軟正黑體" panose="020B0604030504040204" pitchFamily="34" charset="-120"/>
+                <a:ea typeface="微軟正黑體" panose="020B0604030504040204" pitchFamily="34" charset="-120"/>
+              </a:rPr>
+              <a:t>滑動指標索引</a:t>
+            </a:r>
+            <a:br>
+              <a:rPr lang="en-US" altLang="zh-TW" sz="1600" b="1" dirty="0">
+                <a:solidFill>
+                  <a:srgbClr val="FF0000"/>
+                </a:solidFill>
+                <a:latin typeface="微軟正黑體" panose="020B0604030504040204" pitchFamily="34" charset="-120"/>
+                <a:ea typeface="微軟正黑體" panose="020B0604030504040204" pitchFamily="34" charset="-120"/>
+              </a:rPr>
+            </a:br>
+            <a:r>
+              <a:rPr lang="zh-TW" altLang="en-US" sz="1600" b="1" dirty="0">
+                <a:solidFill>
+                  <a:srgbClr val="FF0000"/>
+                </a:solidFill>
+                <a:latin typeface="微軟正黑體" panose="020B0604030504040204" pitchFamily="34" charset="-120"/>
+                <a:ea typeface="微軟正黑體" panose="020B0604030504040204" pitchFamily="34" charset="-120"/>
+              </a:rPr>
+              <a:t>將輪播移動至指定目標圖片</a:t>
+            </a:r>
+          </a:p>
+        </p:txBody>
+      </p:sp>
+    </p:spTree>
+    <p:extLst>
+      <p:ext uri="{BB962C8B-B14F-4D97-AF65-F5344CB8AC3E}">
+        <p14:creationId xmlns:p14="http://schemas.microsoft.com/office/powerpoint/2010/main" val="2020904423"/>
+      </p:ext>
+    </p:extLst>
+  </p:cSld>
+  <p:clrMapOvr>
+    <a:masterClrMapping/>
+  </p:clrMapOvr>
+  <p:transition spd="med"/>
+</p:sld>
+</file>
+
+<file path=ppt/slides/slide15.xml><?xml version="1.0" encoding="utf-8"?>
+<p:sld xmlns:a="http://schemas.openxmlformats.org/drawingml/2006/main" xmlns:r="http://schemas.openxmlformats.org/officeDocument/2006/relationships" xmlns:p="http://schemas.openxmlformats.org/presentationml/2006/main">
+  <p:cSld>
+    <p:spTree>
+      <p:nvGrpSpPr>
+        <p:cNvPr id="1" name=""/>
+        <p:cNvGrpSpPr/>
+        <p:nvPr/>
+      </p:nvGrpSpPr>
+      <p:grpSpPr>
+        <a:xfrm>
+          <a:off x="0" y="0"/>
+          <a:ext cx="0" cy="0"/>
+          <a:chOff x="0" y="0"/>
+          <a:chExt cx="0" cy="0"/>
+        </a:xfrm>
+      </p:grpSpPr>
+      <p:sp>
+        <p:nvSpPr>
+          <p:cNvPr id="138" name="Slide Number Placeholder 5"/>
+          <p:cNvSpPr txBox="1">
+            <a:spLocks noGrp="1"/>
+          </p:cNvSpPr>
+          <p:nvPr>
+            <p:ph type="sldNum" sz="quarter" idx="2"/>
+          </p:nvPr>
+        </p:nvSpPr>
+        <p:spPr>
+          <a:xfrm>
+            <a:off x="4466957" y="6356351"/>
+            <a:ext cx="210088" cy="320041"/>
+          </a:xfrm>
+          <a:prstGeom prst="rect">
+            <a:avLst/>
+          </a:prstGeom>
+          <a:extLst>
+            <a:ext uri="{C572A759-6A51-4108-AA02-DFA0A04FC94B}">
+              <ma14:wrappingTextBoxFlag xmlns:ma14="http://schemas.microsoft.com/office/mac/drawingml/2011/main" xmlns:a14="http://schemas.microsoft.com/office/drawing/2010/main" xmlns:m="http://schemas.openxmlformats.org/officeDocument/2006/math" xmlns="" val="1"/>
+            </a:ext>
+          </a:extLst>
+        </p:spPr>
+        <p:txBody>
+          <a:bodyPr/>
+          <a:lstStyle/>
+          <a:p>
+            <a:fld id="{86CB4B4D-7CA3-9044-876B-883B54F8677D}" type="slidenum">
+              <a:t>15</a:t>
+            </a:fld>
+            <a:endParaRPr/>
+          </a:p>
+        </p:txBody>
+      </p:sp>
+      <p:sp>
+        <p:nvSpPr>
+          <p:cNvPr id="10" name="標題 1">
+            <a:extLst>
+              <a:ext uri="{FF2B5EF4-FFF2-40B4-BE49-F238E27FC236}">
+                <a16:creationId xmlns:a16="http://schemas.microsoft.com/office/drawing/2014/main" id="{3E825FEB-6A13-5B4F-B6E7-D371204EDFAC}"/>
+              </a:ext>
+            </a:extLst>
+          </p:cNvPr>
+          <p:cNvSpPr txBox="1">
+            <a:spLocks/>
+          </p:cNvSpPr>
+          <p:nvPr/>
+        </p:nvSpPr>
+        <p:spPr>
+          <a:xfrm>
+            <a:off x="0" y="1"/>
+            <a:ext cx="9144000" cy="836712"/>
+          </a:xfrm>
+          <a:prstGeom prst="rect">
+            <a:avLst/>
+          </a:prstGeom>
+          <a:ln w="12700">
+            <a:miter lim="400000"/>
+          </a:ln>
+          <a:extLst>
+            <a:ext uri="{C572A759-6A51-4108-AA02-DFA0A04FC94B}">
+              <ma14:wrappingTextBoxFlag xmlns:ma14="http://schemas.microsoft.com/office/mac/drawingml/2011/main" xmlns:a14="http://schemas.microsoft.com/office/drawing/2010/main" xmlns:m="http://schemas.openxmlformats.org/officeDocument/2006/math" xmlns="" val="1"/>
+            </a:ext>
+          </a:extLst>
+        </p:spPr>
+        <p:txBody>
+          <a:bodyPr lIns="45719" rIns="45719" anchor="b">
+            <a:normAutofit/>
+          </a:bodyPr>
+          <a:lstStyle>
+            <a:lvl1pPr marL="0" marR="0" indent="0" algn="l" defTabSz="685800" rtl="0" latinLnBrk="0">
+              <a:lnSpc>
+                <a:spcPct val="90000"/>
+              </a:lnSpc>
+              <a:spcBef>
+                <a:spcPts val="0"/>
+              </a:spcBef>
+              <a:spcAft>
+                <a:spcPts val="0"/>
+              </a:spcAft>
+              <a:buClrTx/>
+              <a:buSzTx/>
+              <a:buFontTx/>
+              <a:buNone/>
+              <a:tabLst/>
+              <a:defRPr sz="3300" b="0" i="0" u="none" strike="noStrike" cap="none" spc="0" baseline="0">
+                <a:solidFill>
+                  <a:srgbClr val="000000"/>
+                </a:solidFill>
+                <a:uFillTx/>
+                <a:latin typeface="Calibri Light"/>
+                <a:ea typeface="Calibri Light"/>
+                <a:cs typeface="Calibri Light"/>
+                <a:sym typeface="Calibri Light"/>
+              </a:defRPr>
+            </a:lvl1pPr>
+            <a:lvl2pPr marL="0" marR="0" indent="0" algn="l" defTabSz="685800" rtl="0" latinLnBrk="0">
+              <a:lnSpc>
+                <a:spcPct val="90000"/>
+              </a:lnSpc>
+              <a:spcBef>
+                <a:spcPts val="0"/>
+              </a:spcBef>
+              <a:spcAft>
+                <a:spcPts val="0"/>
+              </a:spcAft>
+              <a:buClrTx/>
+              <a:buSzTx/>
+              <a:buFontTx/>
+              <a:buNone/>
+              <a:tabLst/>
+              <a:defRPr sz="3300" b="0" i="0" u="none" strike="noStrike" cap="none" spc="0" baseline="0">
+                <a:solidFill>
+                  <a:srgbClr val="000000"/>
+                </a:solidFill>
+                <a:uFillTx/>
+                <a:latin typeface="Calibri Light"/>
+                <a:ea typeface="Calibri Light"/>
+                <a:cs typeface="Calibri Light"/>
+                <a:sym typeface="Calibri Light"/>
+              </a:defRPr>
+            </a:lvl2pPr>
+            <a:lvl3pPr marL="0" marR="0" indent="0" algn="l" defTabSz="685800" rtl="0" latinLnBrk="0">
+              <a:lnSpc>
+                <a:spcPct val="90000"/>
+              </a:lnSpc>
+              <a:spcBef>
+                <a:spcPts val="0"/>
+              </a:spcBef>
+              <a:spcAft>
+                <a:spcPts val="0"/>
+              </a:spcAft>
+              <a:buClrTx/>
+              <a:buSzTx/>
+              <a:buFontTx/>
+              <a:buNone/>
+              <a:tabLst/>
+              <a:defRPr sz="3300" b="0" i="0" u="none" strike="noStrike" cap="none" spc="0" baseline="0">
+                <a:solidFill>
+                  <a:srgbClr val="000000"/>
+                </a:solidFill>
+                <a:uFillTx/>
+                <a:latin typeface="Calibri Light"/>
+                <a:ea typeface="Calibri Light"/>
+                <a:cs typeface="Calibri Light"/>
+                <a:sym typeface="Calibri Light"/>
+              </a:defRPr>
+            </a:lvl3pPr>
+            <a:lvl4pPr marL="0" marR="0" indent="0" algn="l" defTabSz="685800" rtl="0" latinLnBrk="0">
+              <a:lnSpc>
+                <a:spcPct val="90000"/>
+              </a:lnSpc>
+              <a:spcBef>
+                <a:spcPts val="0"/>
+              </a:spcBef>
+              <a:spcAft>
+                <a:spcPts val="0"/>
+              </a:spcAft>
+              <a:buClrTx/>
+              <a:buSzTx/>
+              <a:buFontTx/>
+              <a:buNone/>
+              <a:tabLst/>
+              <a:defRPr sz="3300" b="0" i="0" u="none" strike="noStrike" cap="none" spc="0" baseline="0">
+                <a:solidFill>
+                  <a:srgbClr val="000000"/>
+                </a:solidFill>
+                <a:uFillTx/>
+                <a:latin typeface="Calibri Light"/>
+                <a:ea typeface="Calibri Light"/>
+                <a:cs typeface="Calibri Light"/>
+                <a:sym typeface="Calibri Light"/>
+              </a:defRPr>
+            </a:lvl4pPr>
+            <a:lvl5pPr marL="0" marR="0" indent="0" algn="l" defTabSz="685800" rtl="0" latinLnBrk="0">
+              <a:lnSpc>
+                <a:spcPct val="90000"/>
+              </a:lnSpc>
+              <a:spcBef>
+                <a:spcPts val="0"/>
+              </a:spcBef>
+              <a:spcAft>
+                <a:spcPts val="0"/>
+              </a:spcAft>
+              <a:buClrTx/>
+              <a:buSzTx/>
+              <a:buFontTx/>
+              <a:buNone/>
+              <a:tabLst/>
+              <a:defRPr sz="3300" b="0" i="0" u="none" strike="noStrike" cap="none" spc="0" baseline="0">
+                <a:solidFill>
+                  <a:srgbClr val="000000"/>
+                </a:solidFill>
+                <a:uFillTx/>
+                <a:latin typeface="Calibri Light"/>
+                <a:ea typeface="Calibri Light"/>
+                <a:cs typeface="Calibri Light"/>
+                <a:sym typeface="Calibri Light"/>
+              </a:defRPr>
+            </a:lvl5pPr>
+            <a:lvl6pPr marL="0" marR="0" indent="0" algn="l" defTabSz="685800" rtl="0" latinLnBrk="0">
+              <a:lnSpc>
+                <a:spcPct val="90000"/>
+              </a:lnSpc>
+              <a:spcBef>
+                <a:spcPts val="0"/>
+              </a:spcBef>
+              <a:spcAft>
+                <a:spcPts val="0"/>
+              </a:spcAft>
+              <a:buClrTx/>
+              <a:buSzTx/>
+              <a:buFontTx/>
+              <a:buNone/>
+              <a:tabLst/>
+              <a:defRPr sz="3300" b="0" i="0" u="none" strike="noStrike" cap="none" spc="0" baseline="0">
+                <a:solidFill>
+                  <a:srgbClr val="000000"/>
+                </a:solidFill>
+                <a:uFillTx/>
+                <a:latin typeface="Calibri Light"/>
+                <a:ea typeface="Calibri Light"/>
+                <a:cs typeface="Calibri Light"/>
+                <a:sym typeface="Calibri Light"/>
+              </a:defRPr>
+            </a:lvl6pPr>
+            <a:lvl7pPr marL="0" marR="0" indent="0" algn="l" defTabSz="685800" rtl="0" latinLnBrk="0">
+              <a:lnSpc>
+                <a:spcPct val="90000"/>
+              </a:lnSpc>
+              <a:spcBef>
+                <a:spcPts val="0"/>
+              </a:spcBef>
+              <a:spcAft>
+                <a:spcPts val="0"/>
+              </a:spcAft>
+              <a:buClrTx/>
+              <a:buSzTx/>
+              <a:buFontTx/>
+              <a:buNone/>
+              <a:tabLst/>
+              <a:defRPr sz="3300" b="0" i="0" u="none" strike="noStrike" cap="none" spc="0" baseline="0">
+                <a:solidFill>
+                  <a:srgbClr val="000000"/>
+                </a:solidFill>
+                <a:uFillTx/>
+                <a:latin typeface="Calibri Light"/>
+                <a:ea typeface="Calibri Light"/>
+                <a:cs typeface="Calibri Light"/>
+                <a:sym typeface="Calibri Light"/>
+              </a:defRPr>
+            </a:lvl7pPr>
+            <a:lvl8pPr marL="0" marR="0" indent="0" algn="l" defTabSz="685800" rtl="0" latinLnBrk="0">
+              <a:lnSpc>
+                <a:spcPct val="90000"/>
+              </a:lnSpc>
+              <a:spcBef>
+                <a:spcPts val="0"/>
+              </a:spcBef>
+              <a:spcAft>
+                <a:spcPts val="0"/>
+              </a:spcAft>
+              <a:buClrTx/>
+              <a:buSzTx/>
+              <a:buFontTx/>
+              <a:buNone/>
+              <a:tabLst/>
+              <a:defRPr sz="3300" b="0" i="0" u="none" strike="noStrike" cap="none" spc="0" baseline="0">
+                <a:solidFill>
+                  <a:srgbClr val="000000"/>
+                </a:solidFill>
+                <a:uFillTx/>
+                <a:latin typeface="Calibri Light"/>
+                <a:ea typeface="Calibri Light"/>
+                <a:cs typeface="Calibri Light"/>
+                <a:sym typeface="Calibri Light"/>
+              </a:defRPr>
+            </a:lvl8pPr>
+            <a:lvl9pPr marL="0" marR="0" indent="0" algn="l" defTabSz="685800" rtl="0" latinLnBrk="0">
+              <a:lnSpc>
+                <a:spcPct val="90000"/>
+              </a:lnSpc>
+              <a:spcBef>
+                <a:spcPts val="0"/>
+              </a:spcBef>
+              <a:spcAft>
+                <a:spcPts val="0"/>
+              </a:spcAft>
+              <a:buClrTx/>
+              <a:buSzTx/>
+              <a:buFontTx/>
+              <a:buNone/>
+              <a:tabLst/>
+              <a:defRPr sz="3300" b="0" i="0" u="none" strike="noStrike" cap="none" spc="0" baseline="0">
+                <a:solidFill>
+                  <a:srgbClr val="000000"/>
+                </a:solidFill>
+                <a:uFillTx/>
+                <a:latin typeface="Calibri Light"/>
+                <a:ea typeface="Calibri Light"/>
+                <a:cs typeface="Calibri Light"/>
+                <a:sym typeface="Calibri Light"/>
+              </a:defRPr>
+            </a:lvl9pPr>
+          </a:lstStyle>
+          <a:p>
+            <a:pPr algn="ctr" hangingPunct="1"/>
+            <a:r>
+              <a:rPr lang="en-US" altLang="zh-TW" sz="4000" dirty="0">
+                <a:solidFill>
+                  <a:srgbClr val="0070C0"/>
+                </a:solidFill>
+                <a:latin typeface="微軟正黑體" panose="020B0604030504040204" pitchFamily="34" charset="-120"/>
+              </a:rPr>
+              <a:t>Bootstrap </a:t>
+            </a:r>
+            <a:r>
+              <a:rPr lang="zh-TW" altLang="en-US" sz="4000" dirty="0">
+                <a:solidFill>
+                  <a:srgbClr val="0070C0"/>
+                </a:solidFill>
+                <a:latin typeface="微軟正黑體" panose="020B0604030504040204" pitchFamily="34" charset="-120"/>
+              </a:rPr>
+              <a:t>圖片輪播（</a:t>
+            </a:r>
+            <a:r>
+              <a:rPr lang="en-US" altLang="zh-TW" sz="4000" dirty="0">
+                <a:solidFill>
+                  <a:srgbClr val="0070C0"/>
+                </a:solidFill>
+                <a:latin typeface="微軟正黑體" panose="020B0604030504040204" pitchFamily="34" charset="-120"/>
+              </a:rPr>
+              <a:t>Carousel</a:t>
+            </a:r>
+            <a:r>
+              <a:rPr lang="zh-TW" altLang="en-US" sz="4000" dirty="0">
+                <a:solidFill>
+                  <a:srgbClr val="0070C0"/>
+                </a:solidFill>
+                <a:latin typeface="微軟正黑體" panose="020B0604030504040204" pitchFamily="34" charset="-120"/>
+              </a:rPr>
+              <a:t>）</a:t>
+            </a:r>
+            <a:endParaRPr lang="zh-TW" altLang="en-US" sz="4000" dirty="0">
+              <a:solidFill>
+                <a:srgbClr val="0070C0"/>
+              </a:solidFill>
+              <a:latin typeface="微軟正黑體" panose="020B0604030504040204" pitchFamily="34" charset="-120"/>
+              <a:ea typeface="微軟正黑體" panose="020B0604030504040204" pitchFamily="34" charset="-120"/>
+            </a:endParaRPr>
+          </a:p>
+        </p:txBody>
+      </p:sp>
+      <p:pic>
+        <p:nvPicPr>
+          <p:cNvPr id="4" name="圖片 3">
+            <a:extLst>
+              <a:ext uri="{FF2B5EF4-FFF2-40B4-BE49-F238E27FC236}">
+                <a16:creationId xmlns:a16="http://schemas.microsoft.com/office/drawing/2014/main" id="{8FD558EE-23F2-4858-B78B-79B81DF88DF5}"/>
+              </a:ext>
+            </a:extLst>
+          </p:cNvPr>
+          <p:cNvPicPr>
+            <a:picLocks noChangeAspect="1"/>
+          </p:cNvPicPr>
+          <p:nvPr/>
+        </p:nvPicPr>
+        <p:blipFill>
+          <a:blip r:embed="rId3"/>
+          <a:stretch>
+            <a:fillRect/>
+          </a:stretch>
+        </p:blipFill>
+        <p:spPr>
+          <a:xfrm>
+            <a:off x="754245" y="1582708"/>
+            <a:ext cx="7635510" cy="3692583"/>
+          </a:xfrm>
+          <a:prstGeom prst="rect">
+            <a:avLst/>
+          </a:prstGeom>
+        </p:spPr>
+      </p:pic>
+      <p:sp>
+        <p:nvSpPr>
+          <p:cNvPr id="7" name="矩形: 圓角 6">
+            <a:extLst>
+              <a:ext uri="{FF2B5EF4-FFF2-40B4-BE49-F238E27FC236}">
+                <a16:creationId xmlns:a16="http://schemas.microsoft.com/office/drawing/2014/main" id="{28D370CD-7A82-4211-AD65-FB7D5EDADEDA}"/>
+              </a:ext>
+            </a:extLst>
+          </p:cNvPr>
+          <p:cNvSpPr/>
+          <p:nvPr/>
+        </p:nvSpPr>
+        <p:spPr>
+          <a:xfrm>
+            <a:off x="4677046" y="2528313"/>
+            <a:ext cx="876030" cy="251732"/>
+          </a:xfrm>
+          <a:prstGeom prst="roundRect">
+            <a:avLst/>
+          </a:prstGeom>
+          <a:noFill/>
+          <a:ln w="28575" cap="flat">
+            <a:solidFill>
+              <a:srgbClr val="C00000"/>
+            </a:solidFill>
+            <a:prstDash val="solid"/>
+            <a:miter lim="800000"/>
+          </a:ln>
+          <a:effectLst/>
+          <a:sp3d/>
+        </p:spPr>
+        <p:style>
+          <a:lnRef idx="0">
+            <a:scrgbClr r="0" g="0" b="0"/>
+          </a:lnRef>
+          <a:fillRef idx="0">
+            <a:scrgbClr r="0" g="0" b="0"/>
+          </a:fillRef>
+          <a:effectRef idx="0">
+            <a:scrgbClr r="0" g="0" b="0"/>
+          </a:effectRef>
+          <a:fontRef idx="none"/>
+        </p:style>
+        <p:txBody>
+          <a:bodyPr rot="0" spcFirstLastPara="1" vertOverflow="overflow" horzOverflow="overflow" vert="horz" wrap="square" lIns="45719" tIns="45719" rIns="45719" bIns="45719" numCol="1" spcCol="38100" rtlCol="0" anchor="ctr">
+            <a:spAutoFit/>
+          </a:bodyPr>
+          <a:lstStyle/>
+          <a:p>
+            <a:pPr marL="0" marR="0" indent="0" algn="l" defTabSz="914400" rtl="0" fontAlgn="auto" latinLnBrk="0" hangingPunct="0">
+              <a:lnSpc>
+                <a:spcPct val="100000"/>
+              </a:lnSpc>
+              <a:spcBef>
+                <a:spcPts val="0"/>
+              </a:spcBef>
+              <a:spcAft>
+                <a:spcPts val="0"/>
+              </a:spcAft>
+              <a:buClrTx/>
+              <a:buSzTx/>
+              <a:buFontTx/>
+              <a:buNone/>
+              <a:tabLst/>
+            </a:pPr>
+            <a:endParaRPr kumimoji="0" lang="zh-TW" altLang="en-US" sz="1800" b="0" i="0" u="none" strike="noStrike" cap="none" spc="0" normalizeH="0" baseline="0">
+              <a:ln>
+                <a:noFill/>
+              </a:ln>
+              <a:solidFill>
+                <a:srgbClr val="000000"/>
+              </a:solidFill>
+              <a:effectLst/>
+              <a:uFillTx/>
+              <a:latin typeface="+mj-lt"/>
+              <a:ea typeface="+mj-ea"/>
+              <a:cs typeface="+mj-cs"/>
+              <a:sym typeface="Calibri"/>
+            </a:endParaRPr>
+          </a:p>
+        </p:txBody>
+      </p:sp>
+      <p:sp>
+        <p:nvSpPr>
+          <p:cNvPr id="8" name="矩形: 圓角 7">
+            <a:extLst>
+              <a:ext uri="{FF2B5EF4-FFF2-40B4-BE49-F238E27FC236}">
+                <a16:creationId xmlns:a16="http://schemas.microsoft.com/office/drawing/2014/main" id="{16544104-65B8-4818-8537-22F9A413C1FA}"/>
+              </a:ext>
+            </a:extLst>
+          </p:cNvPr>
+          <p:cNvSpPr/>
+          <p:nvPr/>
+        </p:nvSpPr>
+        <p:spPr>
+          <a:xfrm>
+            <a:off x="5600221" y="2528313"/>
+            <a:ext cx="1172054" cy="251732"/>
+          </a:xfrm>
+          <a:prstGeom prst="roundRect">
+            <a:avLst/>
+          </a:prstGeom>
+          <a:noFill/>
+          <a:ln w="28575" cap="flat">
+            <a:solidFill>
+              <a:srgbClr val="C00000"/>
+            </a:solidFill>
+            <a:prstDash val="solid"/>
+            <a:miter lim="800000"/>
+          </a:ln>
+          <a:effectLst/>
+          <a:sp3d/>
+        </p:spPr>
+        <p:style>
+          <a:lnRef idx="0">
+            <a:scrgbClr r="0" g="0" b="0"/>
+          </a:lnRef>
+          <a:fillRef idx="0">
+            <a:scrgbClr r="0" g="0" b="0"/>
+          </a:fillRef>
+          <a:effectRef idx="0">
+            <a:scrgbClr r="0" g="0" b="0"/>
+          </a:effectRef>
+          <a:fontRef idx="none"/>
+        </p:style>
+        <p:txBody>
+          <a:bodyPr rot="0" spcFirstLastPara="1" vertOverflow="overflow" horzOverflow="overflow" vert="horz" wrap="square" lIns="45719" tIns="45719" rIns="45719" bIns="45719" numCol="1" spcCol="38100" rtlCol="0" anchor="ctr">
+            <a:spAutoFit/>
+          </a:bodyPr>
+          <a:lstStyle/>
+          <a:p>
+            <a:pPr marL="0" marR="0" indent="0" algn="l" defTabSz="914400" rtl="0" fontAlgn="auto" latinLnBrk="0" hangingPunct="0">
+              <a:lnSpc>
+                <a:spcPct val="100000"/>
+              </a:lnSpc>
+              <a:spcBef>
+                <a:spcPts val="0"/>
+              </a:spcBef>
+              <a:spcAft>
+                <a:spcPts val="0"/>
+              </a:spcAft>
+              <a:buClrTx/>
+              <a:buSzTx/>
+              <a:buFontTx/>
+              <a:buNone/>
+              <a:tabLst/>
+            </a:pPr>
+            <a:endParaRPr kumimoji="0" lang="zh-TW" altLang="en-US" sz="1800" b="0" i="0" u="none" strike="noStrike" cap="none" spc="0" normalizeH="0" baseline="0">
+              <a:ln>
+                <a:noFill/>
+              </a:ln>
+              <a:solidFill>
+                <a:srgbClr val="000000"/>
+              </a:solidFill>
+              <a:effectLst/>
+              <a:uFillTx/>
+              <a:latin typeface="+mj-lt"/>
+              <a:ea typeface="+mj-ea"/>
+              <a:cs typeface="+mj-cs"/>
+              <a:sym typeface="Calibri"/>
+            </a:endParaRPr>
+          </a:p>
+        </p:txBody>
+      </p:sp>
+      <p:sp>
+        <p:nvSpPr>
+          <p:cNvPr id="9" name="文字方塊 8">
+            <a:extLst>
+              <a:ext uri="{FF2B5EF4-FFF2-40B4-BE49-F238E27FC236}">
+                <a16:creationId xmlns:a16="http://schemas.microsoft.com/office/drawing/2014/main" id="{4C820E14-2CFB-428E-9A78-9E7A65CCE987}"/>
+              </a:ext>
+            </a:extLst>
+          </p:cNvPr>
+          <p:cNvSpPr txBox="1"/>
+          <p:nvPr/>
+        </p:nvSpPr>
+        <p:spPr>
+          <a:xfrm>
+            <a:off x="4251788" y="1125788"/>
+            <a:ext cx="1726545" cy="456920"/>
+          </a:xfrm>
+          <a:prstGeom prst="rect">
+            <a:avLst/>
+          </a:prstGeom>
+          <a:noFill/>
+        </p:spPr>
+        <p:txBody>
+          <a:bodyPr wrap="square" rtlCol="0">
+            <a:spAutoFit/>
+          </a:bodyPr>
+          <a:lstStyle/>
+          <a:p>
+            <a:pPr>
+              <a:lnSpc>
+                <a:spcPct val="150000"/>
+              </a:lnSpc>
+            </a:pPr>
+            <a:r>
+              <a:rPr lang="en-US" altLang="zh-TW" b="1" dirty="0">
+                <a:solidFill>
+                  <a:srgbClr val="FF0000"/>
+                </a:solidFill>
+                <a:latin typeface="微軟正黑體" panose="020B0604030504040204" pitchFamily="34" charset="-120"/>
+                <a:ea typeface="微軟正黑體" panose="020B0604030504040204" pitchFamily="34" charset="-120"/>
+              </a:rPr>
+              <a:t>display:</a:t>
+            </a:r>
+            <a:r>
+              <a:rPr lang="zh-TW" altLang="en-US" b="1" dirty="0">
+                <a:solidFill>
+                  <a:srgbClr val="FF0000"/>
+                </a:solidFill>
+                <a:latin typeface="微軟正黑體" panose="020B0604030504040204" pitchFamily="34" charset="-120"/>
+                <a:ea typeface="微軟正黑體" panose="020B0604030504040204" pitchFamily="34" charset="-120"/>
+              </a:rPr>
+              <a:t> </a:t>
+            </a:r>
+            <a:r>
+              <a:rPr lang="en-US" altLang="zh-TW" b="1" dirty="0">
+                <a:solidFill>
+                  <a:srgbClr val="FF0000"/>
+                </a:solidFill>
+                <a:latin typeface="微軟正黑體" panose="020B0604030504040204" pitchFamily="34" charset="-120"/>
+                <a:ea typeface="微軟正黑體" panose="020B0604030504040204" pitchFamily="34" charset="-120"/>
+              </a:rPr>
+              <a:t>block</a:t>
+            </a:r>
+            <a:endParaRPr lang="zh-TW" altLang="en-US" b="1" dirty="0">
+              <a:solidFill>
+                <a:srgbClr val="FF0000"/>
+              </a:solidFill>
+              <a:latin typeface="微軟正黑體" panose="020B0604030504040204" pitchFamily="34" charset="-120"/>
+              <a:ea typeface="微軟正黑體" panose="020B0604030504040204" pitchFamily="34" charset="-120"/>
+            </a:endParaRPr>
+          </a:p>
+        </p:txBody>
+      </p:sp>
+      <p:sp>
+        <p:nvSpPr>
+          <p:cNvPr id="11" name="箭號: 向右 10">
+            <a:extLst>
+              <a:ext uri="{FF2B5EF4-FFF2-40B4-BE49-F238E27FC236}">
+                <a16:creationId xmlns:a16="http://schemas.microsoft.com/office/drawing/2014/main" id="{7FB9866C-0B50-4381-8E54-89A6027BAB00}"/>
+              </a:ext>
+            </a:extLst>
+          </p:cNvPr>
+          <p:cNvSpPr/>
+          <p:nvPr/>
+        </p:nvSpPr>
+        <p:spPr>
+          <a:xfrm rot="5400000">
+            <a:off x="4782462" y="1720975"/>
+            <a:ext cx="665194" cy="388661"/>
+          </a:xfrm>
+          <a:prstGeom prst="rightArrow">
+            <a:avLst/>
+          </a:prstGeom>
+          <a:solidFill>
+            <a:srgbClr val="FF0000"/>
+          </a:solidFill>
+          <a:ln w="12700" cap="flat">
+            <a:noFill/>
+            <a:prstDash val="solid"/>
+            <a:miter lim="800000"/>
+          </a:ln>
+          <a:effectLst/>
+          <a:sp3d/>
+        </p:spPr>
+        <p:style>
+          <a:lnRef idx="0">
+            <a:scrgbClr r="0" g="0" b="0"/>
+          </a:lnRef>
+          <a:fillRef idx="0">
+            <a:scrgbClr r="0" g="0" b="0"/>
+          </a:fillRef>
+          <a:effectRef idx="0">
+            <a:scrgbClr r="0" g="0" b="0"/>
+          </a:effectRef>
+          <a:fontRef idx="none"/>
+        </p:style>
+        <p:txBody>
+          <a:bodyPr rot="0" spcFirstLastPara="1" vertOverflow="overflow" horzOverflow="overflow" vert="horz" wrap="square" lIns="45719" tIns="45719" rIns="45719" bIns="45719" numCol="1" spcCol="38100" rtlCol="0" anchor="ctr">
+            <a:spAutoFit/>
+          </a:bodyPr>
+          <a:lstStyle/>
+          <a:p>
+            <a:pPr marL="0" marR="0" indent="0" algn="l" defTabSz="914400" rtl="0" fontAlgn="auto" latinLnBrk="0" hangingPunct="0">
+              <a:lnSpc>
+                <a:spcPct val="100000"/>
+              </a:lnSpc>
+              <a:spcBef>
+                <a:spcPts val="0"/>
+              </a:spcBef>
+              <a:spcAft>
+                <a:spcPts val="0"/>
+              </a:spcAft>
+              <a:buClrTx/>
+              <a:buSzTx/>
+              <a:buFontTx/>
+              <a:buNone/>
+              <a:tabLst/>
+            </a:pPr>
+            <a:endParaRPr kumimoji="0" lang="zh-TW" altLang="en-US" sz="1800" b="0" i="0" u="none" strike="noStrike" cap="none" spc="0" normalizeH="0" baseline="0">
+              <a:ln>
+                <a:noFill/>
+              </a:ln>
+              <a:solidFill>
+                <a:srgbClr val="000000"/>
+              </a:solidFill>
+              <a:effectLst/>
+              <a:uFillTx/>
+              <a:latin typeface="+mj-lt"/>
+              <a:ea typeface="+mj-ea"/>
+              <a:cs typeface="+mj-cs"/>
+              <a:sym typeface="Calibri"/>
+            </a:endParaRPr>
+          </a:p>
+        </p:txBody>
+      </p:sp>
+      <p:sp>
+        <p:nvSpPr>
+          <p:cNvPr id="12" name="文字方塊 11">
+            <a:extLst>
+              <a:ext uri="{FF2B5EF4-FFF2-40B4-BE49-F238E27FC236}">
+                <a16:creationId xmlns:a16="http://schemas.microsoft.com/office/drawing/2014/main" id="{A8B30D82-D16B-4726-AD99-5C9C40E6CD61}"/>
+              </a:ext>
+            </a:extLst>
+          </p:cNvPr>
+          <p:cNvSpPr txBox="1"/>
+          <p:nvPr/>
+        </p:nvSpPr>
+        <p:spPr>
+          <a:xfrm>
+            <a:off x="6126439" y="1125788"/>
+            <a:ext cx="1889779" cy="456920"/>
+          </a:xfrm>
+          <a:prstGeom prst="rect">
+            <a:avLst/>
+          </a:prstGeom>
+          <a:noFill/>
+        </p:spPr>
+        <p:txBody>
+          <a:bodyPr wrap="square" rtlCol="0">
+            <a:spAutoFit/>
+          </a:bodyPr>
+          <a:lstStyle/>
+          <a:p>
+            <a:pPr>
+              <a:lnSpc>
+                <a:spcPct val="150000"/>
+              </a:lnSpc>
+            </a:pPr>
+            <a:r>
+              <a:rPr lang="zh-TW" altLang="en-US" b="1" dirty="0">
+                <a:solidFill>
+                  <a:srgbClr val="FF0000"/>
+                </a:solidFill>
+                <a:latin typeface="微軟正黑體" panose="020B0604030504040204" pitchFamily="34" charset="-120"/>
+                <a:ea typeface="微軟正黑體" panose="020B0604030504040204" pitchFamily="34" charset="-120"/>
+              </a:rPr>
+              <a:t>圖片自適應畫面</a:t>
+            </a:r>
+          </a:p>
+        </p:txBody>
+      </p:sp>
+      <p:sp>
+        <p:nvSpPr>
+          <p:cNvPr id="13" name="箭號: 向右 12">
+            <a:extLst>
+              <a:ext uri="{FF2B5EF4-FFF2-40B4-BE49-F238E27FC236}">
+                <a16:creationId xmlns:a16="http://schemas.microsoft.com/office/drawing/2014/main" id="{63534AE0-ABA1-40E1-AC4D-59C0F4D2C6F8}"/>
+              </a:ext>
+            </a:extLst>
+          </p:cNvPr>
+          <p:cNvSpPr/>
+          <p:nvPr/>
+        </p:nvSpPr>
+        <p:spPr>
+          <a:xfrm rot="5400000">
+            <a:off x="6105141" y="1861181"/>
+            <a:ext cx="945605" cy="388661"/>
+          </a:xfrm>
+          <a:prstGeom prst="rightArrow">
+            <a:avLst/>
+          </a:prstGeom>
+          <a:solidFill>
+            <a:srgbClr val="FF0000"/>
+          </a:solidFill>
+          <a:ln w="12700" cap="flat">
+            <a:noFill/>
+            <a:prstDash val="solid"/>
+            <a:miter lim="800000"/>
+          </a:ln>
+          <a:effectLst/>
+          <a:sp3d/>
+        </p:spPr>
+        <p:style>
+          <a:lnRef idx="0">
+            <a:scrgbClr r="0" g="0" b="0"/>
+          </a:lnRef>
+          <a:fillRef idx="0">
+            <a:scrgbClr r="0" g="0" b="0"/>
+          </a:fillRef>
+          <a:effectRef idx="0">
+            <a:scrgbClr r="0" g="0" b="0"/>
+          </a:effectRef>
+          <a:fontRef idx="none"/>
+        </p:style>
+        <p:txBody>
+          <a:bodyPr rot="0" spcFirstLastPara="1" vertOverflow="overflow" horzOverflow="overflow" vert="horz" wrap="square" lIns="45719" tIns="45719" rIns="45719" bIns="45719" numCol="1" spcCol="38100" rtlCol="0" anchor="ctr">
+            <a:spAutoFit/>
+          </a:bodyPr>
+          <a:lstStyle/>
+          <a:p>
+            <a:pPr marL="0" marR="0" indent="0" algn="l" defTabSz="914400" rtl="0" fontAlgn="auto" latinLnBrk="0" hangingPunct="0">
+              <a:lnSpc>
+                <a:spcPct val="100000"/>
+              </a:lnSpc>
+              <a:spcBef>
+                <a:spcPts val="0"/>
+              </a:spcBef>
+              <a:spcAft>
+                <a:spcPts val="0"/>
+              </a:spcAft>
+              <a:buClrTx/>
+              <a:buSzTx/>
+              <a:buFontTx/>
+              <a:buNone/>
+              <a:tabLst/>
+            </a:pPr>
+            <a:endParaRPr kumimoji="0" lang="zh-TW" altLang="en-US" sz="1800" b="0" i="0" u="none" strike="noStrike" cap="none" spc="0" normalizeH="0" baseline="0">
+              <a:ln>
+                <a:noFill/>
+              </a:ln>
+              <a:solidFill>
+                <a:srgbClr val="000000"/>
+              </a:solidFill>
+              <a:effectLst/>
+              <a:uFillTx/>
+              <a:latin typeface="+mj-lt"/>
+              <a:ea typeface="+mj-ea"/>
+              <a:cs typeface="+mj-cs"/>
+              <a:sym typeface="Calibri"/>
+            </a:endParaRPr>
+          </a:p>
+        </p:txBody>
+      </p:sp>
+    </p:spTree>
+    <p:extLst>
+      <p:ext uri="{BB962C8B-B14F-4D97-AF65-F5344CB8AC3E}">
+        <p14:creationId xmlns:p14="http://schemas.microsoft.com/office/powerpoint/2010/main" val="1130245578"/>
+      </p:ext>
+    </p:extLst>
+  </p:cSld>
+  <p:clrMapOvr>
+    <a:masterClrMapping/>
+  </p:clrMapOvr>
+  <p:transition spd="med"/>
+</p:sld>
+</file>
+
+<file path=ppt/slides/slide16.xml><?xml version="1.0" encoding="utf-8"?>
+<p:sld xmlns:a="http://schemas.openxmlformats.org/drawingml/2006/main" xmlns:r="http://schemas.openxmlformats.org/officeDocument/2006/relationships" xmlns:p="http://schemas.openxmlformats.org/presentationml/2006/main">
+  <p:cSld>
+    <p:spTree>
+      <p:nvGrpSpPr>
+        <p:cNvPr id="1" name=""/>
+        <p:cNvGrpSpPr/>
+        <p:nvPr/>
+      </p:nvGrpSpPr>
+      <p:grpSpPr>
+        <a:xfrm>
+          <a:off x="0" y="0"/>
+          <a:ext cx="0" cy="0"/>
+          <a:chOff x="0" y="0"/>
+          <a:chExt cx="0" cy="0"/>
+        </a:xfrm>
+      </p:grpSpPr>
+      <p:sp>
+        <p:nvSpPr>
+          <p:cNvPr id="138" name="Slide Number Placeholder 5"/>
+          <p:cNvSpPr txBox="1">
+            <a:spLocks noGrp="1"/>
+          </p:cNvSpPr>
+          <p:nvPr>
+            <p:ph type="sldNum" sz="quarter" idx="2"/>
+          </p:nvPr>
+        </p:nvSpPr>
+        <p:spPr>
+          <a:xfrm>
+            <a:off x="4466957" y="6356351"/>
+            <a:ext cx="210088" cy="320041"/>
+          </a:xfrm>
+          <a:prstGeom prst="rect">
+            <a:avLst/>
+          </a:prstGeom>
+          <a:extLst>
+            <a:ext uri="{C572A759-6A51-4108-AA02-DFA0A04FC94B}">
+              <ma14:wrappingTextBoxFlag xmlns:ma14="http://schemas.microsoft.com/office/mac/drawingml/2011/main" xmlns:a14="http://schemas.microsoft.com/office/drawing/2010/main" xmlns:m="http://schemas.openxmlformats.org/officeDocument/2006/math" xmlns="" val="1"/>
+            </a:ext>
+          </a:extLst>
+        </p:spPr>
+        <p:txBody>
+          <a:bodyPr/>
+          <a:lstStyle/>
+          <a:p>
+            <a:fld id="{86CB4B4D-7CA3-9044-876B-883B54F8677D}" type="slidenum">
+              <a:t>16</a:t>
+            </a:fld>
+            <a:endParaRPr/>
+          </a:p>
+        </p:txBody>
+      </p:sp>
+      <p:sp>
+        <p:nvSpPr>
+          <p:cNvPr id="10" name="標題 1">
+            <a:extLst>
+              <a:ext uri="{FF2B5EF4-FFF2-40B4-BE49-F238E27FC236}">
+                <a16:creationId xmlns:a16="http://schemas.microsoft.com/office/drawing/2014/main" id="{3E825FEB-6A13-5B4F-B6E7-D371204EDFAC}"/>
+              </a:ext>
+            </a:extLst>
+          </p:cNvPr>
+          <p:cNvSpPr txBox="1">
+            <a:spLocks/>
+          </p:cNvSpPr>
+          <p:nvPr/>
+        </p:nvSpPr>
+        <p:spPr>
+          <a:xfrm>
+            <a:off x="0" y="1"/>
+            <a:ext cx="9144000" cy="836712"/>
+          </a:xfrm>
+          <a:prstGeom prst="rect">
+            <a:avLst/>
+          </a:prstGeom>
+          <a:ln w="12700">
+            <a:miter lim="400000"/>
+          </a:ln>
+          <a:extLst>
+            <a:ext uri="{C572A759-6A51-4108-AA02-DFA0A04FC94B}">
+              <ma14:wrappingTextBoxFlag xmlns:ma14="http://schemas.microsoft.com/office/mac/drawingml/2011/main" xmlns:a14="http://schemas.microsoft.com/office/drawing/2010/main" xmlns:m="http://schemas.openxmlformats.org/officeDocument/2006/math" xmlns="" val="1"/>
+            </a:ext>
+          </a:extLst>
+        </p:spPr>
+        <p:txBody>
+          <a:bodyPr lIns="45719" rIns="45719" anchor="b">
+            <a:normAutofit/>
+          </a:bodyPr>
+          <a:lstStyle>
+            <a:lvl1pPr marL="0" marR="0" indent="0" algn="l" defTabSz="685800" rtl="0" latinLnBrk="0">
+              <a:lnSpc>
+                <a:spcPct val="90000"/>
+              </a:lnSpc>
+              <a:spcBef>
+                <a:spcPts val="0"/>
+              </a:spcBef>
+              <a:spcAft>
+                <a:spcPts val="0"/>
+              </a:spcAft>
+              <a:buClrTx/>
+              <a:buSzTx/>
+              <a:buFontTx/>
+              <a:buNone/>
+              <a:tabLst/>
+              <a:defRPr sz="3300" b="0" i="0" u="none" strike="noStrike" cap="none" spc="0" baseline="0">
+                <a:solidFill>
+                  <a:srgbClr val="000000"/>
+                </a:solidFill>
+                <a:uFillTx/>
+                <a:latin typeface="Calibri Light"/>
+                <a:ea typeface="Calibri Light"/>
+                <a:cs typeface="Calibri Light"/>
+                <a:sym typeface="Calibri Light"/>
+              </a:defRPr>
+            </a:lvl1pPr>
+            <a:lvl2pPr marL="0" marR="0" indent="0" algn="l" defTabSz="685800" rtl="0" latinLnBrk="0">
+              <a:lnSpc>
+                <a:spcPct val="90000"/>
+              </a:lnSpc>
+              <a:spcBef>
+                <a:spcPts val="0"/>
+              </a:spcBef>
+              <a:spcAft>
+                <a:spcPts val="0"/>
+              </a:spcAft>
+              <a:buClrTx/>
+              <a:buSzTx/>
+              <a:buFontTx/>
+              <a:buNone/>
+              <a:tabLst/>
+              <a:defRPr sz="3300" b="0" i="0" u="none" strike="noStrike" cap="none" spc="0" baseline="0">
+                <a:solidFill>
+                  <a:srgbClr val="000000"/>
+                </a:solidFill>
+                <a:uFillTx/>
+                <a:latin typeface="Calibri Light"/>
+                <a:ea typeface="Calibri Light"/>
+                <a:cs typeface="Calibri Light"/>
+                <a:sym typeface="Calibri Light"/>
+              </a:defRPr>
+            </a:lvl2pPr>
+            <a:lvl3pPr marL="0" marR="0" indent="0" algn="l" defTabSz="685800" rtl="0" latinLnBrk="0">
+              <a:lnSpc>
+                <a:spcPct val="90000"/>
+              </a:lnSpc>
+              <a:spcBef>
+                <a:spcPts val="0"/>
+              </a:spcBef>
+              <a:spcAft>
+                <a:spcPts val="0"/>
+              </a:spcAft>
+              <a:buClrTx/>
+              <a:buSzTx/>
+              <a:buFontTx/>
+              <a:buNone/>
+              <a:tabLst/>
+              <a:defRPr sz="3300" b="0" i="0" u="none" strike="noStrike" cap="none" spc="0" baseline="0">
+                <a:solidFill>
+                  <a:srgbClr val="000000"/>
+                </a:solidFill>
+                <a:uFillTx/>
+                <a:latin typeface="Calibri Light"/>
+                <a:ea typeface="Calibri Light"/>
+                <a:cs typeface="Calibri Light"/>
+                <a:sym typeface="Calibri Light"/>
+              </a:defRPr>
+            </a:lvl3pPr>
+            <a:lvl4pPr marL="0" marR="0" indent="0" algn="l" defTabSz="685800" rtl="0" latinLnBrk="0">
+              <a:lnSpc>
+                <a:spcPct val="90000"/>
+              </a:lnSpc>
+              <a:spcBef>
+                <a:spcPts val="0"/>
+              </a:spcBef>
+              <a:spcAft>
+                <a:spcPts val="0"/>
+              </a:spcAft>
+              <a:buClrTx/>
+              <a:buSzTx/>
+              <a:buFontTx/>
+              <a:buNone/>
+              <a:tabLst/>
+              <a:defRPr sz="3300" b="0" i="0" u="none" strike="noStrike" cap="none" spc="0" baseline="0">
+                <a:solidFill>
+                  <a:srgbClr val="000000"/>
+                </a:solidFill>
+                <a:uFillTx/>
+                <a:latin typeface="Calibri Light"/>
+                <a:ea typeface="Calibri Light"/>
+                <a:cs typeface="Calibri Light"/>
+                <a:sym typeface="Calibri Light"/>
+              </a:defRPr>
+            </a:lvl4pPr>
+            <a:lvl5pPr marL="0" marR="0" indent="0" algn="l" defTabSz="685800" rtl="0" latinLnBrk="0">
+              <a:lnSpc>
+                <a:spcPct val="90000"/>
+              </a:lnSpc>
+              <a:spcBef>
+                <a:spcPts val="0"/>
+              </a:spcBef>
+              <a:spcAft>
+                <a:spcPts val="0"/>
+              </a:spcAft>
+              <a:buClrTx/>
+              <a:buSzTx/>
+              <a:buFontTx/>
+              <a:buNone/>
+              <a:tabLst/>
+              <a:defRPr sz="3300" b="0" i="0" u="none" strike="noStrike" cap="none" spc="0" baseline="0">
+                <a:solidFill>
+                  <a:srgbClr val="000000"/>
+                </a:solidFill>
+                <a:uFillTx/>
+                <a:latin typeface="Calibri Light"/>
+                <a:ea typeface="Calibri Light"/>
+                <a:cs typeface="Calibri Light"/>
+                <a:sym typeface="Calibri Light"/>
+              </a:defRPr>
+            </a:lvl5pPr>
+            <a:lvl6pPr marL="0" marR="0" indent="0" algn="l" defTabSz="685800" rtl="0" latinLnBrk="0">
+              <a:lnSpc>
+                <a:spcPct val="90000"/>
+              </a:lnSpc>
+              <a:spcBef>
+                <a:spcPts val="0"/>
+              </a:spcBef>
+              <a:spcAft>
+                <a:spcPts val="0"/>
+              </a:spcAft>
+              <a:buClrTx/>
+              <a:buSzTx/>
+              <a:buFontTx/>
+              <a:buNone/>
+              <a:tabLst/>
+              <a:defRPr sz="3300" b="0" i="0" u="none" strike="noStrike" cap="none" spc="0" baseline="0">
+                <a:solidFill>
+                  <a:srgbClr val="000000"/>
+                </a:solidFill>
+                <a:uFillTx/>
+                <a:latin typeface="Calibri Light"/>
+                <a:ea typeface="Calibri Light"/>
+                <a:cs typeface="Calibri Light"/>
+                <a:sym typeface="Calibri Light"/>
+              </a:defRPr>
+            </a:lvl6pPr>
+            <a:lvl7pPr marL="0" marR="0" indent="0" algn="l" defTabSz="685800" rtl="0" latinLnBrk="0">
+              <a:lnSpc>
+                <a:spcPct val="90000"/>
+              </a:lnSpc>
+              <a:spcBef>
+                <a:spcPts val="0"/>
+              </a:spcBef>
+              <a:spcAft>
+                <a:spcPts val="0"/>
+              </a:spcAft>
+              <a:buClrTx/>
+              <a:buSzTx/>
+              <a:buFontTx/>
+              <a:buNone/>
+              <a:tabLst/>
+              <a:defRPr sz="3300" b="0" i="0" u="none" strike="noStrike" cap="none" spc="0" baseline="0">
+                <a:solidFill>
+                  <a:srgbClr val="000000"/>
+                </a:solidFill>
+                <a:uFillTx/>
+                <a:latin typeface="Calibri Light"/>
+                <a:ea typeface="Calibri Light"/>
+                <a:cs typeface="Calibri Light"/>
+                <a:sym typeface="Calibri Light"/>
+              </a:defRPr>
+            </a:lvl7pPr>
+            <a:lvl8pPr marL="0" marR="0" indent="0" algn="l" defTabSz="685800" rtl="0" latinLnBrk="0">
+              <a:lnSpc>
+                <a:spcPct val="90000"/>
+              </a:lnSpc>
+              <a:spcBef>
+                <a:spcPts val="0"/>
+              </a:spcBef>
+              <a:spcAft>
+                <a:spcPts val="0"/>
+              </a:spcAft>
+              <a:buClrTx/>
+              <a:buSzTx/>
+              <a:buFontTx/>
+              <a:buNone/>
+              <a:tabLst/>
+              <a:defRPr sz="3300" b="0" i="0" u="none" strike="noStrike" cap="none" spc="0" baseline="0">
+                <a:solidFill>
+                  <a:srgbClr val="000000"/>
+                </a:solidFill>
+                <a:uFillTx/>
+                <a:latin typeface="Calibri Light"/>
+                <a:ea typeface="Calibri Light"/>
+                <a:cs typeface="Calibri Light"/>
+                <a:sym typeface="Calibri Light"/>
+              </a:defRPr>
+            </a:lvl8pPr>
+            <a:lvl9pPr marL="0" marR="0" indent="0" algn="l" defTabSz="685800" rtl="0" latinLnBrk="0">
+              <a:lnSpc>
+                <a:spcPct val="90000"/>
+              </a:lnSpc>
+              <a:spcBef>
+                <a:spcPts val="0"/>
+              </a:spcBef>
+              <a:spcAft>
+                <a:spcPts val="0"/>
+              </a:spcAft>
+              <a:buClrTx/>
+              <a:buSzTx/>
+              <a:buFontTx/>
+              <a:buNone/>
+              <a:tabLst/>
+              <a:defRPr sz="3300" b="0" i="0" u="none" strike="noStrike" cap="none" spc="0" baseline="0">
+                <a:solidFill>
+                  <a:srgbClr val="000000"/>
+                </a:solidFill>
+                <a:uFillTx/>
+                <a:latin typeface="Calibri Light"/>
+                <a:ea typeface="Calibri Light"/>
+                <a:cs typeface="Calibri Light"/>
+                <a:sym typeface="Calibri Light"/>
+              </a:defRPr>
+            </a:lvl9pPr>
+          </a:lstStyle>
+          <a:p>
+            <a:pPr algn="ctr" hangingPunct="1"/>
+            <a:r>
+              <a:rPr lang="en-US" altLang="zh-TW" sz="4000" dirty="0">
+                <a:solidFill>
+                  <a:srgbClr val="0070C0"/>
+                </a:solidFill>
+                <a:latin typeface="微軟正黑體" panose="020B0604030504040204" pitchFamily="34" charset="-120"/>
+              </a:rPr>
+              <a:t>Bootstrap </a:t>
+            </a:r>
+            <a:r>
+              <a:rPr lang="zh-TW" altLang="en-US" sz="4000" dirty="0">
+                <a:solidFill>
+                  <a:srgbClr val="0070C0"/>
+                </a:solidFill>
+                <a:latin typeface="微軟正黑體" panose="020B0604030504040204" pitchFamily="34" charset="-120"/>
+              </a:rPr>
+              <a:t>圖片輪播（</a:t>
+            </a:r>
+            <a:r>
+              <a:rPr lang="en-US" altLang="zh-TW" sz="4000" dirty="0">
+                <a:solidFill>
+                  <a:srgbClr val="0070C0"/>
+                </a:solidFill>
+                <a:latin typeface="微軟正黑體" panose="020B0604030504040204" pitchFamily="34" charset="-120"/>
+              </a:rPr>
+              <a:t>Carousel</a:t>
+            </a:r>
+            <a:r>
+              <a:rPr lang="zh-TW" altLang="en-US" sz="4000" dirty="0">
+                <a:solidFill>
+                  <a:srgbClr val="0070C0"/>
+                </a:solidFill>
+                <a:latin typeface="微軟正黑體" panose="020B0604030504040204" pitchFamily="34" charset="-120"/>
+              </a:rPr>
+              <a:t>）</a:t>
+            </a:r>
+            <a:endParaRPr lang="zh-TW" altLang="en-US" sz="4000" dirty="0">
+              <a:solidFill>
+                <a:srgbClr val="0070C0"/>
+              </a:solidFill>
+              <a:latin typeface="微軟正黑體" panose="020B0604030504040204" pitchFamily="34" charset="-120"/>
+              <a:ea typeface="微軟正黑體" panose="020B0604030504040204" pitchFamily="34" charset="-120"/>
+            </a:endParaRPr>
+          </a:p>
+        </p:txBody>
+      </p:sp>
+      <p:pic>
+        <p:nvPicPr>
+          <p:cNvPr id="5" name="圖片 4">
+            <a:extLst>
+              <a:ext uri="{FF2B5EF4-FFF2-40B4-BE49-F238E27FC236}">
+                <a16:creationId xmlns:a16="http://schemas.microsoft.com/office/drawing/2014/main" id="{AF312B31-B543-490F-A7B7-7B7C84718126}"/>
+              </a:ext>
+            </a:extLst>
+          </p:cNvPr>
+          <p:cNvPicPr>
+            <a:picLocks noChangeAspect="1"/>
+          </p:cNvPicPr>
+          <p:nvPr/>
+        </p:nvPicPr>
+        <p:blipFill>
+          <a:blip r:embed="rId3">
+            <a:extLst>
+              <a:ext uri="{28A0092B-C50C-407E-A947-70E740481C1C}">
+                <a14:useLocalDpi xmlns:a14="http://schemas.microsoft.com/office/drawing/2010/main" val="0"/>
+              </a:ext>
+            </a:extLst>
+          </a:blip>
+          <a:stretch>
+            <a:fillRect/>
+          </a:stretch>
+        </p:blipFill>
+        <p:spPr>
+          <a:xfrm>
+            <a:off x="269220" y="2594224"/>
+            <a:ext cx="8605560" cy="1669552"/>
+          </a:xfrm>
+          <a:prstGeom prst="rect">
+            <a:avLst/>
+          </a:prstGeom>
+        </p:spPr>
+      </p:pic>
+      <p:sp>
+        <p:nvSpPr>
+          <p:cNvPr id="7" name="矩形: 圓角 6">
+            <a:extLst>
+              <a:ext uri="{FF2B5EF4-FFF2-40B4-BE49-F238E27FC236}">
+                <a16:creationId xmlns:a16="http://schemas.microsoft.com/office/drawing/2014/main" id="{B53CA400-CE57-42C9-963E-8F71AFE345DB}"/>
+              </a:ext>
+            </a:extLst>
+          </p:cNvPr>
+          <p:cNvSpPr/>
+          <p:nvPr/>
+        </p:nvSpPr>
+        <p:spPr>
+          <a:xfrm>
+            <a:off x="7053262" y="2842638"/>
+            <a:ext cx="1033464" cy="251732"/>
+          </a:xfrm>
+          <a:prstGeom prst="roundRect">
+            <a:avLst/>
+          </a:prstGeom>
+          <a:noFill/>
+          <a:ln w="28575" cap="flat">
+            <a:solidFill>
+              <a:srgbClr val="C00000"/>
+            </a:solidFill>
+            <a:prstDash val="solid"/>
+            <a:miter lim="800000"/>
+          </a:ln>
+          <a:effectLst/>
+          <a:sp3d/>
+        </p:spPr>
+        <p:style>
+          <a:lnRef idx="0">
+            <a:scrgbClr r="0" g="0" b="0"/>
+          </a:lnRef>
+          <a:fillRef idx="0">
+            <a:scrgbClr r="0" g="0" b="0"/>
+          </a:fillRef>
+          <a:effectRef idx="0">
+            <a:scrgbClr r="0" g="0" b="0"/>
+          </a:effectRef>
+          <a:fontRef idx="none"/>
+        </p:style>
+        <p:txBody>
+          <a:bodyPr rot="0" spcFirstLastPara="1" vertOverflow="overflow" horzOverflow="overflow" vert="horz" wrap="square" lIns="45719" tIns="45719" rIns="45719" bIns="45719" numCol="1" spcCol="38100" rtlCol="0" anchor="ctr">
+            <a:spAutoFit/>
+          </a:bodyPr>
+          <a:lstStyle/>
+          <a:p>
+            <a:pPr marL="0" marR="0" indent="0" algn="l" defTabSz="914400" rtl="0" fontAlgn="auto" latinLnBrk="0" hangingPunct="0">
+              <a:lnSpc>
+                <a:spcPct val="100000"/>
+              </a:lnSpc>
+              <a:spcBef>
+                <a:spcPts val="0"/>
+              </a:spcBef>
+              <a:spcAft>
+                <a:spcPts val="0"/>
+              </a:spcAft>
+              <a:buClrTx/>
+              <a:buSzTx/>
+              <a:buFontTx/>
+              <a:buNone/>
+              <a:tabLst/>
+            </a:pPr>
+            <a:endParaRPr kumimoji="0" lang="zh-TW" altLang="en-US" sz="1800" b="0" i="0" u="none" strike="noStrike" cap="none" spc="0" normalizeH="0" baseline="0">
+              <a:ln>
+                <a:noFill/>
+              </a:ln>
+              <a:solidFill>
+                <a:srgbClr val="000000"/>
+              </a:solidFill>
+              <a:effectLst/>
+              <a:uFillTx/>
+              <a:latin typeface="+mj-lt"/>
+              <a:ea typeface="+mj-ea"/>
+              <a:cs typeface="+mj-cs"/>
+              <a:sym typeface="Calibri"/>
+            </a:endParaRPr>
+          </a:p>
+        </p:txBody>
+      </p:sp>
+      <p:sp>
+        <p:nvSpPr>
+          <p:cNvPr id="8" name="文字方塊 7">
+            <a:extLst>
+              <a:ext uri="{FF2B5EF4-FFF2-40B4-BE49-F238E27FC236}">
+                <a16:creationId xmlns:a16="http://schemas.microsoft.com/office/drawing/2014/main" id="{B5DED369-C6B0-4A01-8940-8F0A14144CB9}"/>
+              </a:ext>
+            </a:extLst>
+          </p:cNvPr>
+          <p:cNvSpPr txBox="1"/>
+          <p:nvPr/>
+        </p:nvSpPr>
+        <p:spPr>
+          <a:xfrm>
+            <a:off x="6969780" y="1689453"/>
+            <a:ext cx="1905000" cy="872418"/>
+          </a:xfrm>
+          <a:prstGeom prst="rect">
+            <a:avLst/>
+          </a:prstGeom>
+          <a:noFill/>
+        </p:spPr>
+        <p:txBody>
+          <a:bodyPr wrap="square" rtlCol="0">
+            <a:spAutoFit/>
+          </a:bodyPr>
+          <a:lstStyle/>
+          <a:p>
+            <a:pPr>
+              <a:lnSpc>
+                <a:spcPct val="150000"/>
+              </a:lnSpc>
+            </a:pPr>
+            <a:r>
+              <a:rPr lang="zh-TW" altLang="en-US" b="1" dirty="0">
+                <a:solidFill>
+                  <a:srgbClr val="FF0000"/>
+                </a:solidFill>
+                <a:latin typeface="微軟正黑體" panose="020B0604030504040204" pitchFamily="34" charset="-120"/>
+                <a:ea typeface="微軟正黑體" panose="020B0604030504040204" pitchFamily="34" charset="-120"/>
+              </a:rPr>
+              <a:t>改變輪播至相對於當前的位置</a:t>
+            </a:r>
+          </a:p>
+        </p:txBody>
+      </p:sp>
+    </p:spTree>
+    <p:extLst>
+      <p:ext uri="{BB962C8B-B14F-4D97-AF65-F5344CB8AC3E}">
+        <p14:creationId xmlns:p14="http://schemas.microsoft.com/office/powerpoint/2010/main" val="1662143592"/>
+      </p:ext>
+    </p:extLst>
+  </p:cSld>
+  <p:clrMapOvr>
+    <a:masterClrMapping/>
+  </p:clrMapOvr>
+  <p:transition spd="med"/>
+</p:sld>
+</file>
+
+<file path=ppt/slides/slide17.xml><?xml version="1.0" encoding="utf-8"?>
 <p:sld xmlns:a="http://schemas.openxmlformats.org/drawingml/2006/main" xmlns:r="http://schemas.openxmlformats.org/officeDocument/2006/relationships" xmlns:p="http://schemas.openxmlformats.org/presentationml/2006/main">
   <p:cSld>
     <p:spTree>
@@ -5608,7 +10583,7 @@
 </p:sld>
 </file>
 
-<file path=ppt/slides/slide12.xml><?xml version="1.0" encoding="utf-8"?>
+<file path=ppt/slides/slide18.xml><?xml version="1.0" encoding="utf-8"?>
 <p:sld xmlns:a="http://schemas.openxmlformats.org/drawingml/2006/main" xmlns:r="http://schemas.openxmlformats.org/officeDocument/2006/relationships" xmlns:p="http://schemas.openxmlformats.org/presentationml/2006/main">
   <p:cSld>
     <p:spTree>
@@ -5910,7 +10885,7 @@
 </p:sld>
 </file>
 
-<file path=ppt/slides/slide13.xml><?xml version="1.0" encoding="utf-8"?>
+<file path=ppt/slides/slide19.xml><?xml version="1.0" encoding="utf-8"?>
 <p:sld xmlns:a="http://schemas.openxmlformats.org/drawingml/2006/main" xmlns:r="http://schemas.openxmlformats.org/officeDocument/2006/relationships" xmlns:p="http://schemas.openxmlformats.org/presentationml/2006/main">
   <p:cSld>
     <p:spTree>
@@ -6218,7 +11193,226 @@
 </p:sld>
 </file>
 
-<file path=ppt/slides/slide14.xml><?xml version="1.0" encoding="utf-8"?>
+<file path=ppt/slides/slide2.xml><?xml version="1.0" encoding="utf-8"?>
+<p:sld xmlns:a="http://schemas.openxmlformats.org/drawingml/2006/main" xmlns:r="http://schemas.openxmlformats.org/officeDocument/2006/relationships" xmlns:p="http://schemas.openxmlformats.org/presentationml/2006/main">
+  <p:cSld>
+    <p:spTree>
+      <p:nvGrpSpPr>
+        <p:cNvPr id="1" name=""/>
+        <p:cNvGrpSpPr/>
+        <p:nvPr/>
+      </p:nvGrpSpPr>
+      <p:grpSpPr>
+        <a:xfrm>
+          <a:off x="0" y="0"/>
+          <a:ext cx="0" cy="0"/>
+          <a:chOff x="0" y="0"/>
+          <a:chExt cx="0" cy="0"/>
+        </a:xfrm>
+      </p:grpSpPr>
+      <p:sp>
+        <p:nvSpPr>
+          <p:cNvPr id="110" name="Slide Number Placeholder 5"/>
+          <p:cNvSpPr txBox="1">
+            <a:spLocks noGrp="1"/>
+          </p:cNvSpPr>
+          <p:nvPr>
+            <p:ph type="sldNum" sz="quarter" idx="2"/>
+          </p:nvPr>
+        </p:nvSpPr>
+        <p:spPr>
+          <a:xfrm>
+            <a:off x="4466957" y="6356351"/>
+            <a:ext cx="210088" cy="320041"/>
+          </a:xfrm>
+          <a:prstGeom prst="rect">
+            <a:avLst/>
+          </a:prstGeom>
+          <a:extLst>
+            <a:ext uri="{C572A759-6A51-4108-AA02-DFA0A04FC94B}">
+              <ma14:wrappingTextBoxFlag xmlns:ma14="http://schemas.microsoft.com/office/mac/drawingml/2011/main" xmlns:a14="http://schemas.microsoft.com/office/drawing/2010/main" xmlns:m="http://schemas.openxmlformats.org/officeDocument/2006/math" xmlns="" val="1"/>
+            </a:ext>
+          </a:extLst>
+        </p:spPr>
+        <p:txBody>
+          <a:bodyPr/>
+          <a:lstStyle/>
+          <a:p>
+            <a:fld id="{86CB4B4D-7CA3-9044-876B-883B54F8677D}" type="slidenum">
+              <a:t>2</a:t>
+            </a:fld>
+            <a:endParaRPr/>
+          </a:p>
+        </p:txBody>
+      </p:sp>
+      <p:sp>
+        <p:nvSpPr>
+          <p:cNvPr id="111" name="標題 1"/>
+          <p:cNvSpPr txBox="1">
+            <a:spLocks noGrp="1"/>
+          </p:cNvSpPr>
+          <p:nvPr>
+            <p:ph type="title"/>
+          </p:nvPr>
+        </p:nvSpPr>
+        <p:spPr>
+          <a:xfrm>
+            <a:off x="0" y="0"/>
+            <a:ext cx="9144000" cy="836714"/>
+          </a:xfrm>
+          <a:prstGeom prst="rect">
+            <a:avLst/>
+          </a:prstGeom>
+        </p:spPr>
+        <p:txBody>
+          <a:bodyPr anchor="b"/>
+          <a:lstStyle>
+            <a:lvl1pPr algn="ctr">
+              <a:defRPr sz="4000">
+                <a:solidFill>
+                  <a:srgbClr val="0070C0"/>
+                </a:solidFill>
+                <a:latin typeface="微軟正黑體"/>
+                <a:ea typeface="微軟正黑體"/>
+                <a:cs typeface="微軟正黑體"/>
+                <a:sym typeface="微軟正黑體"/>
+              </a:defRPr>
+            </a:lvl1pPr>
+          </a:lstStyle>
+          <a:p>
+            <a:r>
+              <a:rPr lang="en-US" dirty="0"/>
+              <a:t>Bootstrap 4</a:t>
+            </a:r>
+            <a:endParaRPr dirty="0"/>
+          </a:p>
+        </p:txBody>
+      </p:sp>
+      <p:sp>
+        <p:nvSpPr>
+          <p:cNvPr id="113" name="官網"/>
+          <p:cNvSpPr txBox="1"/>
+          <p:nvPr/>
+        </p:nvSpPr>
+        <p:spPr>
+          <a:xfrm>
+            <a:off x="4151629" y="5436933"/>
+            <a:ext cx="836124" cy="538609"/>
+          </a:xfrm>
+          <a:prstGeom prst="rect">
+            <a:avLst/>
+          </a:prstGeom>
+          <a:ln w="12700">
+            <a:miter lim="400000"/>
+          </a:ln>
+          <a:extLst>
+            <a:ext uri="{C572A759-6A51-4108-AA02-DFA0A04FC94B}">
+              <ma14:wrappingTextBoxFlag xmlns:ma14="http://schemas.microsoft.com/office/mac/drawingml/2011/main" xmlns:a14="http://schemas.microsoft.com/office/drawing/2010/main" xmlns:m="http://schemas.openxmlformats.org/officeDocument/2006/math" xmlns="" val="1"/>
+            </a:ext>
+          </a:extLst>
+        </p:spPr>
+        <p:txBody>
+          <a:bodyPr wrap="none" lIns="45719" rIns="45719">
+            <a:spAutoFit/>
+          </a:bodyPr>
+          <a:lstStyle>
+            <a:lvl1pPr>
+              <a:defRPr sz="2900" u="sng">
+                <a:solidFill>
+                  <a:srgbClr val="0563C1"/>
+                </a:solidFill>
+                <a:uFill>
+                  <a:solidFill>
+                    <a:srgbClr val="0563C1"/>
+                  </a:solidFill>
+                </a:uFill>
+                <a:hlinkClick r:id="rId3"/>
+              </a:defRPr>
+            </a:lvl1pPr>
+          </a:lstStyle>
+          <a:p>
+            <a:pPr>
+              <a:defRPr u="none">
+                <a:solidFill>
+                  <a:srgbClr val="000000"/>
+                </a:solidFill>
+                <a:uFillTx/>
+              </a:defRPr>
+            </a:pPr>
+            <a:r>
+              <a:rPr u="sng" dirty="0">
+                <a:solidFill>
+                  <a:srgbClr val="0563C1"/>
+                </a:solidFill>
+                <a:uFill>
+                  <a:solidFill>
+                    <a:srgbClr val="0563C1"/>
+                  </a:solidFill>
+                </a:uFill>
+                <a:hlinkClick r:id="rId4"/>
+              </a:rPr>
+              <a:t>官網</a:t>
+            </a:r>
+            <a:endParaRPr u="sng" dirty="0">
+              <a:solidFill>
+                <a:srgbClr val="0563C1"/>
+              </a:solidFill>
+              <a:uFill>
+                <a:solidFill>
+                  <a:srgbClr val="0563C1"/>
+                </a:solidFill>
+              </a:uFill>
+              <a:hlinkClick r:id="rId3"/>
+            </a:endParaRPr>
+          </a:p>
+        </p:txBody>
+      </p:sp>
+      <p:pic>
+        <p:nvPicPr>
+          <p:cNvPr id="7" name="圖片 6">
+            <a:extLst>
+              <a:ext uri="{FF2B5EF4-FFF2-40B4-BE49-F238E27FC236}">
+                <a16:creationId xmlns:a16="http://schemas.microsoft.com/office/drawing/2014/main" id="{8FF1627A-563B-D540-8238-092C25B350EA}"/>
+              </a:ext>
+            </a:extLst>
+          </p:cNvPr>
+          <p:cNvPicPr>
+            <a:picLocks noChangeAspect="1"/>
+          </p:cNvPicPr>
+          <p:nvPr/>
+        </p:nvPicPr>
+        <p:blipFill>
+          <a:blip r:embed="rId5">
+            <a:extLst>
+              <a:ext uri="{28A0092B-C50C-407E-A947-70E740481C1C}">
+                <a14:useLocalDpi xmlns:a14="http://schemas.microsoft.com/office/drawing/2010/main" val="0"/>
+              </a:ext>
+            </a:extLst>
+          </a:blip>
+          <a:stretch>
+            <a:fillRect/>
+          </a:stretch>
+        </p:blipFill>
+        <p:spPr>
+          <a:xfrm>
+            <a:off x="1449493" y="973292"/>
+            <a:ext cx="6245011" cy="4167044"/>
+          </a:xfrm>
+          <a:prstGeom prst="rect">
+            <a:avLst/>
+          </a:prstGeom>
+        </p:spPr>
+      </p:pic>
+    </p:spTree>
+  </p:cSld>
+  <p:clrMapOvr>
+    <a:masterClrMapping/>
+  </p:clrMapOvr>
+  <p:transition spd="med"/>
+</p:sld>
+</file>
+
+<file path=ppt/slides/slide20.xml><?xml version="1.0" encoding="utf-8"?>
 <p:sld xmlns:a="http://schemas.openxmlformats.org/drawingml/2006/main" xmlns:r="http://schemas.openxmlformats.org/officeDocument/2006/relationships" xmlns:p="http://schemas.openxmlformats.org/presentationml/2006/main">
   <p:cSld>
     <p:spTree>
@@ -6398,7 +11592,7 @@
 </p:sld>
 </file>
 
-<file path=ppt/slides/slide15.xml><?xml version="1.0" encoding="utf-8"?>
+<file path=ppt/slides/slide21.xml><?xml version="1.0" encoding="utf-8"?>
 <p:sld xmlns:a="http://schemas.openxmlformats.org/drawingml/2006/main" xmlns:r="http://schemas.openxmlformats.org/officeDocument/2006/relationships" xmlns:p="http://schemas.openxmlformats.org/presentationml/2006/main">
   <p:cSld>
     <p:spTree>
@@ -6479,7 +11673,7 @@
           </a:prstGeom>
           <a:extLst>
             <a:ext uri="{C572A759-6A51-4108-AA02-DFA0A04FC94B}">
-              <ma14:wrappingTextBoxFlag xmlns="" xmlns:m="http://schemas.openxmlformats.org/officeDocument/2006/math" xmlns:a14="http://schemas.microsoft.com/office/drawing/2010/main" xmlns:ma14="http://schemas.microsoft.com/office/mac/drawingml/2011/main" val="1"/>
+              <ma14:wrappingTextBoxFlag xmlns:ma14="http://schemas.microsoft.com/office/mac/drawingml/2011/main" xmlns:a14="http://schemas.microsoft.com/office/drawing/2010/main" xmlns:m="http://schemas.openxmlformats.org/officeDocument/2006/math" xmlns="" val="1"/>
             </a:ext>
           </a:extLst>
         </p:spPr>
@@ -6488,7 +11682,7 @@
           <a:lstStyle/>
           <a:p>
             <a:fld id="{86CB4B4D-7CA3-9044-876B-883B54F8677D}" type="slidenum">
-              <a:t>15</a:t>
+              <a:t>21</a:t>
             </a:fld>
             <a:endParaRPr/>
           </a:p>
@@ -6554,7 +11748,7 @@
           </a:ln>
           <a:extLst>
             <a:ext uri="{C572A759-6A51-4108-AA02-DFA0A04FC94B}">
-              <ma14:wrappingTextBoxFlag xmlns="" xmlns:m="http://schemas.openxmlformats.org/officeDocument/2006/math" xmlns:a14="http://schemas.microsoft.com/office/drawing/2010/main" xmlns:ma14="http://schemas.microsoft.com/office/mac/drawingml/2011/main" val="1"/>
+              <ma14:wrappingTextBoxFlag xmlns:ma14="http://schemas.microsoft.com/office/mac/drawingml/2011/main" xmlns:a14="http://schemas.microsoft.com/office/drawing/2010/main" xmlns:m="http://schemas.openxmlformats.org/officeDocument/2006/math" xmlns="" val="1"/>
             </a:ext>
           </a:extLst>
         </p:spPr>
@@ -6603,225 +11797,6 @@
           </a:p>
         </p:txBody>
       </p:sp>
-    </p:spTree>
-  </p:cSld>
-  <p:clrMapOvr>
-    <a:masterClrMapping/>
-  </p:clrMapOvr>
-  <p:transition spd="med"/>
-</p:sld>
-</file>
-
-<file path=ppt/slides/slide2.xml><?xml version="1.0" encoding="utf-8"?>
-<p:sld xmlns:a="http://schemas.openxmlformats.org/drawingml/2006/main" xmlns:r="http://schemas.openxmlformats.org/officeDocument/2006/relationships" xmlns:p="http://schemas.openxmlformats.org/presentationml/2006/main">
-  <p:cSld>
-    <p:spTree>
-      <p:nvGrpSpPr>
-        <p:cNvPr id="1" name=""/>
-        <p:cNvGrpSpPr/>
-        <p:nvPr/>
-      </p:nvGrpSpPr>
-      <p:grpSpPr>
-        <a:xfrm>
-          <a:off x="0" y="0"/>
-          <a:ext cx="0" cy="0"/>
-          <a:chOff x="0" y="0"/>
-          <a:chExt cx="0" cy="0"/>
-        </a:xfrm>
-      </p:grpSpPr>
-      <p:sp>
-        <p:nvSpPr>
-          <p:cNvPr id="110" name="Slide Number Placeholder 5"/>
-          <p:cNvSpPr txBox="1">
-            <a:spLocks noGrp="1"/>
-          </p:cNvSpPr>
-          <p:nvPr>
-            <p:ph type="sldNum" sz="quarter" idx="2"/>
-          </p:nvPr>
-        </p:nvSpPr>
-        <p:spPr>
-          <a:xfrm>
-            <a:off x="4466957" y="6356351"/>
-            <a:ext cx="210088" cy="320041"/>
-          </a:xfrm>
-          <a:prstGeom prst="rect">
-            <a:avLst/>
-          </a:prstGeom>
-          <a:extLst>
-            <a:ext uri="{C572A759-6A51-4108-AA02-DFA0A04FC94B}">
-              <ma14:wrappingTextBoxFlag xmlns="" xmlns:m="http://schemas.openxmlformats.org/officeDocument/2006/math" xmlns:a14="http://schemas.microsoft.com/office/drawing/2010/main" xmlns:ma14="http://schemas.microsoft.com/office/mac/drawingml/2011/main" val="1"/>
-            </a:ext>
-          </a:extLst>
-        </p:spPr>
-        <p:txBody>
-          <a:bodyPr/>
-          <a:lstStyle/>
-          <a:p>
-            <a:fld id="{86CB4B4D-7CA3-9044-876B-883B54F8677D}" type="slidenum">
-              <a:t>2</a:t>
-            </a:fld>
-            <a:endParaRPr/>
-          </a:p>
-        </p:txBody>
-      </p:sp>
-      <p:sp>
-        <p:nvSpPr>
-          <p:cNvPr id="111" name="標題 1"/>
-          <p:cNvSpPr txBox="1">
-            <a:spLocks noGrp="1"/>
-          </p:cNvSpPr>
-          <p:nvPr>
-            <p:ph type="title"/>
-          </p:nvPr>
-        </p:nvSpPr>
-        <p:spPr>
-          <a:xfrm>
-            <a:off x="0" y="0"/>
-            <a:ext cx="9144000" cy="836714"/>
-          </a:xfrm>
-          <a:prstGeom prst="rect">
-            <a:avLst/>
-          </a:prstGeom>
-        </p:spPr>
-        <p:txBody>
-          <a:bodyPr anchor="b"/>
-          <a:lstStyle>
-            <a:lvl1pPr algn="ctr">
-              <a:defRPr sz="4000">
-                <a:solidFill>
-                  <a:srgbClr val="0070C0"/>
-                </a:solidFill>
-                <a:latin typeface="微軟正黑體"/>
-                <a:ea typeface="微軟正黑體"/>
-                <a:cs typeface="微軟正黑體"/>
-                <a:sym typeface="微軟正黑體"/>
-              </a:defRPr>
-            </a:lvl1pPr>
-          </a:lstStyle>
-          <a:p>
-            <a:r>
-              <a:rPr lang="en-US" dirty="0"/>
-              <a:t>Bootstrap 4</a:t>
-            </a:r>
-            <a:endParaRPr dirty="0"/>
-          </a:p>
-        </p:txBody>
-      </p:sp>
-      <p:sp>
-        <p:nvSpPr>
-          <p:cNvPr id="113" name="官網"/>
-          <p:cNvSpPr txBox="1"/>
-          <p:nvPr/>
-        </p:nvSpPr>
-        <p:spPr>
-          <a:xfrm>
-            <a:off x="4151629" y="5436933"/>
-            <a:ext cx="836124" cy="538609"/>
-          </a:xfrm>
-          <a:prstGeom prst="rect">
-            <a:avLst/>
-          </a:prstGeom>
-          <a:ln w="12700">
-            <a:miter lim="400000"/>
-          </a:ln>
-          <a:extLst>
-            <a:ext uri="{C572A759-6A51-4108-AA02-DFA0A04FC94B}">
-              <ma14:wrappingTextBoxFlag xmlns="" xmlns:m="http://schemas.openxmlformats.org/officeDocument/2006/math" xmlns:a14="http://schemas.microsoft.com/office/drawing/2010/main" xmlns:ma14="http://schemas.microsoft.com/office/mac/drawingml/2011/main" val="1"/>
-            </a:ext>
-          </a:extLst>
-        </p:spPr>
-        <p:txBody>
-          <a:bodyPr wrap="none" lIns="45719" rIns="45719">
-            <a:spAutoFit/>
-          </a:bodyPr>
-          <a:lstStyle>
-            <a:lvl1pPr>
-              <a:defRPr sz="2900" u="sng">
-                <a:solidFill>
-                  <a:srgbClr val="0563C1"/>
-                </a:solidFill>
-                <a:uFill>
-                  <a:solidFill>
-                    <a:srgbClr val="0563C1"/>
-                  </a:solidFill>
-                </a:uFill>
-                <a:hlinkClick r:id="rId3"/>
-              </a:defRPr>
-            </a:lvl1pPr>
-          </a:lstStyle>
-          <a:p>
-            <a:pPr>
-              <a:defRPr u="none">
-                <a:solidFill>
-                  <a:srgbClr val="000000"/>
-                </a:solidFill>
-                <a:uFillTx/>
-              </a:defRPr>
-            </a:pPr>
-            <a:r>
-              <a:rPr u="sng" dirty="0">
-                <a:solidFill>
-                  <a:srgbClr val="0563C1"/>
-                </a:solidFill>
-                <a:uFill>
-                  <a:solidFill>
-                    <a:srgbClr val="0563C1"/>
-                  </a:solidFill>
-                </a:uFill>
-                <a:hlinkClick r:id="rId4"/>
-              </a:rPr>
-              <a:t>官網</a:t>
-            </a:r>
-            <a:endParaRPr u="sng" dirty="0">
-              <a:solidFill>
-                <a:srgbClr val="0563C1"/>
-              </a:solidFill>
-              <a:uFill>
-                <a:solidFill>
-                  <a:srgbClr val="0563C1"/>
-                </a:solidFill>
-              </a:uFill>
-              <a:hlinkClick r:id="rId3"/>
-            </a:endParaRPr>
-          </a:p>
-        </p:txBody>
-      </p:sp>
-      <p:pic>
-        <p:nvPicPr>
-          <p:cNvPr id="7" name="圖片 6">
-            <a:extLst>
-              <a:ext uri="{FF2B5EF4-FFF2-40B4-BE49-F238E27FC236}">
-                <a16:creationId xmlns:a16="http://schemas.microsoft.com/office/drawing/2014/main" id="{8FF1627A-563B-D540-8238-092C25B350EA}"/>
-              </a:ext>
-            </a:extLst>
-          </p:cNvPr>
-          <p:cNvPicPr>
-            <a:picLocks noChangeAspect="1"/>
-          </p:cNvPicPr>
-          <p:nvPr/>
-        </p:nvPicPr>
-        <p:blipFill>
-          <a:blip r:embed="rId5">
-            <a:extLst>
-              <a:ext uri="{28A0092B-C50C-407E-A947-70E740481C1C}">
-                <a14:useLocalDpi xmlns:a14="http://schemas.microsoft.com/office/drawing/2010/main" val="0"/>
-              </a:ext>
-            </a:extLst>
-          </a:blip>
-          <a:stretch>
-            <a:fillRect/>
-          </a:stretch>
-        </p:blipFill>
-        <p:spPr>
-          <a:xfrm>
-            <a:off x="1449493" y="973292"/>
-            <a:ext cx="6245011" cy="4167044"/>
-          </a:xfrm>
-          <a:prstGeom prst="rect">
-            <a:avLst/>
-          </a:prstGeom>
-        </p:spPr>
-      </p:pic>
     </p:spTree>
   </p:cSld>
   <p:clrMapOvr>
@@ -6868,7 +11843,7 @@
           </a:prstGeom>
           <a:extLst>
             <a:ext uri="{C572A759-6A51-4108-AA02-DFA0A04FC94B}">
-              <ma14:wrappingTextBoxFlag xmlns="" xmlns:m="http://schemas.openxmlformats.org/officeDocument/2006/math" xmlns:a14="http://schemas.microsoft.com/office/drawing/2010/main" xmlns:ma14="http://schemas.microsoft.com/office/mac/drawingml/2011/main" val="1"/>
+              <ma14:wrappingTextBoxFlag xmlns:ma14="http://schemas.microsoft.com/office/mac/drawingml/2011/main" xmlns:a14="http://schemas.microsoft.com/office/drawing/2010/main" xmlns:m="http://schemas.openxmlformats.org/officeDocument/2006/math" xmlns="" val="1"/>
             </a:ext>
           </a:extLst>
         </p:spPr>
@@ -7959,7 +12934,7 @@
         </p:spPr>
         <p:txBody>
           <a:bodyPr anchor="ctr">
-            <a:normAutofit fontScale="85000" lnSpcReduction="10000"/>
+            <a:normAutofit fontScale="92500" lnSpcReduction="20000"/>
           </a:bodyPr>
           <a:lstStyle/>
           <a:p>
@@ -8072,14 +13047,6 @@
               </a:rPr>
               <a:t>Popper</a:t>
             </a:r>
-          </a:p>
-          <a:p>
-            <a:pPr marL="0" indent="0">
-              <a:lnSpc>
-                <a:spcPct val="170000"/>
-              </a:lnSpc>
-              <a:buNone/>
-            </a:pPr>
             <a:r>
               <a:rPr lang="en-US" altLang="zh-TW" sz="2000" dirty="0">
                 <a:latin typeface="Consolas" panose="020B0609020204030204" pitchFamily="49" charset="0"/>
@@ -8363,7 +13330,7 @@
           </a:prstGeom>
           <a:extLst>
             <a:ext uri="{C572A759-6A51-4108-AA02-DFA0A04FC94B}">
-              <ma14:wrappingTextBoxFlag xmlns="" xmlns:m="http://schemas.openxmlformats.org/officeDocument/2006/math" xmlns:a14="http://schemas.microsoft.com/office/drawing/2010/main" xmlns:ma14="http://schemas.microsoft.com/office/mac/drawingml/2011/main" val="1"/>
+              <ma14:wrappingTextBoxFlag xmlns:ma14="http://schemas.microsoft.com/office/mac/drawingml/2011/main" xmlns:a14="http://schemas.microsoft.com/office/drawing/2010/main" xmlns:m="http://schemas.openxmlformats.org/officeDocument/2006/math" xmlns="" val="1"/>
             </a:ext>
           </a:extLst>
         </p:spPr>
@@ -8418,19 +13385,172 @@
               <a:t>Bootstrap </a:t>
             </a:r>
             <a:r>
-              <a:rPr lang="en-US" dirty="0" err="1"/>
-              <a:t>下拉選單</a:t>
+              <a:rPr lang="zh-TW" altLang="en-US" dirty="0"/>
+              <a:t>顏色</a:t>
             </a:r>
             <a:endParaRPr dirty="0"/>
+          </a:p>
+        </p:txBody>
+      </p:sp>
+      <p:sp>
+        <p:nvSpPr>
+          <p:cNvPr id="6" name="文字方塊 5">
+            <a:extLst>
+              <a:ext uri="{FF2B5EF4-FFF2-40B4-BE49-F238E27FC236}">
+                <a16:creationId xmlns:a16="http://schemas.microsoft.com/office/drawing/2014/main" id="{CD9DF553-DCF1-4B95-871C-74A99B7038B2}"/>
+              </a:ext>
+            </a:extLst>
+          </p:cNvPr>
+          <p:cNvSpPr txBox="1"/>
+          <p:nvPr/>
+        </p:nvSpPr>
+        <p:spPr>
+          <a:xfrm>
+            <a:off x="1185820" y="1255265"/>
+            <a:ext cx="1853392" cy="553998"/>
+          </a:xfrm>
+          <a:prstGeom prst="rect">
+            <a:avLst/>
+          </a:prstGeom>
+          <a:noFill/>
+        </p:spPr>
+        <p:txBody>
+          <a:bodyPr wrap="none" rtlCol="0">
+            <a:spAutoFit/>
+          </a:bodyPr>
+          <a:lstStyle/>
+          <a:p>
+            <a:r>
+              <a:rPr lang="en-US" altLang="zh-TW" sz="3000" dirty="0">
+                <a:solidFill>
+                  <a:srgbClr val="0070C0"/>
+                </a:solidFill>
+                <a:latin typeface="微軟正黑體" panose="020B0604030504040204" pitchFamily="34" charset="-120"/>
+                <a:ea typeface="微軟正黑體" panose="020B0604030504040204" pitchFamily="34" charset="-120"/>
+              </a:rPr>
+              <a:t>.text-</a:t>
+            </a:r>
+            <a:r>
+              <a:rPr lang="en-US" altLang="zh-TW" sz="3000" dirty="0">
+                <a:solidFill>
+                  <a:srgbClr val="FF0000"/>
+                </a:solidFill>
+                <a:latin typeface="微軟正黑體" panose="020B0604030504040204" pitchFamily="34" charset="-120"/>
+                <a:ea typeface="微軟正黑體" panose="020B0604030504040204" pitchFamily="34" charset="-120"/>
+              </a:rPr>
+              <a:t>XXX</a:t>
+            </a:r>
+            <a:endParaRPr lang="zh-TW" altLang="en-US" sz="3000" dirty="0">
+              <a:solidFill>
+                <a:srgbClr val="FF0000"/>
+              </a:solidFill>
+              <a:latin typeface="微軟正黑體" panose="020B0604030504040204" pitchFamily="34" charset="-120"/>
+              <a:ea typeface="微軟正黑體" panose="020B0604030504040204" pitchFamily="34" charset="-120"/>
+            </a:endParaRPr>
+          </a:p>
+        </p:txBody>
+      </p:sp>
+      <p:sp>
+        <p:nvSpPr>
+          <p:cNvPr id="4" name="矩形 3">
+            <a:extLst>
+              <a:ext uri="{FF2B5EF4-FFF2-40B4-BE49-F238E27FC236}">
+                <a16:creationId xmlns:a16="http://schemas.microsoft.com/office/drawing/2014/main" id="{D873575D-D7E7-49A2-B3EC-86AEB69D3A78}"/>
+              </a:ext>
+            </a:extLst>
+          </p:cNvPr>
+          <p:cNvSpPr/>
+          <p:nvPr/>
+        </p:nvSpPr>
+        <p:spPr>
+          <a:xfrm>
+            <a:off x="2273579" y="2023138"/>
+            <a:ext cx="4596841" cy="760786"/>
+          </a:xfrm>
+          <a:prstGeom prst="rect">
+            <a:avLst/>
+          </a:prstGeom>
+        </p:spPr>
+        <p:txBody>
+          <a:bodyPr wrap="square">
+            <a:spAutoFit/>
+          </a:bodyPr>
+          <a:lstStyle/>
+          <a:p>
+            <a:pPr algn="ctr">
+              <a:lnSpc>
+                <a:spcPct val="150000"/>
+              </a:lnSpc>
+            </a:pPr>
+            <a:r>
+              <a:rPr lang="en-US" altLang="zh-TW" sz="3300" dirty="0">
+                <a:solidFill>
+                  <a:srgbClr val="0070C0"/>
+                </a:solidFill>
+                <a:latin typeface="微軟正黑體" panose="020B0604030504040204" pitchFamily="34" charset="-120"/>
+                <a:ea typeface="微軟正黑體" panose="020B0604030504040204" pitchFamily="34" charset="-120"/>
+                <a:cs typeface="Calibri Light"/>
+                <a:sym typeface="Calibri Light"/>
+              </a:rPr>
+              <a:t>Bootstrap</a:t>
+            </a:r>
+            <a:r>
+              <a:rPr lang="zh-TW" altLang="en-US" sz="3300" dirty="0">
+                <a:solidFill>
+                  <a:srgbClr val="0070C0"/>
+                </a:solidFill>
+                <a:latin typeface="微軟正黑體" panose="020B0604030504040204" pitchFamily="34" charset="-120"/>
+                <a:ea typeface="微軟正黑體" panose="020B0604030504040204" pitchFamily="34" charset="-120"/>
+                <a:cs typeface="Calibri Light"/>
+                <a:sym typeface="Calibri Light"/>
+              </a:rPr>
+              <a:t> 顏色名稱</a:t>
+            </a:r>
+            <a:endParaRPr lang="zh-TW" altLang="en-US" dirty="0">
+              <a:solidFill>
+                <a:srgbClr val="0070C0"/>
+              </a:solidFill>
+              <a:latin typeface="微軟正黑體" panose="020B0604030504040204" pitchFamily="34" charset="-120"/>
+              <a:ea typeface="微軟正黑體" panose="020B0604030504040204" pitchFamily="34" charset="-120"/>
+            </a:endParaRPr>
           </a:p>
         </p:txBody>
       </p:sp>
       <p:pic>
         <p:nvPicPr>
-          <p:cNvPr id="5" name="圖片 4" descr="一張含有 螢幕擷取畫面 的圖片&#10;&#10;自動產生的描述">
+          <p:cNvPr id="8" name="圖片 7">
             <a:extLst>
               <a:ext uri="{FF2B5EF4-FFF2-40B4-BE49-F238E27FC236}">
-                <a16:creationId xmlns:a16="http://schemas.microsoft.com/office/drawing/2014/main" id="{8B993EA8-4070-CE48-B138-936EFF80D686}"/>
+                <a16:creationId xmlns:a16="http://schemas.microsoft.com/office/drawing/2014/main" id="{829B9838-C752-4A4D-8CE2-EC4DD33FB891}"/>
+              </a:ext>
+            </a:extLst>
+          </p:cNvPr>
+          <p:cNvPicPr>
+            <a:picLocks noChangeAspect="1"/>
+          </p:cNvPicPr>
+          <p:nvPr/>
+        </p:nvPicPr>
+        <p:blipFill rotWithShape="1">
+          <a:blip r:embed="rId3"/>
+          <a:srcRect l="5392" r="4385"/>
+          <a:stretch/>
+        </p:blipFill>
+        <p:spPr>
+          <a:xfrm>
+            <a:off x="2273579" y="3102395"/>
+            <a:ext cx="2016614" cy="2935484"/>
+          </a:xfrm>
+          <a:prstGeom prst="rect">
+            <a:avLst/>
+          </a:prstGeom>
+        </p:spPr>
+      </p:pic>
+      <p:pic>
+        <p:nvPicPr>
+          <p:cNvPr id="9" name="圖片 8">
+            <a:extLst>
+              <a:ext uri="{FF2B5EF4-FFF2-40B4-BE49-F238E27FC236}">
+                <a16:creationId xmlns:a16="http://schemas.microsoft.com/office/drawing/2014/main" id="{B67D6792-4C29-4440-B741-88D39912F433}"/>
               </a:ext>
             </a:extLst>
           </p:cNvPr>
@@ -8440,27 +13560,177 @@
           <p:nvPr/>
         </p:nvPicPr>
         <p:blipFill>
-          <a:blip r:embed="rId3">
-            <a:extLst>
-              <a:ext uri="{28A0092B-C50C-407E-A947-70E740481C1C}">
-                <a14:useLocalDpi xmlns:a14="http://schemas.microsoft.com/office/drawing/2010/main" val="0"/>
-              </a:ext>
-            </a:extLst>
-          </a:blip>
+          <a:blip r:embed="rId4"/>
           <a:stretch>
             <a:fillRect/>
           </a:stretch>
         </p:blipFill>
         <p:spPr>
           <a:xfrm>
-            <a:off x="2786953" y="1696416"/>
-            <a:ext cx="3780183" cy="3465168"/>
+            <a:off x="4998057" y="3102395"/>
+            <a:ext cx="1872363" cy="2935484"/>
           </a:xfrm>
           <a:prstGeom prst="rect">
             <a:avLst/>
           </a:prstGeom>
         </p:spPr>
       </p:pic>
+      <p:sp>
+        <p:nvSpPr>
+          <p:cNvPr id="12" name="文字方塊 11">
+            <a:extLst>
+              <a:ext uri="{FF2B5EF4-FFF2-40B4-BE49-F238E27FC236}">
+                <a16:creationId xmlns:a16="http://schemas.microsoft.com/office/drawing/2014/main" id="{2418B27D-FAFB-4BD3-BDC9-D585B8C419E0}"/>
+              </a:ext>
+            </a:extLst>
+          </p:cNvPr>
+          <p:cNvSpPr txBox="1"/>
+          <p:nvPr/>
+        </p:nvSpPr>
+        <p:spPr>
+          <a:xfrm>
+            <a:off x="3743087" y="1255265"/>
+            <a:ext cx="1657826" cy="553998"/>
+          </a:xfrm>
+          <a:prstGeom prst="rect">
+            <a:avLst/>
+          </a:prstGeom>
+          <a:noFill/>
+        </p:spPr>
+        <p:txBody>
+          <a:bodyPr wrap="none" rtlCol="0">
+            <a:spAutoFit/>
+          </a:bodyPr>
+          <a:lstStyle/>
+          <a:p>
+            <a:r>
+              <a:rPr lang="en-US" altLang="zh-TW" sz="3000" dirty="0">
+                <a:solidFill>
+                  <a:srgbClr val="0070C0"/>
+                </a:solidFill>
+                <a:latin typeface="微軟正黑體" panose="020B0604030504040204" pitchFamily="34" charset="-120"/>
+                <a:ea typeface="微軟正黑體" panose="020B0604030504040204" pitchFamily="34" charset="-120"/>
+              </a:rPr>
+              <a:t>.</a:t>
+            </a:r>
+            <a:r>
+              <a:rPr lang="en-US" altLang="zh-TW" sz="3000" dirty="0" err="1">
+                <a:solidFill>
+                  <a:srgbClr val="0070C0"/>
+                </a:solidFill>
+                <a:latin typeface="微軟正黑體" panose="020B0604030504040204" pitchFamily="34" charset="-120"/>
+                <a:ea typeface="微軟正黑體" panose="020B0604030504040204" pitchFamily="34" charset="-120"/>
+              </a:rPr>
+              <a:t>bg</a:t>
+            </a:r>
+            <a:r>
+              <a:rPr lang="en-US" altLang="zh-TW" sz="3000" dirty="0">
+                <a:solidFill>
+                  <a:srgbClr val="0070C0"/>
+                </a:solidFill>
+                <a:latin typeface="微軟正黑體" panose="020B0604030504040204" pitchFamily="34" charset="-120"/>
+                <a:ea typeface="微軟正黑體" panose="020B0604030504040204" pitchFamily="34" charset="-120"/>
+              </a:rPr>
+              <a:t>-</a:t>
+            </a:r>
+            <a:r>
+              <a:rPr lang="en-US" altLang="zh-TW" sz="3000" dirty="0">
+                <a:solidFill>
+                  <a:srgbClr val="FF0000"/>
+                </a:solidFill>
+                <a:latin typeface="微軟正黑體" panose="020B0604030504040204" pitchFamily="34" charset="-120"/>
+                <a:ea typeface="微軟正黑體" panose="020B0604030504040204" pitchFamily="34" charset="-120"/>
+              </a:rPr>
+              <a:t>XXX</a:t>
+            </a:r>
+            <a:endParaRPr lang="zh-TW" altLang="en-US" sz="3000" dirty="0">
+              <a:solidFill>
+                <a:srgbClr val="FF0000"/>
+              </a:solidFill>
+              <a:latin typeface="微軟正黑體" panose="020B0604030504040204" pitchFamily="34" charset="-120"/>
+              <a:ea typeface="微軟正黑體" panose="020B0604030504040204" pitchFamily="34" charset="-120"/>
+            </a:endParaRPr>
+          </a:p>
+        </p:txBody>
+      </p:sp>
+      <p:sp>
+        <p:nvSpPr>
+          <p:cNvPr id="13" name="文字方塊 12">
+            <a:extLst>
+              <a:ext uri="{FF2B5EF4-FFF2-40B4-BE49-F238E27FC236}">
+                <a16:creationId xmlns:a16="http://schemas.microsoft.com/office/drawing/2014/main" id="{11F5235C-0A5C-4ABB-B0EF-34ABEDC2D5D5}"/>
+              </a:ext>
+            </a:extLst>
+          </p:cNvPr>
+          <p:cNvSpPr txBox="1"/>
+          <p:nvPr/>
+        </p:nvSpPr>
+        <p:spPr>
+          <a:xfrm>
+            <a:off x="6104788" y="1217438"/>
+            <a:ext cx="1787669" cy="553998"/>
+          </a:xfrm>
+          <a:prstGeom prst="rect">
+            <a:avLst/>
+          </a:prstGeom>
+          <a:noFill/>
+        </p:spPr>
+        <p:txBody>
+          <a:bodyPr wrap="none" rtlCol="0">
+            <a:spAutoFit/>
+          </a:bodyPr>
+          <a:lstStyle/>
+          <a:p>
+            <a:r>
+              <a:rPr lang="en-US" altLang="zh-TW" sz="3000" dirty="0">
+                <a:solidFill>
+                  <a:srgbClr val="0070C0"/>
+                </a:solidFill>
+                <a:latin typeface="微軟正黑體" panose="020B0604030504040204" pitchFamily="34" charset="-120"/>
+                <a:ea typeface="微軟正黑體" panose="020B0604030504040204" pitchFamily="34" charset="-120"/>
+              </a:rPr>
+              <a:t>.</a:t>
+            </a:r>
+            <a:r>
+              <a:rPr lang="en-US" altLang="zh-TW" sz="3000" dirty="0" err="1">
+                <a:solidFill>
+                  <a:srgbClr val="0070C0"/>
+                </a:solidFill>
+                <a:latin typeface="微軟正黑體" panose="020B0604030504040204" pitchFamily="34" charset="-120"/>
+                <a:ea typeface="微軟正黑體" panose="020B0604030504040204" pitchFamily="34" charset="-120"/>
+              </a:rPr>
+              <a:t>btn</a:t>
+            </a:r>
+            <a:r>
+              <a:rPr lang="en-US" altLang="zh-TW" sz="3000" dirty="0">
+                <a:solidFill>
+                  <a:srgbClr val="0070C0"/>
+                </a:solidFill>
+                <a:latin typeface="微軟正黑體" panose="020B0604030504040204" pitchFamily="34" charset="-120"/>
+                <a:ea typeface="微軟正黑體" panose="020B0604030504040204" pitchFamily="34" charset="-120"/>
+              </a:rPr>
+              <a:t>-</a:t>
+            </a:r>
+            <a:r>
+              <a:rPr lang="en-US" altLang="zh-TW" sz="3000" dirty="0">
+                <a:solidFill>
+                  <a:srgbClr val="FF0000"/>
+                </a:solidFill>
+                <a:latin typeface="微軟正黑體" panose="020B0604030504040204" pitchFamily="34" charset="-120"/>
+                <a:ea typeface="微軟正黑體" panose="020B0604030504040204" pitchFamily="34" charset="-120"/>
+              </a:rPr>
+              <a:t>XXX</a:t>
+            </a:r>
+            <a:endParaRPr lang="zh-TW" altLang="en-US" sz="3000" dirty="0">
+              <a:solidFill>
+                <a:srgbClr val="FF0000"/>
+              </a:solidFill>
+              <a:latin typeface="微軟正黑體" panose="020B0604030504040204" pitchFamily="34" charset="-120"/>
+              <a:ea typeface="微軟正黑體" panose="020B0604030504040204" pitchFamily="34" charset="-120"/>
+            </a:endParaRPr>
+          </a:p>
+        </p:txBody>
+      </p:sp>
     </p:spTree>
     <p:extLst>
       <p:ext uri="{BB962C8B-B14F-4D97-AF65-F5344CB8AC3E}">
@@ -8512,7 +13782,7 @@
           </a:prstGeom>
           <a:extLst>
             <a:ext uri="{C572A759-6A51-4108-AA02-DFA0A04FC94B}">
-              <ma14:wrappingTextBoxFlag xmlns="" xmlns:m="http://schemas.openxmlformats.org/officeDocument/2006/math" xmlns:a14="http://schemas.microsoft.com/office/drawing/2010/main" xmlns:ma14="http://schemas.microsoft.com/office/mac/drawingml/2011/main" val="1"/>
+              <ma14:wrappingTextBoxFlag xmlns:ma14="http://schemas.microsoft.com/office/mac/drawingml/2011/main" xmlns:a14="http://schemas.microsoft.com/office/drawing/2010/main" xmlns:m="http://schemas.openxmlformats.org/officeDocument/2006/math" xmlns="" val="1"/>
             </a:ext>
           </a:extLst>
         </p:spPr>
@@ -8522,6 +13792,155 @@
           <a:p>
             <a:fld id="{86CB4B4D-7CA3-9044-876B-883B54F8677D}" type="slidenum">
               <a:t>8</a:t>
+            </a:fld>
+            <a:endParaRPr/>
+          </a:p>
+        </p:txBody>
+      </p:sp>
+      <p:sp>
+        <p:nvSpPr>
+          <p:cNvPr id="139" name="標題 1"/>
+          <p:cNvSpPr txBox="1">
+            <a:spLocks noGrp="1"/>
+          </p:cNvSpPr>
+          <p:nvPr>
+            <p:ph type="title"/>
+          </p:nvPr>
+        </p:nvSpPr>
+        <p:spPr>
+          <a:xfrm>
+            <a:off x="0" y="0"/>
+            <a:ext cx="9144000" cy="836714"/>
+          </a:xfrm>
+          <a:prstGeom prst="rect">
+            <a:avLst/>
+          </a:prstGeom>
+        </p:spPr>
+        <p:txBody>
+          <a:bodyPr anchor="b"/>
+          <a:lstStyle>
+            <a:lvl1pPr algn="ctr">
+              <a:defRPr sz="4000">
+                <a:solidFill>
+                  <a:srgbClr val="0070C0"/>
+                </a:solidFill>
+                <a:latin typeface="微軟正黑體"/>
+                <a:ea typeface="微軟正黑體"/>
+                <a:cs typeface="微軟正黑體"/>
+                <a:sym typeface="微軟正黑體"/>
+              </a:defRPr>
+            </a:lvl1pPr>
+          </a:lstStyle>
+          <a:p>
+            <a:r>
+              <a:rPr lang="en-US" dirty="0"/>
+              <a:t>Bootstrap </a:t>
+            </a:r>
+            <a:r>
+              <a:rPr lang="en-US" dirty="0" err="1"/>
+              <a:t>下拉選單</a:t>
+            </a:r>
+            <a:endParaRPr dirty="0"/>
+          </a:p>
+        </p:txBody>
+      </p:sp>
+      <p:pic>
+        <p:nvPicPr>
+          <p:cNvPr id="5" name="圖片 4" descr="一張含有 螢幕擷取畫面 的圖片&#10;&#10;自動產生的描述">
+            <a:extLst>
+              <a:ext uri="{FF2B5EF4-FFF2-40B4-BE49-F238E27FC236}">
+                <a16:creationId xmlns:a16="http://schemas.microsoft.com/office/drawing/2014/main" id="{8B993EA8-4070-CE48-B138-936EFF80D686}"/>
+              </a:ext>
+            </a:extLst>
+          </p:cNvPr>
+          <p:cNvPicPr>
+            <a:picLocks noChangeAspect="1"/>
+          </p:cNvPicPr>
+          <p:nvPr/>
+        </p:nvPicPr>
+        <p:blipFill>
+          <a:blip r:embed="rId3">
+            <a:extLst>
+              <a:ext uri="{28A0092B-C50C-407E-A947-70E740481C1C}">
+                <a14:useLocalDpi xmlns:a14="http://schemas.microsoft.com/office/drawing/2010/main" val="0"/>
+              </a:ext>
+            </a:extLst>
+          </a:blip>
+          <a:stretch>
+            <a:fillRect/>
+          </a:stretch>
+        </p:blipFill>
+        <p:spPr>
+          <a:xfrm>
+            <a:off x="2786953" y="1696416"/>
+            <a:ext cx="3780183" cy="3465168"/>
+          </a:xfrm>
+          <a:prstGeom prst="rect">
+            <a:avLst/>
+          </a:prstGeom>
+        </p:spPr>
+      </p:pic>
+    </p:spTree>
+    <p:extLst>
+      <p:ext uri="{BB962C8B-B14F-4D97-AF65-F5344CB8AC3E}">
+        <p14:creationId xmlns:p14="http://schemas.microsoft.com/office/powerpoint/2010/main" val="870775455"/>
+      </p:ext>
+    </p:extLst>
+  </p:cSld>
+  <p:clrMapOvr>
+    <a:masterClrMapping/>
+  </p:clrMapOvr>
+  <p:transition spd="med"/>
+</p:sld>
+</file>
+
+<file path=ppt/slides/slide9.xml><?xml version="1.0" encoding="utf-8"?>
+<p:sld xmlns:a="http://schemas.openxmlformats.org/drawingml/2006/main" xmlns:r="http://schemas.openxmlformats.org/officeDocument/2006/relationships" xmlns:p="http://schemas.openxmlformats.org/presentationml/2006/main">
+  <p:cSld>
+    <p:spTree>
+      <p:nvGrpSpPr>
+        <p:cNvPr id="1" name=""/>
+        <p:cNvGrpSpPr/>
+        <p:nvPr/>
+      </p:nvGrpSpPr>
+      <p:grpSpPr>
+        <a:xfrm>
+          <a:off x="0" y="0"/>
+          <a:ext cx="0" cy="0"/>
+          <a:chOff x="0" y="0"/>
+          <a:chExt cx="0" cy="0"/>
+        </a:xfrm>
+      </p:grpSpPr>
+      <p:sp>
+        <p:nvSpPr>
+          <p:cNvPr id="138" name="Slide Number Placeholder 5"/>
+          <p:cNvSpPr txBox="1">
+            <a:spLocks noGrp="1"/>
+          </p:cNvSpPr>
+          <p:nvPr>
+            <p:ph type="sldNum" sz="quarter" idx="2"/>
+          </p:nvPr>
+        </p:nvSpPr>
+        <p:spPr>
+          <a:xfrm>
+            <a:off x="4466957" y="6356351"/>
+            <a:ext cx="210088" cy="320041"/>
+          </a:xfrm>
+          <a:prstGeom prst="rect">
+            <a:avLst/>
+          </a:prstGeom>
+          <a:extLst>
+            <a:ext uri="{C572A759-6A51-4108-AA02-DFA0A04FC94B}">
+              <ma14:wrappingTextBoxFlag xmlns:ma14="http://schemas.microsoft.com/office/mac/drawingml/2011/main" xmlns:a14="http://schemas.microsoft.com/office/drawing/2010/main" xmlns:m="http://schemas.openxmlformats.org/officeDocument/2006/math" xmlns="" val="1"/>
+            </a:ext>
+          </a:extLst>
+        </p:spPr>
+        <p:txBody>
+          <a:bodyPr/>
+          <a:lstStyle/>
+          <a:p>
+            <a:fld id="{86CB4B4D-7CA3-9044-876B-883B54F8677D}" type="slidenum">
+              <a:t>9</a:t>
             </a:fld>
             <a:endParaRPr/>
           </a:p>
@@ -8610,112 +14029,58 @@
           </a:prstGeom>
         </p:spPr>
       </p:pic>
-    </p:spTree>
-    <p:extLst>
-      <p:ext uri="{BB962C8B-B14F-4D97-AF65-F5344CB8AC3E}">
-        <p14:creationId xmlns:p14="http://schemas.microsoft.com/office/powerpoint/2010/main" val="1160174102"/>
-      </p:ext>
-    </p:extLst>
-  </p:cSld>
-  <p:clrMapOvr>
-    <a:masterClrMapping/>
-  </p:clrMapOvr>
-  <p:transition spd="med"/>
-</p:sld>
-</file>
-
-<file path=ppt/slides/slide9.xml><?xml version="1.0" encoding="utf-8"?>
-<p:sld xmlns:a="http://schemas.openxmlformats.org/drawingml/2006/main" xmlns:r="http://schemas.openxmlformats.org/officeDocument/2006/relationships" xmlns:p="http://schemas.openxmlformats.org/presentationml/2006/main">
-  <p:cSld>
-    <p:spTree>
-      <p:nvGrpSpPr>
-        <p:cNvPr id="1" name=""/>
-        <p:cNvGrpSpPr/>
-        <p:nvPr/>
-      </p:nvGrpSpPr>
-      <p:grpSpPr>
-        <a:xfrm>
-          <a:off x="0" y="0"/>
-          <a:ext cx="0" cy="0"/>
-          <a:chOff x="0" y="0"/>
-          <a:chExt cx="0" cy="0"/>
-        </a:xfrm>
-      </p:grpSpPr>
-      <p:pic>
-        <p:nvPicPr>
-          <p:cNvPr id="4" name="圖片 3">
+      <p:sp>
+        <p:nvSpPr>
+          <p:cNvPr id="5" name="矩形: 圓角 4">
             <a:extLst>
               <a:ext uri="{FF2B5EF4-FFF2-40B4-BE49-F238E27FC236}">
-                <a16:creationId xmlns:a16="http://schemas.microsoft.com/office/drawing/2014/main" id="{79BFE227-0310-444E-8B42-847DB7C2C47C}"/>
+                <a16:creationId xmlns:a16="http://schemas.microsoft.com/office/drawing/2014/main" id="{C535A336-B652-41FB-AFA9-6F88CD730319}"/>
               </a:ext>
             </a:extLst>
           </p:cNvPr>
-          <p:cNvPicPr>
-            <a:picLocks noChangeAspect="1"/>
-          </p:cNvPicPr>
+          <p:cNvSpPr/>
           <p:nvPr/>
-        </p:nvPicPr>
-        <p:blipFill>
-          <a:blip r:embed="rId2">
-            <a:extLst>
-              <a:ext uri="{28A0092B-C50C-407E-A947-70E740481C1C}">
-                <a14:useLocalDpi xmlns:a14="http://schemas.microsoft.com/office/drawing/2010/main" val="0"/>
-              </a:ext>
-            </a:extLst>
-          </a:blip>
-          <a:stretch>
-            <a:fillRect/>
-          </a:stretch>
-        </p:blipFill>
+        </p:nvSpPr>
         <p:spPr>
           <a:xfrm>
-            <a:off x="-9939" y="3200400"/>
-            <a:ext cx="17172880" cy="858644"/>
+            <a:off x="6675246" y="2533649"/>
+            <a:ext cx="1154304" cy="252000"/>
           </a:xfrm>
-          <a:prstGeom prst="rect">
+          <a:prstGeom prst="roundRect">
             <a:avLst/>
           </a:prstGeom>
-        </p:spPr>
-      </p:pic>
-      <p:sp>
-        <p:nvSpPr>
-          <p:cNvPr id="7" name="標題 1">
-            <a:extLst>
-              <a:ext uri="{FF2B5EF4-FFF2-40B4-BE49-F238E27FC236}">
-                <a16:creationId xmlns:a16="http://schemas.microsoft.com/office/drawing/2014/main" id="{79571BCD-F4E7-424E-B68F-13305C2E5E54}"/>
-              </a:ext>
-            </a:extLst>
-          </p:cNvPr>
-          <p:cNvSpPr txBox="1">
-            <a:spLocks/>
-          </p:cNvSpPr>
-          <p:nvPr/>
-        </p:nvSpPr>
-        <p:spPr>
-          <a:xfrm>
-            <a:off x="0" y="1"/>
-            <a:ext cx="9144000" cy="836712"/>
-          </a:xfrm>
-          <a:prstGeom prst="rect">
-            <a:avLst/>
-          </a:prstGeom>
-          <a:ln w="12700">
-            <a:miter lim="400000"/>
+          <a:noFill/>
+          <a:ln w="28575" cap="flat">
+            <a:solidFill>
+              <a:srgbClr val="C00000"/>
+            </a:solidFill>
+            <a:prstDash val="solid"/>
+            <a:miter lim="800000"/>
           </a:ln>
-          <a:extLst>
-            <a:ext uri="{C572A759-6A51-4108-AA02-DFA0A04FC94B}">
-              <ma14:wrappingTextBoxFlag xmlns="" xmlns:m="http://schemas.openxmlformats.org/officeDocument/2006/math" xmlns:a14="http://schemas.microsoft.com/office/drawing/2010/main" xmlns:ma14="http://schemas.microsoft.com/office/mac/drawingml/2011/main" val="1"/>
-            </a:ext>
-          </a:extLst>
-        </p:spPr>
+          <a:effectLst/>
+          <a:sp3d/>
+        </p:spPr>
+        <p:style>
+          <a:lnRef idx="0">
+            <a:scrgbClr r="0" g="0" b="0"/>
+          </a:lnRef>
+          <a:fillRef idx="0">
+            <a:scrgbClr r="0" g="0" b="0"/>
+          </a:fillRef>
+          <a:effectRef idx="0">
+            <a:scrgbClr r="0" g="0" b="0"/>
+          </a:effectRef>
+          <a:fontRef idx="none"/>
+        </p:style>
         <p:txBody>
-          <a:bodyPr lIns="45719" rIns="45719" anchor="b">
-            <a:normAutofit/>
+          <a:bodyPr rot="0" spcFirstLastPara="1" vertOverflow="overflow" horzOverflow="overflow" vert="horz" wrap="square" lIns="45719" tIns="45719" rIns="45719" bIns="45719" numCol="1" spcCol="38100" rtlCol="0" anchor="ctr">
+            <a:spAutoFit/>
           </a:bodyPr>
-          <a:lstStyle>
-            <a:lvl1pPr marL="0" marR="0" indent="0" algn="l" defTabSz="685800" rtl="0" latinLnBrk="0">
+          <a:lstStyle/>
+          <a:p>
+            <a:pPr marL="0" marR="0" indent="0" algn="l" defTabSz="914400" rtl="0" fontAlgn="auto" latinLnBrk="0" hangingPunct="0">
               <a:lnSpc>
-                <a:spcPct val="90000"/>
+                <a:spcPct val="100000"/>
               </a:lnSpc>
               <a:spcBef>
                 <a:spcPts val="0"/>
@@ -8728,278 +14093,70 @@
               <a:buFontTx/>
               <a:buNone/>
               <a:tabLst/>
-              <a:defRPr sz="3300" b="0" i="0" u="none" strike="noStrike" cap="none" spc="0" baseline="0">
-                <a:solidFill>
-                  <a:srgbClr val="000000"/>
-                </a:solidFill>
-                <a:uFillTx/>
-                <a:latin typeface="Calibri Light"/>
-                <a:ea typeface="Calibri Light"/>
-                <a:cs typeface="Calibri Light"/>
-                <a:sym typeface="Calibri Light"/>
-              </a:defRPr>
-            </a:lvl1pPr>
-            <a:lvl2pPr marL="0" marR="0" indent="0" algn="l" defTabSz="685800" rtl="0" latinLnBrk="0">
-              <a:lnSpc>
-                <a:spcPct val="90000"/>
-              </a:lnSpc>
-              <a:spcBef>
-                <a:spcPts val="0"/>
-              </a:spcBef>
-              <a:spcAft>
-                <a:spcPts val="0"/>
-              </a:spcAft>
-              <a:buClrTx/>
-              <a:buSzTx/>
-              <a:buFontTx/>
-              <a:buNone/>
-              <a:tabLst/>
-              <a:defRPr sz="3300" b="0" i="0" u="none" strike="noStrike" cap="none" spc="0" baseline="0">
-                <a:solidFill>
-                  <a:srgbClr val="000000"/>
-                </a:solidFill>
-                <a:uFillTx/>
-                <a:latin typeface="Calibri Light"/>
-                <a:ea typeface="Calibri Light"/>
-                <a:cs typeface="Calibri Light"/>
-                <a:sym typeface="Calibri Light"/>
-              </a:defRPr>
-            </a:lvl2pPr>
-            <a:lvl3pPr marL="0" marR="0" indent="0" algn="l" defTabSz="685800" rtl="0" latinLnBrk="0">
-              <a:lnSpc>
-                <a:spcPct val="90000"/>
-              </a:lnSpc>
-              <a:spcBef>
-                <a:spcPts val="0"/>
-              </a:spcBef>
-              <a:spcAft>
-                <a:spcPts val="0"/>
-              </a:spcAft>
-              <a:buClrTx/>
-              <a:buSzTx/>
-              <a:buFontTx/>
-              <a:buNone/>
-              <a:tabLst/>
-              <a:defRPr sz="3300" b="0" i="0" u="none" strike="noStrike" cap="none" spc="0" baseline="0">
-                <a:solidFill>
-                  <a:srgbClr val="000000"/>
-                </a:solidFill>
-                <a:uFillTx/>
-                <a:latin typeface="Calibri Light"/>
-                <a:ea typeface="Calibri Light"/>
-                <a:cs typeface="Calibri Light"/>
-                <a:sym typeface="Calibri Light"/>
-              </a:defRPr>
-            </a:lvl3pPr>
-            <a:lvl4pPr marL="0" marR="0" indent="0" algn="l" defTabSz="685800" rtl="0" latinLnBrk="0">
-              <a:lnSpc>
-                <a:spcPct val="90000"/>
-              </a:lnSpc>
-              <a:spcBef>
-                <a:spcPts val="0"/>
-              </a:spcBef>
-              <a:spcAft>
-                <a:spcPts val="0"/>
-              </a:spcAft>
-              <a:buClrTx/>
-              <a:buSzTx/>
-              <a:buFontTx/>
-              <a:buNone/>
-              <a:tabLst/>
-              <a:defRPr sz="3300" b="0" i="0" u="none" strike="noStrike" cap="none" spc="0" baseline="0">
-                <a:solidFill>
-                  <a:srgbClr val="000000"/>
-                </a:solidFill>
-                <a:uFillTx/>
-                <a:latin typeface="Calibri Light"/>
-                <a:ea typeface="Calibri Light"/>
-                <a:cs typeface="Calibri Light"/>
-                <a:sym typeface="Calibri Light"/>
-              </a:defRPr>
-            </a:lvl4pPr>
-            <a:lvl5pPr marL="0" marR="0" indent="0" algn="l" defTabSz="685800" rtl="0" latinLnBrk="0">
-              <a:lnSpc>
-                <a:spcPct val="90000"/>
-              </a:lnSpc>
-              <a:spcBef>
-                <a:spcPts val="0"/>
-              </a:spcBef>
-              <a:spcAft>
-                <a:spcPts val="0"/>
-              </a:spcAft>
-              <a:buClrTx/>
-              <a:buSzTx/>
-              <a:buFontTx/>
-              <a:buNone/>
-              <a:tabLst/>
-              <a:defRPr sz="3300" b="0" i="0" u="none" strike="noStrike" cap="none" spc="0" baseline="0">
-                <a:solidFill>
-                  <a:srgbClr val="000000"/>
-                </a:solidFill>
-                <a:uFillTx/>
-                <a:latin typeface="Calibri Light"/>
-                <a:ea typeface="Calibri Light"/>
-                <a:cs typeface="Calibri Light"/>
-                <a:sym typeface="Calibri Light"/>
-              </a:defRPr>
-            </a:lvl5pPr>
-            <a:lvl6pPr marL="0" marR="0" indent="0" algn="l" defTabSz="685800" rtl="0" latinLnBrk="0">
-              <a:lnSpc>
-                <a:spcPct val="90000"/>
-              </a:lnSpc>
-              <a:spcBef>
-                <a:spcPts val="0"/>
-              </a:spcBef>
-              <a:spcAft>
-                <a:spcPts val="0"/>
-              </a:spcAft>
-              <a:buClrTx/>
-              <a:buSzTx/>
-              <a:buFontTx/>
-              <a:buNone/>
-              <a:tabLst/>
-              <a:defRPr sz="3300" b="0" i="0" u="none" strike="noStrike" cap="none" spc="0" baseline="0">
-                <a:solidFill>
-                  <a:srgbClr val="000000"/>
-                </a:solidFill>
-                <a:uFillTx/>
-                <a:latin typeface="Calibri Light"/>
-                <a:ea typeface="Calibri Light"/>
-                <a:cs typeface="Calibri Light"/>
-                <a:sym typeface="Calibri Light"/>
-              </a:defRPr>
-            </a:lvl6pPr>
-            <a:lvl7pPr marL="0" marR="0" indent="0" algn="l" defTabSz="685800" rtl="0" latinLnBrk="0">
-              <a:lnSpc>
-                <a:spcPct val="90000"/>
-              </a:lnSpc>
-              <a:spcBef>
-                <a:spcPts val="0"/>
-              </a:spcBef>
-              <a:spcAft>
-                <a:spcPts val="0"/>
-              </a:spcAft>
-              <a:buClrTx/>
-              <a:buSzTx/>
-              <a:buFontTx/>
-              <a:buNone/>
-              <a:tabLst/>
-              <a:defRPr sz="3300" b="0" i="0" u="none" strike="noStrike" cap="none" spc="0" baseline="0">
-                <a:solidFill>
-                  <a:srgbClr val="000000"/>
-                </a:solidFill>
-                <a:uFillTx/>
-                <a:latin typeface="Calibri Light"/>
-                <a:ea typeface="Calibri Light"/>
-                <a:cs typeface="Calibri Light"/>
-                <a:sym typeface="Calibri Light"/>
-              </a:defRPr>
-            </a:lvl7pPr>
-            <a:lvl8pPr marL="0" marR="0" indent="0" algn="l" defTabSz="685800" rtl="0" latinLnBrk="0">
-              <a:lnSpc>
-                <a:spcPct val="90000"/>
-              </a:lnSpc>
-              <a:spcBef>
-                <a:spcPts val="0"/>
-              </a:spcBef>
-              <a:spcAft>
-                <a:spcPts val="0"/>
-              </a:spcAft>
-              <a:buClrTx/>
-              <a:buSzTx/>
-              <a:buFontTx/>
-              <a:buNone/>
-              <a:tabLst/>
-              <a:defRPr sz="3300" b="0" i="0" u="none" strike="noStrike" cap="none" spc="0" baseline="0">
-                <a:solidFill>
-                  <a:srgbClr val="000000"/>
-                </a:solidFill>
-                <a:uFillTx/>
-                <a:latin typeface="Calibri Light"/>
-                <a:ea typeface="Calibri Light"/>
-                <a:cs typeface="Calibri Light"/>
-                <a:sym typeface="Calibri Light"/>
-              </a:defRPr>
-            </a:lvl8pPr>
-            <a:lvl9pPr marL="0" marR="0" indent="0" algn="l" defTabSz="685800" rtl="0" latinLnBrk="0">
-              <a:lnSpc>
-                <a:spcPct val="90000"/>
-              </a:lnSpc>
-              <a:spcBef>
-                <a:spcPts val="0"/>
-              </a:spcBef>
-              <a:spcAft>
-                <a:spcPts val="0"/>
-              </a:spcAft>
-              <a:buClrTx/>
-              <a:buSzTx/>
-              <a:buFontTx/>
-              <a:buNone/>
-              <a:tabLst/>
-              <a:defRPr sz="3300" b="0" i="0" u="none" strike="noStrike" cap="none" spc="0" baseline="0">
-                <a:solidFill>
-                  <a:srgbClr val="000000"/>
-                </a:solidFill>
-                <a:uFillTx/>
-                <a:latin typeface="Calibri Light"/>
-                <a:ea typeface="Calibri Light"/>
-                <a:cs typeface="Calibri Light"/>
-                <a:sym typeface="Calibri Light"/>
-              </a:defRPr>
-            </a:lvl9pPr>
-          </a:lstStyle>
-          <a:p>
-            <a:pPr algn="ctr" hangingPunct="1"/>
-            <a:r>
-              <a:rPr lang="en-US" altLang="zh-TW" sz="4000" dirty="0">
-                <a:solidFill>
-                  <a:srgbClr val="0070C0"/>
+            </a:pPr>
+            <a:endParaRPr kumimoji="0" lang="zh-TW" altLang="en-US" sz="1800" b="0" i="0" u="none" strike="noStrike" cap="none" spc="0" normalizeH="0" baseline="0">
+              <a:ln>
+                <a:noFill/>
+              </a:ln>
+              <a:solidFill>
+                <a:srgbClr val="000000"/>
+              </a:solidFill>
+              <a:effectLst/>
+              <a:uFillTx/>
+              <a:latin typeface="+mj-lt"/>
+              <a:ea typeface="+mj-ea"/>
+              <a:cs typeface="+mj-cs"/>
+              <a:sym typeface="Calibri"/>
+            </a:endParaRPr>
+          </a:p>
+        </p:txBody>
+      </p:sp>
+      <p:sp>
+        <p:nvSpPr>
+          <p:cNvPr id="6" name="文字方塊 5">
+            <a:extLst>
+              <a:ext uri="{FF2B5EF4-FFF2-40B4-BE49-F238E27FC236}">
+                <a16:creationId xmlns:a16="http://schemas.microsoft.com/office/drawing/2014/main" id="{2158A116-2A13-48D4-A780-9FE842C16A41}"/>
+              </a:ext>
+            </a:extLst>
+          </p:cNvPr>
+          <p:cNvSpPr txBox="1"/>
+          <p:nvPr/>
+        </p:nvSpPr>
+        <p:spPr>
+          <a:xfrm>
+            <a:off x="6587860" y="2054195"/>
+            <a:ext cx="1329076" cy="400110"/>
+          </a:xfrm>
+          <a:prstGeom prst="rect">
+            <a:avLst/>
+          </a:prstGeom>
+          <a:noFill/>
+        </p:spPr>
+        <p:txBody>
+          <a:bodyPr wrap="square" rtlCol="0">
+            <a:spAutoFit/>
+          </a:bodyPr>
+          <a:lstStyle/>
+          <a:p>
+            <a:pPr algn="ctr"/>
+            <a:r>
+              <a:rPr lang="zh-TW" altLang="en-US" sz="2000" dirty="0">
+                <a:solidFill>
+                  <a:srgbClr val="FF0000"/>
                 </a:solidFill>
                 <a:latin typeface="微軟正黑體" panose="020B0604030504040204" pitchFamily="34" charset="-120"/>
-              </a:rPr>
-              <a:t>Bootstrap </a:t>
-            </a:r>
-            <a:r>
-              <a:rPr lang="zh-TW" altLang="en-US" sz="4000" dirty="0">
-                <a:solidFill>
-                  <a:srgbClr val="0070C0"/>
-                </a:solidFill>
-                <a:latin typeface="微軟正黑體" panose="020B0604030504040204" pitchFamily="34" charset="-120"/>
-              </a:rPr>
-              <a:t>導航列（</a:t>
-            </a:r>
-            <a:r>
-              <a:rPr lang="en-US" altLang="zh-TW" sz="4000" dirty="0">
-                <a:solidFill>
-                  <a:srgbClr val="0070C0"/>
-                </a:solidFill>
-                <a:latin typeface="微軟正黑體" panose="020B0604030504040204" pitchFamily="34" charset="-120"/>
-              </a:rPr>
-              <a:t>Navbar</a:t>
-            </a:r>
-            <a:r>
-              <a:rPr lang="zh-TW" altLang="en-US" sz="4000" dirty="0">
-                <a:solidFill>
-                  <a:srgbClr val="0070C0"/>
-                </a:solidFill>
-                <a:latin typeface="微軟正黑體" panose="020B0604030504040204" pitchFamily="34" charset="-120"/>
-              </a:rPr>
-              <a:t>）</a:t>
-            </a:r>
-            <a:endParaRPr lang="zh-TW" altLang="en-US" sz="4000" dirty="0">
-              <a:solidFill>
-                <a:srgbClr val="0070C0"/>
-              </a:solidFill>
-              <a:latin typeface="微軟正黑體" panose="020B0604030504040204" pitchFamily="34" charset="-120"/>
-              <a:ea typeface="微軟正黑體" panose="020B0604030504040204" pitchFamily="34" charset="-120"/>
-            </a:endParaRPr>
+                <a:ea typeface="微軟正黑體" panose="020B0604030504040204" pitchFamily="34" charset="-120"/>
+              </a:rPr>
+              <a:t>觸發事件</a:t>
+            </a:r>
           </a:p>
         </p:txBody>
       </p:sp>
     </p:spTree>
     <p:extLst>
       <p:ext uri="{BB962C8B-B14F-4D97-AF65-F5344CB8AC3E}">
-        <p14:creationId xmlns:p14="http://schemas.microsoft.com/office/powerpoint/2010/main" val="812190110"/>
+        <p14:creationId xmlns:p14="http://schemas.microsoft.com/office/powerpoint/2010/main" val="1160174102"/>
       </p:ext>
     </p:extLst>
   </p:cSld>

--- a/教學簡報/Bootstrap 4.pptx
+++ b/教學簡報/Bootstrap 4.pptx
@@ -372,6 +372,9 @@
         </p14:section>
       </p14:sectionLst>
     </p:ext>
+    <p:ext uri="{EFAFB233-063F-42B5-8137-9DF3F51BA10A}">
+      <p15:sldGuideLst xmlns:p15="http://schemas.microsoft.com/office/powerpoint/2012/main"/>
+    </p:ext>
   </p:extLst>
 </p:presentation>
 </file>
@@ -859,6 +862,266 @@
 </p:notes>
 </file>
 
+<file path=ppt/notesSlides/notesSlide4.xml><?xml version="1.0" encoding="utf-8"?>
+<p:notes xmlns:a="http://schemas.openxmlformats.org/drawingml/2006/main" xmlns:r="http://schemas.openxmlformats.org/officeDocument/2006/relationships" xmlns:p="http://schemas.openxmlformats.org/presentationml/2006/main">
+  <p:cSld>
+    <p:spTree>
+      <p:nvGrpSpPr>
+        <p:cNvPr id="1" name=""/>
+        <p:cNvGrpSpPr/>
+        <p:nvPr/>
+      </p:nvGrpSpPr>
+      <p:grpSpPr>
+        <a:xfrm>
+          <a:off x="0" y="0"/>
+          <a:ext cx="0" cy="0"/>
+          <a:chOff x="0" y="0"/>
+          <a:chExt cx="0" cy="0"/>
+        </a:xfrm>
+      </p:grpSpPr>
+      <p:sp>
+        <p:nvSpPr>
+          <p:cNvPr id="2" name="投影片影像版面配置區 1"/>
+          <p:cNvSpPr>
+            <a:spLocks noGrp="1" noRot="1" noChangeAspect="1"/>
+          </p:cNvSpPr>
+          <p:nvPr>
+            <p:ph type="sldImg"/>
+          </p:nvPr>
+        </p:nvSpPr>
+        <p:spPr/>
+      </p:sp>
+      <p:sp>
+        <p:nvSpPr>
+          <p:cNvPr id="3" name="備忘稿版面配置區 2"/>
+          <p:cNvSpPr>
+            <a:spLocks noGrp="1"/>
+          </p:cNvSpPr>
+          <p:nvPr>
+            <p:ph type="body" idx="1"/>
+          </p:nvPr>
+        </p:nvSpPr>
+        <p:spPr/>
+        <p:txBody>
+          <a:bodyPr/>
+          <a:lstStyle/>
+          <a:p>
+            <a:pPr marL="0" marR="0" lvl="0" indent="0" defTabSz="914400" eaLnBrk="1" fontAlgn="auto" latinLnBrk="0" hangingPunct="1">
+              <a:lnSpc>
+                <a:spcPct val="100000"/>
+              </a:lnSpc>
+              <a:spcBef>
+                <a:spcPts val="0"/>
+              </a:spcBef>
+              <a:spcAft>
+                <a:spcPts val="0"/>
+              </a:spcAft>
+              <a:buClrTx/>
+              <a:buSzTx/>
+              <a:buFontTx/>
+              <a:buNone/>
+              <a:tabLst/>
+              <a:defRPr/>
+            </a:pPr>
+            <a:r>
+              <a:rPr kumimoji="1" lang="zh-TW" altLang="en-US" dirty="0"/>
+              <a:t>實際影響</a:t>
+            </a:r>
+            <a:r>
+              <a:rPr lang="en-US" altLang="zh-TW" dirty="0" err="1"/>
+              <a:t>下拉選單</a:t>
+            </a:r>
+            <a:r>
+              <a:rPr kumimoji="1" lang="zh-TW" altLang="en-US" dirty="0"/>
+              <a:t>的只有</a:t>
+            </a:r>
+            <a:r>
+              <a:rPr kumimoji="1" lang="en-US" altLang="zh-TW" dirty="0"/>
+              <a:t>data-toggle</a:t>
+            </a:r>
+            <a:r>
+              <a:rPr kumimoji="1" lang="zh-TW" altLang="en-US" dirty="0"/>
+              <a:t>與</a:t>
+            </a:r>
+            <a:r>
+              <a:rPr kumimoji="1" lang="en-US" altLang="zh-TW" dirty="0"/>
+              <a:t>dropdown-menu</a:t>
+            </a:r>
+            <a:r>
+              <a:rPr kumimoji="1" lang="zh-TW" altLang="en-US" dirty="0"/>
+              <a:t>，其他只是美化用</a:t>
+            </a:r>
+            <a:endParaRPr lang="en-US" altLang="zh-TW" dirty="0"/>
+          </a:p>
+        </p:txBody>
+      </p:sp>
+    </p:spTree>
+    <p:extLst>
+      <p:ext uri="{BB962C8B-B14F-4D97-AF65-F5344CB8AC3E}">
+        <p14:creationId xmlns:p14="http://schemas.microsoft.com/office/powerpoint/2010/main" val="174579901"/>
+      </p:ext>
+    </p:extLst>
+  </p:cSld>
+  <p:clrMapOvr>
+    <a:masterClrMapping/>
+  </p:clrMapOvr>
+</p:notes>
+</file>
+
+<file path=ppt/notesSlides/notesSlide5.xml><?xml version="1.0" encoding="utf-8"?>
+<p:notes xmlns:a="http://schemas.openxmlformats.org/drawingml/2006/main" xmlns:r="http://schemas.openxmlformats.org/officeDocument/2006/relationships" xmlns:p="http://schemas.openxmlformats.org/presentationml/2006/main">
+  <p:cSld>
+    <p:spTree>
+      <p:nvGrpSpPr>
+        <p:cNvPr id="1" name=""/>
+        <p:cNvGrpSpPr/>
+        <p:nvPr/>
+      </p:nvGrpSpPr>
+      <p:grpSpPr>
+        <a:xfrm>
+          <a:off x="0" y="0"/>
+          <a:ext cx="0" cy="0"/>
+          <a:chOff x="0" y="0"/>
+          <a:chExt cx="0" cy="0"/>
+        </a:xfrm>
+      </p:grpSpPr>
+      <p:sp>
+        <p:nvSpPr>
+          <p:cNvPr id="2" name="投影片影像版面配置區 1"/>
+          <p:cNvSpPr>
+            <a:spLocks noGrp="1" noRot="1" noChangeAspect="1"/>
+          </p:cNvSpPr>
+          <p:nvPr>
+            <p:ph type="sldImg"/>
+          </p:nvPr>
+        </p:nvSpPr>
+        <p:spPr/>
+      </p:sp>
+      <p:sp>
+        <p:nvSpPr>
+          <p:cNvPr id="3" name="備忘稿版面配置區 2"/>
+          <p:cNvSpPr>
+            <a:spLocks noGrp="1"/>
+          </p:cNvSpPr>
+          <p:nvPr>
+            <p:ph type="body" idx="1"/>
+          </p:nvPr>
+        </p:nvSpPr>
+        <p:spPr/>
+        <p:txBody>
+          <a:bodyPr/>
+          <a:lstStyle/>
+          <a:p>
+            <a:r>
+              <a:rPr kumimoji="1" lang="en-US" altLang="zh-TW" dirty="0" err="1"/>
+              <a:t>bg</a:t>
+            </a:r>
+            <a:r>
+              <a:rPr kumimoji="1" lang="en-US" altLang="zh-TW" dirty="0"/>
+              <a:t>-dark</a:t>
+            </a:r>
+            <a:r>
+              <a:rPr kumimoji="1" lang="zh-TW" altLang="en-US" dirty="0"/>
+              <a:t>：背景顏色</a:t>
+            </a:r>
+            <a:endParaRPr kumimoji="1" lang="en-US" altLang="zh-TW" dirty="0"/>
+          </a:p>
+          <a:p>
+            <a:r>
+              <a:rPr kumimoji="1" lang="en-US" altLang="zh-TW" dirty="0"/>
+              <a:t>navbar-dark</a:t>
+            </a:r>
+            <a:r>
+              <a:rPr kumimoji="1" lang="zh-TW" altLang="en-US" dirty="0"/>
+              <a:t>：文字主題</a:t>
+            </a:r>
+            <a:br>
+              <a:rPr kumimoji="1" lang="en-US" altLang="zh-TW" dirty="0"/>
+            </a:br>
+            <a:r>
+              <a:rPr kumimoji="1" lang="en-US" altLang="zh-TW" dirty="0"/>
+              <a:t>navbar-brand</a:t>
+            </a:r>
+            <a:r>
+              <a:rPr kumimoji="1" lang="zh-TW" altLang="en-US" dirty="0"/>
+              <a:t>：放置</a:t>
+            </a:r>
+            <a:r>
+              <a:rPr kumimoji="1" lang="en-US" altLang="zh-TW" dirty="0"/>
+              <a:t>Logo</a:t>
+            </a:r>
+            <a:r>
+              <a:rPr kumimoji="1" lang="zh-TW" altLang="en-US" dirty="0"/>
+              <a:t>用</a:t>
+            </a:r>
+            <a:r>
+              <a:rPr kumimoji="1" lang="en-US" altLang="zh-TW" dirty="0" err="1"/>
+              <a:t>css</a:t>
+            </a:r>
+            <a:r>
+              <a:rPr kumimoji="1" lang="zh-TW" altLang="en-US" dirty="0"/>
+              <a:t>元素</a:t>
+            </a:r>
+            <a:endParaRPr kumimoji="1" lang="en-US" altLang="zh-TW" dirty="0"/>
+          </a:p>
+          <a:p>
+            <a:r>
+              <a:rPr kumimoji="1" lang="en-US" altLang="zh-TW" dirty="0"/>
+              <a:t>rounded</a:t>
+            </a:r>
+            <a:r>
+              <a:rPr kumimoji="1" lang="zh-TW" altLang="en-US" dirty="0"/>
+              <a:t>：圖片圓角效果</a:t>
+            </a:r>
+            <a:endParaRPr kumimoji="1" lang="en-US" altLang="zh-TW" dirty="0"/>
+          </a:p>
+          <a:p>
+            <a:r>
+              <a:rPr kumimoji="1" lang="en-US" altLang="zh-TW" dirty="0"/>
+              <a:t>navbar-nav</a:t>
+            </a:r>
+            <a:r>
+              <a:rPr kumimoji="1" lang="zh-TW" altLang="en-US" dirty="0"/>
+              <a:t>：放置導航列選項的，讓選項水平排列</a:t>
+            </a:r>
+            <a:br>
+              <a:rPr kumimoji="1" lang="en-US" altLang="zh-TW" dirty="0"/>
+            </a:br>
+            <a:r>
+              <a:rPr kumimoji="1" lang="en-US" altLang="zh-TW" dirty="0"/>
+              <a:t>navbar-item</a:t>
+            </a:r>
+            <a:r>
+              <a:rPr kumimoji="1" lang="zh-TW" altLang="en-US" dirty="0"/>
+              <a:t>：本身無作用</a:t>
+            </a:r>
+            <a:endParaRPr kumimoji="1" lang="en-US" altLang="zh-TW" dirty="0"/>
+          </a:p>
+          <a:p>
+            <a:r>
+              <a:rPr kumimoji="1" lang="en-US" altLang="zh-TW" dirty="0"/>
+              <a:t>navbar-link</a:t>
+            </a:r>
+            <a:r>
+              <a:rPr kumimoji="1" lang="zh-TW" altLang="en-US" dirty="0"/>
+              <a:t>：使連結文字好看點</a:t>
+            </a:r>
+          </a:p>
+        </p:txBody>
+      </p:sp>
+    </p:spTree>
+    <p:extLst>
+      <p:ext uri="{BB962C8B-B14F-4D97-AF65-F5344CB8AC3E}">
+        <p14:creationId xmlns:p14="http://schemas.microsoft.com/office/powerpoint/2010/main" val="1023106981"/>
+      </p:ext>
+    </p:extLst>
+  </p:cSld>
+  <p:clrMapOvr>
+    <a:masterClrMapping/>
+  </p:clrMapOvr>
+</p:notes>
+</file>
+
 <file path=ppt/slideLayouts/slideLayout1.xml><?xml version="1.0" encoding="utf-8"?>
 <p:sldLayout xmlns:a="http://schemas.openxmlformats.org/drawingml/2006/main" xmlns:r="http://schemas.openxmlformats.org/officeDocument/2006/relationships" xmlns:p="http://schemas.openxmlformats.org/presentationml/2006/main" type="title">
   <p:cSld name="標題投影片">
@@ -2302,7 +2565,7 @@
           </a:ln>
           <a:extLst>
             <a:ext uri="{C572A759-6A51-4108-AA02-DFA0A04FC94B}">
-              <ma14:wrappingTextBoxFlag xmlns:ma14="http://schemas.microsoft.com/office/mac/drawingml/2011/main" xmlns:a14="http://schemas.microsoft.com/office/drawing/2010/main" xmlns:m="http://schemas.openxmlformats.org/officeDocument/2006/math" xmlns="" val="1"/>
+              <ma14:wrappingTextBoxFlag xmlns="" xmlns:m="http://schemas.openxmlformats.org/officeDocument/2006/math" xmlns:a14="http://schemas.microsoft.com/office/drawing/2010/main" xmlns:ma14="http://schemas.microsoft.com/office/mac/drawingml/2011/main" val="1"/>
             </a:ext>
           </a:extLst>
         </p:spPr>
@@ -2341,7 +2604,7 @@
           </a:ln>
           <a:extLst>
             <a:ext uri="{C572A759-6A51-4108-AA02-DFA0A04FC94B}">
-              <ma14:wrappingTextBoxFlag xmlns:ma14="http://schemas.microsoft.com/office/mac/drawingml/2011/main" xmlns:a14="http://schemas.microsoft.com/office/drawing/2010/main" xmlns:m="http://schemas.openxmlformats.org/officeDocument/2006/math" xmlns="" val="1"/>
+              <ma14:wrappingTextBoxFlag xmlns="" xmlns:m="http://schemas.openxmlformats.org/officeDocument/2006/math" xmlns:a14="http://schemas.microsoft.com/office/drawing/2010/main" xmlns:ma14="http://schemas.microsoft.com/office/mac/drawingml/2011/main" val="1"/>
             </a:ext>
           </a:extLst>
         </p:spPr>
@@ -3314,7 +3577,7 @@
           </a:prstGeom>
           <a:extLst>
             <a:ext uri="{C572A759-6A51-4108-AA02-DFA0A04FC94B}">
-              <ma14:wrappingTextBoxFlag xmlns:ma14="http://schemas.microsoft.com/office/mac/drawingml/2011/main" xmlns:a14="http://schemas.microsoft.com/office/drawing/2010/main" xmlns:m="http://schemas.openxmlformats.org/officeDocument/2006/math" xmlns="" val="1"/>
+              <ma14:wrappingTextBoxFlag xmlns="" xmlns:m="http://schemas.openxmlformats.org/officeDocument/2006/math" xmlns:a14="http://schemas.microsoft.com/office/drawing/2010/main" xmlns:ma14="http://schemas.microsoft.com/office/mac/drawingml/2011/main" val="1"/>
             </a:ext>
           </a:extLst>
         </p:spPr>
@@ -3443,7 +3706,7 @@
           </a:prstGeom>
           <a:extLst>
             <a:ext uri="{C572A759-6A51-4108-AA02-DFA0A04FC94B}">
-              <ma14:wrappingTextBoxFlag xmlns:ma14="http://schemas.microsoft.com/office/mac/drawingml/2011/main" xmlns:a14="http://schemas.microsoft.com/office/drawing/2010/main" xmlns:m="http://schemas.openxmlformats.org/officeDocument/2006/math" xmlns="" val="1"/>
+              <ma14:wrappingTextBoxFlag xmlns="" xmlns:m="http://schemas.openxmlformats.org/officeDocument/2006/math" xmlns:a14="http://schemas.microsoft.com/office/drawing/2010/main" xmlns:ma14="http://schemas.microsoft.com/office/mac/drawingml/2011/main" val="1"/>
             </a:ext>
           </a:extLst>
         </p:spPr>
@@ -3508,7 +3771,7 @@
           <p:nvPr/>
         </p:nvPicPr>
         <p:blipFill>
-          <a:blip r:embed="rId2"/>
+          <a:blip r:embed="rId3"/>
           <a:stretch>
             <a:fillRect/>
           </a:stretch>
@@ -3573,7 +3836,7 @@
         </p:nvSpPr>
         <p:spPr>
           <a:xfrm>
-            <a:off x="6633579" y="2054194"/>
+            <a:off x="6633579" y="2785650"/>
             <a:ext cx="1237637" cy="447041"/>
           </a:xfrm>
           <a:prstGeom prst="rect">
@@ -3584,7 +3847,7 @@
           </a:ln>
           <a:extLst>
             <a:ext uri="{C572A759-6A51-4108-AA02-DFA0A04FC94B}">
-              <ma14:wrappingTextBoxFlag xmlns:ma14="http://schemas.microsoft.com/office/mac/drawingml/2011/main" xmlns:a14="http://schemas.microsoft.com/office/drawing/2010/main" xmlns:m="http://schemas.openxmlformats.org/officeDocument/2006/math" xmlns="" val="1"/>
+              <ma14:wrappingTextBoxFlag xmlns="" xmlns:m="http://schemas.openxmlformats.org/officeDocument/2006/math" xmlns:a14="http://schemas.microsoft.com/office/drawing/2010/main" xmlns:ma14="http://schemas.microsoft.com/office/mac/drawingml/2011/main" val="1"/>
             </a:ext>
           </a:extLst>
         </p:spPr>
@@ -3607,8 +3870,294 @@
           </a:lstStyle>
           <a:p>
             <a:r>
+              <a:rPr dirty="0" err="1"/>
               <a:t>觸發事件</a:t>
             </a:r>
+            <a:endParaRPr dirty="0"/>
+          </a:p>
+        </p:txBody>
+      </p:sp>
+      <p:sp>
+        <p:nvSpPr>
+          <p:cNvPr id="7" name="矩形: 圓角 4">
+            <a:extLst>
+              <a:ext uri="{FF2B5EF4-FFF2-40B4-BE49-F238E27FC236}">
+                <a16:creationId xmlns:a16="http://schemas.microsoft.com/office/drawing/2014/main" id="{80113BB8-7AC4-3442-8A07-253C5EC506CF}"/>
+              </a:ext>
+            </a:extLst>
+          </p:cNvPr>
+          <p:cNvSpPr/>
+          <p:nvPr/>
+        </p:nvSpPr>
+        <p:spPr>
+          <a:xfrm>
+            <a:off x="1272784" y="2281648"/>
+            <a:ext cx="980559" cy="252001"/>
+          </a:xfrm>
+          <a:prstGeom prst="roundRect">
+            <a:avLst>
+              <a:gd name="adj" fmla="val 16667"/>
+            </a:avLst>
+          </a:prstGeom>
+          <a:ln w="28575">
+            <a:solidFill>
+              <a:srgbClr val="C00000"/>
+            </a:solidFill>
+            <a:miter/>
+          </a:ln>
+        </p:spPr>
+        <p:txBody>
+          <a:bodyPr lIns="45718" tIns="45718" rIns="45718" bIns="45718" anchor="ctr"/>
+          <a:lstStyle/>
+          <a:p>
+            <a:pPr>
+              <a:defRPr>
+                <a:latin typeface="+mn-lt"/>
+                <a:ea typeface="+mn-ea"/>
+                <a:cs typeface="+mn-cs"/>
+                <a:sym typeface="Calibri"/>
+              </a:defRPr>
+            </a:pPr>
+            <a:endParaRPr/>
+          </a:p>
+        </p:txBody>
+      </p:sp>
+      <p:sp>
+        <p:nvSpPr>
+          <p:cNvPr id="8" name="文字方塊 5">
+            <a:extLst>
+              <a:ext uri="{FF2B5EF4-FFF2-40B4-BE49-F238E27FC236}">
+                <a16:creationId xmlns:a16="http://schemas.microsoft.com/office/drawing/2014/main" id="{23CED62F-49EB-A341-8E32-C590CF7FCA4B}"/>
+              </a:ext>
+            </a:extLst>
+          </p:cNvPr>
+          <p:cNvSpPr txBox="1"/>
+          <p:nvPr/>
+        </p:nvSpPr>
+        <p:spPr>
+          <a:xfrm>
+            <a:off x="3135086" y="2207593"/>
+            <a:ext cx="1154304" cy="323165"/>
+          </a:xfrm>
+          <a:prstGeom prst="rect">
+            <a:avLst/>
+          </a:prstGeom>
+          <a:ln w="12700">
+            <a:miter lim="400000"/>
+          </a:ln>
+          <a:extLst>
+            <a:ext uri="{C572A759-6A51-4108-AA02-DFA0A04FC94B}">
+              <ma14:wrappingTextBoxFlag xmlns="" xmlns:m="http://schemas.openxmlformats.org/officeDocument/2006/math" xmlns:a14="http://schemas.microsoft.com/office/drawing/2010/main" xmlns:ma14="http://schemas.microsoft.com/office/mac/drawingml/2011/main" val="1"/>
+            </a:ext>
+          </a:extLst>
+        </p:spPr>
+        <p:txBody>
+          <a:bodyPr wrap="square" lIns="45719" rIns="45719">
+            <a:spAutoFit/>
+          </a:bodyPr>
+          <a:lstStyle>
+            <a:lvl1pPr algn="ctr">
+              <a:defRPr sz="2000">
+                <a:solidFill>
+                  <a:srgbClr val="FF0000"/>
+                </a:solidFill>
+                <a:latin typeface="微軟正黑體"/>
+                <a:ea typeface="微軟正黑體"/>
+                <a:cs typeface="微軟正黑體"/>
+                <a:sym typeface="微軟正黑體"/>
+              </a:defRPr>
+            </a:lvl1pPr>
+          </a:lstStyle>
+          <a:p>
+            <a:r>
+              <a:rPr lang="en-US" sz="1500" dirty="0" err="1"/>
+              <a:t>本身無作用</a:t>
+            </a:r>
+            <a:endParaRPr sz="1500" dirty="0"/>
+          </a:p>
+        </p:txBody>
+      </p:sp>
+      <p:sp>
+        <p:nvSpPr>
+          <p:cNvPr id="10" name="向左箭號 9">
+            <a:extLst>
+              <a:ext uri="{FF2B5EF4-FFF2-40B4-BE49-F238E27FC236}">
+                <a16:creationId xmlns:a16="http://schemas.microsoft.com/office/drawing/2014/main" id="{FEF5FFB9-3B10-3541-9EFC-16DEA06FFD49}"/>
+              </a:ext>
+            </a:extLst>
+          </p:cNvPr>
+          <p:cNvSpPr/>
+          <p:nvPr/>
+        </p:nvSpPr>
+        <p:spPr>
+          <a:xfrm>
+            <a:off x="2449286" y="2353648"/>
+            <a:ext cx="685800" cy="108000"/>
+          </a:xfrm>
+          <a:prstGeom prst="leftArrow">
+            <a:avLst/>
+          </a:prstGeom>
+          <a:solidFill>
+            <a:srgbClr val="FF0000"/>
+          </a:solidFill>
+          <a:ln w="25400" cap="flat">
+            <a:solidFill>
+              <a:srgbClr val="FF0000"/>
+            </a:solidFill>
+            <a:prstDash val="solid"/>
+            <a:round/>
+          </a:ln>
+          <a:effectLst/>
+          <a:sp3d/>
+        </p:spPr>
+        <p:style>
+          <a:lnRef idx="0">
+            <a:scrgbClr r="0" g="0" b="0"/>
+          </a:lnRef>
+          <a:fillRef idx="0">
+            <a:scrgbClr r="0" g="0" b="0"/>
+          </a:fillRef>
+          <a:effectRef idx="0">
+            <a:scrgbClr r="0" g="0" b="0"/>
+          </a:effectRef>
+          <a:fontRef idx="none"/>
+        </p:style>
+        <p:txBody>
+          <a:bodyPr rot="0" spcFirstLastPara="1" vertOverflow="overflow" horzOverflow="overflow" vert="horz" wrap="square" lIns="45718" tIns="45718" rIns="45718" bIns="45718" numCol="1" spcCol="38100" rtlCol="0" anchor="ctr">
+            <a:spAutoFit/>
+          </a:bodyPr>
+          <a:lstStyle/>
+          <a:p>
+            <a:pPr marL="0" marR="0" indent="0" algn="l" defTabSz="914400" rtl="0" fontAlgn="auto" latinLnBrk="0" hangingPunct="0">
+              <a:lnSpc>
+                <a:spcPct val="100000"/>
+              </a:lnSpc>
+              <a:spcBef>
+                <a:spcPts val="0"/>
+              </a:spcBef>
+              <a:spcAft>
+                <a:spcPts val="0"/>
+              </a:spcAft>
+              <a:buClrTx/>
+              <a:buSzTx/>
+              <a:buFontTx/>
+              <a:buNone/>
+              <a:tabLst/>
+            </a:pPr>
+            <a:endParaRPr kumimoji="0" lang="zh-TW" altLang="en-US" sz="1800" b="0" i="0" u="none" strike="noStrike" cap="none" spc="0" normalizeH="0" baseline="0">
+              <a:ln>
+                <a:noFill/>
+              </a:ln>
+              <a:solidFill>
+                <a:srgbClr val="000000"/>
+              </a:solidFill>
+              <a:effectLst/>
+              <a:uFillTx/>
+              <a:latin typeface="+mj-lt"/>
+              <a:ea typeface="+mj-ea"/>
+              <a:cs typeface="+mj-cs"/>
+              <a:sym typeface="Helvetica"/>
+            </a:endParaRPr>
+          </a:p>
+        </p:txBody>
+      </p:sp>
+      <p:sp>
+        <p:nvSpPr>
+          <p:cNvPr id="16" name="矩形: 圓角 4">
+            <a:extLst>
+              <a:ext uri="{FF2B5EF4-FFF2-40B4-BE49-F238E27FC236}">
+                <a16:creationId xmlns:a16="http://schemas.microsoft.com/office/drawing/2014/main" id="{59FFB76C-347A-7142-A781-0C089D857E97}"/>
+              </a:ext>
+            </a:extLst>
+          </p:cNvPr>
+          <p:cNvSpPr/>
+          <p:nvPr/>
+        </p:nvSpPr>
+        <p:spPr>
+          <a:xfrm>
+            <a:off x="4992038" y="2530759"/>
+            <a:ext cx="1550276" cy="254892"/>
+          </a:xfrm>
+          <a:prstGeom prst="roundRect">
+            <a:avLst>
+              <a:gd name="adj" fmla="val 16667"/>
+            </a:avLst>
+          </a:prstGeom>
+          <a:ln w="28575">
+            <a:solidFill>
+              <a:srgbClr val="C00000"/>
+            </a:solidFill>
+            <a:miter/>
+          </a:ln>
+        </p:spPr>
+        <p:txBody>
+          <a:bodyPr lIns="45718" tIns="45718" rIns="45718" bIns="45718" anchor="ctr"/>
+          <a:lstStyle/>
+          <a:p>
+            <a:pPr>
+              <a:defRPr>
+                <a:latin typeface="+mn-lt"/>
+                <a:ea typeface="+mn-ea"/>
+                <a:cs typeface="+mn-cs"/>
+                <a:sym typeface="Calibri"/>
+              </a:defRPr>
+            </a:pPr>
+            <a:endParaRPr/>
+          </a:p>
+        </p:txBody>
+      </p:sp>
+      <p:sp>
+        <p:nvSpPr>
+          <p:cNvPr id="17" name="文字方塊 5">
+            <a:extLst>
+              <a:ext uri="{FF2B5EF4-FFF2-40B4-BE49-F238E27FC236}">
+                <a16:creationId xmlns:a16="http://schemas.microsoft.com/office/drawing/2014/main" id="{2808B22D-87AE-0546-A8A7-55A649E64AA3}"/>
+              </a:ext>
+            </a:extLst>
+          </p:cNvPr>
+          <p:cNvSpPr txBox="1"/>
+          <p:nvPr/>
+        </p:nvSpPr>
+        <p:spPr>
+          <a:xfrm>
+            <a:off x="4975190" y="2207593"/>
+            <a:ext cx="1531382" cy="323165"/>
+          </a:xfrm>
+          <a:prstGeom prst="rect">
+            <a:avLst/>
+          </a:prstGeom>
+          <a:ln w="12700">
+            <a:miter lim="400000"/>
+          </a:ln>
+          <a:extLst>
+            <a:ext uri="{C572A759-6A51-4108-AA02-DFA0A04FC94B}">
+              <ma14:wrappingTextBoxFlag xmlns="" xmlns:m="http://schemas.openxmlformats.org/officeDocument/2006/math" xmlns:a14="http://schemas.microsoft.com/office/drawing/2010/main" xmlns:ma14="http://schemas.microsoft.com/office/mac/drawingml/2011/main" val="1"/>
+            </a:ext>
+          </a:extLst>
+        </p:spPr>
+        <p:txBody>
+          <a:bodyPr wrap="square" lIns="45719" rIns="45719">
+            <a:spAutoFit/>
+          </a:bodyPr>
+          <a:lstStyle>
+            <a:lvl1pPr algn="ctr">
+              <a:defRPr sz="2000">
+                <a:solidFill>
+                  <a:srgbClr val="FF0000"/>
+                </a:solidFill>
+                <a:latin typeface="微軟正黑體"/>
+                <a:ea typeface="微軟正黑體"/>
+                <a:cs typeface="微軟正黑體"/>
+                <a:sym typeface="微軟正黑體"/>
+              </a:defRPr>
+            </a:lvl1pPr>
+          </a:lstStyle>
+          <a:p>
+            <a:r>
+              <a:rPr lang="en-US" sz="1500" dirty="0" err="1"/>
+              <a:t>按鈕旁的小箭頭</a:t>
+            </a:r>
+            <a:endParaRPr sz="1500" dirty="0"/>
           </a:p>
         </p:txBody>
       </p:sp>
@@ -3684,7 +4233,7 @@
           </a:ln>
           <a:extLst>
             <a:ext uri="{C572A759-6A51-4108-AA02-DFA0A04FC94B}">
-              <ma14:wrappingTextBoxFlag xmlns:ma14="http://schemas.microsoft.com/office/mac/drawingml/2011/main" xmlns:a14="http://schemas.microsoft.com/office/drawing/2010/main" xmlns:m="http://schemas.openxmlformats.org/officeDocument/2006/math" xmlns="" val="1"/>
+              <ma14:wrappingTextBoxFlag xmlns="" xmlns:m="http://schemas.openxmlformats.org/officeDocument/2006/math" xmlns:a14="http://schemas.microsoft.com/office/drawing/2010/main" xmlns:ma14="http://schemas.microsoft.com/office/mac/drawingml/2011/main" val="1"/>
             </a:ext>
           </a:extLst>
         </p:spPr>
@@ -3781,7 +4330,7 @@
           </a:prstGeom>
           <a:extLst>
             <a:ext uri="{C572A759-6A51-4108-AA02-DFA0A04FC94B}">
-              <ma14:wrappingTextBoxFlag xmlns:ma14="http://schemas.microsoft.com/office/mac/drawingml/2011/main" xmlns:a14="http://schemas.microsoft.com/office/drawing/2010/main" xmlns:m="http://schemas.openxmlformats.org/officeDocument/2006/math" xmlns="" val="1"/>
+              <ma14:wrappingTextBoxFlag xmlns="" xmlns:m="http://schemas.openxmlformats.org/officeDocument/2006/math" xmlns:a14="http://schemas.microsoft.com/office/drawing/2010/main" xmlns:ma14="http://schemas.microsoft.com/office/mac/drawingml/2011/main" val="1"/>
             </a:ext>
           </a:extLst>
         </p:spPr>
@@ -3805,7 +4354,7 @@
           <p:nvPr/>
         </p:nvPicPr>
         <p:blipFill>
-          <a:blip r:embed="rId2"/>
+          <a:blip r:embed="rId3"/>
           <a:stretch>
             <a:fillRect/>
           </a:stretch>
@@ -3842,7 +4391,7 @@
           </a:ln>
           <a:extLst>
             <a:ext uri="{C572A759-6A51-4108-AA02-DFA0A04FC94B}">
-              <ma14:wrappingTextBoxFlag xmlns:ma14="http://schemas.microsoft.com/office/mac/drawingml/2011/main" xmlns:a14="http://schemas.microsoft.com/office/drawing/2010/main" xmlns:m="http://schemas.openxmlformats.org/officeDocument/2006/math" xmlns="" val="1"/>
+              <ma14:wrappingTextBoxFlag xmlns="" xmlns:m="http://schemas.openxmlformats.org/officeDocument/2006/math" xmlns:a14="http://schemas.microsoft.com/office/drawing/2010/main" xmlns:ma14="http://schemas.microsoft.com/office/mac/drawingml/2011/main" val="1"/>
             </a:ext>
           </a:extLst>
         </p:spPr>
@@ -4004,7 +4553,7 @@
         <p:spPr>
           <a:xfrm>
             <a:off x="5859865" y="1391742"/>
-            <a:ext cx="3284135" cy="2409189"/>
+            <a:ext cx="3284135" cy="3001715"/>
           </a:xfrm>
           <a:prstGeom prst="rect">
             <a:avLst/>
@@ -4014,7 +4563,7 @@
           </a:ln>
           <a:extLst>
             <a:ext uri="{C572A759-6A51-4108-AA02-DFA0A04FC94B}">
-              <ma14:wrappingTextBoxFlag xmlns:ma14="http://schemas.microsoft.com/office/mac/drawingml/2011/main" xmlns:a14="http://schemas.microsoft.com/office/drawing/2010/main" xmlns:m="http://schemas.openxmlformats.org/officeDocument/2006/math" xmlns="" val="1"/>
+              <ma14:wrappingTextBoxFlag xmlns="" xmlns:m="http://schemas.openxmlformats.org/officeDocument/2006/math" xmlns:a14="http://schemas.microsoft.com/office/drawing/2010/main" xmlns:ma14="http://schemas.microsoft.com/office/mac/drawingml/2011/main" val="1"/>
             </a:ext>
           </a:extLst>
         </p:spPr>
@@ -4039,10 +4588,11 @@
               </a:defRPr>
             </a:pPr>
             <a:r>
+              <a:rPr dirty="0"/>
               <a:t>navbar-expand-</a:t>
             </a:r>
             <a:r>
-              <a:rPr>
+              <a:rPr dirty="0">
                 <a:solidFill>
                   <a:schemeClr val="accent2"/>
                 </a:solidFill>
@@ -4050,10 +4600,11 @@
               <a:t>xl</a:t>
             </a:r>
             <a:r>
+              <a:rPr dirty="0"/>
               <a:t> | </a:t>
             </a:r>
             <a:r>
-              <a:rPr>
+              <a:rPr dirty="0">
                 <a:solidFill>
                   <a:schemeClr val="accent2"/>
                 </a:solidFill>
@@ -4061,10 +4612,11 @@
               <a:t>lg</a:t>
             </a:r>
             <a:r>
+              <a:rPr dirty="0"/>
               <a:t> | </a:t>
             </a:r>
             <a:r>
-              <a:rPr>
+              <a:rPr dirty="0">
                 <a:solidFill>
                   <a:schemeClr val="accent2"/>
                 </a:solidFill>
@@ -4072,10 +4624,11 @@
               <a:t>md</a:t>
             </a:r>
             <a:r>
+              <a:rPr dirty="0"/>
               <a:t> | </a:t>
             </a:r>
             <a:r>
-              <a:rPr>
+              <a:rPr dirty="0" err="1">
                 <a:solidFill>
                   <a:schemeClr val="accent2"/>
                 </a:solidFill>
@@ -4083,15 +4636,17 @@
               <a:t>sm</a:t>
             </a:r>
             <a:br>
-              <a:rPr>
+              <a:rPr dirty="0">
                 <a:solidFill>
                   <a:schemeClr val="accent2"/>
                 </a:solidFill>
               </a:rPr>
             </a:br>
             <a:r>
+              <a:rPr dirty="0" err="1"/>
               <a:t>根據畫面大小做響應式的排列</a:t>
             </a:r>
+            <a:endParaRPr dirty="0"/>
           </a:p>
           <a:p>
             <a:pPr>
@@ -4109,7 +4664,12 @@
               </a:defRPr>
             </a:pPr>
             <a:r>
-              <a:t>sm： ≥ 576px（平板）</a:t>
+              <a:rPr dirty="0" err="1"/>
+              <a:t>sm</a:t>
+            </a:r>
+            <a:r>
+              <a:rPr dirty="0"/>
+              <a:t>： ≥ 576px（平板）</a:t>
             </a:r>
           </a:p>
           <a:p>
@@ -4128,7 +4688,16 @@
               </a:defRPr>
             </a:pPr>
             <a:r>
-              <a:t>md：≥ 768px （桌面顯示器）</a:t>
+              <a:rPr dirty="0"/>
+              <a:t>md：≥ 768px （</a:t>
+            </a:r>
+            <a:r>
+              <a:rPr dirty="0" err="1"/>
+              <a:t>桌面顯示器</a:t>
+            </a:r>
+            <a:r>
+              <a:rPr dirty="0"/>
+              <a:t>）</a:t>
             </a:r>
           </a:p>
           <a:p>
@@ -4147,7 +4716,16 @@
               </a:defRPr>
             </a:pPr>
             <a:r>
-              <a:t>lg：≥ 992px （大桌面顯示器）</a:t>
+              <a:rPr dirty="0"/>
+              <a:t>lg：≥ 992px （</a:t>
+            </a:r>
+            <a:r>
+              <a:rPr dirty="0" err="1"/>
+              <a:t>大桌面顯示器</a:t>
+            </a:r>
+            <a:r>
+              <a:rPr dirty="0"/>
+              <a:t>）</a:t>
             </a:r>
           </a:p>
           <a:p>
@@ -4166,8 +4744,32 @@
               </a:defRPr>
             </a:pPr>
             <a:r>
-              <a:t>xl：≥ 1200px （超大桌面顯示器）</a:t>
-            </a:r>
+              <a:rPr dirty="0"/>
+              <a:t>xl：≥ 1200px （</a:t>
+            </a:r>
+            <a:r>
+              <a:rPr dirty="0" err="1"/>
+              <a:t>超大桌面顯示器</a:t>
+            </a:r>
+            <a:r>
+              <a:rPr dirty="0"/>
+              <a:t>）</a:t>
+            </a:r>
+            <a:br>
+              <a:rPr lang="en-US" dirty="0"/>
+            </a:br>
+            <a:r>
+              <a:rPr lang="en-US" dirty="0" err="1"/>
+              <a:t>大於以上尺寸做水平排列</a:t>
+            </a:r>
+            <a:br>
+              <a:rPr lang="en-US" dirty="0"/>
+            </a:br>
+            <a:r>
+              <a:rPr lang="en-US" dirty="0" err="1"/>
+              <a:t>小於則做垂直堆疊</a:t>
+            </a:r>
+            <a:endParaRPr dirty="0"/>
           </a:p>
         </p:txBody>
       </p:sp>
@@ -4217,7 +4819,7 @@
           </a:prstGeom>
           <a:extLst>
             <a:ext uri="{C572A759-6A51-4108-AA02-DFA0A04FC94B}">
-              <ma14:wrappingTextBoxFlag xmlns:ma14="http://schemas.microsoft.com/office/mac/drawingml/2011/main" xmlns:a14="http://schemas.microsoft.com/office/drawing/2010/main" xmlns:m="http://schemas.openxmlformats.org/officeDocument/2006/math" xmlns="" val="1"/>
+              <ma14:wrappingTextBoxFlag xmlns="" xmlns:m="http://schemas.openxmlformats.org/officeDocument/2006/math" xmlns:a14="http://schemas.microsoft.com/office/drawing/2010/main" xmlns:ma14="http://schemas.microsoft.com/office/mac/drawingml/2011/main" val="1"/>
             </a:ext>
           </a:extLst>
         </p:spPr>
@@ -4251,7 +4853,7 @@
           </a:ln>
           <a:extLst>
             <a:ext uri="{C572A759-6A51-4108-AA02-DFA0A04FC94B}">
-              <ma14:wrappingTextBoxFlag xmlns:ma14="http://schemas.microsoft.com/office/mac/drawingml/2011/main" xmlns:a14="http://schemas.microsoft.com/office/drawing/2010/main" xmlns:m="http://schemas.openxmlformats.org/officeDocument/2006/math" xmlns="" val="1"/>
+              <ma14:wrappingTextBoxFlag xmlns="" xmlns:m="http://schemas.openxmlformats.org/officeDocument/2006/math" xmlns:a14="http://schemas.microsoft.com/office/drawing/2010/main" xmlns:ma14="http://schemas.microsoft.com/office/mac/drawingml/2011/main" val="1"/>
             </a:ext>
           </a:extLst>
         </p:spPr>
@@ -4517,7 +5119,7 @@
           </a:ln>
           <a:extLst>
             <a:ext uri="{C572A759-6A51-4108-AA02-DFA0A04FC94B}">
-              <ma14:wrappingTextBoxFlag xmlns:ma14="http://schemas.microsoft.com/office/mac/drawingml/2011/main" xmlns:a14="http://schemas.microsoft.com/office/drawing/2010/main" xmlns:m="http://schemas.openxmlformats.org/officeDocument/2006/math" xmlns="" val="1"/>
+              <ma14:wrappingTextBoxFlag xmlns="" xmlns:m="http://schemas.openxmlformats.org/officeDocument/2006/math" xmlns:a14="http://schemas.microsoft.com/office/drawing/2010/main" xmlns:ma14="http://schemas.microsoft.com/office/mac/drawingml/2011/main" val="1"/>
             </a:ext>
           </a:extLst>
         </p:spPr>
@@ -4650,7 +5252,7 @@
           </a:ln>
           <a:extLst>
             <a:ext uri="{C572A759-6A51-4108-AA02-DFA0A04FC94B}">
-              <ma14:wrappingTextBoxFlag xmlns:ma14="http://schemas.microsoft.com/office/mac/drawingml/2011/main" xmlns:a14="http://schemas.microsoft.com/office/drawing/2010/main" xmlns:m="http://schemas.openxmlformats.org/officeDocument/2006/math" xmlns="" val="1"/>
+              <ma14:wrappingTextBoxFlag xmlns="" xmlns:m="http://schemas.openxmlformats.org/officeDocument/2006/math" xmlns:a14="http://schemas.microsoft.com/office/drawing/2010/main" xmlns:ma14="http://schemas.microsoft.com/office/mac/drawingml/2011/main" val="1"/>
             </a:ext>
           </a:extLst>
         </p:spPr>
@@ -4697,7 +5299,7 @@
           </a:ln>
           <a:extLst>
             <a:ext uri="{C572A759-6A51-4108-AA02-DFA0A04FC94B}">
-              <ma14:wrappingTextBoxFlag xmlns:ma14="http://schemas.microsoft.com/office/mac/drawingml/2011/main" xmlns:a14="http://schemas.microsoft.com/office/drawing/2010/main" xmlns:m="http://schemas.openxmlformats.org/officeDocument/2006/math" xmlns="" val="1"/>
+              <ma14:wrappingTextBoxFlag xmlns="" xmlns:m="http://schemas.openxmlformats.org/officeDocument/2006/math" xmlns:a14="http://schemas.microsoft.com/office/drawing/2010/main" xmlns:ma14="http://schemas.microsoft.com/office/mac/drawingml/2011/main" val="1"/>
             </a:ext>
           </a:extLst>
         </p:spPr>
@@ -4771,7 +5373,7 @@
           </a:prstGeom>
           <a:extLst>
             <a:ext uri="{C572A759-6A51-4108-AA02-DFA0A04FC94B}">
-              <ma14:wrappingTextBoxFlag xmlns:ma14="http://schemas.microsoft.com/office/mac/drawingml/2011/main" xmlns:a14="http://schemas.microsoft.com/office/drawing/2010/main" xmlns:m="http://schemas.openxmlformats.org/officeDocument/2006/math" xmlns="" val="1"/>
+              <ma14:wrappingTextBoxFlag xmlns="" xmlns:m="http://schemas.openxmlformats.org/officeDocument/2006/math" xmlns:a14="http://schemas.microsoft.com/office/drawing/2010/main" xmlns:ma14="http://schemas.microsoft.com/office/mac/drawingml/2011/main" val="1"/>
             </a:ext>
           </a:extLst>
         </p:spPr>
@@ -4805,7 +5407,7 @@
           </a:ln>
           <a:extLst>
             <a:ext uri="{C572A759-6A51-4108-AA02-DFA0A04FC94B}">
-              <ma14:wrappingTextBoxFlag xmlns:ma14="http://schemas.microsoft.com/office/mac/drawingml/2011/main" xmlns:a14="http://schemas.microsoft.com/office/drawing/2010/main" xmlns:m="http://schemas.openxmlformats.org/officeDocument/2006/math" xmlns="" val="1"/>
+              <ma14:wrappingTextBoxFlag xmlns="" xmlns:m="http://schemas.openxmlformats.org/officeDocument/2006/math" xmlns:a14="http://schemas.microsoft.com/office/drawing/2010/main" xmlns:ma14="http://schemas.microsoft.com/office/mac/drawingml/2011/main" val="1"/>
             </a:ext>
           </a:extLst>
         </p:spPr>
@@ -4941,7 +5543,7 @@
           </a:ln>
           <a:extLst>
             <a:ext uri="{C572A759-6A51-4108-AA02-DFA0A04FC94B}">
-              <ma14:wrappingTextBoxFlag xmlns:ma14="http://schemas.microsoft.com/office/mac/drawingml/2011/main" xmlns:a14="http://schemas.microsoft.com/office/drawing/2010/main" xmlns:m="http://schemas.openxmlformats.org/officeDocument/2006/math" xmlns="" val="1"/>
+              <ma14:wrappingTextBoxFlag xmlns="" xmlns:m="http://schemas.openxmlformats.org/officeDocument/2006/math" xmlns:a14="http://schemas.microsoft.com/office/drawing/2010/main" xmlns:ma14="http://schemas.microsoft.com/office/mac/drawingml/2011/main" val="1"/>
             </a:ext>
           </a:extLst>
         </p:spPr>
@@ -5067,7 +5669,7 @@
           </a:ln>
           <a:extLst>
             <a:ext uri="{C572A759-6A51-4108-AA02-DFA0A04FC94B}">
-              <ma14:wrappingTextBoxFlag xmlns:ma14="http://schemas.microsoft.com/office/mac/drawingml/2011/main" xmlns:a14="http://schemas.microsoft.com/office/drawing/2010/main" xmlns:m="http://schemas.openxmlformats.org/officeDocument/2006/math" xmlns="" val="1"/>
+              <ma14:wrappingTextBoxFlag xmlns="" xmlns:m="http://schemas.openxmlformats.org/officeDocument/2006/math" xmlns:a14="http://schemas.microsoft.com/office/drawing/2010/main" xmlns:ma14="http://schemas.microsoft.com/office/mac/drawingml/2011/main" val="1"/>
             </a:ext>
           </a:extLst>
         </p:spPr>
@@ -5114,7 +5716,7 @@
           </a:ln>
           <a:extLst>
             <a:ext uri="{C572A759-6A51-4108-AA02-DFA0A04FC94B}">
-              <ma14:wrappingTextBoxFlag xmlns:ma14="http://schemas.microsoft.com/office/mac/drawingml/2011/main" xmlns:a14="http://schemas.microsoft.com/office/drawing/2010/main" xmlns:m="http://schemas.openxmlformats.org/officeDocument/2006/math" xmlns="" val="1"/>
+              <ma14:wrappingTextBoxFlag xmlns="" xmlns:m="http://schemas.openxmlformats.org/officeDocument/2006/math" xmlns:a14="http://schemas.microsoft.com/office/drawing/2010/main" xmlns:ma14="http://schemas.microsoft.com/office/mac/drawingml/2011/main" val="1"/>
             </a:ext>
           </a:extLst>
         </p:spPr>
@@ -5227,7 +5829,7 @@
           </a:prstGeom>
           <a:extLst>
             <a:ext uri="{C572A759-6A51-4108-AA02-DFA0A04FC94B}">
-              <ma14:wrappingTextBoxFlag xmlns:ma14="http://schemas.microsoft.com/office/mac/drawingml/2011/main" xmlns:a14="http://schemas.microsoft.com/office/drawing/2010/main" xmlns:m="http://schemas.openxmlformats.org/officeDocument/2006/math" xmlns="" val="1"/>
+              <ma14:wrappingTextBoxFlag xmlns="" xmlns:m="http://schemas.openxmlformats.org/officeDocument/2006/math" xmlns:a14="http://schemas.microsoft.com/office/drawing/2010/main" xmlns:ma14="http://schemas.microsoft.com/office/mac/drawingml/2011/main" val="1"/>
             </a:ext>
           </a:extLst>
         </p:spPr>
@@ -5261,7 +5863,7 @@
           </a:ln>
           <a:extLst>
             <a:ext uri="{C572A759-6A51-4108-AA02-DFA0A04FC94B}">
-              <ma14:wrappingTextBoxFlag xmlns:ma14="http://schemas.microsoft.com/office/mac/drawingml/2011/main" xmlns:a14="http://schemas.microsoft.com/office/drawing/2010/main" xmlns:m="http://schemas.openxmlformats.org/officeDocument/2006/math" xmlns="" val="1"/>
+              <ma14:wrappingTextBoxFlag xmlns="" xmlns:m="http://schemas.openxmlformats.org/officeDocument/2006/math" xmlns:a14="http://schemas.microsoft.com/office/drawing/2010/main" xmlns:ma14="http://schemas.microsoft.com/office/mac/drawingml/2011/main" val="1"/>
             </a:ext>
           </a:extLst>
         </p:spPr>
@@ -5397,7 +5999,7 @@
           </a:ln>
           <a:extLst>
             <a:ext uri="{C572A759-6A51-4108-AA02-DFA0A04FC94B}">
-              <ma14:wrappingTextBoxFlag xmlns:ma14="http://schemas.microsoft.com/office/mac/drawingml/2011/main" xmlns:a14="http://schemas.microsoft.com/office/drawing/2010/main" xmlns:m="http://schemas.openxmlformats.org/officeDocument/2006/math" xmlns="" val="1"/>
+              <ma14:wrappingTextBoxFlag xmlns="" xmlns:m="http://schemas.openxmlformats.org/officeDocument/2006/math" xmlns:a14="http://schemas.microsoft.com/office/drawing/2010/main" xmlns:ma14="http://schemas.microsoft.com/office/mac/drawingml/2011/main" val="1"/>
             </a:ext>
           </a:extLst>
         </p:spPr>
@@ -5521,7 +6123,7 @@
           </a:ln>
           <a:extLst>
             <a:ext uri="{C572A759-6A51-4108-AA02-DFA0A04FC94B}">
-              <ma14:wrappingTextBoxFlag xmlns:ma14="http://schemas.microsoft.com/office/mac/drawingml/2011/main" xmlns:a14="http://schemas.microsoft.com/office/drawing/2010/main" xmlns:m="http://schemas.openxmlformats.org/officeDocument/2006/math" xmlns="" val="1"/>
+              <ma14:wrappingTextBoxFlag xmlns="" xmlns:m="http://schemas.openxmlformats.org/officeDocument/2006/math" xmlns:a14="http://schemas.microsoft.com/office/drawing/2010/main" xmlns:ma14="http://schemas.microsoft.com/office/mac/drawingml/2011/main" val="1"/>
             </a:ext>
           </a:extLst>
         </p:spPr>
@@ -5601,7 +6203,7 @@
           </a:prstGeom>
           <a:extLst>
             <a:ext uri="{C572A759-6A51-4108-AA02-DFA0A04FC94B}">
-              <ma14:wrappingTextBoxFlag xmlns:ma14="http://schemas.microsoft.com/office/mac/drawingml/2011/main" xmlns:a14="http://schemas.microsoft.com/office/drawing/2010/main" xmlns:m="http://schemas.openxmlformats.org/officeDocument/2006/math" xmlns="" val="1"/>
+              <ma14:wrappingTextBoxFlag xmlns="" xmlns:m="http://schemas.openxmlformats.org/officeDocument/2006/math" xmlns:a14="http://schemas.microsoft.com/office/drawing/2010/main" xmlns:ma14="http://schemas.microsoft.com/office/mac/drawingml/2011/main" val="1"/>
             </a:ext>
           </a:extLst>
         </p:spPr>
@@ -5635,7 +6237,7 @@
           </a:ln>
           <a:extLst>
             <a:ext uri="{C572A759-6A51-4108-AA02-DFA0A04FC94B}">
-              <ma14:wrappingTextBoxFlag xmlns:ma14="http://schemas.microsoft.com/office/mac/drawingml/2011/main" xmlns:a14="http://schemas.microsoft.com/office/drawing/2010/main" xmlns:m="http://schemas.openxmlformats.org/officeDocument/2006/math" xmlns="" val="1"/>
+              <ma14:wrappingTextBoxFlag xmlns="" xmlns:m="http://schemas.openxmlformats.org/officeDocument/2006/math" xmlns:a14="http://schemas.microsoft.com/office/drawing/2010/main" xmlns:ma14="http://schemas.microsoft.com/office/mac/drawingml/2011/main" val="1"/>
             </a:ext>
           </a:extLst>
         </p:spPr>
@@ -5810,7 +6412,7 @@
           </a:ln>
           <a:extLst>
             <a:ext uri="{C572A759-6A51-4108-AA02-DFA0A04FC94B}">
-              <ma14:wrappingTextBoxFlag xmlns:ma14="http://schemas.microsoft.com/office/mac/drawingml/2011/main" xmlns:a14="http://schemas.microsoft.com/office/drawing/2010/main" xmlns:m="http://schemas.openxmlformats.org/officeDocument/2006/math" xmlns="" val="1"/>
+              <ma14:wrappingTextBoxFlag xmlns="" xmlns:m="http://schemas.openxmlformats.org/officeDocument/2006/math" xmlns:a14="http://schemas.microsoft.com/office/drawing/2010/main" xmlns:ma14="http://schemas.microsoft.com/office/mac/drawingml/2011/main" val="1"/>
             </a:ext>
           </a:extLst>
         </p:spPr>
@@ -5899,7 +6501,7 @@
           </a:ln>
           <a:extLst>
             <a:ext uri="{C572A759-6A51-4108-AA02-DFA0A04FC94B}">
-              <ma14:wrappingTextBoxFlag xmlns:ma14="http://schemas.microsoft.com/office/mac/drawingml/2011/main" xmlns:a14="http://schemas.microsoft.com/office/drawing/2010/main" xmlns:m="http://schemas.openxmlformats.org/officeDocument/2006/math" xmlns="" val="1"/>
+              <ma14:wrappingTextBoxFlag xmlns="" xmlns:m="http://schemas.openxmlformats.org/officeDocument/2006/math" xmlns:a14="http://schemas.microsoft.com/office/drawing/2010/main" xmlns:ma14="http://schemas.microsoft.com/office/mac/drawingml/2011/main" val="1"/>
             </a:ext>
           </a:extLst>
         </p:spPr>
@@ -6016,7 +6618,7 @@
           </a:prstGeom>
           <a:extLst>
             <a:ext uri="{C572A759-6A51-4108-AA02-DFA0A04FC94B}">
-              <ma14:wrappingTextBoxFlag xmlns:ma14="http://schemas.microsoft.com/office/mac/drawingml/2011/main" xmlns:a14="http://schemas.microsoft.com/office/drawing/2010/main" xmlns:m="http://schemas.openxmlformats.org/officeDocument/2006/math" xmlns="" val="1"/>
+              <ma14:wrappingTextBoxFlag xmlns="" xmlns:m="http://schemas.openxmlformats.org/officeDocument/2006/math" xmlns:a14="http://schemas.microsoft.com/office/drawing/2010/main" xmlns:ma14="http://schemas.microsoft.com/office/mac/drawingml/2011/main" val="1"/>
             </a:ext>
           </a:extLst>
         </p:spPr>
@@ -6050,7 +6652,7 @@
           </a:ln>
           <a:extLst>
             <a:ext uri="{C572A759-6A51-4108-AA02-DFA0A04FC94B}">
-              <ma14:wrappingTextBoxFlag xmlns:ma14="http://schemas.microsoft.com/office/mac/drawingml/2011/main" xmlns:a14="http://schemas.microsoft.com/office/drawing/2010/main" xmlns:m="http://schemas.openxmlformats.org/officeDocument/2006/math" xmlns="" val="1"/>
+              <ma14:wrappingTextBoxFlag xmlns="" xmlns:m="http://schemas.openxmlformats.org/officeDocument/2006/math" xmlns:a14="http://schemas.microsoft.com/office/drawing/2010/main" xmlns:ma14="http://schemas.microsoft.com/office/mac/drawingml/2011/main" val="1"/>
             </a:ext>
           </a:extLst>
         </p:spPr>
@@ -6186,7 +6788,7 @@
           </a:ln>
           <a:extLst>
             <a:ext uri="{C572A759-6A51-4108-AA02-DFA0A04FC94B}">
-              <ma14:wrappingTextBoxFlag xmlns:ma14="http://schemas.microsoft.com/office/mac/drawingml/2011/main" xmlns:a14="http://schemas.microsoft.com/office/drawing/2010/main" xmlns:m="http://schemas.openxmlformats.org/officeDocument/2006/math" xmlns="" val="1"/>
+              <ma14:wrappingTextBoxFlag xmlns="" xmlns:m="http://schemas.openxmlformats.org/officeDocument/2006/math" xmlns:a14="http://schemas.microsoft.com/office/drawing/2010/main" xmlns:ma14="http://schemas.microsoft.com/office/mac/drawingml/2011/main" val="1"/>
             </a:ext>
           </a:extLst>
         </p:spPr>
@@ -6330,7 +6932,7 @@
           </a:prstGeom>
           <a:extLst>
             <a:ext uri="{C572A759-6A51-4108-AA02-DFA0A04FC94B}">
-              <ma14:wrappingTextBoxFlag xmlns:ma14="http://schemas.microsoft.com/office/mac/drawingml/2011/main" xmlns:a14="http://schemas.microsoft.com/office/drawing/2010/main" xmlns:m="http://schemas.openxmlformats.org/officeDocument/2006/math" xmlns="" val="1"/>
+              <ma14:wrappingTextBoxFlag xmlns="" xmlns:m="http://schemas.openxmlformats.org/officeDocument/2006/math" xmlns:a14="http://schemas.microsoft.com/office/drawing/2010/main" xmlns:ma14="http://schemas.microsoft.com/office/mac/drawingml/2011/main" val="1"/>
             </a:ext>
           </a:extLst>
         </p:spPr>
@@ -6902,7 +7504,7 @@
           </a:ln>
           <a:extLst>
             <a:ext uri="{C572A759-6A51-4108-AA02-DFA0A04FC94B}">
-              <ma14:wrappingTextBoxFlag xmlns:ma14="http://schemas.microsoft.com/office/mac/drawingml/2011/main" xmlns:a14="http://schemas.microsoft.com/office/drawing/2010/main" xmlns:m="http://schemas.openxmlformats.org/officeDocument/2006/math" xmlns="" val="1"/>
+              <ma14:wrappingTextBoxFlag xmlns="" xmlns:m="http://schemas.openxmlformats.org/officeDocument/2006/math" xmlns:a14="http://schemas.microsoft.com/office/drawing/2010/main" xmlns:ma14="http://schemas.microsoft.com/office/mac/drawingml/2011/main" val="1"/>
             </a:ext>
           </a:extLst>
         </p:spPr>
@@ -7025,8 +7627,17 @@
                                   </p:childTnLst>
                                 </p:cTn>
                               </p:par>
+                            </p:childTnLst>
+                          </p:cTn>
+                        </p:par>
+                        <p:par>
+                          <p:cTn id="7" fill="hold">
+                            <p:stCondLst>
+                              <p:cond delay="0"/>
+                            </p:stCondLst>
+                            <p:childTnLst>
                               <p:par>
-                                <p:cTn id="7" presetID="1" presetClass="entr" presetSubtype="0" fill="hold" grpId="0" nodeType="withEffect">
+                                <p:cTn id="8" presetID="1" presetClass="entr" presetSubtype="0" fill="hold" grpId="0" nodeType="afterEffect">
                                   <p:stCondLst>
                                     <p:cond delay="0"/>
                                   </p:stCondLst>
@@ -7036,7 +7647,7 @@
                                   <p:childTnLst>
                                     <p:set>
                                       <p:cBhvr>
-                                        <p:cTn id="8" fill="hold"/>
+                                        <p:cTn id="9" fill="hold"/>
                                         <p:tgtEl>
                                           <p:spTgt spid="107">
                                             <p:txEl>
@@ -7059,13 +7670,13 @@
                           </p:cTn>
                         </p:par>
                         <p:par>
-                          <p:cTn id="9" fill="hold">
+                          <p:cTn id="10" fill="hold">
                             <p:stCondLst>
                               <p:cond delay="0"/>
                             </p:stCondLst>
                             <p:childTnLst>
                               <p:par>
-                                <p:cTn id="10" presetID="1" presetClass="entr" presetSubtype="0" fill="hold" grpId="0" nodeType="afterEffect">
+                                <p:cTn id="11" presetID="1" presetClass="entr" presetSubtype="0" fill="hold" grpId="0" nodeType="afterEffect">
                                   <p:stCondLst>
                                     <p:cond delay="0"/>
                                   </p:stCondLst>
@@ -7075,7 +7686,7 @@
                                   <p:childTnLst>
                                     <p:set>
                                       <p:cBhvr>
-                                        <p:cTn id="11" fill="hold"/>
+                                        <p:cTn id="12" fill="hold"/>
                                         <p:tgtEl>
                                           <p:spTgt spid="107">
                                             <p:txEl>
@@ -7097,15 +7708,6 @@
                             </p:childTnLst>
                           </p:cTn>
                         </p:par>
-                      </p:childTnLst>
-                    </p:cTn>
-                  </p:par>
-                  <p:par>
-                    <p:cTn id="12" fill="hold">
-                      <p:stCondLst>
-                        <p:cond delay="indefinite"/>
-                      </p:stCondLst>
-                      <p:childTnLst>
                         <p:par>
                           <p:cTn id="13" fill="hold">
                             <p:stCondLst>
@@ -7113,7 +7715,7 @@
                             </p:stCondLst>
                             <p:childTnLst>
                               <p:par>
-                                <p:cTn id="14" presetID="1" presetClass="entr" presetSubtype="0" fill="hold" grpId="0" nodeType="clickEffect">
+                                <p:cTn id="14" presetID="1" presetClass="entr" presetSubtype="0" fill="hold" grpId="0" nodeType="afterEffect">
                                   <p:stCondLst>
                                     <p:cond delay="0"/>
                                   </p:stCondLst>
@@ -7127,7 +7729,7 @@
                                         <p:tgtEl>
                                           <p:spTgt spid="107">
                                             <p:txEl>
-                                              <p:charRg st="66" end="66"/>
+                                              <p:pRg st="2" end="2"/>
                                             </p:txEl>
                                           </p:spTgt>
                                         </p:tgtEl>
@@ -7163,45 +7765,6 @@
                                     <p:set>
                                       <p:cBhvr>
                                         <p:cTn id="18" fill="hold"/>
-                                        <p:tgtEl>
-                                          <p:spTgt spid="107">
-                                            <p:txEl>
-                                              <p:pRg st="2" end="2"/>
-                                            </p:txEl>
-                                          </p:spTgt>
-                                        </p:tgtEl>
-                                        <p:attrNameLst>
-                                          <p:attrName>style.visibility</p:attrName>
-                                        </p:attrNameLst>
-                                      </p:cBhvr>
-                                      <p:to>
-                                        <p:strVal val="visible"/>
-                                      </p:to>
-                                    </p:set>
-                                  </p:childTnLst>
-                                </p:cTn>
-                              </p:par>
-                            </p:childTnLst>
-                          </p:cTn>
-                        </p:par>
-                        <p:par>
-                          <p:cTn id="19" fill="hold">
-                            <p:stCondLst>
-                              <p:cond delay="0"/>
-                            </p:stCondLst>
-                            <p:childTnLst>
-                              <p:par>
-                                <p:cTn id="20" presetID="1" presetClass="entr" presetSubtype="0" fill="hold" grpId="0" nodeType="afterEffect">
-                                  <p:stCondLst>
-                                    <p:cond delay="0"/>
-                                  </p:stCondLst>
-                                  <p:iterate>
-                                    <p:tmAbs val="0"/>
-                                  </p:iterate>
-                                  <p:childTnLst>
-                                    <p:set>
-                                      <p:cBhvr>
-                                        <p:cTn id="21" fill="hold"/>
                                         <p:tgtEl>
                                           <p:spTgt spid="107">
                                             <p:txEl>
@@ -7360,7 +7923,7 @@
           </a:ln>
           <a:extLst>
             <a:ext uri="{C572A759-6A51-4108-AA02-DFA0A04FC94B}">
-              <ma14:wrappingTextBoxFlag xmlns:ma14="http://schemas.microsoft.com/office/mac/drawingml/2011/main" xmlns:a14="http://schemas.microsoft.com/office/drawing/2010/main" xmlns:m="http://schemas.openxmlformats.org/officeDocument/2006/math" xmlns="" val="1"/>
+              <ma14:wrappingTextBoxFlag xmlns="" xmlns:m="http://schemas.openxmlformats.org/officeDocument/2006/math" xmlns:a14="http://schemas.microsoft.com/office/drawing/2010/main" xmlns:ma14="http://schemas.microsoft.com/office/mac/drawingml/2011/main" val="1"/>
             </a:ext>
           </a:extLst>
         </p:spPr>
@@ -7404,7 +7967,7 @@
           </a:ln>
           <a:extLst>
             <a:ext uri="{C572A759-6A51-4108-AA02-DFA0A04FC94B}">
-              <ma14:wrappingTextBoxFlag xmlns:ma14="http://schemas.microsoft.com/office/mac/drawingml/2011/main" xmlns:a14="http://schemas.microsoft.com/office/drawing/2010/main" xmlns:m="http://schemas.openxmlformats.org/officeDocument/2006/math" xmlns="" val="1"/>
+              <ma14:wrappingTextBoxFlag xmlns="" xmlns:m="http://schemas.openxmlformats.org/officeDocument/2006/math" xmlns:a14="http://schemas.microsoft.com/office/drawing/2010/main" xmlns:ma14="http://schemas.microsoft.com/office/mac/drawingml/2011/main" val="1"/>
             </a:ext>
           </a:extLst>
         </p:spPr>
@@ -7654,7 +8217,7 @@
           </a:ln>
           <a:extLst>
             <a:ext uri="{C572A759-6A51-4108-AA02-DFA0A04FC94B}">
-              <ma14:wrappingTextBoxFlag xmlns:ma14="http://schemas.microsoft.com/office/mac/drawingml/2011/main" xmlns:a14="http://schemas.microsoft.com/office/drawing/2010/main" xmlns:m="http://schemas.openxmlformats.org/officeDocument/2006/math" xmlns="" val="1"/>
+              <ma14:wrappingTextBoxFlag xmlns="" xmlns:m="http://schemas.openxmlformats.org/officeDocument/2006/math" xmlns:a14="http://schemas.microsoft.com/office/drawing/2010/main" xmlns:ma14="http://schemas.microsoft.com/office/mac/drawingml/2011/main" val="1"/>
             </a:ext>
           </a:extLst>
         </p:spPr>
@@ -7698,7 +8261,7 @@
           </a:ln>
           <a:extLst>
             <a:ext uri="{C572A759-6A51-4108-AA02-DFA0A04FC94B}">
-              <ma14:wrappingTextBoxFlag xmlns:ma14="http://schemas.microsoft.com/office/mac/drawingml/2011/main" xmlns:a14="http://schemas.microsoft.com/office/drawing/2010/main" xmlns:m="http://schemas.openxmlformats.org/officeDocument/2006/math" xmlns="" val="1"/>
+              <ma14:wrappingTextBoxFlag xmlns="" xmlns:m="http://schemas.openxmlformats.org/officeDocument/2006/math" xmlns:a14="http://schemas.microsoft.com/office/drawing/2010/main" xmlns:ma14="http://schemas.microsoft.com/office/mac/drawingml/2011/main" val="1"/>
             </a:ext>
           </a:extLst>
         </p:spPr>
@@ -8040,7 +8603,7 @@
           </a:prstGeom>
           <a:extLst>
             <a:ext uri="{C572A759-6A51-4108-AA02-DFA0A04FC94B}">
-              <ma14:wrappingTextBoxFlag xmlns:ma14="http://schemas.microsoft.com/office/mac/drawingml/2011/main" xmlns:a14="http://schemas.microsoft.com/office/drawing/2010/main" xmlns:m="http://schemas.openxmlformats.org/officeDocument/2006/math" xmlns="" val="1"/>
+              <ma14:wrappingTextBoxFlag xmlns="" xmlns:m="http://schemas.openxmlformats.org/officeDocument/2006/math" xmlns:a14="http://schemas.microsoft.com/office/drawing/2010/main" xmlns:ma14="http://schemas.microsoft.com/office/mac/drawingml/2011/main" val="1"/>
             </a:ext>
           </a:extLst>
         </p:spPr>
@@ -8117,7 +8680,7 @@
           </a:ln>
           <a:extLst>
             <a:ext uri="{C572A759-6A51-4108-AA02-DFA0A04FC94B}">
-              <ma14:wrappingTextBoxFlag xmlns:ma14="http://schemas.microsoft.com/office/mac/drawingml/2011/main" xmlns:a14="http://schemas.microsoft.com/office/drawing/2010/main" xmlns:m="http://schemas.openxmlformats.org/officeDocument/2006/math" xmlns="" val="1"/>
+              <ma14:wrappingTextBoxFlag xmlns="" xmlns:m="http://schemas.openxmlformats.org/officeDocument/2006/math" xmlns:a14="http://schemas.microsoft.com/office/drawing/2010/main" xmlns:ma14="http://schemas.microsoft.com/office/mac/drawingml/2011/main" val="1"/>
             </a:ext>
           </a:extLst>
         </p:spPr>
@@ -8187,7 +8750,7 @@
           </a:prstGeom>
           <a:extLst>
             <a:ext uri="{C572A759-6A51-4108-AA02-DFA0A04FC94B}">
-              <ma14:wrappingTextBoxFlag xmlns:ma14="http://schemas.microsoft.com/office/mac/drawingml/2011/main" xmlns:a14="http://schemas.microsoft.com/office/drawing/2010/main" xmlns:m="http://schemas.openxmlformats.org/officeDocument/2006/math" xmlns="" val="1"/>
+              <ma14:wrappingTextBoxFlag xmlns="" xmlns:m="http://schemas.openxmlformats.org/officeDocument/2006/math" xmlns:a14="http://schemas.microsoft.com/office/drawing/2010/main" xmlns:ma14="http://schemas.microsoft.com/office/mac/drawingml/2011/main" val="1"/>
             </a:ext>
           </a:extLst>
         </p:spPr>
@@ -8273,7 +8836,7 @@
           </a:ln>
           <a:extLst>
             <a:ext uri="{C572A759-6A51-4108-AA02-DFA0A04FC94B}">
-              <ma14:wrappingTextBoxFlag xmlns:ma14="http://schemas.microsoft.com/office/mac/drawingml/2011/main" xmlns:a14="http://schemas.microsoft.com/office/drawing/2010/main" xmlns:m="http://schemas.openxmlformats.org/officeDocument/2006/math" xmlns="" val="1"/>
+              <ma14:wrappingTextBoxFlag xmlns="" xmlns:m="http://schemas.openxmlformats.org/officeDocument/2006/math" xmlns:a14="http://schemas.microsoft.com/office/drawing/2010/main" xmlns:ma14="http://schemas.microsoft.com/office/mac/drawingml/2011/main" val="1"/>
             </a:ext>
           </a:extLst>
         </p:spPr>
@@ -8496,7 +9059,7 @@
           </a:prstGeom>
           <a:extLst>
             <a:ext uri="{C572A759-6A51-4108-AA02-DFA0A04FC94B}">
-              <ma14:wrappingTextBoxFlag xmlns:ma14="http://schemas.microsoft.com/office/mac/drawingml/2011/main" xmlns:a14="http://schemas.microsoft.com/office/drawing/2010/main" xmlns:m="http://schemas.openxmlformats.org/officeDocument/2006/math" xmlns="" val="1"/>
+              <ma14:wrappingTextBoxFlag xmlns="" xmlns:m="http://schemas.openxmlformats.org/officeDocument/2006/math" xmlns:a14="http://schemas.microsoft.com/office/drawing/2010/main" xmlns:ma14="http://schemas.microsoft.com/office/mac/drawingml/2011/main" val="1"/>
             </a:ext>
           </a:extLst>
         </p:spPr>
@@ -8571,7 +9134,7 @@
           </a:ln>
           <a:extLst>
             <a:ext uri="{C572A759-6A51-4108-AA02-DFA0A04FC94B}">
-              <ma14:wrappingTextBoxFlag xmlns:ma14="http://schemas.microsoft.com/office/mac/drawingml/2011/main" xmlns:a14="http://schemas.microsoft.com/office/drawing/2010/main" xmlns:m="http://schemas.openxmlformats.org/officeDocument/2006/math" xmlns="" val="1"/>
+              <ma14:wrappingTextBoxFlag xmlns="" xmlns:m="http://schemas.openxmlformats.org/officeDocument/2006/math" xmlns:a14="http://schemas.microsoft.com/office/drawing/2010/main" xmlns:ma14="http://schemas.microsoft.com/office/mac/drawingml/2011/main" val="1"/>
             </a:ext>
           </a:extLst>
         </p:spPr>
@@ -8701,7 +9264,7 @@
           </a:prstGeom>
           <a:extLst>
             <a:ext uri="{C572A759-6A51-4108-AA02-DFA0A04FC94B}">
-              <ma14:wrappingTextBoxFlag xmlns:ma14="http://schemas.microsoft.com/office/mac/drawingml/2011/main" xmlns:a14="http://schemas.microsoft.com/office/drawing/2010/main" xmlns:m="http://schemas.openxmlformats.org/officeDocument/2006/math" xmlns="" val="1"/>
+              <ma14:wrappingTextBoxFlag xmlns="" xmlns:m="http://schemas.openxmlformats.org/officeDocument/2006/math" xmlns:a14="http://schemas.microsoft.com/office/drawing/2010/main" xmlns:ma14="http://schemas.microsoft.com/office/mac/drawingml/2011/main" val="1"/>
             </a:ext>
           </a:extLst>
         </p:spPr>
@@ -9948,7 +10511,7 @@
           </a:prstGeom>
           <a:extLst>
             <a:ext uri="{C572A759-6A51-4108-AA02-DFA0A04FC94B}">
-              <ma14:wrappingTextBoxFlag xmlns:ma14="http://schemas.microsoft.com/office/mac/drawingml/2011/main" xmlns:a14="http://schemas.microsoft.com/office/drawing/2010/main" xmlns:m="http://schemas.openxmlformats.org/officeDocument/2006/math" xmlns="" val="1"/>
+              <ma14:wrappingTextBoxFlag xmlns="" xmlns:m="http://schemas.openxmlformats.org/officeDocument/2006/math" xmlns:a14="http://schemas.microsoft.com/office/drawing/2010/main" xmlns:ma14="http://schemas.microsoft.com/office/mac/drawingml/2011/main" val="1"/>
             </a:ext>
           </a:extLst>
         </p:spPr>
@@ -10022,7 +10585,7 @@
           </a:ln>
           <a:extLst>
             <a:ext uri="{C572A759-6A51-4108-AA02-DFA0A04FC94B}">
-              <ma14:wrappingTextBoxFlag xmlns:ma14="http://schemas.microsoft.com/office/mac/drawingml/2011/main" xmlns:a14="http://schemas.microsoft.com/office/drawing/2010/main" xmlns:m="http://schemas.openxmlformats.org/officeDocument/2006/math" xmlns="" val="1"/>
+              <ma14:wrappingTextBoxFlag xmlns="" xmlns:m="http://schemas.openxmlformats.org/officeDocument/2006/math" xmlns:a14="http://schemas.microsoft.com/office/drawing/2010/main" xmlns:ma14="http://schemas.microsoft.com/office/mac/drawingml/2011/main" val="1"/>
             </a:ext>
           </a:extLst>
         </p:spPr>
@@ -10076,7 +10639,7 @@
           </a:ln>
           <a:extLst>
             <a:ext uri="{C572A759-6A51-4108-AA02-DFA0A04FC94B}">
-              <ma14:wrappingTextBoxFlag xmlns:ma14="http://schemas.microsoft.com/office/mac/drawingml/2011/main" xmlns:a14="http://schemas.microsoft.com/office/drawing/2010/main" xmlns:m="http://schemas.openxmlformats.org/officeDocument/2006/math" xmlns="" val="1"/>
+              <ma14:wrappingTextBoxFlag xmlns="" xmlns:m="http://schemas.openxmlformats.org/officeDocument/2006/math" xmlns:a14="http://schemas.microsoft.com/office/drawing/2010/main" xmlns:ma14="http://schemas.microsoft.com/office/mac/drawingml/2011/main" val="1"/>
             </a:ext>
           </a:extLst>
         </p:spPr>
@@ -10186,7 +10749,7 @@
           </a:ln>
           <a:extLst>
             <a:ext uri="{C572A759-6A51-4108-AA02-DFA0A04FC94B}">
-              <ma14:wrappingTextBoxFlag xmlns:ma14="http://schemas.microsoft.com/office/mac/drawingml/2011/main" xmlns:a14="http://schemas.microsoft.com/office/drawing/2010/main" xmlns:m="http://schemas.openxmlformats.org/officeDocument/2006/math" xmlns="" val="1"/>
+              <ma14:wrappingTextBoxFlag xmlns="" xmlns:m="http://schemas.openxmlformats.org/officeDocument/2006/math" xmlns:a14="http://schemas.microsoft.com/office/drawing/2010/main" xmlns:ma14="http://schemas.microsoft.com/office/mac/drawingml/2011/main" val="1"/>
             </a:ext>
           </a:extLst>
         </p:spPr>
@@ -10240,7 +10803,7 @@
           </a:ln>
           <a:extLst>
             <a:ext uri="{C572A759-6A51-4108-AA02-DFA0A04FC94B}">
-              <ma14:wrappingTextBoxFlag xmlns:ma14="http://schemas.microsoft.com/office/mac/drawingml/2011/main" xmlns:a14="http://schemas.microsoft.com/office/drawing/2010/main" xmlns:m="http://schemas.openxmlformats.org/officeDocument/2006/math" xmlns="" val="1"/>
+              <ma14:wrappingTextBoxFlag xmlns="" xmlns:m="http://schemas.openxmlformats.org/officeDocument/2006/math" xmlns:a14="http://schemas.microsoft.com/office/drawing/2010/main" xmlns:ma14="http://schemas.microsoft.com/office/mac/drawingml/2011/main" val="1"/>
             </a:ext>
           </a:extLst>
         </p:spPr>

--- a/教學簡報/Bootstrap 4.pptx
+++ b/教學簡報/Bootstrap 4.pptx
@@ -27,8 +27,8 @@
     <p:sldId id="270" r:id="rId18"/>
     <p:sldId id="271" r:id="rId19"/>
     <p:sldId id="272" r:id="rId20"/>
-    <p:sldId id="273" r:id="rId21"/>
-    <p:sldId id="274" r:id="rId22"/>
+    <p:sldId id="274" r:id="rId21"/>
+    <p:sldId id="273" r:id="rId22"/>
     <p:sldId id="275" r:id="rId23"/>
     <p:sldId id="276" r:id="rId24"/>
   </p:sldIdLst>
@@ -364,8 +364,8 @@
             <p14:sldId id="270"/>
             <p14:sldId id="271"/>
             <p14:sldId id="272"/>
+            <p14:sldId id="274"/>
             <p14:sldId id="273"/>
-            <p14:sldId id="274"/>
             <p14:sldId id="275"/>
             <p14:sldId id="276"/>
           </p14:sldIdLst>
@@ -2565,7 +2565,7 @@
           </a:ln>
           <a:extLst>
             <a:ext uri="{C572A759-6A51-4108-AA02-DFA0A04FC94B}">
-              <ma14:wrappingTextBoxFlag xmlns="" xmlns:m="http://schemas.openxmlformats.org/officeDocument/2006/math" xmlns:a14="http://schemas.microsoft.com/office/drawing/2010/main" xmlns:ma14="http://schemas.microsoft.com/office/mac/drawingml/2011/main" val="1"/>
+              <ma14:wrappingTextBoxFlag xmlns:ma14="http://schemas.microsoft.com/office/mac/drawingml/2011/main" xmlns:a14="http://schemas.microsoft.com/office/drawing/2010/main" xmlns:m="http://schemas.openxmlformats.org/officeDocument/2006/math" xmlns="" val="1"/>
             </a:ext>
           </a:extLst>
         </p:spPr>
@@ -2604,7 +2604,7 @@
           </a:ln>
           <a:extLst>
             <a:ext uri="{C572A759-6A51-4108-AA02-DFA0A04FC94B}">
-              <ma14:wrappingTextBoxFlag xmlns="" xmlns:m="http://schemas.openxmlformats.org/officeDocument/2006/math" xmlns:a14="http://schemas.microsoft.com/office/drawing/2010/main" xmlns:ma14="http://schemas.microsoft.com/office/mac/drawingml/2011/main" val="1"/>
+              <ma14:wrappingTextBoxFlag xmlns:ma14="http://schemas.microsoft.com/office/mac/drawingml/2011/main" xmlns:a14="http://schemas.microsoft.com/office/drawing/2010/main" xmlns:m="http://schemas.openxmlformats.org/officeDocument/2006/math" xmlns="" val="1"/>
             </a:ext>
           </a:extLst>
         </p:spPr>
@@ -3577,7 +3577,7 @@
           </a:prstGeom>
           <a:extLst>
             <a:ext uri="{C572A759-6A51-4108-AA02-DFA0A04FC94B}">
-              <ma14:wrappingTextBoxFlag xmlns="" xmlns:m="http://schemas.openxmlformats.org/officeDocument/2006/math" xmlns:a14="http://schemas.microsoft.com/office/drawing/2010/main" xmlns:ma14="http://schemas.microsoft.com/office/mac/drawingml/2011/main" val="1"/>
+              <ma14:wrappingTextBoxFlag xmlns:ma14="http://schemas.microsoft.com/office/mac/drawingml/2011/main" xmlns:a14="http://schemas.microsoft.com/office/drawing/2010/main" xmlns:m="http://schemas.openxmlformats.org/officeDocument/2006/math" xmlns="" val="1"/>
             </a:ext>
           </a:extLst>
         </p:spPr>
@@ -3706,7 +3706,7 @@
           </a:prstGeom>
           <a:extLst>
             <a:ext uri="{C572A759-6A51-4108-AA02-DFA0A04FC94B}">
-              <ma14:wrappingTextBoxFlag xmlns="" xmlns:m="http://schemas.openxmlformats.org/officeDocument/2006/math" xmlns:a14="http://schemas.microsoft.com/office/drawing/2010/main" xmlns:ma14="http://schemas.microsoft.com/office/mac/drawingml/2011/main" val="1"/>
+              <ma14:wrappingTextBoxFlag xmlns:ma14="http://schemas.microsoft.com/office/mac/drawingml/2011/main" xmlns:a14="http://schemas.microsoft.com/office/drawing/2010/main" xmlns:m="http://schemas.openxmlformats.org/officeDocument/2006/math" xmlns="" val="1"/>
             </a:ext>
           </a:extLst>
         </p:spPr>
@@ -3847,7 +3847,7 @@
           </a:ln>
           <a:extLst>
             <a:ext uri="{C572A759-6A51-4108-AA02-DFA0A04FC94B}">
-              <ma14:wrappingTextBoxFlag xmlns="" xmlns:m="http://schemas.openxmlformats.org/officeDocument/2006/math" xmlns:a14="http://schemas.microsoft.com/office/drawing/2010/main" xmlns:ma14="http://schemas.microsoft.com/office/mac/drawingml/2011/main" val="1"/>
+              <ma14:wrappingTextBoxFlag xmlns:ma14="http://schemas.microsoft.com/office/mac/drawingml/2011/main" xmlns:a14="http://schemas.microsoft.com/office/drawing/2010/main" xmlns:m="http://schemas.openxmlformats.org/officeDocument/2006/math" xmlns="" val="1"/>
             </a:ext>
           </a:extLst>
         </p:spPr>
@@ -3947,7 +3947,7 @@
           </a:ln>
           <a:extLst>
             <a:ext uri="{C572A759-6A51-4108-AA02-DFA0A04FC94B}">
-              <ma14:wrappingTextBoxFlag xmlns="" xmlns:m="http://schemas.openxmlformats.org/officeDocument/2006/math" xmlns:a14="http://schemas.microsoft.com/office/drawing/2010/main" xmlns:ma14="http://schemas.microsoft.com/office/mac/drawingml/2011/main" val="1"/>
+              <ma14:wrappingTextBoxFlag xmlns:ma14="http://schemas.microsoft.com/office/mac/drawingml/2011/main" xmlns:a14="http://schemas.microsoft.com/office/drawing/2010/main" xmlns:m="http://schemas.openxmlformats.org/officeDocument/2006/math" xmlns="" val="1"/>
             </a:ext>
           </a:extLst>
         </p:spPr>
@@ -4131,7 +4131,7 @@
           </a:ln>
           <a:extLst>
             <a:ext uri="{C572A759-6A51-4108-AA02-DFA0A04FC94B}">
-              <ma14:wrappingTextBoxFlag xmlns="" xmlns:m="http://schemas.openxmlformats.org/officeDocument/2006/math" xmlns:a14="http://schemas.microsoft.com/office/drawing/2010/main" xmlns:ma14="http://schemas.microsoft.com/office/mac/drawingml/2011/main" val="1"/>
+              <ma14:wrappingTextBoxFlag xmlns:ma14="http://schemas.microsoft.com/office/mac/drawingml/2011/main" xmlns:a14="http://schemas.microsoft.com/office/drawing/2010/main" xmlns:m="http://schemas.openxmlformats.org/officeDocument/2006/math" xmlns="" val="1"/>
             </a:ext>
           </a:extLst>
         </p:spPr>
@@ -4233,7 +4233,7 @@
           </a:ln>
           <a:extLst>
             <a:ext uri="{C572A759-6A51-4108-AA02-DFA0A04FC94B}">
-              <ma14:wrappingTextBoxFlag xmlns="" xmlns:m="http://schemas.openxmlformats.org/officeDocument/2006/math" xmlns:a14="http://schemas.microsoft.com/office/drawing/2010/main" xmlns:ma14="http://schemas.microsoft.com/office/mac/drawingml/2011/main" val="1"/>
+              <ma14:wrappingTextBoxFlag xmlns:ma14="http://schemas.microsoft.com/office/mac/drawingml/2011/main" xmlns:a14="http://schemas.microsoft.com/office/drawing/2010/main" xmlns:m="http://schemas.openxmlformats.org/officeDocument/2006/math" xmlns="" val="1"/>
             </a:ext>
           </a:extLst>
         </p:spPr>
@@ -4330,7 +4330,7 @@
           </a:prstGeom>
           <a:extLst>
             <a:ext uri="{C572A759-6A51-4108-AA02-DFA0A04FC94B}">
-              <ma14:wrappingTextBoxFlag xmlns="" xmlns:m="http://schemas.openxmlformats.org/officeDocument/2006/math" xmlns:a14="http://schemas.microsoft.com/office/drawing/2010/main" xmlns:ma14="http://schemas.microsoft.com/office/mac/drawingml/2011/main" val="1"/>
+              <ma14:wrappingTextBoxFlag xmlns:ma14="http://schemas.microsoft.com/office/mac/drawingml/2011/main" xmlns:a14="http://schemas.microsoft.com/office/drawing/2010/main" xmlns:m="http://schemas.openxmlformats.org/officeDocument/2006/math" xmlns="" val="1"/>
             </a:ext>
           </a:extLst>
         </p:spPr>
@@ -4391,7 +4391,7 @@
           </a:ln>
           <a:extLst>
             <a:ext uri="{C572A759-6A51-4108-AA02-DFA0A04FC94B}">
-              <ma14:wrappingTextBoxFlag xmlns="" xmlns:m="http://schemas.openxmlformats.org/officeDocument/2006/math" xmlns:a14="http://schemas.microsoft.com/office/drawing/2010/main" xmlns:ma14="http://schemas.microsoft.com/office/mac/drawingml/2011/main" val="1"/>
+              <ma14:wrappingTextBoxFlag xmlns:ma14="http://schemas.microsoft.com/office/mac/drawingml/2011/main" xmlns:a14="http://schemas.microsoft.com/office/drawing/2010/main" xmlns:m="http://schemas.openxmlformats.org/officeDocument/2006/math" xmlns="" val="1"/>
             </a:ext>
           </a:extLst>
         </p:spPr>
@@ -4563,7 +4563,7 @@
           </a:ln>
           <a:extLst>
             <a:ext uri="{C572A759-6A51-4108-AA02-DFA0A04FC94B}">
-              <ma14:wrappingTextBoxFlag xmlns="" xmlns:m="http://schemas.openxmlformats.org/officeDocument/2006/math" xmlns:a14="http://schemas.microsoft.com/office/drawing/2010/main" xmlns:ma14="http://schemas.microsoft.com/office/mac/drawingml/2011/main" val="1"/>
+              <ma14:wrappingTextBoxFlag xmlns:ma14="http://schemas.microsoft.com/office/mac/drawingml/2011/main" xmlns:a14="http://schemas.microsoft.com/office/drawing/2010/main" xmlns:m="http://schemas.openxmlformats.org/officeDocument/2006/math" xmlns="" val="1"/>
             </a:ext>
           </a:extLst>
         </p:spPr>
@@ -4819,7 +4819,7 @@
           </a:prstGeom>
           <a:extLst>
             <a:ext uri="{C572A759-6A51-4108-AA02-DFA0A04FC94B}">
-              <ma14:wrappingTextBoxFlag xmlns="" xmlns:m="http://schemas.openxmlformats.org/officeDocument/2006/math" xmlns:a14="http://schemas.microsoft.com/office/drawing/2010/main" xmlns:ma14="http://schemas.microsoft.com/office/mac/drawingml/2011/main" val="1"/>
+              <ma14:wrappingTextBoxFlag xmlns:ma14="http://schemas.microsoft.com/office/mac/drawingml/2011/main" xmlns:a14="http://schemas.microsoft.com/office/drawing/2010/main" xmlns:m="http://schemas.openxmlformats.org/officeDocument/2006/math" xmlns="" val="1"/>
             </a:ext>
           </a:extLst>
         </p:spPr>
@@ -4853,7 +4853,7 @@
           </a:ln>
           <a:extLst>
             <a:ext uri="{C572A759-6A51-4108-AA02-DFA0A04FC94B}">
-              <ma14:wrappingTextBoxFlag xmlns="" xmlns:m="http://schemas.openxmlformats.org/officeDocument/2006/math" xmlns:a14="http://schemas.microsoft.com/office/drawing/2010/main" xmlns:ma14="http://schemas.microsoft.com/office/mac/drawingml/2011/main" val="1"/>
+              <ma14:wrappingTextBoxFlag xmlns:ma14="http://schemas.microsoft.com/office/mac/drawingml/2011/main" xmlns:a14="http://schemas.microsoft.com/office/drawing/2010/main" xmlns:m="http://schemas.openxmlformats.org/officeDocument/2006/math" xmlns="" val="1"/>
             </a:ext>
           </a:extLst>
         </p:spPr>
@@ -5119,7 +5119,7 @@
           </a:ln>
           <a:extLst>
             <a:ext uri="{C572A759-6A51-4108-AA02-DFA0A04FC94B}">
-              <ma14:wrappingTextBoxFlag xmlns="" xmlns:m="http://schemas.openxmlformats.org/officeDocument/2006/math" xmlns:a14="http://schemas.microsoft.com/office/drawing/2010/main" xmlns:ma14="http://schemas.microsoft.com/office/mac/drawingml/2011/main" val="1"/>
+              <ma14:wrappingTextBoxFlag xmlns:ma14="http://schemas.microsoft.com/office/mac/drawingml/2011/main" xmlns:a14="http://schemas.microsoft.com/office/drawing/2010/main" xmlns:m="http://schemas.openxmlformats.org/officeDocument/2006/math" xmlns="" val="1"/>
             </a:ext>
           </a:extLst>
         </p:spPr>
@@ -5252,7 +5252,7 @@
           </a:ln>
           <a:extLst>
             <a:ext uri="{C572A759-6A51-4108-AA02-DFA0A04FC94B}">
-              <ma14:wrappingTextBoxFlag xmlns="" xmlns:m="http://schemas.openxmlformats.org/officeDocument/2006/math" xmlns:a14="http://schemas.microsoft.com/office/drawing/2010/main" xmlns:ma14="http://schemas.microsoft.com/office/mac/drawingml/2011/main" val="1"/>
+              <ma14:wrappingTextBoxFlag xmlns:ma14="http://schemas.microsoft.com/office/mac/drawingml/2011/main" xmlns:a14="http://schemas.microsoft.com/office/drawing/2010/main" xmlns:m="http://schemas.openxmlformats.org/officeDocument/2006/math" xmlns="" val="1"/>
             </a:ext>
           </a:extLst>
         </p:spPr>
@@ -5299,7 +5299,7 @@
           </a:ln>
           <a:extLst>
             <a:ext uri="{C572A759-6A51-4108-AA02-DFA0A04FC94B}">
-              <ma14:wrappingTextBoxFlag xmlns="" xmlns:m="http://schemas.openxmlformats.org/officeDocument/2006/math" xmlns:a14="http://schemas.microsoft.com/office/drawing/2010/main" xmlns:ma14="http://schemas.microsoft.com/office/mac/drawingml/2011/main" val="1"/>
+              <ma14:wrappingTextBoxFlag xmlns:ma14="http://schemas.microsoft.com/office/mac/drawingml/2011/main" xmlns:a14="http://schemas.microsoft.com/office/drawing/2010/main" xmlns:m="http://schemas.openxmlformats.org/officeDocument/2006/math" xmlns="" val="1"/>
             </a:ext>
           </a:extLst>
         </p:spPr>
@@ -5373,7 +5373,7 @@
           </a:prstGeom>
           <a:extLst>
             <a:ext uri="{C572A759-6A51-4108-AA02-DFA0A04FC94B}">
-              <ma14:wrappingTextBoxFlag xmlns="" xmlns:m="http://schemas.openxmlformats.org/officeDocument/2006/math" xmlns:a14="http://schemas.microsoft.com/office/drawing/2010/main" xmlns:ma14="http://schemas.microsoft.com/office/mac/drawingml/2011/main" val="1"/>
+              <ma14:wrappingTextBoxFlag xmlns:ma14="http://schemas.microsoft.com/office/mac/drawingml/2011/main" xmlns:a14="http://schemas.microsoft.com/office/drawing/2010/main" xmlns:m="http://schemas.openxmlformats.org/officeDocument/2006/math" xmlns="" val="1"/>
             </a:ext>
           </a:extLst>
         </p:spPr>
@@ -5407,7 +5407,7 @@
           </a:ln>
           <a:extLst>
             <a:ext uri="{C572A759-6A51-4108-AA02-DFA0A04FC94B}">
-              <ma14:wrappingTextBoxFlag xmlns="" xmlns:m="http://schemas.openxmlformats.org/officeDocument/2006/math" xmlns:a14="http://schemas.microsoft.com/office/drawing/2010/main" xmlns:ma14="http://schemas.microsoft.com/office/mac/drawingml/2011/main" val="1"/>
+              <ma14:wrappingTextBoxFlag xmlns:ma14="http://schemas.microsoft.com/office/mac/drawingml/2011/main" xmlns:a14="http://schemas.microsoft.com/office/drawing/2010/main" xmlns:m="http://schemas.openxmlformats.org/officeDocument/2006/math" xmlns="" val="1"/>
             </a:ext>
           </a:extLst>
         </p:spPr>
@@ -5543,7 +5543,7 @@
           </a:ln>
           <a:extLst>
             <a:ext uri="{C572A759-6A51-4108-AA02-DFA0A04FC94B}">
-              <ma14:wrappingTextBoxFlag xmlns="" xmlns:m="http://schemas.openxmlformats.org/officeDocument/2006/math" xmlns:a14="http://schemas.microsoft.com/office/drawing/2010/main" xmlns:ma14="http://schemas.microsoft.com/office/mac/drawingml/2011/main" val="1"/>
+              <ma14:wrappingTextBoxFlag xmlns:ma14="http://schemas.microsoft.com/office/mac/drawingml/2011/main" xmlns:a14="http://schemas.microsoft.com/office/drawing/2010/main" xmlns:m="http://schemas.openxmlformats.org/officeDocument/2006/math" xmlns="" val="1"/>
             </a:ext>
           </a:extLst>
         </p:spPr>
@@ -5669,7 +5669,7 @@
           </a:ln>
           <a:extLst>
             <a:ext uri="{C572A759-6A51-4108-AA02-DFA0A04FC94B}">
-              <ma14:wrappingTextBoxFlag xmlns="" xmlns:m="http://schemas.openxmlformats.org/officeDocument/2006/math" xmlns:a14="http://schemas.microsoft.com/office/drawing/2010/main" xmlns:ma14="http://schemas.microsoft.com/office/mac/drawingml/2011/main" val="1"/>
+              <ma14:wrappingTextBoxFlag xmlns:ma14="http://schemas.microsoft.com/office/mac/drawingml/2011/main" xmlns:a14="http://schemas.microsoft.com/office/drawing/2010/main" xmlns:m="http://schemas.openxmlformats.org/officeDocument/2006/math" xmlns="" val="1"/>
             </a:ext>
           </a:extLst>
         </p:spPr>
@@ -5716,7 +5716,7 @@
           </a:ln>
           <a:extLst>
             <a:ext uri="{C572A759-6A51-4108-AA02-DFA0A04FC94B}">
-              <ma14:wrappingTextBoxFlag xmlns="" xmlns:m="http://schemas.openxmlformats.org/officeDocument/2006/math" xmlns:a14="http://schemas.microsoft.com/office/drawing/2010/main" xmlns:ma14="http://schemas.microsoft.com/office/mac/drawingml/2011/main" val="1"/>
+              <ma14:wrappingTextBoxFlag xmlns:ma14="http://schemas.microsoft.com/office/mac/drawingml/2011/main" xmlns:a14="http://schemas.microsoft.com/office/drawing/2010/main" xmlns:m="http://schemas.openxmlformats.org/officeDocument/2006/math" xmlns="" val="1"/>
             </a:ext>
           </a:extLst>
         </p:spPr>
@@ -5829,7 +5829,7 @@
           </a:prstGeom>
           <a:extLst>
             <a:ext uri="{C572A759-6A51-4108-AA02-DFA0A04FC94B}">
-              <ma14:wrappingTextBoxFlag xmlns="" xmlns:m="http://schemas.openxmlformats.org/officeDocument/2006/math" xmlns:a14="http://schemas.microsoft.com/office/drawing/2010/main" xmlns:ma14="http://schemas.microsoft.com/office/mac/drawingml/2011/main" val="1"/>
+              <ma14:wrappingTextBoxFlag xmlns:ma14="http://schemas.microsoft.com/office/mac/drawingml/2011/main" xmlns:a14="http://schemas.microsoft.com/office/drawing/2010/main" xmlns:m="http://schemas.openxmlformats.org/officeDocument/2006/math" xmlns="" val="1"/>
             </a:ext>
           </a:extLst>
         </p:spPr>
@@ -5863,7 +5863,7 @@
           </a:ln>
           <a:extLst>
             <a:ext uri="{C572A759-6A51-4108-AA02-DFA0A04FC94B}">
-              <ma14:wrappingTextBoxFlag xmlns="" xmlns:m="http://schemas.openxmlformats.org/officeDocument/2006/math" xmlns:a14="http://schemas.microsoft.com/office/drawing/2010/main" xmlns:ma14="http://schemas.microsoft.com/office/mac/drawingml/2011/main" val="1"/>
+              <ma14:wrappingTextBoxFlag xmlns:ma14="http://schemas.microsoft.com/office/mac/drawingml/2011/main" xmlns:a14="http://schemas.microsoft.com/office/drawing/2010/main" xmlns:m="http://schemas.openxmlformats.org/officeDocument/2006/math" xmlns="" val="1"/>
             </a:ext>
           </a:extLst>
         </p:spPr>
@@ -5999,7 +5999,7 @@
           </a:ln>
           <a:extLst>
             <a:ext uri="{C572A759-6A51-4108-AA02-DFA0A04FC94B}">
-              <ma14:wrappingTextBoxFlag xmlns="" xmlns:m="http://schemas.openxmlformats.org/officeDocument/2006/math" xmlns:a14="http://schemas.microsoft.com/office/drawing/2010/main" xmlns:ma14="http://schemas.microsoft.com/office/mac/drawingml/2011/main" val="1"/>
+              <ma14:wrappingTextBoxFlag xmlns:ma14="http://schemas.microsoft.com/office/mac/drawingml/2011/main" xmlns:a14="http://schemas.microsoft.com/office/drawing/2010/main" xmlns:m="http://schemas.openxmlformats.org/officeDocument/2006/math" xmlns="" val="1"/>
             </a:ext>
           </a:extLst>
         </p:spPr>
@@ -6123,7 +6123,7 @@
           </a:ln>
           <a:extLst>
             <a:ext uri="{C572A759-6A51-4108-AA02-DFA0A04FC94B}">
-              <ma14:wrappingTextBoxFlag xmlns="" xmlns:m="http://schemas.openxmlformats.org/officeDocument/2006/math" xmlns:a14="http://schemas.microsoft.com/office/drawing/2010/main" xmlns:ma14="http://schemas.microsoft.com/office/mac/drawingml/2011/main" val="1"/>
+              <ma14:wrappingTextBoxFlag xmlns:ma14="http://schemas.microsoft.com/office/mac/drawingml/2011/main" xmlns:a14="http://schemas.microsoft.com/office/drawing/2010/main" xmlns:m="http://schemas.openxmlformats.org/officeDocument/2006/math" xmlns="" val="1"/>
             </a:ext>
           </a:extLst>
         </p:spPr>
@@ -6203,7 +6203,7 @@
           </a:prstGeom>
           <a:extLst>
             <a:ext uri="{C572A759-6A51-4108-AA02-DFA0A04FC94B}">
-              <ma14:wrappingTextBoxFlag xmlns="" xmlns:m="http://schemas.openxmlformats.org/officeDocument/2006/math" xmlns:a14="http://schemas.microsoft.com/office/drawing/2010/main" xmlns:ma14="http://schemas.microsoft.com/office/mac/drawingml/2011/main" val="1"/>
+              <ma14:wrappingTextBoxFlag xmlns:ma14="http://schemas.microsoft.com/office/mac/drawingml/2011/main" xmlns:a14="http://schemas.microsoft.com/office/drawing/2010/main" xmlns:m="http://schemas.openxmlformats.org/officeDocument/2006/math" xmlns="" val="1"/>
             </a:ext>
           </a:extLst>
         </p:spPr>
@@ -6237,7 +6237,7 @@
           </a:ln>
           <a:extLst>
             <a:ext uri="{C572A759-6A51-4108-AA02-DFA0A04FC94B}">
-              <ma14:wrappingTextBoxFlag xmlns="" xmlns:m="http://schemas.openxmlformats.org/officeDocument/2006/math" xmlns:a14="http://schemas.microsoft.com/office/drawing/2010/main" xmlns:ma14="http://schemas.microsoft.com/office/mac/drawingml/2011/main" val="1"/>
+              <ma14:wrappingTextBoxFlag xmlns:ma14="http://schemas.microsoft.com/office/mac/drawingml/2011/main" xmlns:a14="http://schemas.microsoft.com/office/drawing/2010/main" xmlns:m="http://schemas.openxmlformats.org/officeDocument/2006/math" xmlns="" val="1"/>
             </a:ext>
           </a:extLst>
         </p:spPr>
@@ -6412,7 +6412,7 @@
           </a:ln>
           <a:extLst>
             <a:ext uri="{C572A759-6A51-4108-AA02-DFA0A04FC94B}">
-              <ma14:wrappingTextBoxFlag xmlns="" xmlns:m="http://schemas.openxmlformats.org/officeDocument/2006/math" xmlns:a14="http://schemas.microsoft.com/office/drawing/2010/main" xmlns:ma14="http://schemas.microsoft.com/office/mac/drawingml/2011/main" val="1"/>
+              <ma14:wrappingTextBoxFlag xmlns:ma14="http://schemas.microsoft.com/office/mac/drawingml/2011/main" xmlns:a14="http://schemas.microsoft.com/office/drawing/2010/main" xmlns:m="http://schemas.openxmlformats.org/officeDocument/2006/math" xmlns="" val="1"/>
             </a:ext>
           </a:extLst>
         </p:spPr>
@@ -6501,7 +6501,7 @@
           </a:ln>
           <a:extLst>
             <a:ext uri="{C572A759-6A51-4108-AA02-DFA0A04FC94B}">
-              <ma14:wrappingTextBoxFlag xmlns="" xmlns:m="http://schemas.openxmlformats.org/officeDocument/2006/math" xmlns:a14="http://schemas.microsoft.com/office/drawing/2010/main" xmlns:ma14="http://schemas.microsoft.com/office/mac/drawingml/2011/main" val="1"/>
+              <ma14:wrappingTextBoxFlag xmlns:ma14="http://schemas.microsoft.com/office/mac/drawingml/2011/main" xmlns:a14="http://schemas.microsoft.com/office/drawing/2010/main" xmlns:m="http://schemas.openxmlformats.org/officeDocument/2006/math" xmlns="" val="1"/>
             </a:ext>
           </a:extLst>
         </p:spPr>
@@ -6618,7 +6618,7 @@
           </a:prstGeom>
           <a:extLst>
             <a:ext uri="{C572A759-6A51-4108-AA02-DFA0A04FC94B}">
-              <ma14:wrappingTextBoxFlag xmlns="" xmlns:m="http://schemas.openxmlformats.org/officeDocument/2006/math" xmlns:a14="http://schemas.microsoft.com/office/drawing/2010/main" xmlns:ma14="http://schemas.microsoft.com/office/mac/drawingml/2011/main" val="1"/>
+              <ma14:wrappingTextBoxFlag xmlns:ma14="http://schemas.microsoft.com/office/mac/drawingml/2011/main" xmlns:a14="http://schemas.microsoft.com/office/drawing/2010/main" xmlns:m="http://schemas.openxmlformats.org/officeDocument/2006/math" xmlns="" val="1"/>
             </a:ext>
           </a:extLst>
         </p:spPr>
@@ -6652,7 +6652,7 @@
           </a:ln>
           <a:extLst>
             <a:ext uri="{C572A759-6A51-4108-AA02-DFA0A04FC94B}">
-              <ma14:wrappingTextBoxFlag xmlns="" xmlns:m="http://schemas.openxmlformats.org/officeDocument/2006/math" xmlns:a14="http://schemas.microsoft.com/office/drawing/2010/main" xmlns:ma14="http://schemas.microsoft.com/office/mac/drawingml/2011/main" val="1"/>
+              <ma14:wrappingTextBoxFlag xmlns:ma14="http://schemas.microsoft.com/office/mac/drawingml/2011/main" xmlns:a14="http://schemas.microsoft.com/office/drawing/2010/main" xmlns:m="http://schemas.openxmlformats.org/officeDocument/2006/math" xmlns="" val="1"/>
             </a:ext>
           </a:extLst>
         </p:spPr>
@@ -6788,7 +6788,7 @@
           </a:ln>
           <a:extLst>
             <a:ext uri="{C572A759-6A51-4108-AA02-DFA0A04FC94B}">
-              <ma14:wrappingTextBoxFlag xmlns="" xmlns:m="http://schemas.openxmlformats.org/officeDocument/2006/math" xmlns:a14="http://schemas.microsoft.com/office/drawing/2010/main" xmlns:ma14="http://schemas.microsoft.com/office/mac/drawingml/2011/main" val="1"/>
+              <ma14:wrappingTextBoxFlag xmlns:ma14="http://schemas.microsoft.com/office/mac/drawingml/2011/main" xmlns:a14="http://schemas.microsoft.com/office/drawing/2010/main" xmlns:m="http://schemas.openxmlformats.org/officeDocument/2006/math" xmlns="" val="1"/>
             </a:ext>
           </a:extLst>
         </p:spPr>
@@ -6932,7 +6932,7 @@
           </a:prstGeom>
           <a:extLst>
             <a:ext uri="{C572A759-6A51-4108-AA02-DFA0A04FC94B}">
-              <ma14:wrappingTextBoxFlag xmlns="" xmlns:m="http://schemas.openxmlformats.org/officeDocument/2006/math" xmlns:a14="http://schemas.microsoft.com/office/drawing/2010/main" xmlns:ma14="http://schemas.microsoft.com/office/mac/drawingml/2011/main" val="1"/>
+              <ma14:wrappingTextBoxFlag xmlns:ma14="http://schemas.microsoft.com/office/mac/drawingml/2011/main" xmlns:a14="http://schemas.microsoft.com/office/drawing/2010/main" xmlns:m="http://schemas.openxmlformats.org/officeDocument/2006/math" xmlns="" val="1"/>
             </a:ext>
           </a:extLst>
         </p:spPr>
@@ -7504,7 +7504,7 @@
           </a:ln>
           <a:extLst>
             <a:ext uri="{C572A759-6A51-4108-AA02-DFA0A04FC94B}">
-              <ma14:wrappingTextBoxFlag xmlns="" xmlns:m="http://schemas.openxmlformats.org/officeDocument/2006/math" xmlns:a14="http://schemas.microsoft.com/office/drawing/2010/main" xmlns:ma14="http://schemas.microsoft.com/office/mac/drawingml/2011/main" val="1"/>
+              <ma14:wrappingTextBoxFlag xmlns:ma14="http://schemas.microsoft.com/office/mac/drawingml/2011/main" xmlns:a14="http://schemas.microsoft.com/office/drawing/2010/main" xmlns:m="http://schemas.openxmlformats.org/officeDocument/2006/math" xmlns="" val="1"/>
             </a:ext>
           </a:extLst>
         </p:spPr>
@@ -7836,7 +7836,7 @@
       </p:grpSpPr>
       <p:sp>
         <p:nvSpPr>
-          <p:cNvPr id="204" name="標題 1"/>
+          <p:cNvPr id="212" name="標題 1"/>
           <p:cNvSpPr txBox="1">
             <a:spLocks noGrp="1"/>
           </p:cNvSpPr>
@@ -7906,13 +7906,13 @@
       </p:sp>
       <p:sp>
         <p:nvSpPr>
-          <p:cNvPr id="205" name="文字方塊 11"/>
+          <p:cNvPr id="213" name="文字方塊 11"/>
           <p:cNvSpPr txBox="1"/>
           <p:nvPr/>
         </p:nvSpPr>
         <p:spPr>
           <a:xfrm>
-            <a:off x="585272" y="1052736"/>
+            <a:off x="657280" y="1052736"/>
             <a:ext cx="730856" cy="459741"/>
           </a:xfrm>
           <a:prstGeom prst="rect">
@@ -7923,7 +7923,7 @@
           </a:ln>
           <a:extLst>
             <a:ext uri="{C572A759-6A51-4108-AA02-DFA0A04FC94B}">
-              <ma14:wrappingTextBoxFlag xmlns="" xmlns:m="http://schemas.openxmlformats.org/officeDocument/2006/math" xmlns:a14="http://schemas.microsoft.com/office/drawing/2010/main" xmlns:ma14="http://schemas.microsoft.com/office/mac/drawingml/2011/main" val="1"/>
+              <ma14:wrappingTextBoxFlag xmlns:ma14="http://schemas.microsoft.com/office/mac/drawingml/2011/main" xmlns:a14="http://schemas.microsoft.com/office/drawing/2010/main" xmlns:m="http://schemas.openxmlformats.org/officeDocument/2006/math" xmlns="" val="1"/>
             </a:ext>
           </a:extLst>
         </p:spPr>
@@ -7950,13 +7950,13 @@
       </p:sp>
       <p:sp>
         <p:nvSpPr>
-          <p:cNvPr id="206" name="文字方塊 12"/>
+          <p:cNvPr id="214" name="文字方塊 12"/>
           <p:cNvSpPr txBox="1"/>
           <p:nvPr/>
         </p:nvSpPr>
         <p:spPr>
           <a:xfrm>
-            <a:off x="4329687" y="1019266"/>
+            <a:off x="4423743" y="1019266"/>
             <a:ext cx="2187884" cy="459741"/>
           </a:xfrm>
           <a:prstGeom prst="rect">
@@ -7967,7 +7967,7 @@
           </a:ln>
           <a:extLst>
             <a:ext uri="{C572A759-6A51-4108-AA02-DFA0A04FC94B}">
-              <ma14:wrappingTextBoxFlag xmlns="" xmlns:m="http://schemas.openxmlformats.org/officeDocument/2006/math" xmlns:a14="http://schemas.microsoft.com/office/drawing/2010/main" xmlns:ma14="http://schemas.microsoft.com/office/mac/drawingml/2011/main" val="1"/>
+              <ma14:wrappingTextBoxFlag xmlns:ma14="http://schemas.microsoft.com/office/mac/drawingml/2011/main" xmlns:a14="http://schemas.microsoft.com/office/drawing/2010/main" xmlns:m="http://schemas.openxmlformats.org/officeDocument/2006/math" xmlns="" val="1"/>
             </a:ext>
           </a:extLst>
         </p:spPr>
@@ -7994,7 +7994,7 @@
       </p:sp>
       <p:sp>
         <p:nvSpPr>
-          <p:cNvPr id="207" name="直線接點 14"/>
+          <p:cNvPr id="215" name="直線接點 14"/>
           <p:cNvSpPr/>
           <p:nvPr/>
         </p:nvSpPr>
@@ -8022,7 +8022,7 @@
       </p:sp>
       <p:sp>
         <p:nvSpPr>
-          <p:cNvPr id="208" name="直線接點 16"/>
+          <p:cNvPr id="216" name="直線接點 16"/>
           <p:cNvSpPr/>
           <p:nvPr/>
         </p:nvSpPr>
@@ -8050,7 +8050,7 @@
       </p:sp>
       <p:pic>
         <p:nvPicPr>
-          <p:cNvPr id="209" name="圖片 3" descr="圖片 3"/>
+          <p:cNvPr id="217" name="圖片 9" descr="圖片 9"/>
           <p:cNvPicPr>
             <a:picLocks noChangeAspect="1"/>
           </p:cNvPicPr>
@@ -8064,8 +8064,8 @@
         </p:blipFill>
         <p:spPr>
           <a:xfrm>
-            <a:off x="539551" y="1730424"/>
-            <a:ext cx="3684841" cy="4074841"/>
+            <a:off x="0" y="1730424"/>
+            <a:ext cx="3715821" cy="3683926"/>
           </a:xfrm>
           <a:prstGeom prst="rect">
             <a:avLst/>
@@ -8077,29 +8077,38 @@
       </p:pic>
       <p:pic>
         <p:nvPicPr>
-          <p:cNvPr id="210" name="圖片 2" descr="圖片 2"/>
+          <p:cNvPr id="7" name="圖片 6" descr="一張含有 桌 的圖片&#10;&#10;自動產生的描述">
+            <a:extLst>
+              <a:ext uri="{FF2B5EF4-FFF2-40B4-BE49-F238E27FC236}">
+                <a16:creationId xmlns:a16="http://schemas.microsoft.com/office/drawing/2014/main" id="{D02C770C-F4C2-1E43-A7DF-E5C15D136F9F}"/>
+              </a:ext>
+            </a:extLst>
+          </p:cNvPr>
           <p:cNvPicPr>
             <a:picLocks noChangeAspect="1"/>
           </p:cNvPicPr>
           <p:nvPr/>
         </p:nvPicPr>
         <p:blipFill>
-          <a:blip r:embed="rId3"/>
+          <a:blip r:embed="rId3">
+            <a:extLst>
+              <a:ext uri="{28A0092B-C50C-407E-A947-70E740481C1C}">
+                <a14:useLocalDpi xmlns:a14="http://schemas.microsoft.com/office/drawing/2010/main" val="0"/>
+              </a:ext>
+            </a:extLst>
+          </a:blip>
           <a:stretch>
             <a:fillRect/>
           </a:stretch>
         </p:blipFill>
         <p:spPr>
           <a:xfrm>
-            <a:off x="4403461" y="1730424"/>
-            <a:ext cx="4554565" cy="1190065"/>
-          </a:xfrm>
-          <a:prstGeom prst="rect">
-            <a:avLst/>
-          </a:prstGeom>
-          <a:ln w="12700">
-            <a:miter lim="400000"/>
-          </a:ln>
+            <a:off x="3896869" y="1730424"/>
+            <a:ext cx="5247131" cy="3282409"/>
+          </a:xfrm>
+          <a:prstGeom prst="rect">
+            <a:avLst/>
+          </a:prstGeom>
         </p:spPr>
       </p:pic>
     </p:spTree>
@@ -8130,7 +8139,7 @@
       </p:grpSpPr>
       <p:sp>
         <p:nvSpPr>
-          <p:cNvPr id="212" name="標題 1"/>
+          <p:cNvPr id="204" name="標題 1"/>
           <p:cNvSpPr txBox="1">
             <a:spLocks noGrp="1"/>
           </p:cNvSpPr>
@@ -8200,13 +8209,13 @@
       </p:sp>
       <p:sp>
         <p:nvSpPr>
-          <p:cNvPr id="213" name="文字方塊 11"/>
+          <p:cNvPr id="205" name="文字方塊 11"/>
           <p:cNvSpPr txBox="1"/>
           <p:nvPr/>
         </p:nvSpPr>
         <p:spPr>
           <a:xfrm>
-            <a:off x="657280" y="1052736"/>
+            <a:off x="280474" y="1052736"/>
             <a:ext cx="730856" cy="459741"/>
           </a:xfrm>
           <a:prstGeom prst="rect">
@@ -8217,7 +8226,7 @@
           </a:ln>
           <a:extLst>
             <a:ext uri="{C572A759-6A51-4108-AA02-DFA0A04FC94B}">
-              <ma14:wrappingTextBoxFlag xmlns="" xmlns:m="http://schemas.openxmlformats.org/officeDocument/2006/math" xmlns:a14="http://schemas.microsoft.com/office/drawing/2010/main" xmlns:ma14="http://schemas.microsoft.com/office/mac/drawingml/2011/main" val="1"/>
+              <ma14:wrappingTextBoxFlag xmlns:ma14="http://schemas.microsoft.com/office/mac/drawingml/2011/main" xmlns:a14="http://schemas.microsoft.com/office/drawing/2010/main" xmlns:m="http://schemas.openxmlformats.org/officeDocument/2006/math" xmlns="" val="1"/>
             </a:ext>
           </a:extLst>
         </p:spPr>
@@ -8237,6 +8246,7 @@
           </a:lstStyle>
           <a:p>
             <a:r>
+              <a:rPr dirty="0"/>
               <a:t>CSS</a:t>
             </a:r>
           </a:p>
@@ -8244,13 +8254,13 @@
       </p:sp>
       <p:sp>
         <p:nvSpPr>
-          <p:cNvPr id="214" name="文字方塊 12"/>
+          <p:cNvPr id="206" name="文字方塊 12"/>
           <p:cNvSpPr txBox="1"/>
           <p:nvPr/>
         </p:nvSpPr>
         <p:spPr>
           <a:xfrm>
-            <a:off x="4423743" y="1019266"/>
+            <a:off x="4142119" y="1019266"/>
             <a:ext cx="2187884" cy="459741"/>
           </a:xfrm>
           <a:prstGeom prst="rect">
@@ -8261,7 +8271,7 @@
           </a:ln>
           <a:extLst>
             <a:ext uri="{C572A759-6A51-4108-AA02-DFA0A04FC94B}">
-              <ma14:wrappingTextBoxFlag xmlns="" xmlns:m="http://schemas.openxmlformats.org/officeDocument/2006/math" xmlns:a14="http://schemas.microsoft.com/office/drawing/2010/main" xmlns:ma14="http://schemas.microsoft.com/office/mac/drawingml/2011/main" val="1"/>
+              <ma14:wrappingTextBoxFlag xmlns:ma14="http://schemas.microsoft.com/office/mac/drawingml/2011/main" xmlns:a14="http://schemas.microsoft.com/office/drawing/2010/main" xmlns:m="http://schemas.openxmlformats.org/officeDocument/2006/math" xmlns="" val="1"/>
             </a:ext>
           </a:extLst>
         </p:spPr>
@@ -8288,13 +8298,13 @@
       </p:sp>
       <p:sp>
         <p:nvSpPr>
-          <p:cNvPr id="215" name="直線接點 14"/>
+          <p:cNvPr id="207" name="直線接點 14"/>
           <p:cNvSpPr/>
           <p:nvPr/>
         </p:nvSpPr>
         <p:spPr>
           <a:xfrm flipH="1">
-            <a:off x="636997" y="1514400"/>
+            <a:off x="332199" y="1514400"/>
             <a:ext cx="622635" cy="6176"/>
           </a:xfrm>
           <a:prstGeom prst="line">
@@ -8316,13 +8326,13 @@
       </p:sp>
       <p:sp>
         <p:nvSpPr>
-          <p:cNvPr id="216" name="直線接點 16"/>
+          <p:cNvPr id="208" name="直線接點 16"/>
           <p:cNvSpPr/>
           <p:nvPr/>
         </p:nvSpPr>
         <p:spPr>
           <a:xfrm flipH="1">
-            <a:off x="4403461" y="1520161"/>
+            <a:off x="4215893" y="1520161"/>
             <a:ext cx="1582143" cy="3617"/>
           </a:xfrm>
           <a:prstGeom prst="line">
@@ -8344,7 +8354,7 @@
       </p:sp>
       <p:pic>
         <p:nvPicPr>
-          <p:cNvPr id="217" name="圖片 9" descr="圖片 9"/>
+          <p:cNvPr id="209" name="圖片 3" descr="圖片 3"/>
           <p:cNvPicPr>
             <a:picLocks noChangeAspect="1"/>
           </p:cNvPicPr>
@@ -8358,8 +8368,8 @@
         </p:blipFill>
         <p:spPr>
           <a:xfrm>
-            <a:off x="0" y="1730424"/>
-            <a:ext cx="3715821" cy="3683926"/>
+            <a:off x="234753" y="1730424"/>
+            <a:ext cx="3684841" cy="4074841"/>
           </a:xfrm>
           <a:prstGeom prst="rect">
             <a:avLst/>
@@ -8369,31 +8379,121 @@
           </a:ln>
         </p:spPr>
       </p:pic>
+      <p:sp>
+        <p:nvSpPr>
+          <p:cNvPr id="12" name="文字方塊 12">
+            <a:extLst>
+              <a:ext uri="{FF2B5EF4-FFF2-40B4-BE49-F238E27FC236}">
+                <a16:creationId xmlns:a16="http://schemas.microsoft.com/office/drawing/2014/main" id="{9B7F291D-4463-F445-82B7-1D4350C7DD22}"/>
+              </a:ext>
+            </a:extLst>
+          </p:cNvPr>
+          <p:cNvSpPr txBox="1"/>
+          <p:nvPr/>
+        </p:nvSpPr>
+        <p:spPr>
+          <a:xfrm>
+            <a:off x="4184124" y="3570821"/>
+            <a:ext cx="5001882" cy="1221488"/>
+          </a:xfrm>
+          <a:prstGeom prst="rect">
+            <a:avLst/>
+          </a:prstGeom>
+          <a:ln w="12700">
+            <a:miter lim="400000"/>
+          </a:ln>
+          <a:extLst>
+            <a:ext uri="{C572A759-6A51-4108-AA02-DFA0A04FC94B}">
+              <ma14:wrappingTextBoxFlag xmlns:ma14="http://schemas.microsoft.com/office/mac/drawingml/2011/main" xmlns:a14="http://schemas.microsoft.com/office/drawing/2010/main" xmlns:m="http://schemas.openxmlformats.org/officeDocument/2006/math" xmlns="" val="1"/>
+            </a:ext>
+          </a:extLst>
+        </p:spPr>
+        <p:txBody>
+          <a:bodyPr wrap="square" lIns="45719" rIns="45719">
+            <a:spAutoFit/>
+          </a:bodyPr>
+          <a:lstStyle>
+            <a:lvl1pPr>
+              <a:defRPr sz="2400">
+                <a:latin typeface="微軟正黑體"/>
+                <a:ea typeface="微軟正黑體"/>
+                <a:cs typeface="微軟正黑體"/>
+                <a:sym typeface="微軟正黑體"/>
+              </a:defRPr>
+            </a:lvl1pPr>
+          </a:lstStyle>
+          <a:p>
+            <a:pPr>
+              <a:lnSpc>
+                <a:spcPct val="150000"/>
+              </a:lnSpc>
+            </a:pPr>
+            <a:r>
+              <a:rPr lang="en-US" sz="1700" dirty="0" err="1"/>
+              <a:t>table-responsive：表格自適應螢幕大小</a:t>
+            </a:r>
+            <a:endParaRPr lang="en-US" sz="1700" dirty="0"/>
+          </a:p>
+          <a:p>
+            <a:pPr>
+              <a:lnSpc>
+                <a:spcPct val="150000"/>
+              </a:lnSpc>
+            </a:pPr>
+            <a:r>
+              <a:rPr lang="en-US" sz="1700" dirty="0" err="1"/>
+              <a:t>table-bordered：帶完整邊框的表格</a:t>
+            </a:r>
+            <a:endParaRPr lang="en-US" sz="1700" dirty="0"/>
+          </a:p>
+          <a:p>
+            <a:pPr>
+              <a:lnSpc>
+                <a:spcPct val="150000"/>
+              </a:lnSpc>
+            </a:pPr>
+            <a:r>
+              <a:rPr lang="en-US" sz="1700" dirty="0" err="1"/>
+              <a:t>table-primary：表格顏色-藍色</a:t>
+            </a:r>
+            <a:endParaRPr sz="1700" dirty="0"/>
+          </a:p>
+        </p:txBody>
+      </p:sp>
       <p:pic>
         <p:nvPicPr>
-          <p:cNvPr id="218" name="圖片 13" descr="圖片 13"/>
+          <p:cNvPr id="6" name="圖片 5" descr="一張含有 文字 的圖片&#10;&#10;自動產生的描述">
+            <a:extLst>
+              <a:ext uri="{FF2B5EF4-FFF2-40B4-BE49-F238E27FC236}">
+                <a16:creationId xmlns:a16="http://schemas.microsoft.com/office/drawing/2014/main" id="{125B9217-A745-EB44-8B1E-EA50A00D9BAC}"/>
+              </a:ext>
+            </a:extLst>
+          </p:cNvPr>
           <p:cNvPicPr>
             <a:picLocks noChangeAspect="1"/>
           </p:cNvPicPr>
           <p:nvPr/>
         </p:nvPicPr>
         <p:blipFill>
-          <a:blip r:embed="rId3"/>
+          <a:blip r:embed="rId3">
+            <a:extLst>
+              <a:ext uri="{28A0092B-C50C-407E-A947-70E740481C1C}">
+                <a14:useLocalDpi xmlns:a14="http://schemas.microsoft.com/office/drawing/2010/main" val="0"/>
+              </a:ext>
+            </a:extLst>
+          </a:blip>
           <a:stretch>
             <a:fillRect/>
           </a:stretch>
         </p:blipFill>
         <p:spPr>
           <a:xfrm>
-            <a:off x="3995935" y="1730424"/>
-            <a:ext cx="5148065" cy="3212945"/>
-          </a:xfrm>
-          <a:prstGeom prst="rect">
-            <a:avLst/>
-          </a:prstGeom>
-          <a:ln w="12700">
-            <a:miter lim="400000"/>
-          </a:ln>
+            <a:off x="4215893" y="1737353"/>
+            <a:ext cx="4928107" cy="1833468"/>
+          </a:xfrm>
+          <a:prstGeom prst="rect">
+            <a:avLst/>
+          </a:prstGeom>
         </p:spPr>
       </p:pic>
     </p:spTree>
@@ -8603,7 +8703,7 @@
           </a:prstGeom>
           <a:extLst>
             <a:ext uri="{C572A759-6A51-4108-AA02-DFA0A04FC94B}">
-              <ma14:wrappingTextBoxFlag xmlns="" xmlns:m="http://schemas.openxmlformats.org/officeDocument/2006/math" xmlns:a14="http://schemas.microsoft.com/office/drawing/2010/main" xmlns:ma14="http://schemas.microsoft.com/office/mac/drawingml/2011/main" val="1"/>
+              <ma14:wrappingTextBoxFlag xmlns:ma14="http://schemas.microsoft.com/office/mac/drawingml/2011/main" xmlns:a14="http://schemas.microsoft.com/office/drawing/2010/main" xmlns:m="http://schemas.openxmlformats.org/officeDocument/2006/math" xmlns="" val="1"/>
             </a:ext>
           </a:extLst>
         </p:spPr>
@@ -8680,7 +8780,7 @@
           </a:ln>
           <a:extLst>
             <a:ext uri="{C572A759-6A51-4108-AA02-DFA0A04FC94B}">
-              <ma14:wrappingTextBoxFlag xmlns="" xmlns:m="http://schemas.openxmlformats.org/officeDocument/2006/math" xmlns:a14="http://schemas.microsoft.com/office/drawing/2010/main" xmlns:ma14="http://schemas.microsoft.com/office/mac/drawingml/2011/main" val="1"/>
+              <ma14:wrappingTextBoxFlag xmlns:ma14="http://schemas.microsoft.com/office/mac/drawingml/2011/main" xmlns:a14="http://schemas.microsoft.com/office/drawing/2010/main" xmlns:m="http://schemas.openxmlformats.org/officeDocument/2006/math" xmlns="" val="1"/>
             </a:ext>
           </a:extLst>
         </p:spPr>
@@ -8750,7 +8850,7 @@
           </a:prstGeom>
           <a:extLst>
             <a:ext uri="{C572A759-6A51-4108-AA02-DFA0A04FC94B}">
-              <ma14:wrappingTextBoxFlag xmlns="" xmlns:m="http://schemas.openxmlformats.org/officeDocument/2006/math" xmlns:a14="http://schemas.microsoft.com/office/drawing/2010/main" xmlns:ma14="http://schemas.microsoft.com/office/mac/drawingml/2011/main" val="1"/>
+              <ma14:wrappingTextBoxFlag xmlns:ma14="http://schemas.microsoft.com/office/mac/drawingml/2011/main" xmlns:a14="http://schemas.microsoft.com/office/drawing/2010/main" xmlns:m="http://schemas.openxmlformats.org/officeDocument/2006/math" xmlns="" val="1"/>
             </a:ext>
           </a:extLst>
         </p:spPr>
@@ -8836,7 +8936,7 @@
           </a:ln>
           <a:extLst>
             <a:ext uri="{C572A759-6A51-4108-AA02-DFA0A04FC94B}">
-              <ma14:wrappingTextBoxFlag xmlns="" xmlns:m="http://schemas.openxmlformats.org/officeDocument/2006/math" xmlns:a14="http://schemas.microsoft.com/office/drawing/2010/main" xmlns:ma14="http://schemas.microsoft.com/office/mac/drawingml/2011/main" val="1"/>
+              <ma14:wrappingTextBoxFlag xmlns:ma14="http://schemas.microsoft.com/office/mac/drawingml/2011/main" xmlns:a14="http://schemas.microsoft.com/office/drawing/2010/main" xmlns:m="http://schemas.openxmlformats.org/officeDocument/2006/math" xmlns="" val="1"/>
             </a:ext>
           </a:extLst>
         </p:spPr>
@@ -9059,7 +9159,7 @@
           </a:prstGeom>
           <a:extLst>
             <a:ext uri="{C572A759-6A51-4108-AA02-DFA0A04FC94B}">
-              <ma14:wrappingTextBoxFlag xmlns="" xmlns:m="http://schemas.openxmlformats.org/officeDocument/2006/math" xmlns:a14="http://schemas.microsoft.com/office/drawing/2010/main" xmlns:ma14="http://schemas.microsoft.com/office/mac/drawingml/2011/main" val="1"/>
+              <ma14:wrappingTextBoxFlag xmlns:ma14="http://schemas.microsoft.com/office/mac/drawingml/2011/main" xmlns:a14="http://schemas.microsoft.com/office/drawing/2010/main" xmlns:m="http://schemas.openxmlformats.org/officeDocument/2006/math" xmlns="" val="1"/>
             </a:ext>
           </a:extLst>
         </p:spPr>
@@ -9134,7 +9234,7 @@
           </a:ln>
           <a:extLst>
             <a:ext uri="{C572A759-6A51-4108-AA02-DFA0A04FC94B}">
-              <ma14:wrappingTextBoxFlag xmlns="" xmlns:m="http://schemas.openxmlformats.org/officeDocument/2006/math" xmlns:a14="http://schemas.microsoft.com/office/drawing/2010/main" xmlns:ma14="http://schemas.microsoft.com/office/mac/drawingml/2011/main" val="1"/>
+              <ma14:wrappingTextBoxFlag xmlns:ma14="http://schemas.microsoft.com/office/mac/drawingml/2011/main" xmlns:a14="http://schemas.microsoft.com/office/drawing/2010/main" xmlns:m="http://schemas.openxmlformats.org/officeDocument/2006/math" xmlns="" val="1"/>
             </a:ext>
           </a:extLst>
         </p:spPr>
@@ -9264,7 +9364,7 @@
           </a:prstGeom>
           <a:extLst>
             <a:ext uri="{C572A759-6A51-4108-AA02-DFA0A04FC94B}">
-              <ma14:wrappingTextBoxFlag xmlns="" xmlns:m="http://schemas.openxmlformats.org/officeDocument/2006/math" xmlns:a14="http://schemas.microsoft.com/office/drawing/2010/main" xmlns:ma14="http://schemas.microsoft.com/office/mac/drawingml/2011/main" val="1"/>
+              <ma14:wrappingTextBoxFlag xmlns:ma14="http://schemas.microsoft.com/office/mac/drawingml/2011/main" xmlns:a14="http://schemas.microsoft.com/office/drawing/2010/main" xmlns:m="http://schemas.openxmlformats.org/officeDocument/2006/math" xmlns="" val="1"/>
             </a:ext>
           </a:extLst>
         </p:spPr>
@@ -10511,7 +10611,7 @@
           </a:prstGeom>
           <a:extLst>
             <a:ext uri="{C572A759-6A51-4108-AA02-DFA0A04FC94B}">
-              <ma14:wrappingTextBoxFlag xmlns="" xmlns:m="http://schemas.openxmlformats.org/officeDocument/2006/math" xmlns:a14="http://schemas.microsoft.com/office/drawing/2010/main" xmlns:ma14="http://schemas.microsoft.com/office/mac/drawingml/2011/main" val="1"/>
+              <ma14:wrappingTextBoxFlag xmlns:ma14="http://schemas.microsoft.com/office/mac/drawingml/2011/main" xmlns:a14="http://schemas.microsoft.com/office/drawing/2010/main" xmlns:m="http://schemas.openxmlformats.org/officeDocument/2006/math" xmlns="" val="1"/>
             </a:ext>
           </a:extLst>
         </p:spPr>
@@ -10585,7 +10685,7 @@
           </a:ln>
           <a:extLst>
             <a:ext uri="{C572A759-6A51-4108-AA02-DFA0A04FC94B}">
-              <ma14:wrappingTextBoxFlag xmlns="" xmlns:m="http://schemas.openxmlformats.org/officeDocument/2006/math" xmlns:a14="http://schemas.microsoft.com/office/drawing/2010/main" xmlns:ma14="http://schemas.microsoft.com/office/mac/drawingml/2011/main" val="1"/>
+              <ma14:wrappingTextBoxFlag xmlns:ma14="http://schemas.microsoft.com/office/mac/drawingml/2011/main" xmlns:a14="http://schemas.microsoft.com/office/drawing/2010/main" xmlns:m="http://schemas.openxmlformats.org/officeDocument/2006/math" xmlns="" val="1"/>
             </a:ext>
           </a:extLst>
         </p:spPr>
@@ -10639,7 +10739,7 @@
           </a:ln>
           <a:extLst>
             <a:ext uri="{C572A759-6A51-4108-AA02-DFA0A04FC94B}">
-              <ma14:wrappingTextBoxFlag xmlns="" xmlns:m="http://schemas.openxmlformats.org/officeDocument/2006/math" xmlns:a14="http://schemas.microsoft.com/office/drawing/2010/main" xmlns:ma14="http://schemas.microsoft.com/office/mac/drawingml/2011/main" val="1"/>
+              <ma14:wrappingTextBoxFlag xmlns:ma14="http://schemas.microsoft.com/office/mac/drawingml/2011/main" xmlns:a14="http://schemas.microsoft.com/office/drawing/2010/main" xmlns:m="http://schemas.openxmlformats.org/officeDocument/2006/math" xmlns="" val="1"/>
             </a:ext>
           </a:extLst>
         </p:spPr>
@@ -10749,7 +10849,7 @@
           </a:ln>
           <a:extLst>
             <a:ext uri="{C572A759-6A51-4108-AA02-DFA0A04FC94B}">
-              <ma14:wrappingTextBoxFlag xmlns="" xmlns:m="http://schemas.openxmlformats.org/officeDocument/2006/math" xmlns:a14="http://schemas.microsoft.com/office/drawing/2010/main" xmlns:ma14="http://schemas.microsoft.com/office/mac/drawingml/2011/main" val="1"/>
+              <ma14:wrappingTextBoxFlag xmlns:ma14="http://schemas.microsoft.com/office/mac/drawingml/2011/main" xmlns:a14="http://schemas.microsoft.com/office/drawing/2010/main" xmlns:m="http://schemas.openxmlformats.org/officeDocument/2006/math" xmlns="" val="1"/>
             </a:ext>
           </a:extLst>
         </p:spPr>
@@ -10803,7 +10903,7 @@
           </a:ln>
           <a:extLst>
             <a:ext uri="{C572A759-6A51-4108-AA02-DFA0A04FC94B}">
-              <ma14:wrappingTextBoxFlag xmlns="" xmlns:m="http://schemas.openxmlformats.org/officeDocument/2006/math" xmlns:a14="http://schemas.microsoft.com/office/drawing/2010/main" xmlns:ma14="http://schemas.microsoft.com/office/mac/drawingml/2011/main" val="1"/>
+              <ma14:wrappingTextBoxFlag xmlns:ma14="http://schemas.microsoft.com/office/mac/drawingml/2011/main" xmlns:a14="http://schemas.microsoft.com/office/drawing/2010/main" xmlns:m="http://schemas.openxmlformats.org/officeDocument/2006/math" xmlns="" val="1"/>
             </a:ext>
           </a:extLst>
         </p:spPr>

--- a/教學簡報/Bootstrap 4.pptx
+++ b/教學簡報/Bootstrap 4.pptx
@@ -2565,7 +2565,7 @@
           </a:ln>
           <a:extLst>
             <a:ext uri="{C572A759-6A51-4108-AA02-DFA0A04FC94B}">
-              <ma14:wrappingTextBoxFlag xmlns:ma14="http://schemas.microsoft.com/office/mac/drawingml/2011/main" xmlns:a14="http://schemas.microsoft.com/office/drawing/2010/main" xmlns:m="http://schemas.openxmlformats.org/officeDocument/2006/math" xmlns="" val="1"/>
+              <ma14:wrappingTextBoxFlag xmlns="" xmlns:m="http://schemas.openxmlformats.org/officeDocument/2006/math" xmlns:a14="http://schemas.microsoft.com/office/drawing/2010/main" xmlns:ma14="http://schemas.microsoft.com/office/mac/drawingml/2011/main" val="1"/>
             </a:ext>
           </a:extLst>
         </p:spPr>
@@ -2604,7 +2604,7 @@
           </a:ln>
           <a:extLst>
             <a:ext uri="{C572A759-6A51-4108-AA02-DFA0A04FC94B}">
-              <ma14:wrappingTextBoxFlag xmlns:ma14="http://schemas.microsoft.com/office/mac/drawingml/2011/main" xmlns:a14="http://schemas.microsoft.com/office/drawing/2010/main" xmlns:m="http://schemas.openxmlformats.org/officeDocument/2006/math" xmlns="" val="1"/>
+              <ma14:wrappingTextBoxFlag xmlns="" xmlns:m="http://schemas.openxmlformats.org/officeDocument/2006/math" xmlns:a14="http://schemas.microsoft.com/office/drawing/2010/main" xmlns:ma14="http://schemas.microsoft.com/office/mac/drawingml/2011/main" val="1"/>
             </a:ext>
           </a:extLst>
         </p:spPr>
@@ -3577,7 +3577,7 @@
           </a:prstGeom>
           <a:extLst>
             <a:ext uri="{C572A759-6A51-4108-AA02-DFA0A04FC94B}">
-              <ma14:wrappingTextBoxFlag xmlns:ma14="http://schemas.microsoft.com/office/mac/drawingml/2011/main" xmlns:a14="http://schemas.microsoft.com/office/drawing/2010/main" xmlns:m="http://schemas.openxmlformats.org/officeDocument/2006/math" xmlns="" val="1"/>
+              <ma14:wrappingTextBoxFlag xmlns="" xmlns:m="http://schemas.openxmlformats.org/officeDocument/2006/math" xmlns:a14="http://schemas.microsoft.com/office/drawing/2010/main" xmlns:ma14="http://schemas.microsoft.com/office/mac/drawingml/2011/main" val="1"/>
             </a:ext>
           </a:extLst>
         </p:spPr>
@@ -3706,7 +3706,7 @@
           </a:prstGeom>
           <a:extLst>
             <a:ext uri="{C572A759-6A51-4108-AA02-DFA0A04FC94B}">
-              <ma14:wrappingTextBoxFlag xmlns:ma14="http://schemas.microsoft.com/office/mac/drawingml/2011/main" xmlns:a14="http://schemas.microsoft.com/office/drawing/2010/main" xmlns:m="http://schemas.openxmlformats.org/officeDocument/2006/math" xmlns="" val="1"/>
+              <ma14:wrappingTextBoxFlag xmlns="" xmlns:m="http://schemas.openxmlformats.org/officeDocument/2006/math" xmlns:a14="http://schemas.microsoft.com/office/drawing/2010/main" xmlns:ma14="http://schemas.microsoft.com/office/mac/drawingml/2011/main" val="1"/>
             </a:ext>
           </a:extLst>
         </p:spPr>
@@ -3847,7 +3847,7 @@
           </a:ln>
           <a:extLst>
             <a:ext uri="{C572A759-6A51-4108-AA02-DFA0A04FC94B}">
-              <ma14:wrappingTextBoxFlag xmlns:ma14="http://schemas.microsoft.com/office/mac/drawingml/2011/main" xmlns:a14="http://schemas.microsoft.com/office/drawing/2010/main" xmlns:m="http://schemas.openxmlformats.org/officeDocument/2006/math" xmlns="" val="1"/>
+              <ma14:wrappingTextBoxFlag xmlns="" xmlns:m="http://schemas.openxmlformats.org/officeDocument/2006/math" xmlns:a14="http://schemas.microsoft.com/office/drawing/2010/main" xmlns:ma14="http://schemas.microsoft.com/office/mac/drawingml/2011/main" val="1"/>
             </a:ext>
           </a:extLst>
         </p:spPr>
@@ -3936,8 +3936,8 @@
         </p:nvSpPr>
         <p:spPr>
           <a:xfrm>
-            <a:off x="3135086" y="2207593"/>
-            <a:ext cx="1154304" cy="323165"/>
+            <a:off x="2736932" y="1392624"/>
+            <a:ext cx="2280193" cy="742383"/>
           </a:xfrm>
           <a:prstGeom prst="rect">
             <a:avLst/>
@@ -3947,7 +3947,7 @@
           </a:ln>
           <a:extLst>
             <a:ext uri="{C572A759-6A51-4108-AA02-DFA0A04FC94B}">
-              <ma14:wrappingTextBoxFlag xmlns:ma14="http://schemas.microsoft.com/office/mac/drawingml/2011/main" xmlns:a14="http://schemas.microsoft.com/office/drawing/2010/main" xmlns:m="http://schemas.openxmlformats.org/officeDocument/2006/math" xmlns="" val="1"/>
+              <ma14:wrappingTextBoxFlag xmlns="" xmlns:m="http://schemas.openxmlformats.org/officeDocument/2006/math" xmlns:a14="http://schemas.microsoft.com/office/drawing/2010/main" xmlns:ma14="http://schemas.microsoft.com/office/mac/drawingml/2011/main" val="1"/>
             </a:ext>
           </a:extLst>
         </p:spPr>
@@ -3969,9 +3969,34 @@
             </a:lvl1pPr>
           </a:lstStyle>
           <a:p>
-            <a:r>
-              <a:rPr lang="en-US" sz="1500" dirty="0" err="1"/>
-              <a:t>本身無作用</a:t>
+            <a:pPr>
+              <a:lnSpc>
+                <a:spcPct val="150000"/>
+              </a:lnSpc>
+            </a:pPr>
+            <a:r>
+              <a:rPr lang="zh-TW" altLang="en-US" sz="1500" dirty="0"/>
+              <a:t>給下層元素定位</a:t>
+            </a:r>
+            <a:endParaRPr lang="en-US" altLang="zh-TW" sz="1500" dirty="0"/>
+          </a:p>
+          <a:p>
+            <a:pPr>
+              <a:lnSpc>
+                <a:spcPct val="150000"/>
+              </a:lnSpc>
+            </a:pPr>
+            <a:r>
+              <a:rPr lang="zh-TW" altLang="en-US" sz="1500" dirty="0"/>
+              <a:t>和觸發下層元素</a:t>
+            </a:r>
+            <a:r>
+              <a:rPr lang="en-US" altLang="zh-TW" sz="1500" dirty="0"/>
+              <a:t>class</a:t>
+            </a:r>
+            <a:r>
+              <a:rPr lang="zh-TW" altLang="en-US" sz="1500" dirty="0"/>
+              <a:t>用</a:t>
             </a:r>
             <a:endParaRPr sz="1500" dirty="0"/>
           </a:p>
@@ -3979,10 +4004,10 @@
       </p:sp>
       <p:sp>
         <p:nvSpPr>
-          <p:cNvPr id="10" name="向左箭號 9">
+          <p:cNvPr id="16" name="矩形: 圓角 4">
             <a:extLst>
               <a:ext uri="{FF2B5EF4-FFF2-40B4-BE49-F238E27FC236}">
-                <a16:creationId xmlns:a16="http://schemas.microsoft.com/office/drawing/2014/main" id="{FEF5FFB9-3B10-3541-9EFC-16DEA06FFD49}"/>
+                <a16:creationId xmlns:a16="http://schemas.microsoft.com/office/drawing/2014/main" id="{59FFB76C-347A-7142-A781-0C089D857E97}"/>
               </a:ext>
             </a:extLst>
           </p:cNvPr>
@@ -3991,10 +4016,110 @@
         </p:nvSpPr>
         <p:spPr>
           <a:xfrm>
-            <a:off x="2449286" y="2353648"/>
-            <a:ext cx="685800" cy="108000"/>
-          </a:xfrm>
-          <a:prstGeom prst="leftArrow">
+            <a:off x="4992038" y="2530759"/>
+            <a:ext cx="1550276" cy="254892"/>
+          </a:xfrm>
+          <a:prstGeom prst="roundRect">
+            <a:avLst>
+              <a:gd name="adj" fmla="val 16667"/>
+            </a:avLst>
+          </a:prstGeom>
+          <a:ln w="28575">
+            <a:solidFill>
+              <a:srgbClr val="C00000"/>
+            </a:solidFill>
+            <a:miter/>
+          </a:ln>
+        </p:spPr>
+        <p:txBody>
+          <a:bodyPr lIns="45718" tIns="45718" rIns="45718" bIns="45718" anchor="ctr"/>
+          <a:lstStyle/>
+          <a:p>
+            <a:pPr>
+              <a:defRPr>
+                <a:latin typeface="+mn-lt"/>
+                <a:ea typeface="+mn-ea"/>
+                <a:cs typeface="+mn-cs"/>
+                <a:sym typeface="Calibri"/>
+              </a:defRPr>
+            </a:pPr>
+            <a:endParaRPr/>
+          </a:p>
+        </p:txBody>
+      </p:sp>
+      <p:sp>
+        <p:nvSpPr>
+          <p:cNvPr id="17" name="文字方塊 5">
+            <a:extLst>
+              <a:ext uri="{FF2B5EF4-FFF2-40B4-BE49-F238E27FC236}">
+                <a16:creationId xmlns:a16="http://schemas.microsoft.com/office/drawing/2014/main" id="{2808B22D-87AE-0546-A8A7-55A649E64AA3}"/>
+              </a:ext>
+            </a:extLst>
+          </p:cNvPr>
+          <p:cNvSpPr txBox="1"/>
+          <p:nvPr/>
+        </p:nvSpPr>
+        <p:spPr>
+          <a:xfrm>
+            <a:off x="4975190" y="2207593"/>
+            <a:ext cx="1531382" cy="323165"/>
+          </a:xfrm>
+          <a:prstGeom prst="rect">
+            <a:avLst/>
+          </a:prstGeom>
+          <a:ln w="12700">
+            <a:miter lim="400000"/>
+          </a:ln>
+          <a:extLst>
+            <a:ext uri="{C572A759-6A51-4108-AA02-DFA0A04FC94B}">
+              <ma14:wrappingTextBoxFlag xmlns="" xmlns:m="http://schemas.openxmlformats.org/officeDocument/2006/math" xmlns:a14="http://schemas.microsoft.com/office/drawing/2010/main" xmlns:ma14="http://schemas.microsoft.com/office/mac/drawingml/2011/main" val="1"/>
+            </a:ext>
+          </a:extLst>
+        </p:spPr>
+        <p:txBody>
+          <a:bodyPr wrap="square" lIns="45719" rIns="45719">
+            <a:spAutoFit/>
+          </a:bodyPr>
+          <a:lstStyle>
+            <a:lvl1pPr algn="ctr">
+              <a:defRPr sz="2000">
+                <a:solidFill>
+                  <a:srgbClr val="FF0000"/>
+                </a:solidFill>
+                <a:latin typeface="微軟正黑體"/>
+                <a:ea typeface="微軟正黑體"/>
+                <a:cs typeface="微軟正黑體"/>
+                <a:sym typeface="微軟正黑體"/>
+              </a:defRPr>
+            </a:lvl1pPr>
+          </a:lstStyle>
+          <a:p>
+            <a:r>
+              <a:rPr lang="en-US" sz="1500" dirty="0" err="1"/>
+              <a:t>按鈕旁的小箭頭</a:t>
+            </a:r>
+            <a:endParaRPr sz="1500" dirty="0"/>
+          </a:p>
+        </p:txBody>
+      </p:sp>
+      <p:sp>
+        <p:nvSpPr>
+          <p:cNvPr id="2" name="上彎箭號 1">
+            <a:extLst>
+              <a:ext uri="{FF2B5EF4-FFF2-40B4-BE49-F238E27FC236}">
+                <a16:creationId xmlns:a16="http://schemas.microsoft.com/office/drawing/2014/main" id="{C7D61F55-3812-B647-B0ED-A0BAB59F13A4}"/>
+              </a:ext>
+            </a:extLst>
+          </p:cNvPr>
+          <p:cNvSpPr/>
+          <p:nvPr/>
+        </p:nvSpPr>
+        <p:spPr>
+          <a:xfrm rot="16200000" flipH="1">
+            <a:off x="2955265" y="1587356"/>
+            <a:ext cx="360169" cy="1455473"/>
+          </a:xfrm>
+          <a:prstGeom prst="bentUpArrow">
             <a:avLst/>
           </a:prstGeom>
           <a:solidFill>
@@ -4058,106 +4183,6 @@
               <a:cs typeface="+mj-cs"/>
               <a:sym typeface="Helvetica"/>
             </a:endParaRPr>
-          </a:p>
-        </p:txBody>
-      </p:sp>
-      <p:sp>
-        <p:nvSpPr>
-          <p:cNvPr id="16" name="矩形: 圓角 4">
-            <a:extLst>
-              <a:ext uri="{FF2B5EF4-FFF2-40B4-BE49-F238E27FC236}">
-                <a16:creationId xmlns:a16="http://schemas.microsoft.com/office/drawing/2014/main" id="{59FFB76C-347A-7142-A781-0C089D857E97}"/>
-              </a:ext>
-            </a:extLst>
-          </p:cNvPr>
-          <p:cNvSpPr/>
-          <p:nvPr/>
-        </p:nvSpPr>
-        <p:spPr>
-          <a:xfrm>
-            <a:off x="4992038" y="2530759"/>
-            <a:ext cx="1550276" cy="254892"/>
-          </a:xfrm>
-          <a:prstGeom prst="roundRect">
-            <a:avLst>
-              <a:gd name="adj" fmla="val 16667"/>
-            </a:avLst>
-          </a:prstGeom>
-          <a:ln w="28575">
-            <a:solidFill>
-              <a:srgbClr val="C00000"/>
-            </a:solidFill>
-            <a:miter/>
-          </a:ln>
-        </p:spPr>
-        <p:txBody>
-          <a:bodyPr lIns="45718" tIns="45718" rIns="45718" bIns="45718" anchor="ctr"/>
-          <a:lstStyle/>
-          <a:p>
-            <a:pPr>
-              <a:defRPr>
-                <a:latin typeface="+mn-lt"/>
-                <a:ea typeface="+mn-ea"/>
-                <a:cs typeface="+mn-cs"/>
-                <a:sym typeface="Calibri"/>
-              </a:defRPr>
-            </a:pPr>
-            <a:endParaRPr/>
-          </a:p>
-        </p:txBody>
-      </p:sp>
-      <p:sp>
-        <p:nvSpPr>
-          <p:cNvPr id="17" name="文字方塊 5">
-            <a:extLst>
-              <a:ext uri="{FF2B5EF4-FFF2-40B4-BE49-F238E27FC236}">
-                <a16:creationId xmlns:a16="http://schemas.microsoft.com/office/drawing/2014/main" id="{2808B22D-87AE-0546-A8A7-55A649E64AA3}"/>
-              </a:ext>
-            </a:extLst>
-          </p:cNvPr>
-          <p:cNvSpPr txBox="1"/>
-          <p:nvPr/>
-        </p:nvSpPr>
-        <p:spPr>
-          <a:xfrm>
-            <a:off x="4975190" y="2207593"/>
-            <a:ext cx="1531382" cy="323165"/>
-          </a:xfrm>
-          <a:prstGeom prst="rect">
-            <a:avLst/>
-          </a:prstGeom>
-          <a:ln w="12700">
-            <a:miter lim="400000"/>
-          </a:ln>
-          <a:extLst>
-            <a:ext uri="{C572A759-6A51-4108-AA02-DFA0A04FC94B}">
-              <ma14:wrappingTextBoxFlag xmlns:ma14="http://schemas.microsoft.com/office/mac/drawingml/2011/main" xmlns:a14="http://schemas.microsoft.com/office/drawing/2010/main" xmlns:m="http://schemas.openxmlformats.org/officeDocument/2006/math" xmlns="" val="1"/>
-            </a:ext>
-          </a:extLst>
-        </p:spPr>
-        <p:txBody>
-          <a:bodyPr wrap="square" lIns="45719" rIns="45719">
-            <a:spAutoFit/>
-          </a:bodyPr>
-          <a:lstStyle>
-            <a:lvl1pPr algn="ctr">
-              <a:defRPr sz="2000">
-                <a:solidFill>
-                  <a:srgbClr val="FF0000"/>
-                </a:solidFill>
-                <a:latin typeface="微軟正黑體"/>
-                <a:ea typeface="微軟正黑體"/>
-                <a:cs typeface="微軟正黑體"/>
-                <a:sym typeface="微軟正黑體"/>
-              </a:defRPr>
-            </a:lvl1pPr>
-          </a:lstStyle>
-          <a:p>
-            <a:r>
-              <a:rPr lang="en-US" sz="1500" dirty="0" err="1"/>
-              <a:t>按鈕旁的小箭頭</a:t>
-            </a:r>
-            <a:endParaRPr sz="1500" dirty="0"/>
           </a:p>
         </p:txBody>
       </p:sp>
@@ -4233,7 +4258,7 @@
           </a:ln>
           <a:extLst>
             <a:ext uri="{C572A759-6A51-4108-AA02-DFA0A04FC94B}">
-              <ma14:wrappingTextBoxFlag xmlns:ma14="http://schemas.microsoft.com/office/mac/drawingml/2011/main" xmlns:a14="http://schemas.microsoft.com/office/drawing/2010/main" xmlns:m="http://schemas.openxmlformats.org/officeDocument/2006/math" xmlns="" val="1"/>
+              <ma14:wrappingTextBoxFlag xmlns="" xmlns:m="http://schemas.openxmlformats.org/officeDocument/2006/math" xmlns:a14="http://schemas.microsoft.com/office/drawing/2010/main" xmlns:ma14="http://schemas.microsoft.com/office/mac/drawingml/2011/main" val="1"/>
             </a:ext>
           </a:extLst>
         </p:spPr>
@@ -4330,7 +4355,7 @@
           </a:prstGeom>
           <a:extLst>
             <a:ext uri="{C572A759-6A51-4108-AA02-DFA0A04FC94B}">
-              <ma14:wrappingTextBoxFlag xmlns:ma14="http://schemas.microsoft.com/office/mac/drawingml/2011/main" xmlns:a14="http://schemas.microsoft.com/office/drawing/2010/main" xmlns:m="http://schemas.openxmlformats.org/officeDocument/2006/math" xmlns="" val="1"/>
+              <ma14:wrappingTextBoxFlag xmlns="" xmlns:m="http://schemas.openxmlformats.org/officeDocument/2006/math" xmlns:a14="http://schemas.microsoft.com/office/drawing/2010/main" xmlns:ma14="http://schemas.microsoft.com/office/mac/drawingml/2011/main" val="1"/>
             </a:ext>
           </a:extLst>
         </p:spPr>
@@ -4391,7 +4416,7 @@
           </a:ln>
           <a:extLst>
             <a:ext uri="{C572A759-6A51-4108-AA02-DFA0A04FC94B}">
-              <ma14:wrappingTextBoxFlag xmlns:ma14="http://schemas.microsoft.com/office/mac/drawingml/2011/main" xmlns:a14="http://schemas.microsoft.com/office/drawing/2010/main" xmlns:m="http://schemas.openxmlformats.org/officeDocument/2006/math" xmlns="" val="1"/>
+              <ma14:wrappingTextBoxFlag xmlns="" xmlns:m="http://schemas.openxmlformats.org/officeDocument/2006/math" xmlns:a14="http://schemas.microsoft.com/office/drawing/2010/main" xmlns:ma14="http://schemas.microsoft.com/office/mac/drawingml/2011/main" val="1"/>
             </a:ext>
           </a:extLst>
         </p:spPr>
@@ -4563,7 +4588,7 @@
           </a:ln>
           <a:extLst>
             <a:ext uri="{C572A759-6A51-4108-AA02-DFA0A04FC94B}">
-              <ma14:wrappingTextBoxFlag xmlns:ma14="http://schemas.microsoft.com/office/mac/drawingml/2011/main" xmlns:a14="http://schemas.microsoft.com/office/drawing/2010/main" xmlns:m="http://schemas.openxmlformats.org/officeDocument/2006/math" xmlns="" val="1"/>
+              <ma14:wrappingTextBoxFlag xmlns="" xmlns:m="http://schemas.openxmlformats.org/officeDocument/2006/math" xmlns:a14="http://schemas.microsoft.com/office/drawing/2010/main" xmlns:ma14="http://schemas.microsoft.com/office/mac/drawingml/2011/main" val="1"/>
             </a:ext>
           </a:extLst>
         </p:spPr>
@@ -4819,7 +4844,7 @@
           </a:prstGeom>
           <a:extLst>
             <a:ext uri="{C572A759-6A51-4108-AA02-DFA0A04FC94B}">
-              <ma14:wrappingTextBoxFlag xmlns:ma14="http://schemas.microsoft.com/office/mac/drawingml/2011/main" xmlns:a14="http://schemas.microsoft.com/office/drawing/2010/main" xmlns:m="http://schemas.openxmlformats.org/officeDocument/2006/math" xmlns="" val="1"/>
+              <ma14:wrappingTextBoxFlag xmlns="" xmlns:m="http://schemas.openxmlformats.org/officeDocument/2006/math" xmlns:a14="http://schemas.microsoft.com/office/drawing/2010/main" xmlns:ma14="http://schemas.microsoft.com/office/mac/drawingml/2011/main" val="1"/>
             </a:ext>
           </a:extLst>
         </p:spPr>
@@ -4853,7 +4878,7 @@
           </a:ln>
           <a:extLst>
             <a:ext uri="{C572A759-6A51-4108-AA02-DFA0A04FC94B}">
-              <ma14:wrappingTextBoxFlag xmlns:ma14="http://schemas.microsoft.com/office/mac/drawingml/2011/main" xmlns:a14="http://schemas.microsoft.com/office/drawing/2010/main" xmlns:m="http://schemas.openxmlformats.org/officeDocument/2006/math" xmlns="" val="1"/>
+              <ma14:wrappingTextBoxFlag xmlns="" xmlns:m="http://schemas.openxmlformats.org/officeDocument/2006/math" xmlns:a14="http://schemas.microsoft.com/office/drawing/2010/main" xmlns:ma14="http://schemas.microsoft.com/office/mac/drawingml/2011/main" val="1"/>
             </a:ext>
           </a:extLst>
         </p:spPr>
@@ -5119,7 +5144,7 @@
           </a:ln>
           <a:extLst>
             <a:ext uri="{C572A759-6A51-4108-AA02-DFA0A04FC94B}">
-              <ma14:wrappingTextBoxFlag xmlns:ma14="http://schemas.microsoft.com/office/mac/drawingml/2011/main" xmlns:a14="http://schemas.microsoft.com/office/drawing/2010/main" xmlns:m="http://schemas.openxmlformats.org/officeDocument/2006/math" xmlns="" val="1"/>
+              <ma14:wrappingTextBoxFlag xmlns="" xmlns:m="http://schemas.openxmlformats.org/officeDocument/2006/math" xmlns:a14="http://schemas.microsoft.com/office/drawing/2010/main" xmlns:ma14="http://schemas.microsoft.com/office/mac/drawingml/2011/main" val="1"/>
             </a:ext>
           </a:extLst>
         </p:spPr>
@@ -5252,7 +5277,7 @@
           </a:ln>
           <a:extLst>
             <a:ext uri="{C572A759-6A51-4108-AA02-DFA0A04FC94B}">
-              <ma14:wrappingTextBoxFlag xmlns:ma14="http://schemas.microsoft.com/office/mac/drawingml/2011/main" xmlns:a14="http://schemas.microsoft.com/office/drawing/2010/main" xmlns:m="http://schemas.openxmlformats.org/officeDocument/2006/math" xmlns="" val="1"/>
+              <ma14:wrappingTextBoxFlag xmlns="" xmlns:m="http://schemas.openxmlformats.org/officeDocument/2006/math" xmlns:a14="http://schemas.microsoft.com/office/drawing/2010/main" xmlns:ma14="http://schemas.microsoft.com/office/mac/drawingml/2011/main" val="1"/>
             </a:ext>
           </a:extLst>
         </p:spPr>
@@ -5299,7 +5324,7 @@
           </a:ln>
           <a:extLst>
             <a:ext uri="{C572A759-6A51-4108-AA02-DFA0A04FC94B}">
-              <ma14:wrappingTextBoxFlag xmlns:ma14="http://schemas.microsoft.com/office/mac/drawingml/2011/main" xmlns:a14="http://schemas.microsoft.com/office/drawing/2010/main" xmlns:m="http://schemas.openxmlformats.org/officeDocument/2006/math" xmlns="" val="1"/>
+              <ma14:wrappingTextBoxFlag xmlns="" xmlns:m="http://schemas.openxmlformats.org/officeDocument/2006/math" xmlns:a14="http://schemas.microsoft.com/office/drawing/2010/main" xmlns:ma14="http://schemas.microsoft.com/office/mac/drawingml/2011/main" val="1"/>
             </a:ext>
           </a:extLst>
         </p:spPr>
@@ -5373,7 +5398,7 @@
           </a:prstGeom>
           <a:extLst>
             <a:ext uri="{C572A759-6A51-4108-AA02-DFA0A04FC94B}">
-              <ma14:wrappingTextBoxFlag xmlns:ma14="http://schemas.microsoft.com/office/mac/drawingml/2011/main" xmlns:a14="http://schemas.microsoft.com/office/drawing/2010/main" xmlns:m="http://schemas.openxmlformats.org/officeDocument/2006/math" xmlns="" val="1"/>
+              <ma14:wrappingTextBoxFlag xmlns="" xmlns:m="http://schemas.openxmlformats.org/officeDocument/2006/math" xmlns:a14="http://schemas.microsoft.com/office/drawing/2010/main" xmlns:ma14="http://schemas.microsoft.com/office/mac/drawingml/2011/main" val="1"/>
             </a:ext>
           </a:extLst>
         </p:spPr>
@@ -5407,7 +5432,7 @@
           </a:ln>
           <a:extLst>
             <a:ext uri="{C572A759-6A51-4108-AA02-DFA0A04FC94B}">
-              <ma14:wrappingTextBoxFlag xmlns:ma14="http://schemas.microsoft.com/office/mac/drawingml/2011/main" xmlns:a14="http://schemas.microsoft.com/office/drawing/2010/main" xmlns:m="http://schemas.openxmlformats.org/officeDocument/2006/math" xmlns="" val="1"/>
+              <ma14:wrappingTextBoxFlag xmlns="" xmlns:m="http://schemas.openxmlformats.org/officeDocument/2006/math" xmlns:a14="http://schemas.microsoft.com/office/drawing/2010/main" xmlns:ma14="http://schemas.microsoft.com/office/mac/drawingml/2011/main" val="1"/>
             </a:ext>
           </a:extLst>
         </p:spPr>
@@ -5543,7 +5568,7 @@
           </a:ln>
           <a:extLst>
             <a:ext uri="{C572A759-6A51-4108-AA02-DFA0A04FC94B}">
-              <ma14:wrappingTextBoxFlag xmlns:ma14="http://schemas.microsoft.com/office/mac/drawingml/2011/main" xmlns:a14="http://schemas.microsoft.com/office/drawing/2010/main" xmlns:m="http://schemas.openxmlformats.org/officeDocument/2006/math" xmlns="" val="1"/>
+              <ma14:wrappingTextBoxFlag xmlns="" xmlns:m="http://schemas.openxmlformats.org/officeDocument/2006/math" xmlns:a14="http://schemas.microsoft.com/office/drawing/2010/main" xmlns:ma14="http://schemas.microsoft.com/office/mac/drawingml/2011/main" val="1"/>
             </a:ext>
           </a:extLst>
         </p:spPr>
@@ -5669,7 +5694,7 @@
           </a:ln>
           <a:extLst>
             <a:ext uri="{C572A759-6A51-4108-AA02-DFA0A04FC94B}">
-              <ma14:wrappingTextBoxFlag xmlns:ma14="http://schemas.microsoft.com/office/mac/drawingml/2011/main" xmlns:a14="http://schemas.microsoft.com/office/drawing/2010/main" xmlns:m="http://schemas.openxmlformats.org/officeDocument/2006/math" xmlns="" val="1"/>
+              <ma14:wrappingTextBoxFlag xmlns="" xmlns:m="http://schemas.openxmlformats.org/officeDocument/2006/math" xmlns:a14="http://schemas.microsoft.com/office/drawing/2010/main" xmlns:ma14="http://schemas.microsoft.com/office/mac/drawingml/2011/main" val="1"/>
             </a:ext>
           </a:extLst>
         </p:spPr>
@@ -5716,7 +5741,7 @@
           </a:ln>
           <a:extLst>
             <a:ext uri="{C572A759-6A51-4108-AA02-DFA0A04FC94B}">
-              <ma14:wrappingTextBoxFlag xmlns:ma14="http://schemas.microsoft.com/office/mac/drawingml/2011/main" xmlns:a14="http://schemas.microsoft.com/office/drawing/2010/main" xmlns:m="http://schemas.openxmlformats.org/officeDocument/2006/math" xmlns="" val="1"/>
+              <ma14:wrappingTextBoxFlag xmlns="" xmlns:m="http://schemas.openxmlformats.org/officeDocument/2006/math" xmlns:a14="http://schemas.microsoft.com/office/drawing/2010/main" xmlns:ma14="http://schemas.microsoft.com/office/mac/drawingml/2011/main" val="1"/>
             </a:ext>
           </a:extLst>
         </p:spPr>
@@ -5829,7 +5854,7 @@
           </a:prstGeom>
           <a:extLst>
             <a:ext uri="{C572A759-6A51-4108-AA02-DFA0A04FC94B}">
-              <ma14:wrappingTextBoxFlag xmlns:ma14="http://schemas.microsoft.com/office/mac/drawingml/2011/main" xmlns:a14="http://schemas.microsoft.com/office/drawing/2010/main" xmlns:m="http://schemas.openxmlformats.org/officeDocument/2006/math" xmlns="" val="1"/>
+              <ma14:wrappingTextBoxFlag xmlns="" xmlns:m="http://schemas.openxmlformats.org/officeDocument/2006/math" xmlns:a14="http://schemas.microsoft.com/office/drawing/2010/main" xmlns:ma14="http://schemas.microsoft.com/office/mac/drawingml/2011/main" val="1"/>
             </a:ext>
           </a:extLst>
         </p:spPr>
@@ -5863,7 +5888,7 @@
           </a:ln>
           <a:extLst>
             <a:ext uri="{C572A759-6A51-4108-AA02-DFA0A04FC94B}">
-              <ma14:wrappingTextBoxFlag xmlns:ma14="http://schemas.microsoft.com/office/mac/drawingml/2011/main" xmlns:a14="http://schemas.microsoft.com/office/drawing/2010/main" xmlns:m="http://schemas.openxmlformats.org/officeDocument/2006/math" xmlns="" val="1"/>
+              <ma14:wrappingTextBoxFlag xmlns="" xmlns:m="http://schemas.openxmlformats.org/officeDocument/2006/math" xmlns:a14="http://schemas.microsoft.com/office/drawing/2010/main" xmlns:ma14="http://schemas.microsoft.com/office/mac/drawingml/2011/main" val="1"/>
             </a:ext>
           </a:extLst>
         </p:spPr>
@@ -5999,7 +6024,7 @@
           </a:ln>
           <a:extLst>
             <a:ext uri="{C572A759-6A51-4108-AA02-DFA0A04FC94B}">
-              <ma14:wrappingTextBoxFlag xmlns:ma14="http://schemas.microsoft.com/office/mac/drawingml/2011/main" xmlns:a14="http://schemas.microsoft.com/office/drawing/2010/main" xmlns:m="http://schemas.openxmlformats.org/officeDocument/2006/math" xmlns="" val="1"/>
+              <ma14:wrappingTextBoxFlag xmlns="" xmlns:m="http://schemas.openxmlformats.org/officeDocument/2006/math" xmlns:a14="http://schemas.microsoft.com/office/drawing/2010/main" xmlns:ma14="http://schemas.microsoft.com/office/mac/drawingml/2011/main" val="1"/>
             </a:ext>
           </a:extLst>
         </p:spPr>
@@ -6123,7 +6148,7 @@
           </a:ln>
           <a:extLst>
             <a:ext uri="{C572A759-6A51-4108-AA02-DFA0A04FC94B}">
-              <ma14:wrappingTextBoxFlag xmlns:ma14="http://schemas.microsoft.com/office/mac/drawingml/2011/main" xmlns:a14="http://schemas.microsoft.com/office/drawing/2010/main" xmlns:m="http://schemas.openxmlformats.org/officeDocument/2006/math" xmlns="" val="1"/>
+              <ma14:wrappingTextBoxFlag xmlns="" xmlns:m="http://schemas.openxmlformats.org/officeDocument/2006/math" xmlns:a14="http://schemas.microsoft.com/office/drawing/2010/main" xmlns:ma14="http://schemas.microsoft.com/office/mac/drawingml/2011/main" val="1"/>
             </a:ext>
           </a:extLst>
         </p:spPr>
@@ -6203,7 +6228,7 @@
           </a:prstGeom>
           <a:extLst>
             <a:ext uri="{C572A759-6A51-4108-AA02-DFA0A04FC94B}">
-              <ma14:wrappingTextBoxFlag xmlns:ma14="http://schemas.microsoft.com/office/mac/drawingml/2011/main" xmlns:a14="http://schemas.microsoft.com/office/drawing/2010/main" xmlns:m="http://schemas.openxmlformats.org/officeDocument/2006/math" xmlns="" val="1"/>
+              <ma14:wrappingTextBoxFlag xmlns="" xmlns:m="http://schemas.openxmlformats.org/officeDocument/2006/math" xmlns:a14="http://schemas.microsoft.com/office/drawing/2010/main" xmlns:ma14="http://schemas.microsoft.com/office/mac/drawingml/2011/main" val="1"/>
             </a:ext>
           </a:extLst>
         </p:spPr>
@@ -6237,7 +6262,7 @@
           </a:ln>
           <a:extLst>
             <a:ext uri="{C572A759-6A51-4108-AA02-DFA0A04FC94B}">
-              <ma14:wrappingTextBoxFlag xmlns:ma14="http://schemas.microsoft.com/office/mac/drawingml/2011/main" xmlns:a14="http://schemas.microsoft.com/office/drawing/2010/main" xmlns:m="http://schemas.openxmlformats.org/officeDocument/2006/math" xmlns="" val="1"/>
+              <ma14:wrappingTextBoxFlag xmlns="" xmlns:m="http://schemas.openxmlformats.org/officeDocument/2006/math" xmlns:a14="http://schemas.microsoft.com/office/drawing/2010/main" xmlns:ma14="http://schemas.microsoft.com/office/mac/drawingml/2011/main" val="1"/>
             </a:ext>
           </a:extLst>
         </p:spPr>
@@ -6412,7 +6437,7 @@
           </a:ln>
           <a:extLst>
             <a:ext uri="{C572A759-6A51-4108-AA02-DFA0A04FC94B}">
-              <ma14:wrappingTextBoxFlag xmlns:ma14="http://schemas.microsoft.com/office/mac/drawingml/2011/main" xmlns:a14="http://schemas.microsoft.com/office/drawing/2010/main" xmlns:m="http://schemas.openxmlformats.org/officeDocument/2006/math" xmlns="" val="1"/>
+              <ma14:wrappingTextBoxFlag xmlns="" xmlns:m="http://schemas.openxmlformats.org/officeDocument/2006/math" xmlns:a14="http://schemas.microsoft.com/office/drawing/2010/main" xmlns:ma14="http://schemas.microsoft.com/office/mac/drawingml/2011/main" val="1"/>
             </a:ext>
           </a:extLst>
         </p:spPr>
@@ -6501,7 +6526,7 @@
           </a:ln>
           <a:extLst>
             <a:ext uri="{C572A759-6A51-4108-AA02-DFA0A04FC94B}">
-              <ma14:wrappingTextBoxFlag xmlns:ma14="http://schemas.microsoft.com/office/mac/drawingml/2011/main" xmlns:a14="http://schemas.microsoft.com/office/drawing/2010/main" xmlns:m="http://schemas.openxmlformats.org/officeDocument/2006/math" xmlns="" val="1"/>
+              <ma14:wrappingTextBoxFlag xmlns="" xmlns:m="http://schemas.openxmlformats.org/officeDocument/2006/math" xmlns:a14="http://schemas.microsoft.com/office/drawing/2010/main" xmlns:ma14="http://schemas.microsoft.com/office/mac/drawingml/2011/main" val="1"/>
             </a:ext>
           </a:extLst>
         </p:spPr>
@@ -6618,7 +6643,7 @@
           </a:prstGeom>
           <a:extLst>
             <a:ext uri="{C572A759-6A51-4108-AA02-DFA0A04FC94B}">
-              <ma14:wrappingTextBoxFlag xmlns:ma14="http://schemas.microsoft.com/office/mac/drawingml/2011/main" xmlns:a14="http://schemas.microsoft.com/office/drawing/2010/main" xmlns:m="http://schemas.openxmlformats.org/officeDocument/2006/math" xmlns="" val="1"/>
+              <ma14:wrappingTextBoxFlag xmlns="" xmlns:m="http://schemas.openxmlformats.org/officeDocument/2006/math" xmlns:a14="http://schemas.microsoft.com/office/drawing/2010/main" xmlns:ma14="http://schemas.microsoft.com/office/mac/drawingml/2011/main" val="1"/>
             </a:ext>
           </a:extLst>
         </p:spPr>
@@ -6652,7 +6677,7 @@
           </a:ln>
           <a:extLst>
             <a:ext uri="{C572A759-6A51-4108-AA02-DFA0A04FC94B}">
-              <ma14:wrappingTextBoxFlag xmlns:ma14="http://schemas.microsoft.com/office/mac/drawingml/2011/main" xmlns:a14="http://schemas.microsoft.com/office/drawing/2010/main" xmlns:m="http://schemas.openxmlformats.org/officeDocument/2006/math" xmlns="" val="1"/>
+              <ma14:wrappingTextBoxFlag xmlns="" xmlns:m="http://schemas.openxmlformats.org/officeDocument/2006/math" xmlns:a14="http://schemas.microsoft.com/office/drawing/2010/main" xmlns:ma14="http://schemas.microsoft.com/office/mac/drawingml/2011/main" val="1"/>
             </a:ext>
           </a:extLst>
         </p:spPr>
@@ -6788,7 +6813,7 @@
           </a:ln>
           <a:extLst>
             <a:ext uri="{C572A759-6A51-4108-AA02-DFA0A04FC94B}">
-              <ma14:wrappingTextBoxFlag xmlns:ma14="http://schemas.microsoft.com/office/mac/drawingml/2011/main" xmlns:a14="http://schemas.microsoft.com/office/drawing/2010/main" xmlns:m="http://schemas.openxmlformats.org/officeDocument/2006/math" xmlns="" val="1"/>
+              <ma14:wrappingTextBoxFlag xmlns="" xmlns:m="http://schemas.openxmlformats.org/officeDocument/2006/math" xmlns:a14="http://schemas.microsoft.com/office/drawing/2010/main" xmlns:ma14="http://schemas.microsoft.com/office/mac/drawingml/2011/main" val="1"/>
             </a:ext>
           </a:extLst>
         </p:spPr>
@@ -6932,7 +6957,7 @@
           </a:prstGeom>
           <a:extLst>
             <a:ext uri="{C572A759-6A51-4108-AA02-DFA0A04FC94B}">
-              <ma14:wrappingTextBoxFlag xmlns:ma14="http://schemas.microsoft.com/office/mac/drawingml/2011/main" xmlns:a14="http://schemas.microsoft.com/office/drawing/2010/main" xmlns:m="http://schemas.openxmlformats.org/officeDocument/2006/math" xmlns="" val="1"/>
+              <ma14:wrappingTextBoxFlag xmlns="" xmlns:m="http://schemas.openxmlformats.org/officeDocument/2006/math" xmlns:a14="http://schemas.microsoft.com/office/drawing/2010/main" xmlns:ma14="http://schemas.microsoft.com/office/mac/drawingml/2011/main" val="1"/>
             </a:ext>
           </a:extLst>
         </p:spPr>
@@ -7504,7 +7529,7 @@
           </a:ln>
           <a:extLst>
             <a:ext uri="{C572A759-6A51-4108-AA02-DFA0A04FC94B}">
-              <ma14:wrappingTextBoxFlag xmlns:ma14="http://schemas.microsoft.com/office/mac/drawingml/2011/main" xmlns:a14="http://schemas.microsoft.com/office/drawing/2010/main" xmlns:m="http://schemas.openxmlformats.org/officeDocument/2006/math" xmlns="" val="1"/>
+              <ma14:wrappingTextBoxFlag xmlns="" xmlns:m="http://schemas.openxmlformats.org/officeDocument/2006/math" xmlns:a14="http://schemas.microsoft.com/office/drawing/2010/main" xmlns:ma14="http://schemas.microsoft.com/office/mac/drawingml/2011/main" val="1"/>
             </a:ext>
           </a:extLst>
         </p:spPr>
@@ -7923,7 +7948,7 @@
           </a:ln>
           <a:extLst>
             <a:ext uri="{C572A759-6A51-4108-AA02-DFA0A04FC94B}">
-              <ma14:wrappingTextBoxFlag xmlns:ma14="http://schemas.microsoft.com/office/mac/drawingml/2011/main" xmlns:a14="http://schemas.microsoft.com/office/drawing/2010/main" xmlns:m="http://schemas.openxmlformats.org/officeDocument/2006/math" xmlns="" val="1"/>
+              <ma14:wrappingTextBoxFlag xmlns="" xmlns:m="http://schemas.openxmlformats.org/officeDocument/2006/math" xmlns:a14="http://schemas.microsoft.com/office/drawing/2010/main" xmlns:ma14="http://schemas.microsoft.com/office/mac/drawingml/2011/main" val="1"/>
             </a:ext>
           </a:extLst>
         </p:spPr>
@@ -7967,7 +7992,7 @@
           </a:ln>
           <a:extLst>
             <a:ext uri="{C572A759-6A51-4108-AA02-DFA0A04FC94B}">
-              <ma14:wrappingTextBoxFlag xmlns:ma14="http://schemas.microsoft.com/office/mac/drawingml/2011/main" xmlns:a14="http://schemas.microsoft.com/office/drawing/2010/main" xmlns:m="http://schemas.openxmlformats.org/officeDocument/2006/math" xmlns="" val="1"/>
+              <ma14:wrappingTextBoxFlag xmlns="" xmlns:m="http://schemas.openxmlformats.org/officeDocument/2006/math" xmlns:a14="http://schemas.microsoft.com/office/drawing/2010/main" xmlns:ma14="http://schemas.microsoft.com/office/mac/drawingml/2011/main" val="1"/>
             </a:ext>
           </a:extLst>
         </p:spPr>
@@ -8226,7 +8251,7 @@
           </a:ln>
           <a:extLst>
             <a:ext uri="{C572A759-6A51-4108-AA02-DFA0A04FC94B}">
-              <ma14:wrappingTextBoxFlag xmlns:ma14="http://schemas.microsoft.com/office/mac/drawingml/2011/main" xmlns:a14="http://schemas.microsoft.com/office/drawing/2010/main" xmlns:m="http://schemas.openxmlformats.org/officeDocument/2006/math" xmlns="" val="1"/>
+              <ma14:wrappingTextBoxFlag xmlns="" xmlns:m="http://schemas.openxmlformats.org/officeDocument/2006/math" xmlns:a14="http://schemas.microsoft.com/office/drawing/2010/main" xmlns:ma14="http://schemas.microsoft.com/office/mac/drawingml/2011/main" val="1"/>
             </a:ext>
           </a:extLst>
         </p:spPr>
@@ -8271,7 +8296,7 @@
           </a:ln>
           <a:extLst>
             <a:ext uri="{C572A759-6A51-4108-AA02-DFA0A04FC94B}">
-              <ma14:wrappingTextBoxFlag xmlns:ma14="http://schemas.microsoft.com/office/mac/drawingml/2011/main" xmlns:a14="http://schemas.microsoft.com/office/drawing/2010/main" xmlns:m="http://schemas.openxmlformats.org/officeDocument/2006/math" xmlns="" val="1"/>
+              <ma14:wrappingTextBoxFlag xmlns="" xmlns:m="http://schemas.openxmlformats.org/officeDocument/2006/math" xmlns:a14="http://schemas.microsoft.com/office/drawing/2010/main" xmlns:ma14="http://schemas.microsoft.com/office/mac/drawingml/2011/main" val="1"/>
             </a:ext>
           </a:extLst>
         </p:spPr>
@@ -8404,7 +8429,7 @@
           </a:ln>
           <a:extLst>
             <a:ext uri="{C572A759-6A51-4108-AA02-DFA0A04FC94B}">
-              <ma14:wrappingTextBoxFlag xmlns:ma14="http://schemas.microsoft.com/office/mac/drawingml/2011/main" xmlns:a14="http://schemas.microsoft.com/office/drawing/2010/main" xmlns:m="http://schemas.openxmlformats.org/officeDocument/2006/math" xmlns="" val="1"/>
+              <ma14:wrappingTextBoxFlag xmlns="" xmlns:m="http://schemas.openxmlformats.org/officeDocument/2006/math" xmlns:a14="http://schemas.microsoft.com/office/drawing/2010/main" xmlns:ma14="http://schemas.microsoft.com/office/mac/drawingml/2011/main" val="1"/>
             </a:ext>
           </a:extLst>
         </p:spPr>
@@ -8587,10 +8612,15 @@
           <a:lstStyle/>
           <a:p>
             <a:r>
-              <a:t>目標：使用 </a:t>
-            </a:r>
-            <a:r>
-              <a:rPr>
+              <a:rPr dirty="0" err="1"/>
+              <a:t>目標：使用</a:t>
+            </a:r>
+            <a:r>
+              <a:rPr dirty="0"/>
+              <a:t> </a:t>
+            </a:r>
+            <a:r>
+              <a:rPr dirty="0">
                 <a:solidFill>
                   <a:schemeClr val="accent5"/>
                 </a:solidFill>
@@ -8598,15 +8628,97 @@
               <a:t>Bootstrap 4</a:t>
             </a:r>
             <a:r>
-              <a:t> 美化 課表。</a:t>
-            </a:r>
-          </a:p>
-          <a:p>
-            <a:r>
-              <a:t>所需 </a:t>
-            </a:r>
-            <a:r>
-              <a:rPr>
+              <a:rPr lang="zh-TW" altLang="en-US" dirty="0">
+                <a:solidFill>
+                  <a:schemeClr val="accent5"/>
+                </a:solidFill>
+              </a:rPr>
+              <a:t> 與 </a:t>
+            </a:r>
+            <a:r>
+              <a:rPr lang="en-US" altLang="zh-TW" dirty="0">
+                <a:solidFill>
+                  <a:schemeClr val="accent5"/>
+                </a:solidFill>
+              </a:rPr>
+              <a:t>html</a:t>
+            </a:r>
+            <a:r>
+              <a:rPr lang="zh-TW" altLang="en-US" dirty="0">
+                <a:solidFill>
+                  <a:schemeClr val="accent5"/>
+                </a:solidFill>
+              </a:rPr>
+              <a:t> 寫一個</a:t>
+            </a:r>
+            <a:r>
+              <a:rPr lang="zh-TW" altLang="en-US" dirty="0">
+                <a:solidFill>
+                  <a:srgbClr val="FF0000"/>
+                </a:solidFill>
+              </a:rPr>
+              <a:t>個人頁面</a:t>
+            </a:r>
+            <a:r>
+              <a:rPr dirty="0"/>
+              <a:t>。</a:t>
+            </a:r>
+            <a:endParaRPr lang="en-US" dirty="0"/>
+          </a:p>
+          <a:p>
+            <a:r>
+              <a:rPr lang="zh-TW" altLang="en-US" dirty="0"/>
+              <a:t>需使用 </a:t>
+            </a:r>
+            <a:r>
+              <a:rPr lang="en-US" altLang="zh-TW" dirty="0">
+                <a:solidFill>
+                  <a:srgbClr val="0070C0"/>
+                </a:solidFill>
+              </a:rPr>
+              <a:t>Navbar</a:t>
+            </a:r>
+            <a:r>
+              <a:rPr lang="zh-TW" altLang="en-US" dirty="0"/>
+              <a:t>、</a:t>
+            </a:r>
+            <a:r>
+              <a:rPr lang="en-US" altLang="zh-TW" dirty="0">
+                <a:solidFill>
+                  <a:srgbClr val="0070C0"/>
+                </a:solidFill>
+              </a:rPr>
+              <a:t>button</a:t>
+            </a:r>
+            <a:r>
+              <a:rPr lang="zh-TW" altLang="en-US" dirty="0"/>
+              <a:t>、</a:t>
+            </a:r>
+            <a:r>
+              <a:rPr lang="en-US" altLang="zh-TW" dirty="0">
+                <a:solidFill>
+                  <a:srgbClr val="0070C0"/>
+                </a:solidFill>
+              </a:rPr>
+              <a:t>Dropdown</a:t>
+            </a:r>
+            <a:endParaRPr dirty="0">
+              <a:solidFill>
+                <a:srgbClr val="0070C0"/>
+              </a:solidFill>
+            </a:endParaRPr>
+          </a:p>
+          <a:p>
+            <a:r>
+              <a:rPr dirty="0" err="1"/>
+              <a:t>所需</a:t>
+            </a:r>
+            <a:r>
+              <a:rPr dirty="0"/>
+              <a:t> </a:t>
+            </a:r>
+            <a:r>
+              <a:rPr dirty="0">
                 <a:solidFill>
                   <a:schemeClr val="accent5"/>
                 </a:solidFill>
@@ -8614,10 +8726,11 @@
               <a:t>bootstrap 4</a:t>
             </a:r>
             <a:r>
+              <a:rPr dirty="0"/>
               <a:t> </a:t>
             </a:r>
             <a:r>
-              <a:rPr>
+              <a:rPr dirty="0" err="1">
                 <a:solidFill>
                   <a:schemeClr val="accent2"/>
                 </a:solidFill>
@@ -8625,8 +8738,61 @@
               <a:t>class</a:t>
             </a:r>
             <a:r>
+              <a:rPr dirty="0" err="1"/>
               <a:t>：container、text-center、table</a:t>
             </a:r>
+            <a:endParaRPr lang="en-US" dirty="0"/>
+          </a:p>
+          <a:p>
+            <a:r>
+              <a:rPr lang="zh-TW" altLang="en-US" dirty="0"/>
+              <a:t>提示：可以利用 </a:t>
+            </a:r>
+            <a:r>
+              <a:rPr lang="en-US" altLang="zh-TW" dirty="0">
+                <a:solidFill>
+                  <a:srgbClr val="0070C0"/>
+                </a:solidFill>
+              </a:rPr>
+              <a:t>Bootstrap</a:t>
+            </a:r>
+            <a:r>
+              <a:rPr lang="zh-TW" altLang="en-US" dirty="0">
+                <a:solidFill>
+                  <a:srgbClr val="0070C0"/>
+                </a:solidFill>
+              </a:rPr>
+              <a:t> </a:t>
+            </a:r>
+            <a:r>
+              <a:rPr lang="en-US" altLang="zh-TW" dirty="0">
+                <a:solidFill>
+                  <a:srgbClr val="0070C0"/>
+                </a:solidFill>
+              </a:rPr>
+              <a:t>4</a:t>
+            </a:r>
+            <a:r>
+              <a:rPr lang="zh-TW" altLang="en-US" dirty="0">
+                <a:solidFill>
+                  <a:srgbClr val="0070C0"/>
+                </a:solidFill>
+              </a:rPr>
+              <a:t> 網格系統 </a:t>
+            </a:r>
+            <a:r>
+              <a:rPr lang="zh-TW" altLang="en-US" dirty="0">
+                <a:solidFill>
+                  <a:schemeClr val="tx1"/>
+                </a:solidFill>
+              </a:rPr>
+              <a:t>進行畫面排版</a:t>
+            </a:r>
+            <a:endParaRPr dirty="0">
+              <a:solidFill>
+                <a:schemeClr val="tx1"/>
+              </a:solidFill>
+            </a:endParaRPr>
           </a:p>
         </p:txBody>
       </p:sp>
@@ -8703,7 +8869,7 @@
           </a:prstGeom>
           <a:extLst>
             <a:ext uri="{C572A759-6A51-4108-AA02-DFA0A04FC94B}">
-              <ma14:wrappingTextBoxFlag xmlns:ma14="http://schemas.microsoft.com/office/mac/drawingml/2011/main" xmlns:a14="http://schemas.microsoft.com/office/drawing/2010/main" xmlns:m="http://schemas.openxmlformats.org/officeDocument/2006/math" xmlns="" val="1"/>
+              <ma14:wrappingTextBoxFlag xmlns="" xmlns:m="http://schemas.openxmlformats.org/officeDocument/2006/math" xmlns:a14="http://schemas.microsoft.com/office/drawing/2010/main" xmlns:ma14="http://schemas.microsoft.com/office/mac/drawingml/2011/main" val="1"/>
             </a:ext>
           </a:extLst>
         </p:spPr>
@@ -8780,7 +8946,7 @@
           </a:ln>
           <a:extLst>
             <a:ext uri="{C572A759-6A51-4108-AA02-DFA0A04FC94B}">
-              <ma14:wrappingTextBoxFlag xmlns:ma14="http://schemas.microsoft.com/office/mac/drawingml/2011/main" xmlns:a14="http://schemas.microsoft.com/office/drawing/2010/main" xmlns:m="http://schemas.openxmlformats.org/officeDocument/2006/math" xmlns="" val="1"/>
+              <ma14:wrappingTextBoxFlag xmlns="" xmlns:m="http://schemas.openxmlformats.org/officeDocument/2006/math" xmlns:a14="http://schemas.microsoft.com/office/drawing/2010/main" xmlns:ma14="http://schemas.microsoft.com/office/mac/drawingml/2011/main" val="1"/>
             </a:ext>
           </a:extLst>
         </p:spPr>
@@ -8850,7 +9016,7 @@
           </a:prstGeom>
           <a:extLst>
             <a:ext uri="{C572A759-6A51-4108-AA02-DFA0A04FC94B}">
-              <ma14:wrappingTextBoxFlag xmlns:ma14="http://schemas.microsoft.com/office/mac/drawingml/2011/main" xmlns:a14="http://schemas.microsoft.com/office/drawing/2010/main" xmlns:m="http://schemas.openxmlformats.org/officeDocument/2006/math" xmlns="" val="1"/>
+              <ma14:wrappingTextBoxFlag xmlns="" xmlns:m="http://schemas.openxmlformats.org/officeDocument/2006/math" xmlns:a14="http://schemas.microsoft.com/office/drawing/2010/main" xmlns:ma14="http://schemas.microsoft.com/office/mac/drawingml/2011/main" val="1"/>
             </a:ext>
           </a:extLst>
         </p:spPr>
@@ -8936,7 +9102,7 @@
           </a:ln>
           <a:extLst>
             <a:ext uri="{C572A759-6A51-4108-AA02-DFA0A04FC94B}">
-              <ma14:wrappingTextBoxFlag xmlns:ma14="http://schemas.microsoft.com/office/mac/drawingml/2011/main" xmlns:a14="http://schemas.microsoft.com/office/drawing/2010/main" xmlns:m="http://schemas.openxmlformats.org/officeDocument/2006/math" xmlns="" val="1"/>
+              <ma14:wrappingTextBoxFlag xmlns="" xmlns:m="http://schemas.openxmlformats.org/officeDocument/2006/math" xmlns:a14="http://schemas.microsoft.com/office/drawing/2010/main" xmlns:ma14="http://schemas.microsoft.com/office/mac/drawingml/2011/main" val="1"/>
             </a:ext>
           </a:extLst>
         </p:spPr>
@@ -9159,7 +9325,7 @@
           </a:prstGeom>
           <a:extLst>
             <a:ext uri="{C572A759-6A51-4108-AA02-DFA0A04FC94B}">
-              <ma14:wrappingTextBoxFlag xmlns:ma14="http://schemas.microsoft.com/office/mac/drawingml/2011/main" xmlns:a14="http://schemas.microsoft.com/office/drawing/2010/main" xmlns:m="http://schemas.openxmlformats.org/officeDocument/2006/math" xmlns="" val="1"/>
+              <ma14:wrappingTextBoxFlag xmlns="" xmlns:m="http://schemas.openxmlformats.org/officeDocument/2006/math" xmlns:a14="http://schemas.microsoft.com/office/drawing/2010/main" xmlns:ma14="http://schemas.microsoft.com/office/mac/drawingml/2011/main" val="1"/>
             </a:ext>
           </a:extLst>
         </p:spPr>
@@ -9234,7 +9400,7 @@
           </a:ln>
           <a:extLst>
             <a:ext uri="{C572A759-6A51-4108-AA02-DFA0A04FC94B}">
-              <ma14:wrappingTextBoxFlag xmlns:ma14="http://schemas.microsoft.com/office/mac/drawingml/2011/main" xmlns:a14="http://schemas.microsoft.com/office/drawing/2010/main" xmlns:m="http://schemas.openxmlformats.org/officeDocument/2006/math" xmlns="" val="1"/>
+              <ma14:wrappingTextBoxFlag xmlns="" xmlns:m="http://schemas.openxmlformats.org/officeDocument/2006/math" xmlns:a14="http://schemas.microsoft.com/office/drawing/2010/main" xmlns:ma14="http://schemas.microsoft.com/office/mac/drawingml/2011/main" val="1"/>
             </a:ext>
           </a:extLst>
         </p:spPr>
@@ -9364,7 +9530,7 @@
           </a:prstGeom>
           <a:extLst>
             <a:ext uri="{C572A759-6A51-4108-AA02-DFA0A04FC94B}">
-              <ma14:wrappingTextBoxFlag xmlns:ma14="http://schemas.microsoft.com/office/mac/drawingml/2011/main" xmlns:a14="http://schemas.microsoft.com/office/drawing/2010/main" xmlns:m="http://schemas.openxmlformats.org/officeDocument/2006/math" xmlns="" val="1"/>
+              <ma14:wrappingTextBoxFlag xmlns="" xmlns:m="http://schemas.openxmlformats.org/officeDocument/2006/math" xmlns:a14="http://schemas.microsoft.com/office/drawing/2010/main" xmlns:ma14="http://schemas.microsoft.com/office/mac/drawingml/2011/main" val="1"/>
             </a:ext>
           </a:extLst>
         </p:spPr>
@@ -10611,7 +10777,7 @@
           </a:prstGeom>
           <a:extLst>
             <a:ext uri="{C572A759-6A51-4108-AA02-DFA0A04FC94B}">
-              <ma14:wrappingTextBoxFlag xmlns:ma14="http://schemas.microsoft.com/office/mac/drawingml/2011/main" xmlns:a14="http://schemas.microsoft.com/office/drawing/2010/main" xmlns:m="http://schemas.openxmlformats.org/officeDocument/2006/math" xmlns="" val="1"/>
+              <ma14:wrappingTextBoxFlag xmlns="" xmlns:m="http://schemas.openxmlformats.org/officeDocument/2006/math" xmlns:a14="http://schemas.microsoft.com/office/drawing/2010/main" xmlns:ma14="http://schemas.microsoft.com/office/mac/drawingml/2011/main" val="1"/>
             </a:ext>
           </a:extLst>
         </p:spPr>
@@ -10685,7 +10851,7 @@
           </a:ln>
           <a:extLst>
             <a:ext uri="{C572A759-6A51-4108-AA02-DFA0A04FC94B}">
-              <ma14:wrappingTextBoxFlag xmlns:ma14="http://schemas.microsoft.com/office/mac/drawingml/2011/main" xmlns:a14="http://schemas.microsoft.com/office/drawing/2010/main" xmlns:m="http://schemas.openxmlformats.org/officeDocument/2006/math" xmlns="" val="1"/>
+              <ma14:wrappingTextBoxFlag xmlns="" xmlns:m="http://schemas.openxmlformats.org/officeDocument/2006/math" xmlns:a14="http://schemas.microsoft.com/office/drawing/2010/main" xmlns:ma14="http://schemas.microsoft.com/office/mac/drawingml/2011/main" val="1"/>
             </a:ext>
           </a:extLst>
         </p:spPr>
@@ -10739,7 +10905,7 @@
           </a:ln>
           <a:extLst>
             <a:ext uri="{C572A759-6A51-4108-AA02-DFA0A04FC94B}">
-              <ma14:wrappingTextBoxFlag xmlns:ma14="http://schemas.microsoft.com/office/mac/drawingml/2011/main" xmlns:a14="http://schemas.microsoft.com/office/drawing/2010/main" xmlns:m="http://schemas.openxmlformats.org/officeDocument/2006/math" xmlns="" val="1"/>
+              <ma14:wrappingTextBoxFlag xmlns="" xmlns:m="http://schemas.openxmlformats.org/officeDocument/2006/math" xmlns:a14="http://schemas.microsoft.com/office/drawing/2010/main" xmlns:ma14="http://schemas.microsoft.com/office/mac/drawingml/2011/main" val="1"/>
             </a:ext>
           </a:extLst>
         </p:spPr>
@@ -10849,7 +11015,7 @@
           </a:ln>
           <a:extLst>
             <a:ext uri="{C572A759-6A51-4108-AA02-DFA0A04FC94B}">
-              <ma14:wrappingTextBoxFlag xmlns:ma14="http://schemas.microsoft.com/office/mac/drawingml/2011/main" xmlns:a14="http://schemas.microsoft.com/office/drawing/2010/main" xmlns:m="http://schemas.openxmlformats.org/officeDocument/2006/math" xmlns="" val="1"/>
+              <ma14:wrappingTextBoxFlag xmlns="" xmlns:m="http://schemas.openxmlformats.org/officeDocument/2006/math" xmlns:a14="http://schemas.microsoft.com/office/drawing/2010/main" xmlns:ma14="http://schemas.microsoft.com/office/mac/drawingml/2011/main" val="1"/>
             </a:ext>
           </a:extLst>
         </p:spPr>
@@ -10903,7 +11069,7 @@
           </a:ln>
           <a:extLst>
             <a:ext uri="{C572A759-6A51-4108-AA02-DFA0A04FC94B}">
-              <ma14:wrappingTextBoxFlag xmlns:ma14="http://schemas.microsoft.com/office/mac/drawingml/2011/main" xmlns:a14="http://schemas.microsoft.com/office/drawing/2010/main" xmlns:m="http://schemas.openxmlformats.org/officeDocument/2006/math" xmlns="" val="1"/>
+              <ma14:wrappingTextBoxFlag xmlns="" xmlns:m="http://schemas.openxmlformats.org/officeDocument/2006/math" xmlns:a14="http://schemas.microsoft.com/office/drawing/2010/main" xmlns:ma14="http://schemas.microsoft.com/office/mac/drawingml/2011/main" val="1"/>
             </a:ext>
           </a:extLst>
         </p:spPr>
